--- a/14_01_13_CollectionGeneric/ch1402_CollectionGenericPractical/1402_CollectionGenericPractical.pptx
+++ b/14_01_13_CollectionGeneric/ch1402_CollectionGenericPractical/1402_CollectionGenericPractical.pptx
@@ -5,23 +5,22 @@
     <p:sldMasterId id="2147483648" r:id="rId1"/>
   </p:sldMasterIdLst>
   <p:notesMasterIdLst>
-    <p:notesMasterId r:id="rId16"/>
+    <p:notesMasterId r:id="rId15"/>
   </p:notesMasterIdLst>
   <p:sldIdLst>
     <p:sldId id="256" r:id="rId2"/>
     <p:sldId id="260" r:id="rId3"/>
     <p:sldId id="261" r:id="rId4"/>
     <p:sldId id="262" r:id="rId5"/>
-    <p:sldId id="264" r:id="rId6"/>
-    <p:sldId id="263" r:id="rId7"/>
-    <p:sldId id="265" r:id="rId8"/>
-    <p:sldId id="268" r:id="rId9"/>
-    <p:sldId id="266" r:id="rId10"/>
-    <p:sldId id="267" r:id="rId11"/>
-    <p:sldId id="269" r:id="rId12"/>
-    <p:sldId id="270" r:id="rId13"/>
-    <p:sldId id="271" r:id="rId14"/>
-    <p:sldId id="259" r:id="rId15"/>
+    <p:sldId id="263" r:id="rId6"/>
+    <p:sldId id="265" r:id="rId7"/>
+    <p:sldId id="268" r:id="rId8"/>
+    <p:sldId id="266" r:id="rId9"/>
+    <p:sldId id="267" r:id="rId10"/>
+    <p:sldId id="269" r:id="rId11"/>
+    <p:sldId id="270" r:id="rId12"/>
+    <p:sldId id="271" r:id="rId13"/>
+    <p:sldId id="259" r:id="rId14"/>
   </p:sldIdLst>
   <p:sldSz cx="9144000" cy="6858000" type="screen4x3"/>
   <p:notesSz cx="6858000" cy="9144000"/>
@@ -3611,439 +3610,6 @@
           <a:chExt cx="0" cy="0"/>
         </a:xfrm>
       </p:grpSpPr>
-      <p:pic>
-        <p:nvPicPr>
-          <p:cNvPr id="7" name="Picture 6">
-            <a:extLst>
-              <a:ext uri="{FF2B5EF4-FFF2-40B4-BE49-F238E27FC236}">
-                <a16:creationId xmlns:a16="http://schemas.microsoft.com/office/drawing/2014/main" id="{C5E29281-308C-44D3-8E4A-AB074B879039}"/>
-              </a:ext>
-            </a:extLst>
-          </p:cNvPr>
-          <p:cNvPicPr>
-            <a:picLocks noChangeAspect="1"/>
-          </p:cNvPicPr>
-          <p:nvPr/>
-        </p:nvPicPr>
-        <p:blipFill>
-          <a:blip r:embed="rId2"/>
-          <a:stretch>
-            <a:fillRect/>
-          </a:stretch>
-        </p:blipFill>
-        <p:spPr>
-          <a:xfrm>
-            <a:off x="2051720" y="1882376"/>
-            <a:ext cx="3852428" cy="4669110"/>
-          </a:xfrm>
-          <a:prstGeom prst="rect">
-            <a:avLst/>
-          </a:prstGeom>
-          <a:ln>
-            <a:solidFill>
-              <a:srgbClr val="C00000"/>
-            </a:solidFill>
-          </a:ln>
-        </p:spPr>
-      </p:pic>
-      <p:sp>
-        <p:nvSpPr>
-          <p:cNvPr id="2" name="標題 1"/>
-          <p:cNvSpPr>
-            <a:spLocks noGrp="1"/>
-          </p:cNvSpPr>
-          <p:nvPr>
-            <p:ph type="ctrTitle"/>
-          </p:nvPr>
-        </p:nvSpPr>
-        <p:spPr>
-          <a:xfrm>
-            <a:off x="0" y="1"/>
-            <a:ext cx="9144000" cy="764704"/>
-          </a:xfrm>
-          <a:gradFill flip="none" rotWithShape="1">
-            <a:gsLst>
-              <a:gs pos="0">
-                <a:srgbClr val="C00000">
-                  <a:shade val="30000"/>
-                  <a:satMod val="115000"/>
-                </a:srgbClr>
-              </a:gs>
-              <a:gs pos="50000">
-                <a:srgbClr val="C00000">
-                  <a:shade val="67500"/>
-                  <a:satMod val="115000"/>
-                </a:srgbClr>
-              </a:gs>
-              <a:gs pos="100000">
-                <a:srgbClr val="C00000">
-                  <a:shade val="100000"/>
-                  <a:satMod val="115000"/>
-                </a:srgbClr>
-              </a:gs>
-            </a:gsLst>
-            <a:path path="circle">
-              <a:fillToRect t="100000" r="100000"/>
-            </a:path>
-            <a:tileRect l="-100000" b="-100000"/>
-          </a:gradFill>
-        </p:spPr>
-        <p:txBody>
-          <a:bodyPr>
-            <a:normAutofit/>
-          </a:bodyPr>
-          <a:lstStyle/>
-          <a:p>
-            <a:pPr algn="l"/>
-            <a:r>
-              <a:rPr lang="en-US" altLang="zh-TW" b="1" dirty="0">
-                <a:solidFill>
-                  <a:srgbClr val="FFFF00"/>
-                </a:solidFill>
-              </a:rPr>
-              <a:t>14.02.01 Loop Objects by Iterator</a:t>
-            </a:r>
-            <a:endParaRPr lang="zh-TW" altLang="en-US" b="1" dirty="0">
-              <a:solidFill>
-                <a:srgbClr val="FFFF00"/>
-              </a:solidFill>
-            </a:endParaRPr>
-          </a:p>
-        </p:txBody>
-      </p:sp>
-      <p:sp>
-        <p:nvSpPr>
-          <p:cNvPr id="3" name="副標題 2"/>
-          <p:cNvSpPr>
-            <a:spLocks noGrp="1"/>
-          </p:cNvSpPr>
-          <p:nvPr>
-            <p:ph type="subTitle" idx="1"/>
-          </p:nvPr>
-        </p:nvSpPr>
-        <p:spPr>
-          <a:xfrm>
-            <a:off x="467544" y="1268760"/>
-            <a:ext cx="8352928" cy="469600"/>
-          </a:xfrm>
-          <a:ln>
-            <a:solidFill>
-              <a:srgbClr val="C00000"/>
-            </a:solidFill>
-          </a:ln>
-        </p:spPr>
-        <p:txBody>
-          <a:bodyPr>
-            <a:noAutofit/>
-          </a:bodyPr>
-          <a:lstStyle/>
-          <a:p>
-            <a:pPr marL="342900" indent="-342900" algn="l">
-              <a:buClr>
-                <a:srgbClr val="0070C0"/>
-              </a:buClr>
-              <a:buSzPct val="80000"/>
-              <a:buFont typeface="Wingdings" pitchFamily="2" charset="2"/>
-              <a:buChar char="u"/>
-            </a:pPr>
-            <a:r>
-              <a:rPr lang="en-US" altLang="zh-TW" sz="1600" dirty="0">
-                <a:solidFill>
-                  <a:schemeClr val="tx1"/>
-                </a:solidFill>
-              </a:rPr>
-              <a:t>Use while (</a:t>
-            </a:r>
-            <a:r>
-              <a:rPr lang="en-US" altLang="zh-TW" sz="1600" dirty="0" err="1">
-                <a:solidFill>
-                  <a:schemeClr val="tx1"/>
-                </a:solidFill>
-              </a:rPr>
-              <a:t>i.hasNext</a:t>
-            </a:r>
-            <a:r>
-              <a:rPr lang="en-US" altLang="zh-TW" sz="1600" dirty="0">
-                <a:solidFill>
-                  <a:schemeClr val="tx1"/>
-                </a:solidFill>
-              </a:rPr>
-              <a:t>()) to loop all the elements and print with </a:t>
-            </a:r>
-            <a:r>
-              <a:rPr lang="en-US" altLang="zh-TW" sz="1600" dirty="0" err="1">
-                <a:solidFill>
-                  <a:schemeClr val="tx1"/>
-                </a:solidFill>
-              </a:rPr>
-              <a:t>i.next</a:t>
-            </a:r>
-            <a:r>
-              <a:rPr lang="en-US" altLang="zh-TW" sz="1600" dirty="0">
-                <a:solidFill>
-                  <a:schemeClr val="tx1"/>
-                </a:solidFill>
-              </a:rPr>
-              <a:t>().</a:t>
-            </a:r>
-          </a:p>
-        </p:txBody>
-      </p:sp>
-      <p:sp>
-        <p:nvSpPr>
-          <p:cNvPr id="4" name="標題 1"/>
-          <p:cNvSpPr txBox="1">
-            <a:spLocks/>
-          </p:cNvSpPr>
-          <p:nvPr/>
-        </p:nvSpPr>
-        <p:spPr>
-          <a:xfrm>
-            <a:off x="0" y="764704"/>
-            <a:ext cx="9144000" cy="360040"/>
-          </a:xfrm>
-          <a:prstGeom prst="rect">
-            <a:avLst/>
-          </a:prstGeom>
-          <a:gradFill flip="none" rotWithShape="1">
-            <a:gsLst>
-              <a:gs pos="0">
-                <a:srgbClr val="00B0F0">
-                  <a:shade val="30000"/>
-                  <a:satMod val="115000"/>
-                </a:srgbClr>
-              </a:gs>
-              <a:gs pos="50000">
-                <a:srgbClr val="00B0F0">
-                  <a:shade val="67500"/>
-                  <a:satMod val="115000"/>
-                </a:srgbClr>
-              </a:gs>
-              <a:gs pos="100000">
-                <a:srgbClr val="00B0F0">
-                  <a:shade val="100000"/>
-                  <a:satMod val="115000"/>
-                </a:srgbClr>
-              </a:gs>
-            </a:gsLst>
-            <a:path path="circle">
-              <a:fillToRect t="100000" r="100000"/>
-            </a:path>
-            <a:tileRect l="-100000" b="-100000"/>
-          </a:gradFill>
-        </p:spPr>
-        <p:txBody>
-          <a:bodyPr vert="horz" lIns="91440" tIns="45720" rIns="91440" bIns="45720" rtlCol="0" anchor="ctr">
-            <a:normAutofit fontScale="92500"/>
-          </a:bodyPr>
-          <a:lstStyle/>
-          <a:p>
-            <a:pPr lvl="0">
-              <a:spcBef>
-                <a:spcPct val="0"/>
-              </a:spcBef>
-            </a:pPr>
-            <a:r>
-              <a:rPr lang="en-US" altLang="zh-TW" sz="1600" dirty="0">
-                <a:latin typeface="+mj-lt"/>
-                <a:ea typeface="+mj-ea"/>
-                <a:cs typeface="+mj-cs"/>
-              </a:rPr>
-              <a:t>https://www.youtube.com/watch?v=HhrQqmp3hXI&amp;list=PLsyeobzWxl7oZ-fxDYkOToURHhMuWD1BK&amp;index=133</a:t>
-            </a:r>
-            <a:endParaRPr kumimoji="0" lang="zh-TW" altLang="en-US" sz="1600" b="0" i="0" u="none" strike="noStrike" kern="1200" cap="none" spc="0" normalizeH="0" baseline="0" noProof="0" dirty="0">
-              <a:ln>
-                <a:noFill/>
-              </a:ln>
-              <a:solidFill>
-                <a:schemeClr val="tx1"/>
-              </a:solidFill>
-              <a:effectLst/>
-              <a:uLnTx/>
-              <a:uFillTx/>
-              <a:latin typeface="+mj-lt"/>
-              <a:ea typeface="+mj-ea"/>
-              <a:cs typeface="+mj-cs"/>
-            </a:endParaRPr>
-          </a:p>
-        </p:txBody>
-      </p:sp>
-      <p:sp>
-        <p:nvSpPr>
-          <p:cNvPr id="5" name="日期版面配置區 4"/>
-          <p:cNvSpPr>
-            <a:spLocks noGrp="1"/>
-          </p:cNvSpPr>
-          <p:nvPr>
-            <p:ph type="dt" sz="half" idx="10"/>
-          </p:nvPr>
-        </p:nvSpPr>
-        <p:spPr/>
-        <p:txBody>
-          <a:bodyPr/>
-          <a:lstStyle/>
-          <a:p>
-            <a:fld id="{A4F910E6-8D00-4BAF-8C48-9688E0B449D3}" type="datetime1">
-              <a:rPr lang="zh-TW" altLang="en-US" smtClean="0"/>
-              <a:pPr/>
-              <a:t>2019/3/20</a:t>
-            </a:fld>
-            <a:endParaRPr lang="zh-TW" altLang="en-US"/>
-          </a:p>
-        </p:txBody>
-      </p:sp>
-      <p:sp>
-        <p:nvSpPr>
-          <p:cNvPr id="6" name="投影片編號版面配置區 5"/>
-          <p:cNvSpPr>
-            <a:spLocks noGrp="1"/>
-          </p:cNvSpPr>
-          <p:nvPr>
-            <p:ph type="sldNum" sz="quarter" idx="12"/>
-          </p:nvPr>
-        </p:nvSpPr>
-        <p:spPr/>
-        <p:txBody>
-          <a:bodyPr/>
-          <a:lstStyle/>
-          <a:p>
-            <a:fld id="{E4D7E63D-91F2-4366-A2C4-1B00C9E2590E}" type="slidenum">
-              <a:rPr lang="zh-TW" altLang="en-US" smtClean="0"/>
-              <a:pPr/>
-              <a:t>10</a:t>
-            </a:fld>
-            <a:endParaRPr lang="zh-TW" altLang="en-US"/>
-          </a:p>
-        </p:txBody>
-      </p:sp>
-      <p:sp>
-        <p:nvSpPr>
-          <p:cNvPr id="129" name="Rectangle 128">
-            <a:extLst>
-              <a:ext uri="{FF2B5EF4-FFF2-40B4-BE49-F238E27FC236}">
-                <a16:creationId xmlns:a16="http://schemas.microsoft.com/office/drawing/2014/main" id="{9F68A035-546B-4E11-ADFC-7FBDDAC42022}"/>
-              </a:ext>
-            </a:extLst>
-          </p:cNvPr>
-          <p:cNvSpPr/>
-          <p:nvPr/>
-        </p:nvSpPr>
-        <p:spPr>
-          <a:xfrm>
-            <a:off x="2771800" y="4581128"/>
-            <a:ext cx="2304256" cy="576064"/>
-          </a:xfrm>
-          <a:prstGeom prst="rect">
-            <a:avLst/>
-          </a:prstGeom>
-          <a:noFill/>
-          <a:ln>
-            <a:solidFill>
-              <a:srgbClr val="C00000"/>
-            </a:solidFill>
-          </a:ln>
-        </p:spPr>
-        <p:style>
-          <a:lnRef idx="2">
-            <a:schemeClr val="accent1">
-              <a:shade val="50000"/>
-            </a:schemeClr>
-          </a:lnRef>
-          <a:fillRef idx="1">
-            <a:schemeClr val="accent1"/>
-          </a:fillRef>
-          <a:effectRef idx="0">
-            <a:schemeClr val="accent1"/>
-          </a:effectRef>
-          <a:fontRef idx="minor">
-            <a:schemeClr val="lt1"/>
-          </a:fontRef>
-        </p:style>
-        <p:txBody>
-          <a:bodyPr rtlCol="0" anchor="ctr"/>
-          <a:lstStyle/>
-          <a:p>
-            <a:pPr algn="ctr"/>
-            <a:endParaRPr lang="en-US"/>
-          </a:p>
-        </p:txBody>
-      </p:sp>
-      <p:cxnSp>
-        <p:nvCxnSpPr>
-          <p:cNvPr id="131" name="Straight Arrow Connector 130">
-            <a:extLst>
-              <a:ext uri="{FF2B5EF4-FFF2-40B4-BE49-F238E27FC236}">
-                <a16:creationId xmlns:a16="http://schemas.microsoft.com/office/drawing/2014/main" id="{70BAF35F-69E8-4346-86B2-726DF28197E9}"/>
-              </a:ext>
-            </a:extLst>
-          </p:cNvPr>
-          <p:cNvCxnSpPr>
-            <a:cxnSpLocks/>
-            <a:stCxn id="3" idx="2"/>
-            <a:endCxn id="129" idx="0"/>
-          </p:cNvCxnSpPr>
-          <p:nvPr/>
-        </p:nvCxnSpPr>
-        <p:spPr>
-          <a:xfrm flipH="1">
-            <a:off x="3923928" y="1738360"/>
-            <a:ext cx="720080" cy="2842768"/>
-          </a:xfrm>
-          <a:prstGeom prst="straightConnector1">
-            <a:avLst/>
-          </a:prstGeom>
-          <a:ln>
-            <a:solidFill>
-              <a:srgbClr val="C00000"/>
-            </a:solidFill>
-            <a:tailEnd type="triangle"/>
-          </a:ln>
-        </p:spPr>
-        <p:style>
-          <a:lnRef idx="1">
-            <a:schemeClr val="accent1"/>
-          </a:lnRef>
-          <a:fillRef idx="0">
-            <a:schemeClr val="accent1"/>
-          </a:fillRef>
-          <a:effectRef idx="0">
-            <a:schemeClr val="accent1"/>
-          </a:effectRef>
-          <a:fontRef idx="minor">
-            <a:schemeClr val="tx1"/>
-          </a:fontRef>
-        </p:style>
-      </p:cxnSp>
-    </p:spTree>
-    <p:extLst>
-      <p:ext uri="{BB962C8B-B14F-4D97-AF65-F5344CB8AC3E}">
-        <p14:creationId xmlns:p14="http://schemas.microsoft.com/office/powerpoint/2010/main" val="166083836"/>
-      </p:ext>
-    </p:extLst>
-  </p:cSld>
-  <p:clrMapOvr>
-    <a:masterClrMapping/>
-  </p:clrMapOvr>
-</p:sld>
-</file>
-
-<file path=ppt/slides/slide11.xml><?xml version="1.0" encoding="utf-8"?>
-<p:sld xmlns:a="http://schemas.openxmlformats.org/drawingml/2006/main" xmlns:r="http://schemas.openxmlformats.org/officeDocument/2006/relationships" xmlns:p="http://schemas.openxmlformats.org/presentationml/2006/main">
-  <p:cSld>
-    <p:spTree>
-      <p:nvGrpSpPr>
-        <p:cNvPr id="1" name=""/>
-        <p:cNvGrpSpPr/>
-        <p:nvPr/>
-      </p:nvGrpSpPr>
-      <p:grpSpPr>
-        <a:xfrm>
-          <a:off x="0" y="0"/>
-          <a:ext cx="0" cy="0"/>
-          <a:chOff x="0" y="0"/>
-          <a:chExt cx="0" cy="0"/>
-        </a:xfrm>
-      </p:grpSpPr>
       <p:sp>
         <p:nvSpPr>
           <p:cNvPr id="2" name="標題 1"/>
@@ -4157,7 +3723,7 @@
             <a:fld id="{E4D7E63D-91F2-4366-A2C4-1B00C9E2590E}" type="slidenum">
               <a:rPr lang="zh-TW" altLang="en-US" smtClean="0"/>
               <a:pPr/>
-              <a:t>11</a:t>
+              <a:t>10</a:t>
             </a:fld>
             <a:endParaRPr lang="zh-TW" altLang="en-US"/>
           </a:p>
@@ -4208,7 +3774,7 @@
 </p:sld>
 </file>
 
-<file path=ppt/slides/slide12.xml><?xml version="1.0" encoding="utf-8"?>
+<file path=ppt/slides/slide11.xml><?xml version="1.0" encoding="utf-8"?>
 <p:sld xmlns:a="http://schemas.openxmlformats.org/drawingml/2006/main" xmlns:r="http://schemas.openxmlformats.org/officeDocument/2006/relationships" xmlns:p="http://schemas.openxmlformats.org/presentationml/2006/main">
   <p:cSld>
     <p:spTree>
@@ -4628,7 +4194,7 @@
             <a:fld id="{E4D7E63D-91F2-4366-A2C4-1B00C9E2590E}" type="slidenum">
               <a:rPr lang="zh-TW" altLang="en-US" smtClean="0"/>
               <a:pPr/>
-              <a:t>12</a:t>
+              <a:t>11</a:t>
             </a:fld>
             <a:endParaRPr lang="zh-TW" altLang="en-US"/>
           </a:p>
@@ -4744,7 +4310,7 @@
 </p:sld>
 </file>
 
-<file path=ppt/slides/slide13.xml><?xml version="1.0" encoding="utf-8"?>
+<file path=ppt/slides/slide12.xml><?xml version="1.0" encoding="utf-8"?>
 <p:sld xmlns:a="http://schemas.openxmlformats.org/drawingml/2006/main" xmlns:r="http://schemas.openxmlformats.org/officeDocument/2006/relationships" xmlns:p="http://schemas.openxmlformats.org/presentationml/2006/main">
   <p:cSld>
     <p:spTree>
@@ -5025,7 +4591,7 @@
             <a:fld id="{E4D7E63D-91F2-4366-A2C4-1B00C9E2590E}" type="slidenum">
               <a:rPr lang="zh-TW" altLang="en-US" smtClean="0"/>
               <a:pPr/>
-              <a:t>13</a:t>
+              <a:t>12</a:t>
             </a:fld>
             <a:endParaRPr lang="zh-TW" altLang="en-US"/>
           </a:p>
@@ -5142,7 +4708,7 @@
 </p:sld>
 </file>
 
-<file path=ppt/slides/slide14.xml><?xml version="1.0" encoding="utf-8"?>
+<file path=ppt/slides/slide13.xml><?xml version="1.0" encoding="utf-8"?>
 <p:sld xmlns:a="http://schemas.openxmlformats.org/drawingml/2006/main" xmlns:r="http://schemas.openxmlformats.org/officeDocument/2006/relationships" xmlns:p="http://schemas.openxmlformats.org/presentationml/2006/main">
   <p:cSld>
     <p:spTree>
@@ -5265,7 +4831,7 @@
             <a:fld id="{E4D7E63D-91F2-4366-A2C4-1B00C9E2590E}" type="slidenum">
               <a:rPr lang="zh-TW" altLang="en-US" smtClean="0"/>
               <a:pPr/>
-              <a:t>14</a:t>
+              <a:t>13</a:t>
             </a:fld>
             <a:endParaRPr lang="zh-TW" altLang="en-US"/>
           </a:p>
@@ -6062,41 +5628,6 @@
           <a:chExt cx="0" cy="0"/>
         </a:xfrm>
       </p:grpSpPr>
-      <p:pic>
-        <p:nvPicPr>
-          <p:cNvPr id="14" name="Picture 13">
-            <a:extLst>
-              <a:ext uri="{FF2B5EF4-FFF2-40B4-BE49-F238E27FC236}">
-                <a16:creationId xmlns:a16="http://schemas.microsoft.com/office/drawing/2014/main" id="{E7A96C24-86CA-4BEF-B3D8-4C5D79D7D2DC}"/>
-              </a:ext>
-            </a:extLst>
-          </p:cNvPr>
-          <p:cNvPicPr>
-            <a:picLocks noChangeAspect="1"/>
-          </p:cNvPicPr>
-          <p:nvPr/>
-        </p:nvPicPr>
-        <p:blipFill>
-          <a:blip r:embed="rId2"/>
-          <a:stretch>
-            <a:fillRect/>
-          </a:stretch>
-        </p:blipFill>
-        <p:spPr>
-          <a:xfrm>
-            <a:off x="3752665" y="3480494"/>
-            <a:ext cx="5077479" cy="2493218"/>
-          </a:xfrm>
-          <a:prstGeom prst="rect">
-            <a:avLst/>
-          </a:prstGeom>
-          <a:ln>
-            <a:solidFill>
-              <a:srgbClr val="C00000"/>
-            </a:solidFill>
-          </a:ln>
-        </p:spPr>
-      </p:pic>
       <p:sp>
         <p:nvSpPr>
           <p:cNvPr id="2" name="標題 1"/>
@@ -6203,7 +5734,7 @@
                   <a:schemeClr val="tx1"/>
                 </a:solidFill>
               </a:rPr>
-              <a:t>Google “Collection API in Java”.</a:t>
+              <a:t>Google “Collection API in Java” and “Map Interface in Java”.</a:t>
             </a:r>
           </a:p>
         </p:txBody>
@@ -6337,10 +5868,45 @@
       </p:sp>
       <p:pic>
         <p:nvPicPr>
-          <p:cNvPr id="12" name="Picture 11">
+          <p:cNvPr id="8" name="Picture 7">
             <a:extLst>
               <a:ext uri="{FF2B5EF4-FFF2-40B4-BE49-F238E27FC236}">
-                <a16:creationId xmlns:a16="http://schemas.microsoft.com/office/drawing/2014/main" id="{43691173-D047-4CB3-8588-8C751F8AA111}"/>
+                <a16:creationId xmlns:a16="http://schemas.microsoft.com/office/drawing/2014/main" id="{48DE8EF4-1378-4730-9DEB-780EE48D8982}"/>
+              </a:ext>
+            </a:extLst>
+          </p:cNvPr>
+          <p:cNvPicPr>
+            <a:picLocks noChangeAspect="1"/>
+          </p:cNvPicPr>
+          <p:nvPr/>
+        </p:nvPicPr>
+        <p:blipFill>
+          <a:blip r:embed="rId2"/>
+          <a:stretch>
+            <a:fillRect/>
+          </a:stretch>
+        </p:blipFill>
+        <p:spPr>
+          <a:xfrm>
+            <a:off x="457200" y="2031631"/>
+            <a:ext cx="4413031" cy="3109732"/>
+          </a:xfrm>
+          <a:prstGeom prst="rect">
+            <a:avLst/>
+          </a:prstGeom>
+          <a:ln>
+            <a:solidFill>
+              <a:srgbClr val="C00000"/>
+            </a:solidFill>
+          </a:ln>
+        </p:spPr>
+      </p:pic>
+      <p:pic>
+        <p:nvPicPr>
+          <p:cNvPr id="9" name="Picture 8">
+            <a:extLst>
+              <a:ext uri="{FF2B5EF4-FFF2-40B4-BE49-F238E27FC236}">
+                <a16:creationId xmlns:a16="http://schemas.microsoft.com/office/drawing/2014/main" id="{3897D56B-F846-44ED-8B72-18EE2572B624}"/>
               </a:ext>
             </a:extLst>
           </p:cNvPr>
@@ -6357,8 +5923,8 @@
         </p:blipFill>
         <p:spPr>
           <a:xfrm>
-            <a:off x="539552" y="1750045"/>
-            <a:ext cx="2745617" cy="3460899"/>
+            <a:off x="5090649" y="2031631"/>
+            <a:ext cx="3729823" cy="2697753"/>
           </a:xfrm>
           <a:prstGeom prst="rect">
             <a:avLst/>
@@ -6370,103 +5936,6 @@
           </a:ln>
         </p:spPr>
       </p:pic>
-      <p:sp>
-        <p:nvSpPr>
-          <p:cNvPr id="13" name="Rectangle 12">
-            <a:extLst>
-              <a:ext uri="{FF2B5EF4-FFF2-40B4-BE49-F238E27FC236}">
-                <a16:creationId xmlns:a16="http://schemas.microsoft.com/office/drawing/2014/main" id="{BE35145C-4D91-4FC1-96F8-A9CEE5B0B36D}"/>
-              </a:ext>
-            </a:extLst>
-          </p:cNvPr>
-          <p:cNvSpPr/>
-          <p:nvPr/>
-        </p:nvSpPr>
-        <p:spPr>
-          <a:xfrm>
-            <a:off x="1691680" y="4217151"/>
-            <a:ext cx="1593489" cy="969730"/>
-          </a:xfrm>
-          <a:prstGeom prst="rect">
-            <a:avLst/>
-          </a:prstGeom>
-          <a:noFill/>
-          <a:ln>
-            <a:solidFill>
-              <a:srgbClr val="C00000"/>
-            </a:solidFill>
-          </a:ln>
-        </p:spPr>
-        <p:style>
-          <a:lnRef idx="2">
-            <a:schemeClr val="accent1">
-              <a:shade val="50000"/>
-            </a:schemeClr>
-          </a:lnRef>
-          <a:fillRef idx="1">
-            <a:schemeClr val="accent1"/>
-          </a:fillRef>
-          <a:effectRef idx="0">
-            <a:schemeClr val="accent1"/>
-          </a:effectRef>
-          <a:fontRef idx="minor">
-            <a:schemeClr val="lt1"/>
-          </a:fontRef>
-        </p:style>
-        <p:txBody>
-          <a:bodyPr rtlCol="0" anchor="ctr"/>
-          <a:lstStyle/>
-          <a:p>
-            <a:pPr algn="ctr"/>
-            <a:endParaRPr lang="en-US"/>
-          </a:p>
-        </p:txBody>
-      </p:sp>
-      <p:cxnSp>
-        <p:nvCxnSpPr>
-          <p:cNvPr id="16" name="Straight Arrow Connector 15">
-            <a:extLst>
-              <a:ext uri="{FF2B5EF4-FFF2-40B4-BE49-F238E27FC236}">
-                <a16:creationId xmlns:a16="http://schemas.microsoft.com/office/drawing/2014/main" id="{D72182A1-CBAA-43D2-B31E-F8DFDDA9DF8D}"/>
-              </a:ext>
-            </a:extLst>
-          </p:cNvPr>
-          <p:cNvCxnSpPr>
-            <a:stCxn id="13" idx="3"/>
-            <a:endCxn id="14" idx="1"/>
-          </p:cNvCxnSpPr>
-          <p:nvPr/>
-        </p:nvCxnSpPr>
-        <p:spPr>
-          <a:xfrm>
-            <a:off x="3285169" y="4702016"/>
-            <a:ext cx="467496" cy="25087"/>
-          </a:xfrm>
-          <a:prstGeom prst="straightConnector1">
-            <a:avLst/>
-          </a:prstGeom>
-          <a:ln>
-            <a:solidFill>
-              <a:srgbClr val="C00000"/>
-            </a:solidFill>
-            <a:tailEnd type="triangle"/>
-          </a:ln>
-        </p:spPr>
-        <p:style>
-          <a:lnRef idx="1">
-            <a:schemeClr val="accent1"/>
-          </a:lnRef>
-          <a:fillRef idx="0">
-            <a:schemeClr val="accent1"/>
-          </a:fillRef>
-          <a:effectRef idx="0">
-            <a:schemeClr val="accent1"/>
-          </a:effectRef>
-          <a:fontRef idx="minor">
-            <a:schemeClr val="tx1"/>
-          </a:fontRef>
-        </p:style>
-      </p:cxnSp>
     </p:spTree>
     <p:extLst>
       <p:ext uri="{BB962C8B-B14F-4D97-AF65-F5344CB8AC3E}">
@@ -6497,41 +5966,6 @@
           <a:chExt cx="0" cy="0"/>
         </a:xfrm>
       </p:grpSpPr>
-      <p:pic>
-        <p:nvPicPr>
-          <p:cNvPr id="14" name="Picture 13">
-            <a:extLst>
-              <a:ext uri="{FF2B5EF4-FFF2-40B4-BE49-F238E27FC236}">
-                <a16:creationId xmlns:a16="http://schemas.microsoft.com/office/drawing/2014/main" id="{E7A96C24-86CA-4BEF-B3D8-4C5D79D7D2DC}"/>
-              </a:ext>
-            </a:extLst>
-          </p:cNvPr>
-          <p:cNvPicPr>
-            <a:picLocks noChangeAspect="1"/>
-          </p:cNvPicPr>
-          <p:nvPr/>
-        </p:nvPicPr>
-        <p:blipFill>
-          <a:blip r:embed="rId2"/>
-          <a:stretch>
-            <a:fillRect/>
-          </a:stretch>
-        </p:blipFill>
-        <p:spPr>
-          <a:xfrm>
-            <a:off x="457200" y="2400461"/>
-            <a:ext cx="2924037" cy="1435803"/>
-          </a:xfrm>
-          <a:prstGeom prst="rect">
-            <a:avLst/>
-          </a:prstGeom>
-          <a:ln>
-            <a:solidFill>
-              <a:srgbClr val="C00000"/>
-            </a:solidFill>
-          </a:ln>
-        </p:spPr>
-      </p:pic>
       <p:sp>
         <p:nvSpPr>
           <p:cNvPr id="2" name="標題 1"/>
@@ -6609,8 +6043,8 @@
         </p:nvSpPr>
         <p:spPr>
           <a:xfrm>
-            <a:off x="467544" y="1268759"/>
-            <a:ext cx="8352928" cy="822219"/>
+            <a:off x="467544" y="1268760"/>
+            <a:ext cx="8352928" cy="648072"/>
           </a:xfrm>
           <a:ln>
             <a:solidFill>
@@ -6638,7 +6072,7 @@
                   <a:schemeClr val="tx1"/>
                 </a:solidFill>
               </a:rPr>
-              <a:t>Google “Collection API in Java”. The Collection Interface have Set, List, and Queue Interface.</a:t>
+              <a:t>In this example, we have Collection Interface and class ArrayList.</a:t>
             </a:r>
           </a:p>
           <a:p>
@@ -6656,7 +6090,7 @@
                   <a:schemeClr val="tx1"/>
                 </a:solidFill>
               </a:rPr>
-              <a:t>Inside the List interface, we have ArrayList, Vector, and LinkedList.</a:t>
+              <a:t>Once we got the object of ArrayList. </a:t>
             </a:r>
           </a:p>
         </p:txBody>
@@ -6788,2235 +6222,6 @@
           </a:p>
         </p:txBody>
       </p:sp>
-      <p:sp>
-        <p:nvSpPr>
-          <p:cNvPr id="7" name="Rectangle 6">
-            <a:extLst>
-              <a:ext uri="{FF2B5EF4-FFF2-40B4-BE49-F238E27FC236}">
-                <a16:creationId xmlns:a16="http://schemas.microsoft.com/office/drawing/2014/main" id="{F8961277-9E4D-4407-99EF-C4A7A1897ECA}"/>
-              </a:ext>
-            </a:extLst>
-          </p:cNvPr>
-          <p:cNvSpPr/>
-          <p:nvPr/>
-        </p:nvSpPr>
-        <p:spPr>
-          <a:xfrm>
-            <a:off x="5065712" y="2416122"/>
-            <a:ext cx="1224136" cy="360040"/>
-          </a:xfrm>
-          <a:prstGeom prst="rect">
-            <a:avLst/>
-          </a:prstGeom>
-          <a:solidFill>
-            <a:schemeClr val="bg1">
-              <a:lumMod val="85000"/>
-            </a:schemeClr>
-          </a:solidFill>
-          <a:ln>
-            <a:solidFill>
-              <a:srgbClr val="C00000"/>
-            </a:solidFill>
-          </a:ln>
-        </p:spPr>
-        <p:style>
-          <a:lnRef idx="2">
-            <a:schemeClr val="accent1">
-              <a:shade val="50000"/>
-            </a:schemeClr>
-          </a:lnRef>
-          <a:fillRef idx="1">
-            <a:schemeClr val="accent1"/>
-          </a:fillRef>
-          <a:effectRef idx="0">
-            <a:schemeClr val="accent1"/>
-          </a:effectRef>
-          <a:fontRef idx="minor">
-            <a:schemeClr val="lt1"/>
-          </a:fontRef>
-        </p:style>
-        <p:txBody>
-          <a:bodyPr rtlCol="0" anchor="ctr"/>
-          <a:lstStyle/>
-          <a:p>
-            <a:pPr algn="ctr"/>
-            <a:r>
-              <a:rPr lang="en-US" dirty="0">
-                <a:solidFill>
-                  <a:schemeClr val="tx1"/>
-                </a:solidFill>
-              </a:rPr>
-              <a:t>Collection</a:t>
-            </a:r>
-          </a:p>
-        </p:txBody>
-      </p:sp>
-      <p:sp>
-        <p:nvSpPr>
-          <p:cNvPr id="15" name="Rectangle 14">
-            <a:extLst>
-              <a:ext uri="{FF2B5EF4-FFF2-40B4-BE49-F238E27FC236}">
-                <a16:creationId xmlns:a16="http://schemas.microsoft.com/office/drawing/2014/main" id="{0F91B2E0-59EB-4B88-B26F-A4BC57F94C49}"/>
-              </a:ext>
-            </a:extLst>
-          </p:cNvPr>
-          <p:cNvSpPr/>
-          <p:nvPr/>
-        </p:nvSpPr>
-        <p:spPr>
-          <a:xfrm>
-            <a:off x="6450673" y="2416122"/>
-            <a:ext cx="395064" cy="360040"/>
-          </a:xfrm>
-          <a:prstGeom prst="rect">
-            <a:avLst/>
-          </a:prstGeom>
-          <a:solidFill>
-            <a:srgbClr val="FFFF00"/>
-          </a:solidFill>
-          <a:ln>
-            <a:solidFill>
-              <a:srgbClr val="C00000"/>
-            </a:solidFill>
-          </a:ln>
-        </p:spPr>
-        <p:style>
-          <a:lnRef idx="2">
-            <a:schemeClr val="accent1">
-              <a:shade val="50000"/>
-            </a:schemeClr>
-          </a:lnRef>
-          <a:fillRef idx="1">
-            <a:schemeClr val="accent1"/>
-          </a:fillRef>
-          <a:effectRef idx="0">
-            <a:schemeClr val="accent1"/>
-          </a:effectRef>
-          <a:fontRef idx="minor">
-            <a:schemeClr val="lt1"/>
-          </a:fontRef>
-        </p:style>
-        <p:txBody>
-          <a:bodyPr rtlCol="0" anchor="ctr"/>
-          <a:lstStyle/>
-          <a:p>
-            <a:pPr algn="ctr"/>
-            <a:r>
-              <a:rPr lang="en-US" dirty="0">
-                <a:solidFill>
-                  <a:schemeClr val="tx1"/>
-                </a:solidFill>
-              </a:rPr>
-              <a:t>I</a:t>
-            </a:r>
-          </a:p>
-        </p:txBody>
-      </p:sp>
-      <p:sp>
-        <p:nvSpPr>
-          <p:cNvPr id="17" name="Rectangle 16">
-            <a:extLst>
-              <a:ext uri="{FF2B5EF4-FFF2-40B4-BE49-F238E27FC236}">
-                <a16:creationId xmlns:a16="http://schemas.microsoft.com/office/drawing/2014/main" id="{609DEBB0-F3D9-46C3-967B-3F0A7A0B5802}"/>
-              </a:ext>
-            </a:extLst>
-          </p:cNvPr>
-          <p:cNvSpPr/>
-          <p:nvPr/>
-        </p:nvSpPr>
-        <p:spPr>
-          <a:xfrm>
-            <a:off x="349238" y="3946549"/>
-            <a:ext cx="1296144" cy="360040"/>
-          </a:xfrm>
-          <a:prstGeom prst="rect">
-            <a:avLst/>
-          </a:prstGeom>
-          <a:solidFill>
-            <a:srgbClr val="FFFF00"/>
-          </a:solidFill>
-          <a:ln>
-            <a:solidFill>
-              <a:srgbClr val="C00000"/>
-            </a:solidFill>
-          </a:ln>
-        </p:spPr>
-        <p:style>
-          <a:lnRef idx="2">
-            <a:schemeClr val="accent1">
-              <a:shade val="50000"/>
-            </a:schemeClr>
-          </a:lnRef>
-          <a:fillRef idx="1">
-            <a:schemeClr val="accent1"/>
-          </a:fillRef>
-          <a:effectRef idx="0">
-            <a:schemeClr val="accent1"/>
-          </a:effectRef>
-          <a:fontRef idx="minor">
-            <a:schemeClr val="lt1"/>
-          </a:fontRef>
-        </p:style>
-        <p:txBody>
-          <a:bodyPr rtlCol="0" anchor="ctr"/>
-          <a:lstStyle/>
-          <a:p>
-            <a:r>
-              <a:rPr lang="en-US" dirty="0">
-                <a:solidFill>
-                  <a:schemeClr val="tx1"/>
-                </a:solidFill>
-              </a:rPr>
-              <a:t>I: Interface</a:t>
-            </a:r>
-          </a:p>
-        </p:txBody>
-      </p:sp>
-      <p:sp>
-        <p:nvSpPr>
-          <p:cNvPr id="18" name="Rectangle 17">
-            <a:extLst>
-              <a:ext uri="{FF2B5EF4-FFF2-40B4-BE49-F238E27FC236}">
-                <a16:creationId xmlns:a16="http://schemas.microsoft.com/office/drawing/2014/main" id="{24617BF7-9ABA-4910-8EF0-A3F5E706AC18}"/>
-              </a:ext>
-            </a:extLst>
-          </p:cNvPr>
-          <p:cNvSpPr/>
-          <p:nvPr/>
-        </p:nvSpPr>
-        <p:spPr>
-          <a:xfrm>
-            <a:off x="3737910" y="3576105"/>
-            <a:ext cx="607722" cy="360040"/>
-          </a:xfrm>
-          <a:prstGeom prst="rect">
-            <a:avLst/>
-          </a:prstGeom>
-          <a:solidFill>
-            <a:schemeClr val="bg1">
-              <a:lumMod val="85000"/>
-            </a:schemeClr>
-          </a:solidFill>
-          <a:ln>
-            <a:solidFill>
-              <a:srgbClr val="C00000"/>
-            </a:solidFill>
-          </a:ln>
-        </p:spPr>
-        <p:style>
-          <a:lnRef idx="2">
-            <a:schemeClr val="accent1">
-              <a:shade val="50000"/>
-            </a:schemeClr>
-          </a:lnRef>
-          <a:fillRef idx="1">
-            <a:schemeClr val="accent1"/>
-          </a:fillRef>
-          <a:effectRef idx="0">
-            <a:schemeClr val="accent1"/>
-          </a:effectRef>
-          <a:fontRef idx="minor">
-            <a:schemeClr val="lt1"/>
-          </a:fontRef>
-        </p:style>
-        <p:txBody>
-          <a:bodyPr rtlCol="0" anchor="ctr"/>
-          <a:lstStyle/>
-          <a:p>
-            <a:pPr algn="ctr"/>
-            <a:r>
-              <a:rPr lang="en-US" dirty="0">
-                <a:solidFill>
-                  <a:schemeClr val="tx1"/>
-                </a:solidFill>
-              </a:rPr>
-              <a:t>Set</a:t>
-            </a:r>
-          </a:p>
-        </p:txBody>
-      </p:sp>
-      <p:sp>
-        <p:nvSpPr>
-          <p:cNvPr id="19" name="Rectangle 18">
-            <a:extLst>
-              <a:ext uri="{FF2B5EF4-FFF2-40B4-BE49-F238E27FC236}">
-                <a16:creationId xmlns:a16="http://schemas.microsoft.com/office/drawing/2014/main" id="{FF05E4AA-8CF1-47C5-ACE3-14D75BE2BED0}"/>
-              </a:ext>
-            </a:extLst>
-          </p:cNvPr>
-          <p:cNvSpPr/>
-          <p:nvPr/>
-        </p:nvSpPr>
-        <p:spPr>
-          <a:xfrm>
-            <a:off x="4436132" y="3579898"/>
-            <a:ext cx="395064" cy="360040"/>
-          </a:xfrm>
-          <a:prstGeom prst="rect">
-            <a:avLst/>
-          </a:prstGeom>
-          <a:solidFill>
-            <a:srgbClr val="FFFF00"/>
-          </a:solidFill>
-          <a:ln>
-            <a:solidFill>
-              <a:srgbClr val="C00000"/>
-            </a:solidFill>
-          </a:ln>
-        </p:spPr>
-        <p:style>
-          <a:lnRef idx="2">
-            <a:schemeClr val="accent1">
-              <a:shade val="50000"/>
-            </a:schemeClr>
-          </a:lnRef>
-          <a:fillRef idx="1">
-            <a:schemeClr val="accent1"/>
-          </a:fillRef>
-          <a:effectRef idx="0">
-            <a:schemeClr val="accent1"/>
-          </a:effectRef>
-          <a:fontRef idx="minor">
-            <a:schemeClr val="lt1"/>
-          </a:fontRef>
-        </p:style>
-        <p:txBody>
-          <a:bodyPr rtlCol="0" anchor="ctr"/>
-          <a:lstStyle/>
-          <a:p>
-            <a:pPr algn="ctr"/>
-            <a:r>
-              <a:rPr lang="en-US" dirty="0">
-                <a:solidFill>
-                  <a:schemeClr val="tx1"/>
-                </a:solidFill>
-              </a:rPr>
-              <a:t>I</a:t>
-            </a:r>
-          </a:p>
-        </p:txBody>
-      </p:sp>
-      <p:sp>
-        <p:nvSpPr>
-          <p:cNvPr id="20" name="Rectangle 19">
-            <a:extLst>
-              <a:ext uri="{FF2B5EF4-FFF2-40B4-BE49-F238E27FC236}">
-                <a16:creationId xmlns:a16="http://schemas.microsoft.com/office/drawing/2014/main" id="{9BAC5112-6C75-4A2A-A73E-15847975EF2C}"/>
-              </a:ext>
-            </a:extLst>
-          </p:cNvPr>
-          <p:cNvSpPr/>
-          <p:nvPr/>
-        </p:nvSpPr>
-        <p:spPr>
-          <a:xfrm>
-            <a:off x="5497760" y="3586509"/>
-            <a:ext cx="607722" cy="360040"/>
-          </a:xfrm>
-          <a:prstGeom prst="rect">
-            <a:avLst/>
-          </a:prstGeom>
-          <a:solidFill>
-            <a:schemeClr val="bg1">
-              <a:lumMod val="85000"/>
-            </a:schemeClr>
-          </a:solidFill>
-          <a:ln>
-            <a:solidFill>
-              <a:srgbClr val="C00000"/>
-            </a:solidFill>
-          </a:ln>
-        </p:spPr>
-        <p:style>
-          <a:lnRef idx="2">
-            <a:schemeClr val="accent1">
-              <a:shade val="50000"/>
-            </a:schemeClr>
-          </a:lnRef>
-          <a:fillRef idx="1">
-            <a:schemeClr val="accent1"/>
-          </a:fillRef>
-          <a:effectRef idx="0">
-            <a:schemeClr val="accent1"/>
-          </a:effectRef>
-          <a:fontRef idx="minor">
-            <a:schemeClr val="lt1"/>
-          </a:fontRef>
-        </p:style>
-        <p:txBody>
-          <a:bodyPr rtlCol="0" anchor="ctr"/>
-          <a:lstStyle/>
-          <a:p>
-            <a:pPr algn="ctr"/>
-            <a:r>
-              <a:rPr lang="en-US" dirty="0">
-                <a:solidFill>
-                  <a:schemeClr val="tx1"/>
-                </a:solidFill>
-              </a:rPr>
-              <a:t>List</a:t>
-            </a:r>
-          </a:p>
-        </p:txBody>
-      </p:sp>
-      <p:sp>
-        <p:nvSpPr>
-          <p:cNvPr id="21" name="Rectangle 20">
-            <a:extLst>
-              <a:ext uri="{FF2B5EF4-FFF2-40B4-BE49-F238E27FC236}">
-                <a16:creationId xmlns:a16="http://schemas.microsoft.com/office/drawing/2014/main" id="{C0D8BE60-B060-4570-A8F7-7314C6A66261}"/>
-              </a:ext>
-            </a:extLst>
-          </p:cNvPr>
-          <p:cNvSpPr/>
-          <p:nvPr/>
-        </p:nvSpPr>
-        <p:spPr>
-          <a:xfrm>
-            <a:off x="6195982" y="3590302"/>
-            <a:ext cx="395064" cy="360040"/>
-          </a:xfrm>
-          <a:prstGeom prst="rect">
-            <a:avLst/>
-          </a:prstGeom>
-          <a:solidFill>
-            <a:srgbClr val="FFFF00"/>
-          </a:solidFill>
-          <a:ln>
-            <a:solidFill>
-              <a:srgbClr val="C00000"/>
-            </a:solidFill>
-          </a:ln>
-        </p:spPr>
-        <p:style>
-          <a:lnRef idx="2">
-            <a:schemeClr val="accent1">
-              <a:shade val="50000"/>
-            </a:schemeClr>
-          </a:lnRef>
-          <a:fillRef idx="1">
-            <a:schemeClr val="accent1"/>
-          </a:fillRef>
-          <a:effectRef idx="0">
-            <a:schemeClr val="accent1"/>
-          </a:effectRef>
-          <a:fontRef idx="minor">
-            <a:schemeClr val="lt1"/>
-          </a:fontRef>
-        </p:style>
-        <p:txBody>
-          <a:bodyPr rtlCol="0" anchor="ctr"/>
-          <a:lstStyle/>
-          <a:p>
-            <a:pPr algn="ctr"/>
-            <a:r>
-              <a:rPr lang="en-US" dirty="0">
-                <a:solidFill>
-                  <a:schemeClr val="tx1"/>
-                </a:solidFill>
-              </a:rPr>
-              <a:t>I</a:t>
-            </a:r>
-          </a:p>
-        </p:txBody>
-      </p:sp>
-      <p:sp>
-        <p:nvSpPr>
-          <p:cNvPr id="22" name="Rectangle 21">
-            <a:extLst>
-              <a:ext uri="{FF2B5EF4-FFF2-40B4-BE49-F238E27FC236}">
-                <a16:creationId xmlns:a16="http://schemas.microsoft.com/office/drawing/2014/main" id="{9A2C9611-895C-404B-AEC0-A665E4295C86}"/>
-              </a:ext>
-            </a:extLst>
-          </p:cNvPr>
-          <p:cNvSpPr/>
-          <p:nvPr/>
-        </p:nvSpPr>
-        <p:spPr>
-          <a:xfrm>
-            <a:off x="7175803" y="3574207"/>
-            <a:ext cx="873895" cy="360040"/>
-          </a:xfrm>
-          <a:prstGeom prst="rect">
-            <a:avLst/>
-          </a:prstGeom>
-          <a:solidFill>
-            <a:schemeClr val="bg1">
-              <a:lumMod val="85000"/>
-            </a:schemeClr>
-          </a:solidFill>
-          <a:ln>
-            <a:solidFill>
-              <a:srgbClr val="C00000"/>
-            </a:solidFill>
-          </a:ln>
-        </p:spPr>
-        <p:style>
-          <a:lnRef idx="2">
-            <a:schemeClr val="accent1">
-              <a:shade val="50000"/>
-            </a:schemeClr>
-          </a:lnRef>
-          <a:fillRef idx="1">
-            <a:schemeClr val="accent1"/>
-          </a:fillRef>
-          <a:effectRef idx="0">
-            <a:schemeClr val="accent1"/>
-          </a:effectRef>
-          <a:fontRef idx="minor">
-            <a:schemeClr val="lt1"/>
-          </a:fontRef>
-        </p:style>
-        <p:txBody>
-          <a:bodyPr rtlCol="0" anchor="ctr"/>
-          <a:lstStyle/>
-          <a:p>
-            <a:pPr algn="ctr"/>
-            <a:r>
-              <a:rPr lang="en-US" dirty="0">
-                <a:solidFill>
-                  <a:schemeClr val="tx1"/>
-                </a:solidFill>
-              </a:rPr>
-              <a:t>Queue</a:t>
-            </a:r>
-          </a:p>
-        </p:txBody>
-      </p:sp>
-      <p:sp>
-        <p:nvSpPr>
-          <p:cNvPr id="23" name="Rectangle 22">
-            <a:extLst>
-              <a:ext uri="{FF2B5EF4-FFF2-40B4-BE49-F238E27FC236}">
-                <a16:creationId xmlns:a16="http://schemas.microsoft.com/office/drawing/2014/main" id="{57ABBF70-0FEF-44E2-B5D5-2018E187BCDC}"/>
-              </a:ext>
-            </a:extLst>
-          </p:cNvPr>
-          <p:cNvSpPr/>
-          <p:nvPr/>
-        </p:nvSpPr>
-        <p:spPr>
-          <a:xfrm>
-            <a:off x="8140198" y="3578000"/>
-            <a:ext cx="395064" cy="360040"/>
-          </a:xfrm>
-          <a:prstGeom prst="rect">
-            <a:avLst/>
-          </a:prstGeom>
-          <a:solidFill>
-            <a:srgbClr val="FFFF00"/>
-          </a:solidFill>
-          <a:ln>
-            <a:solidFill>
-              <a:srgbClr val="C00000"/>
-            </a:solidFill>
-          </a:ln>
-        </p:spPr>
-        <p:style>
-          <a:lnRef idx="2">
-            <a:schemeClr val="accent1">
-              <a:shade val="50000"/>
-            </a:schemeClr>
-          </a:lnRef>
-          <a:fillRef idx="1">
-            <a:schemeClr val="accent1"/>
-          </a:fillRef>
-          <a:effectRef idx="0">
-            <a:schemeClr val="accent1"/>
-          </a:effectRef>
-          <a:fontRef idx="minor">
-            <a:schemeClr val="lt1"/>
-          </a:fontRef>
-        </p:style>
-        <p:txBody>
-          <a:bodyPr rtlCol="0" anchor="ctr"/>
-          <a:lstStyle/>
-          <a:p>
-            <a:pPr algn="ctr"/>
-            <a:r>
-              <a:rPr lang="en-US" dirty="0">
-                <a:solidFill>
-                  <a:schemeClr val="tx1"/>
-                </a:solidFill>
-              </a:rPr>
-              <a:t>I</a:t>
-            </a:r>
-          </a:p>
-        </p:txBody>
-      </p:sp>
-      <p:cxnSp>
-        <p:nvCxnSpPr>
-          <p:cNvPr id="9" name="Straight Arrow Connector 8">
-            <a:extLst>
-              <a:ext uri="{FF2B5EF4-FFF2-40B4-BE49-F238E27FC236}">
-                <a16:creationId xmlns:a16="http://schemas.microsoft.com/office/drawing/2014/main" id="{26638DD6-F3D0-4760-9C16-4B5DCDD7590A}"/>
-              </a:ext>
-            </a:extLst>
-          </p:cNvPr>
-          <p:cNvCxnSpPr>
-            <a:cxnSpLocks/>
-            <a:stCxn id="18" idx="0"/>
-          </p:cNvCxnSpPr>
-          <p:nvPr/>
-        </p:nvCxnSpPr>
-        <p:spPr>
-          <a:xfrm flipV="1">
-            <a:off x="4041771" y="2765758"/>
-            <a:ext cx="1240945" cy="810347"/>
-          </a:xfrm>
-          <a:prstGeom prst="straightConnector1">
-            <a:avLst/>
-          </a:prstGeom>
-          <a:ln>
-            <a:solidFill>
-              <a:srgbClr val="C00000"/>
-            </a:solidFill>
-            <a:tailEnd type="triangle"/>
-          </a:ln>
-        </p:spPr>
-        <p:style>
-          <a:lnRef idx="1">
-            <a:schemeClr val="accent1"/>
-          </a:lnRef>
-          <a:fillRef idx="0">
-            <a:schemeClr val="accent1"/>
-          </a:fillRef>
-          <a:effectRef idx="0">
-            <a:schemeClr val="accent1"/>
-          </a:effectRef>
-          <a:fontRef idx="minor">
-            <a:schemeClr val="tx1"/>
-          </a:fontRef>
-        </p:style>
-      </p:cxnSp>
-      <p:cxnSp>
-        <p:nvCxnSpPr>
-          <p:cNvPr id="24" name="Straight Arrow Connector 23">
-            <a:extLst>
-              <a:ext uri="{FF2B5EF4-FFF2-40B4-BE49-F238E27FC236}">
-                <a16:creationId xmlns:a16="http://schemas.microsoft.com/office/drawing/2014/main" id="{0E11974D-CCBE-49C8-ABCE-C89C4BC58976}"/>
-              </a:ext>
-            </a:extLst>
-          </p:cNvPr>
-          <p:cNvCxnSpPr>
-            <a:cxnSpLocks/>
-            <a:stCxn id="20" idx="0"/>
-            <a:endCxn id="7" idx="2"/>
-          </p:cNvCxnSpPr>
-          <p:nvPr/>
-        </p:nvCxnSpPr>
-        <p:spPr>
-          <a:xfrm flipH="1" flipV="1">
-            <a:off x="5677780" y="2776162"/>
-            <a:ext cx="123841" cy="810347"/>
-          </a:xfrm>
-          <a:prstGeom prst="straightConnector1">
-            <a:avLst/>
-          </a:prstGeom>
-          <a:ln>
-            <a:solidFill>
-              <a:srgbClr val="C00000"/>
-            </a:solidFill>
-            <a:tailEnd type="triangle"/>
-          </a:ln>
-        </p:spPr>
-        <p:style>
-          <a:lnRef idx="1">
-            <a:schemeClr val="accent1"/>
-          </a:lnRef>
-          <a:fillRef idx="0">
-            <a:schemeClr val="accent1"/>
-          </a:fillRef>
-          <a:effectRef idx="0">
-            <a:schemeClr val="accent1"/>
-          </a:effectRef>
-          <a:fontRef idx="minor">
-            <a:schemeClr val="tx1"/>
-          </a:fontRef>
-        </p:style>
-      </p:cxnSp>
-      <p:cxnSp>
-        <p:nvCxnSpPr>
-          <p:cNvPr id="25" name="Straight Arrow Connector 24">
-            <a:extLst>
-              <a:ext uri="{FF2B5EF4-FFF2-40B4-BE49-F238E27FC236}">
-                <a16:creationId xmlns:a16="http://schemas.microsoft.com/office/drawing/2014/main" id="{C85BD751-5E36-4CCD-BBA0-E94E7DFE7503}"/>
-              </a:ext>
-            </a:extLst>
-          </p:cNvPr>
-          <p:cNvCxnSpPr>
-            <a:cxnSpLocks/>
-            <a:stCxn id="22" idx="0"/>
-          </p:cNvCxnSpPr>
-          <p:nvPr/>
-        </p:nvCxnSpPr>
-        <p:spPr>
-          <a:xfrm flipH="1" flipV="1">
-            <a:off x="6072844" y="2776162"/>
-            <a:ext cx="1539907" cy="798045"/>
-          </a:xfrm>
-          <a:prstGeom prst="straightConnector1">
-            <a:avLst/>
-          </a:prstGeom>
-          <a:ln>
-            <a:solidFill>
-              <a:srgbClr val="C00000"/>
-            </a:solidFill>
-            <a:tailEnd type="triangle"/>
-          </a:ln>
-        </p:spPr>
-        <p:style>
-          <a:lnRef idx="1">
-            <a:schemeClr val="accent1"/>
-          </a:lnRef>
-          <a:fillRef idx="0">
-            <a:schemeClr val="accent1"/>
-          </a:fillRef>
-          <a:effectRef idx="0">
-            <a:schemeClr val="accent1"/>
-          </a:effectRef>
-          <a:fontRef idx="minor">
-            <a:schemeClr val="tx1"/>
-          </a:fontRef>
-        </p:style>
-      </p:cxnSp>
-      <p:sp>
-        <p:nvSpPr>
-          <p:cNvPr id="30" name="Rectangle 29">
-            <a:extLst>
-              <a:ext uri="{FF2B5EF4-FFF2-40B4-BE49-F238E27FC236}">
-                <a16:creationId xmlns:a16="http://schemas.microsoft.com/office/drawing/2014/main" id="{F17DA1C0-D7E5-4C40-8995-F1B12CEF2C6D}"/>
-              </a:ext>
-            </a:extLst>
-          </p:cNvPr>
-          <p:cNvSpPr/>
-          <p:nvPr/>
-        </p:nvSpPr>
-        <p:spPr>
-          <a:xfrm>
-            <a:off x="910082" y="5710885"/>
-            <a:ext cx="1172013" cy="360040"/>
-          </a:xfrm>
-          <a:prstGeom prst="rect">
-            <a:avLst/>
-          </a:prstGeom>
-          <a:solidFill>
-            <a:schemeClr val="bg1">
-              <a:lumMod val="85000"/>
-            </a:schemeClr>
-          </a:solidFill>
-          <a:ln>
-            <a:solidFill>
-              <a:srgbClr val="C00000"/>
-            </a:solidFill>
-          </a:ln>
-        </p:spPr>
-        <p:style>
-          <a:lnRef idx="2">
-            <a:schemeClr val="accent1">
-              <a:shade val="50000"/>
-            </a:schemeClr>
-          </a:lnRef>
-          <a:fillRef idx="1">
-            <a:schemeClr val="accent1"/>
-          </a:fillRef>
-          <a:effectRef idx="0">
-            <a:schemeClr val="accent1"/>
-          </a:effectRef>
-          <a:fontRef idx="minor">
-            <a:schemeClr val="lt1"/>
-          </a:fontRef>
-        </p:style>
-        <p:txBody>
-          <a:bodyPr rtlCol="0" anchor="ctr"/>
-          <a:lstStyle/>
-          <a:p>
-            <a:pPr algn="ctr"/>
-            <a:r>
-              <a:rPr lang="en-US" dirty="0">
-                <a:solidFill>
-                  <a:schemeClr val="tx1"/>
-                </a:solidFill>
-              </a:rPr>
-              <a:t>HashSet</a:t>
-            </a:r>
-          </a:p>
-        </p:txBody>
-      </p:sp>
-      <p:cxnSp>
-        <p:nvCxnSpPr>
-          <p:cNvPr id="31" name="Straight Arrow Connector 30">
-            <a:extLst>
-              <a:ext uri="{FF2B5EF4-FFF2-40B4-BE49-F238E27FC236}">
-                <a16:creationId xmlns:a16="http://schemas.microsoft.com/office/drawing/2014/main" id="{C09F697E-4ECA-4447-90E8-B1B1EC7A4543}"/>
-              </a:ext>
-            </a:extLst>
-          </p:cNvPr>
-          <p:cNvCxnSpPr>
-            <a:cxnSpLocks/>
-            <a:stCxn id="30" idx="0"/>
-          </p:cNvCxnSpPr>
-          <p:nvPr/>
-        </p:nvCxnSpPr>
-        <p:spPr>
-          <a:xfrm flipV="1">
-            <a:off x="1496089" y="3946549"/>
-            <a:ext cx="2439891" cy="1764336"/>
-          </a:xfrm>
-          <a:prstGeom prst="straightConnector1">
-            <a:avLst/>
-          </a:prstGeom>
-          <a:ln>
-            <a:solidFill>
-              <a:srgbClr val="C00000"/>
-            </a:solidFill>
-            <a:prstDash val="lgDash"/>
-            <a:tailEnd type="triangle"/>
-          </a:ln>
-        </p:spPr>
-        <p:style>
-          <a:lnRef idx="1">
-            <a:schemeClr val="accent1"/>
-          </a:lnRef>
-          <a:fillRef idx="0">
-            <a:schemeClr val="accent1"/>
-          </a:fillRef>
-          <a:effectRef idx="0">
-            <a:schemeClr val="accent1"/>
-          </a:effectRef>
-          <a:fontRef idx="minor">
-            <a:schemeClr val="tx1"/>
-          </a:fontRef>
-        </p:style>
-      </p:cxnSp>
-      <p:sp>
-        <p:nvSpPr>
-          <p:cNvPr id="35" name="Rectangle 34">
-            <a:extLst>
-              <a:ext uri="{FF2B5EF4-FFF2-40B4-BE49-F238E27FC236}">
-                <a16:creationId xmlns:a16="http://schemas.microsoft.com/office/drawing/2014/main" id="{D1DD84A7-F15B-4064-A731-3DE5A4F7A67F}"/>
-              </a:ext>
-            </a:extLst>
-          </p:cNvPr>
-          <p:cNvSpPr/>
-          <p:nvPr/>
-        </p:nvSpPr>
-        <p:spPr>
-          <a:xfrm>
-            <a:off x="1666044" y="6389672"/>
-            <a:ext cx="1689499" cy="360040"/>
-          </a:xfrm>
-          <a:prstGeom prst="rect">
-            <a:avLst/>
-          </a:prstGeom>
-          <a:solidFill>
-            <a:schemeClr val="bg1">
-              <a:lumMod val="85000"/>
-            </a:schemeClr>
-          </a:solidFill>
-          <a:ln>
-            <a:solidFill>
-              <a:srgbClr val="C00000"/>
-            </a:solidFill>
-          </a:ln>
-        </p:spPr>
-        <p:style>
-          <a:lnRef idx="2">
-            <a:schemeClr val="accent1">
-              <a:shade val="50000"/>
-            </a:schemeClr>
-          </a:lnRef>
-          <a:fillRef idx="1">
-            <a:schemeClr val="accent1"/>
-          </a:fillRef>
-          <a:effectRef idx="0">
-            <a:schemeClr val="accent1"/>
-          </a:effectRef>
-          <a:fontRef idx="minor">
-            <a:schemeClr val="lt1"/>
-          </a:fontRef>
-        </p:style>
-        <p:txBody>
-          <a:bodyPr rtlCol="0" anchor="ctr"/>
-          <a:lstStyle/>
-          <a:p>
-            <a:pPr algn="ctr"/>
-            <a:r>
-              <a:rPr lang="en-US" dirty="0">
-                <a:solidFill>
-                  <a:schemeClr val="tx1"/>
-                </a:solidFill>
-              </a:rPr>
-              <a:t>LinkedHashSet</a:t>
-            </a:r>
-          </a:p>
-        </p:txBody>
-      </p:sp>
-      <p:cxnSp>
-        <p:nvCxnSpPr>
-          <p:cNvPr id="38" name="Straight Arrow Connector 37">
-            <a:extLst>
-              <a:ext uri="{FF2B5EF4-FFF2-40B4-BE49-F238E27FC236}">
-                <a16:creationId xmlns:a16="http://schemas.microsoft.com/office/drawing/2014/main" id="{1B32ADE6-7807-4870-9800-869A92C27C61}"/>
-              </a:ext>
-            </a:extLst>
-          </p:cNvPr>
-          <p:cNvCxnSpPr>
-            <a:cxnSpLocks/>
-            <a:stCxn id="35" idx="0"/>
-            <a:endCxn id="18" idx="2"/>
-          </p:cNvCxnSpPr>
-          <p:nvPr/>
-        </p:nvCxnSpPr>
-        <p:spPr>
-          <a:xfrm flipV="1">
-            <a:off x="2510794" y="3936145"/>
-            <a:ext cx="1530977" cy="2453527"/>
-          </a:xfrm>
-          <a:prstGeom prst="straightConnector1">
-            <a:avLst/>
-          </a:prstGeom>
-          <a:ln>
-            <a:solidFill>
-              <a:srgbClr val="C00000"/>
-            </a:solidFill>
-            <a:prstDash val="lgDash"/>
-            <a:tailEnd type="triangle"/>
-          </a:ln>
-        </p:spPr>
-        <p:style>
-          <a:lnRef idx="1">
-            <a:schemeClr val="accent1"/>
-          </a:lnRef>
-          <a:fillRef idx="0">
-            <a:schemeClr val="accent1"/>
-          </a:fillRef>
-          <a:effectRef idx="0">
-            <a:schemeClr val="accent1"/>
-          </a:effectRef>
-          <a:fontRef idx="minor">
-            <a:schemeClr val="tx1"/>
-          </a:fontRef>
-        </p:style>
-      </p:cxnSp>
-      <p:cxnSp>
-        <p:nvCxnSpPr>
-          <p:cNvPr id="42" name="Straight Arrow Connector 41">
-            <a:extLst>
-              <a:ext uri="{FF2B5EF4-FFF2-40B4-BE49-F238E27FC236}">
-                <a16:creationId xmlns:a16="http://schemas.microsoft.com/office/drawing/2014/main" id="{3D2C4126-056E-45BB-B2A9-9CAFA4AB1B24}"/>
-              </a:ext>
-            </a:extLst>
-          </p:cNvPr>
-          <p:cNvCxnSpPr>
-            <a:cxnSpLocks/>
-          </p:cNvCxnSpPr>
-          <p:nvPr/>
-        </p:nvCxnSpPr>
-        <p:spPr>
-          <a:xfrm flipV="1">
-            <a:off x="349238" y="4519895"/>
-            <a:ext cx="0" cy="332183"/>
-          </a:xfrm>
-          <a:prstGeom prst="straightConnector1">
-            <a:avLst/>
-          </a:prstGeom>
-          <a:ln>
-            <a:solidFill>
-              <a:srgbClr val="C00000"/>
-            </a:solidFill>
-            <a:prstDash val="lgDash"/>
-            <a:tailEnd type="triangle"/>
-          </a:ln>
-        </p:spPr>
-        <p:style>
-          <a:lnRef idx="1">
-            <a:schemeClr val="accent1"/>
-          </a:lnRef>
-          <a:fillRef idx="0">
-            <a:schemeClr val="accent1"/>
-          </a:fillRef>
-          <a:effectRef idx="0">
-            <a:schemeClr val="accent1"/>
-          </a:effectRef>
-          <a:fontRef idx="minor">
-            <a:schemeClr val="tx1"/>
-          </a:fontRef>
-        </p:style>
-      </p:cxnSp>
-      <p:sp>
-        <p:nvSpPr>
-          <p:cNvPr id="45" name="Rectangle 44">
-            <a:extLst>
-              <a:ext uri="{FF2B5EF4-FFF2-40B4-BE49-F238E27FC236}">
-                <a16:creationId xmlns:a16="http://schemas.microsoft.com/office/drawing/2014/main" id="{AC7AFF60-1DC2-4206-B664-684B51BB0B7E}"/>
-              </a:ext>
-            </a:extLst>
-          </p:cNvPr>
-          <p:cNvSpPr/>
-          <p:nvPr/>
-        </p:nvSpPr>
-        <p:spPr>
-          <a:xfrm>
-            <a:off x="453901" y="4492038"/>
-            <a:ext cx="1213339" cy="360040"/>
-          </a:xfrm>
-          <a:prstGeom prst="rect">
-            <a:avLst/>
-          </a:prstGeom>
-          <a:solidFill>
-            <a:srgbClr val="FFFF00"/>
-          </a:solidFill>
-          <a:ln>
-            <a:solidFill>
-              <a:srgbClr val="C00000"/>
-            </a:solidFill>
-          </a:ln>
-        </p:spPr>
-        <p:style>
-          <a:lnRef idx="2">
-            <a:schemeClr val="accent1">
-              <a:shade val="50000"/>
-            </a:schemeClr>
-          </a:lnRef>
-          <a:fillRef idx="1">
-            <a:schemeClr val="accent1"/>
-          </a:fillRef>
-          <a:effectRef idx="0">
-            <a:schemeClr val="accent1"/>
-          </a:effectRef>
-          <a:fontRef idx="minor">
-            <a:schemeClr val="lt1"/>
-          </a:fontRef>
-        </p:style>
-        <p:txBody>
-          <a:bodyPr rtlCol="0" anchor="ctr"/>
-          <a:lstStyle/>
-          <a:p>
-            <a:r>
-              <a:rPr lang="en-US" dirty="0">
-                <a:solidFill>
-                  <a:schemeClr val="tx1"/>
-                </a:solidFill>
-              </a:rPr>
-              <a:t>Implement</a:t>
-            </a:r>
-          </a:p>
-        </p:txBody>
-      </p:sp>
-      <p:cxnSp>
-        <p:nvCxnSpPr>
-          <p:cNvPr id="47" name="Straight Arrow Connector 46">
-            <a:extLst>
-              <a:ext uri="{FF2B5EF4-FFF2-40B4-BE49-F238E27FC236}">
-                <a16:creationId xmlns:a16="http://schemas.microsoft.com/office/drawing/2014/main" id="{D02CB1EB-41C9-4189-9665-B2BF2E1A199D}"/>
-              </a:ext>
-            </a:extLst>
-          </p:cNvPr>
-          <p:cNvCxnSpPr>
-            <a:cxnSpLocks/>
-          </p:cNvCxnSpPr>
-          <p:nvPr/>
-        </p:nvCxnSpPr>
-        <p:spPr>
-          <a:xfrm flipV="1">
-            <a:off x="348042" y="4990220"/>
-            <a:ext cx="0" cy="332183"/>
-          </a:xfrm>
-          <a:prstGeom prst="straightConnector1">
-            <a:avLst/>
-          </a:prstGeom>
-          <a:ln>
-            <a:solidFill>
-              <a:srgbClr val="C00000"/>
-            </a:solidFill>
-            <a:prstDash val="solid"/>
-            <a:tailEnd type="triangle"/>
-          </a:ln>
-        </p:spPr>
-        <p:style>
-          <a:lnRef idx="1">
-            <a:schemeClr val="accent1"/>
-          </a:lnRef>
-          <a:fillRef idx="0">
-            <a:schemeClr val="accent1"/>
-          </a:fillRef>
-          <a:effectRef idx="0">
-            <a:schemeClr val="accent1"/>
-          </a:effectRef>
-          <a:fontRef idx="minor">
-            <a:schemeClr val="tx1"/>
-          </a:fontRef>
-        </p:style>
-      </p:cxnSp>
-      <p:sp>
-        <p:nvSpPr>
-          <p:cNvPr id="48" name="Rectangle 47">
-            <a:extLst>
-              <a:ext uri="{FF2B5EF4-FFF2-40B4-BE49-F238E27FC236}">
-                <a16:creationId xmlns:a16="http://schemas.microsoft.com/office/drawing/2014/main" id="{90966164-9251-4C61-9133-732EF14D03FF}"/>
-              </a:ext>
-            </a:extLst>
-          </p:cNvPr>
-          <p:cNvSpPr/>
-          <p:nvPr/>
-        </p:nvSpPr>
-        <p:spPr>
-          <a:xfrm>
-            <a:off x="452705" y="4962363"/>
-            <a:ext cx="1213339" cy="360040"/>
-          </a:xfrm>
-          <a:prstGeom prst="rect">
-            <a:avLst/>
-          </a:prstGeom>
-          <a:solidFill>
-            <a:srgbClr val="FFFF00"/>
-          </a:solidFill>
-          <a:ln>
-            <a:solidFill>
-              <a:srgbClr val="C00000"/>
-            </a:solidFill>
-          </a:ln>
-        </p:spPr>
-        <p:style>
-          <a:lnRef idx="2">
-            <a:schemeClr val="accent1">
-              <a:shade val="50000"/>
-            </a:schemeClr>
-          </a:lnRef>
-          <a:fillRef idx="1">
-            <a:schemeClr val="accent1"/>
-          </a:fillRef>
-          <a:effectRef idx="0">
-            <a:schemeClr val="accent1"/>
-          </a:effectRef>
-          <a:fontRef idx="minor">
-            <a:schemeClr val="lt1"/>
-          </a:fontRef>
-        </p:style>
-        <p:txBody>
-          <a:bodyPr rtlCol="0" anchor="ctr"/>
-          <a:lstStyle/>
-          <a:p>
-            <a:r>
-              <a:rPr lang="en-US" dirty="0">
-                <a:solidFill>
-                  <a:schemeClr val="tx1"/>
-                </a:solidFill>
-              </a:rPr>
-              <a:t>extends</a:t>
-            </a:r>
-          </a:p>
-        </p:txBody>
-      </p:sp>
-      <p:sp>
-        <p:nvSpPr>
-          <p:cNvPr id="50" name="Rectangle 49">
-            <a:extLst>
-              <a:ext uri="{FF2B5EF4-FFF2-40B4-BE49-F238E27FC236}">
-                <a16:creationId xmlns:a16="http://schemas.microsoft.com/office/drawing/2014/main" id="{41529C5F-3E9D-4957-89E0-03A8494C1493}"/>
-              </a:ext>
-            </a:extLst>
-          </p:cNvPr>
-          <p:cNvSpPr/>
-          <p:nvPr/>
-        </p:nvSpPr>
-        <p:spPr>
-          <a:xfrm>
-            <a:off x="3730503" y="4606331"/>
-            <a:ext cx="1220182" cy="360040"/>
-          </a:xfrm>
-          <a:prstGeom prst="rect">
-            <a:avLst/>
-          </a:prstGeom>
-          <a:solidFill>
-            <a:schemeClr val="bg1">
-              <a:lumMod val="85000"/>
-            </a:schemeClr>
-          </a:solidFill>
-          <a:ln>
-            <a:solidFill>
-              <a:srgbClr val="C00000"/>
-            </a:solidFill>
-          </a:ln>
-        </p:spPr>
-        <p:style>
-          <a:lnRef idx="2">
-            <a:schemeClr val="accent1">
-              <a:shade val="50000"/>
-            </a:schemeClr>
-          </a:lnRef>
-          <a:fillRef idx="1">
-            <a:schemeClr val="accent1"/>
-          </a:fillRef>
-          <a:effectRef idx="0">
-            <a:schemeClr val="accent1"/>
-          </a:effectRef>
-          <a:fontRef idx="minor">
-            <a:schemeClr val="lt1"/>
-          </a:fontRef>
-        </p:style>
-        <p:txBody>
-          <a:bodyPr rtlCol="0" anchor="ctr"/>
-          <a:lstStyle/>
-          <a:p>
-            <a:pPr algn="ctr"/>
-            <a:r>
-              <a:rPr lang="en-US" dirty="0" err="1">
-                <a:solidFill>
-                  <a:schemeClr val="tx1"/>
-                </a:solidFill>
-              </a:rPr>
-              <a:t>SortedSet</a:t>
-            </a:r>
-            <a:endParaRPr lang="en-US" dirty="0">
-              <a:solidFill>
-                <a:schemeClr val="tx1"/>
-              </a:solidFill>
-            </a:endParaRPr>
-          </a:p>
-        </p:txBody>
-      </p:sp>
-      <p:cxnSp>
-        <p:nvCxnSpPr>
-          <p:cNvPr id="51" name="Straight Arrow Connector 50">
-            <a:extLst>
-              <a:ext uri="{FF2B5EF4-FFF2-40B4-BE49-F238E27FC236}">
-                <a16:creationId xmlns:a16="http://schemas.microsoft.com/office/drawing/2014/main" id="{A6DEE6D6-E57A-4C93-97A3-1B60972E0F32}"/>
-              </a:ext>
-            </a:extLst>
-          </p:cNvPr>
-          <p:cNvCxnSpPr>
-            <a:cxnSpLocks/>
-            <a:stCxn id="50" idx="0"/>
-          </p:cNvCxnSpPr>
-          <p:nvPr/>
-        </p:nvCxnSpPr>
-        <p:spPr>
-          <a:xfrm flipH="1" flipV="1">
-            <a:off x="4216568" y="3925741"/>
-            <a:ext cx="124026" cy="680590"/>
-          </a:xfrm>
-          <a:prstGeom prst="straightConnector1">
-            <a:avLst/>
-          </a:prstGeom>
-          <a:ln>
-            <a:solidFill>
-              <a:srgbClr val="C00000"/>
-            </a:solidFill>
-            <a:prstDash val="solid"/>
-            <a:tailEnd type="triangle"/>
-          </a:ln>
-        </p:spPr>
-        <p:style>
-          <a:lnRef idx="1">
-            <a:schemeClr val="accent1"/>
-          </a:lnRef>
-          <a:fillRef idx="0">
-            <a:schemeClr val="accent1"/>
-          </a:fillRef>
-          <a:effectRef idx="0">
-            <a:schemeClr val="accent1"/>
-          </a:effectRef>
-          <a:fontRef idx="minor">
-            <a:schemeClr val="tx1"/>
-          </a:fontRef>
-        </p:style>
-      </p:cxnSp>
-      <p:sp>
-        <p:nvSpPr>
-          <p:cNvPr id="54" name="Rectangle 53">
-            <a:extLst>
-              <a:ext uri="{FF2B5EF4-FFF2-40B4-BE49-F238E27FC236}">
-                <a16:creationId xmlns:a16="http://schemas.microsoft.com/office/drawing/2014/main" id="{2DA7C991-E339-4CD0-8EF5-BCD92B3AD246}"/>
-              </a:ext>
-            </a:extLst>
-          </p:cNvPr>
-          <p:cNvSpPr/>
-          <p:nvPr/>
-        </p:nvSpPr>
-        <p:spPr>
-          <a:xfrm>
-            <a:off x="3777492" y="5641150"/>
-            <a:ext cx="1173193" cy="360040"/>
-          </a:xfrm>
-          <a:prstGeom prst="rect">
-            <a:avLst/>
-          </a:prstGeom>
-          <a:solidFill>
-            <a:schemeClr val="bg1">
-              <a:lumMod val="85000"/>
-            </a:schemeClr>
-          </a:solidFill>
-          <a:ln>
-            <a:solidFill>
-              <a:srgbClr val="C00000"/>
-            </a:solidFill>
-          </a:ln>
-        </p:spPr>
-        <p:style>
-          <a:lnRef idx="2">
-            <a:schemeClr val="accent1">
-              <a:shade val="50000"/>
-            </a:schemeClr>
-          </a:lnRef>
-          <a:fillRef idx="1">
-            <a:schemeClr val="accent1"/>
-          </a:fillRef>
-          <a:effectRef idx="0">
-            <a:schemeClr val="accent1"/>
-          </a:effectRef>
-          <a:fontRef idx="minor">
-            <a:schemeClr val="lt1"/>
-          </a:fontRef>
-        </p:style>
-        <p:txBody>
-          <a:bodyPr rtlCol="0" anchor="ctr"/>
-          <a:lstStyle/>
-          <a:p>
-            <a:pPr algn="ctr"/>
-            <a:r>
-              <a:rPr lang="en-US" dirty="0" err="1">
-                <a:solidFill>
-                  <a:schemeClr val="tx1"/>
-                </a:solidFill>
-              </a:rPr>
-              <a:t>TreeSet</a:t>
-            </a:r>
-            <a:endParaRPr lang="en-US" dirty="0">
-              <a:solidFill>
-                <a:schemeClr val="tx1"/>
-              </a:solidFill>
-            </a:endParaRPr>
-          </a:p>
-        </p:txBody>
-      </p:sp>
-      <p:cxnSp>
-        <p:nvCxnSpPr>
-          <p:cNvPr id="55" name="Straight Arrow Connector 54">
-            <a:extLst>
-              <a:ext uri="{FF2B5EF4-FFF2-40B4-BE49-F238E27FC236}">
-                <a16:creationId xmlns:a16="http://schemas.microsoft.com/office/drawing/2014/main" id="{AD97B9AE-60A8-40D2-88CE-961D9CC94A38}"/>
-              </a:ext>
-            </a:extLst>
-          </p:cNvPr>
-          <p:cNvCxnSpPr>
-            <a:cxnSpLocks/>
-            <a:stCxn id="54" idx="0"/>
-            <a:endCxn id="50" idx="2"/>
-          </p:cNvCxnSpPr>
-          <p:nvPr/>
-        </p:nvCxnSpPr>
-        <p:spPr>
-          <a:xfrm flipH="1" flipV="1">
-            <a:off x="4340594" y="4966371"/>
-            <a:ext cx="23495" cy="674779"/>
-          </a:xfrm>
-          <a:prstGeom prst="straightConnector1">
-            <a:avLst/>
-          </a:prstGeom>
-          <a:ln>
-            <a:solidFill>
-              <a:srgbClr val="C00000"/>
-            </a:solidFill>
-            <a:prstDash val="lgDash"/>
-            <a:tailEnd type="triangle"/>
-          </a:ln>
-        </p:spPr>
-        <p:style>
-          <a:lnRef idx="1">
-            <a:schemeClr val="accent1"/>
-          </a:lnRef>
-          <a:fillRef idx="0">
-            <a:schemeClr val="accent1"/>
-          </a:fillRef>
-          <a:effectRef idx="0">
-            <a:schemeClr val="accent1"/>
-          </a:effectRef>
-          <a:fontRef idx="minor">
-            <a:schemeClr val="tx1"/>
-          </a:fontRef>
-        </p:style>
-      </p:cxnSp>
-      <p:sp>
-        <p:nvSpPr>
-          <p:cNvPr id="82" name="Rectangle 81">
-            <a:extLst>
-              <a:ext uri="{FF2B5EF4-FFF2-40B4-BE49-F238E27FC236}">
-                <a16:creationId xmlns:a16="http://schemas.microsoft.com/office/drawing/2014/main" id="{162245C0-F0A9-4B1E-86B7-84423EAA2322}"/>
-              </a:ext>
-            </a:extLst>
-          </p:cNvPr>
-          <p:cNvSpPr/>
-          <p:nvPr/>
-        </p:nvSpPr>
-        <p:spPr>
-          <a:xfrm>
-            <a:off x="4883369" y="5072648"/>
-            <a:ext cx="1172013" cy="360040"/>
-          </a:xfrm>
-          <a:prstGeom prst="rect">
-            <a:avLst/>
-          </a:prstGeom>
-          <a:solidFill>
-            <a:schemeClr val="bg1">
-              <a:lumMod val="85000"/>
-            </a:schemeClr>
-          </a:solidFill>
-          <a:ln>
-            <a:solidFill>
-              <a:srgbClr val="C00000"/>
-            </a:solidFill>
-          </a:ln>
-        </p:spPr>
-        <p:style>
-          <a:lnRef idx="2">
-            <a:schemeClr val="accent1">
-              <a:shade val="50000"/>
-            </a:schemeClr>
-          </a:lnRef>
-          <a:fillRef idx="1">
-            <a:schemeClr val="accent1"/>
-          </a:fillRef>
-          <a:effectRef idx="0">
-            <a:schemeClr val="accent1"/>
-          </a:effectRef>
-          <a:fontRef idx="minor">
-            <a:schemeClr val="lt1"/>
-          </a:fontRef>
-        </p:style>
-        <p:txBody>
-          <a:bodyPr rtlCol="0" anchor="ctr"/>
-          <a:lstStyle/>
-          <a:p>
-            <a:pPr algn="ctr"/>
-            <a:r>
-              <a:rPr lang="en-US" dirty="0">
-                <a:solidFill>
-                  <a:schemeClr val="tx1"/>
-                </a:solidFill>
-              </a:rPr>
-              <a:t>ArrayList</a:t>
-            </a:r>
-          </a:p>
-        </p:txBody>
-      </p:sp>
-      <p:sp>
-        <p:nvSpPr>
-          <p:cNvPr id="83" name="Rectangle 82">
-            <a:extLst>
-              <a:ext uri="{FF2B5EF4-FFF2-40B4-BE49-F238E27FC236}">
-                <a16:creationId xmlns:a16="http://schemas.microsoft.com/office/drawing/2014/main" id="{9B753F5F-B989-4069-B63E-4F1D654BB96F}"/>
-              </a:ext>
-            </a:extLst>
-          </p:cNvPr>
-          <p:cNvSpPr/>
-          <p:nvPr/>
-        </p:nvSpPr>
-        <p:spPr>
-          <a:xfrm>
-            <a:off x="5500134" y="5667830"/>
-            <a:ext cx="789714" cy="360040"/>
-          </a:xfrm>
-          <a:prstGeom prst="rect">
-            <a:avLst/>
-          </a:prstGeom>
-          <a:solidFill>
-            <a:schemeClr val="bg1">
-              <a:lumMod val="85000"/>
-            </a:schemeClr>
-          </a:solidFill>
-          <a:ln>
-            <a:solidFill>
-              <a:srgbClr val="C00000"/>
-            </a:solidFill>
-          </a:ln>
-        </p:spPr>
-        <p:style>
-          <a:lnRef idx="2">
-            <a:schemeClr val="accent1">
-              <a:shade val="50000"/>
-            </a:schemeClr>
-          </a:lnRef>
-          <a:fillRef idx="1">
-            <a:schemeClr val="accent1"/>
-          </a:fillRef>
-          <a:effectRef idx="0">
-            <a:schemeClr val="accent1"/>
-          </a:effectRef>
-          <a:fontRef idx="minor">
-            <a:schemeClr val="lt1"/>
-          </a:fontRef>
-        </p:style>
-        <p:txBody>
-          <a:bodyPr rtlCol="0" anchor="ctr"/>
-          <a:lstStyle/>
-          <a:p>
-            <a:pPr algn="ctr"/>
-            <a:r>
-              <a:rPr lang="en-US" dirty="0">
-                <a:solidFill>
-                  <a:schemeClr val="tx1"/>
-                </a:solidFill>
-              </a:rPr>
-              <a:t>Vector</a:t>
-            </a:r>
-          </a:p>
-        </p:txBody>
-      </p:sp>
-      <p:sp>
-        <p:nvSpPr>
-          <p:cNvPr id="84" name="Rectangle 83">
-            <a:extLst>
-              <a:ext uri="{FF2B5EF4-FFF2-40B4-BE49-F238E27FC236}">
-                <a16:creationId xmlns:a16="http://schemas.microsoft.com/office/drawing/2014/main" id="{97617A6F-C059-4CC4-914F-8D980B7611F6}"/>
-              </a:ext>
-            </a:extLst>
-          </p:cNvPr>
-          <p:cNvSpPr/>
-          <p:nvPr/>
-        </p:nvSpPr>
-        <p:spPr>
-          <a:xfrm>
-            <a:off x="5899860" y="6260122"/>
-            <a:ext cx="1359252" cy="360040"/>
-          </a:xfrm>
-          <a:prstGeom prst="rect">
-            <a:avLst/>
-          </a:prstGeom>
-          <a:solidFill>
-            <a:schemeClr val="bg1">
-              <a:lumMod val="85000"/>
-            </a:schemeClr>
-          </a:solidFill>
-          <a:ln>
-            <a:solidFill>
-              <a:srgbClr val="C00000"/>
-            </a:solidFill>
-          </a:ln>
-        </p:spPr>
-        <p:style>
-          <a:lnRef idx="2">
-            <a:schemeClr val="accent1">
-              <a:shade val="50000"/>
-            </a:schemeClr>
-          </a:lnRef>
-          <a:fillRef idx="1">
-            <a:schemeClr val="accent1"/>
-          </a:fillRef>
-          <a:effectRef idx="0">
-            <a:schemeClr val="accent1"/>
-          </a:effectRef>
-          <a:fontRef idx="minor">
-            <a:schemeClr val="lt1"/>
-          </a:fontRef>
-        </p:style>
-        <p:txBody>
-          <a:bodyPr rtlCol="0" anchor="ctr"/>
-          <a:lstStyle/>
-          <a:p>
-            <a:pPr algn="ctr"/>
-            <a:r>
-              <a:rPr lang="en-US" dirty="0">
-                <a:solidFill>
-                  <a:schemeClr val="tx1"/>
-                </a:solidFill>
-              </a:rPr>
-              <a:t>LinkedList</a:t>
-            </a:r>
-          </a:p>
-        </p:txBody>
-      </p:sp>
-      <p:cxnSp>
-        <p:nvCxnSpPr>
-          <p:cNvPr id="85" name="Straight Arrow Connector 84">
-            <a:extLst>
-              <a:ext uri="{FF2B5EF4-FFF2-40B4-BE49-F238E27FC236}">
-                <a16:creationId xmlns:a16="http://schemas.microsoft.com/office/drawing/2014/main" id="{53D2C6E5-26AB-4BCD-8B85-410ACB21CD0B}"/>
-              </a:ext>
-            </a:extLst>
-          </p:cNvPr>
-          <p:cNvCxnSpPr>
-            <a:cxnSpLocks/>
-            <a:stCxn id="82" idx="0"/>
-          </p:cNvCxnSpPr>
-          <p:nvPr/>
-        </p:nvCxnSpPr>
-        <p:spPr>
-          <a:xfrm flipV="1">
-            <a:off x="5469376" y="3946549"/>
-            <a:ext cx="189855" cy="1126099"/>
-          </a:xfrm>
-          <a:prstGeom prst="straightConnector1">
-            <a:avLst/>
-          </a:prstGeom>
-          <a:ln>
-            <a:solidFill>
-              <a:srgbClr val="C00000"/>
-            </a:solidFill>
-            <a:prstDash val="lgDash"/>
-            <a:tailEnd type="triangle"/>
-          </a:ln>
-        </p:spPr>
-        <p:style>
-          <a:lnRef idx="1">
-            <a:schemeClr val="accent1"/>
-          </a:lnRef>
-          <a:fillRef idx="0">
-            <a:schemeClr val="accent1"/>
-          </a:fillRef>
-          <a:effectRef idx="0">
-            <a:schemeClr val="accent1"/>
-          </a:effectRef>
-          <a:fontRef idx="minor">
-            <a:schemeClr val="tx1"/>
-          </a:fontRef>
-        </p:style>
-      </p:cxnSp>
-      <p:cxnSp>
-        <p:nvCxnSpPr>
-          <p:cNvPr id="90" name="Straight Arrow Connector 89">
-            <a:extLst>
-              <a:ext uri="{FF2B5EF4-FFF2-40B4-BE49-F238E27FC236}">
-                <a16:creationId xmlns:a16="http://schemas.microsoft.com/office/drawing/2014/main" id="{DE61A61D-7B5C-4925-AFCA-04E29B56A714}"/>
-              </a:ext>
-            </a:extLst>
-          </p:cNvPr>
-          <p:cNvCxnSpPr>
-            <a:cxnSpLocks/>
-            <a:stCxn id="83" idx="0"/>
-            <a:endCxn id="20" idx="2"/>
-          </p:cNvCxnSpPr>
-          <p:nvPr/>
-        </p:nvCxnSpPr>
-        <p:spPr>
-          <a:xfrm flipH="1" flipV="1">
-            <a:off x="5801621" y="3946549"/>
-            <a:ext cx="93370" cy="1721281"/>
-          </a:xfrm>
-          <a:prstGeom prst="straightConnector1">
-            <a:avLst/>
-          </a:prstGeom>
-          <a:ln>
-            <a:solidFill>
-              <a:srgbClr val="C00000"/>
-            </a:solidFill>
-            <a:prstDash val="lgDash"/>
-            <a:tailEnd type="triangle"/>
-          </a:ln>
-        </p:spPr>
-        <p:style>
-          <a:lnRef idx="1">
-            <a:schemeClr val="accent1"/>
-          </a:lnRef>
-          <a:fillRef idx="0">
-            <a:schemeClr val="accent1"/>
-          </a:fillRef>
-          <a:effectRef idx="0">
-            <a:schemeClr val="accent1"/>
-          </a:effectRef>
-          <a:fontRef idx="minor">
-            <a:schemeClr val="tx1"/>
-          </a:fontRef>
-        </p:style>
-      </p:cxnSp>
-      <p:cxnSp>
-        <p:nvCxnSpPr>
-          <p:cNvPr id="94" name="Straight Arrow Connector 93">
-            <a:extLst>
-              <a:ext uri="{FF2B5EF4-FFF2-40B4-BE49-F238E27FC236}">
-                <a16:creationId xmlns:a16="http://schemas.microsoft.com/office/drawing/2014/main" id="{5B3E06C2-88FA-4AC6-A231-6B2913F9A856}"/>
-              </a:ext>
-            </a:extLst>
-          </p:cNvPr>
-          <p:cNvCxnSpPr>
-            <a:cxnSpLocks/>
-            <a:stCxn id="84" idx="0"/>
-          </p:cNvCxnSpPr>
-          <p:nvPr/>
-        </p:nvCxnSpPr>
-        <p:spPr>
-          <a:xfrm flipH="1" flipV="1">
-            <a:off x="5925357" y="3934247"/>
-            <a:ext cx="654129" cy="2325875"/>
-          </a:xfrm>
-          <a:prstGeom prst="straightConnector1">
-            <a:avLst/>
-          </a:prstGeom>
-          <a:ln>
-            <a:solidFill>
-              <a:srgbClr val="C00000"/>
-            </a:solidFill>
-            <a:prstDash val="lgDash"/>
-            <a:tailEnd type="triangle"/>
-          </a:ln>
-        </p:spPr>
-        <p:style>
-          <a:lnRef idx="1">
-            <a:schemeClr val="accent1"/>
-          </a:lnRef>
-          <a:fillRef idx="0">
-            <a:schemeClr val="accent1"/>
-          </a:fillRef>
-          <a:effectRef idx="0">
-            <a:schemeClr val="accent1"/>
-          </a:effectRef>
-          <a:fontRef idx="minor">
-            <a:schemeClr val="tx1"/>
-          </a:fontRef>
-        </p:style>
-      </p:cxnSp>
-      <p:cxnSp>
-        <p:nvCxnSpPr>
-          <p:cNvPr id="99" name="Straight Arrow Connector 98">
-            <a:extLst>
-              <a:ext uri="{FF2B5EF4-FFF2-40B4-BE49-F238E27FC236}">
-                <a16:creationId xmlns:a16="http://schemas.microsoft.com/office/drawing/2014/main" id="{C85D836C-17CA-41D8-BED8-4E54555965F7}"/>
-              </a:ext>
-            </a:extLst>
-          </p:cNvPr>
-          <p:cNvCxnSpPr>
-            <a:cxnSpLocks/>
-            <a:stCxn id="84" idx="0"/>
-            <a:endCxn id="103" idx="2"/>
-          </p:cNvCxnSpPr>
-          <p:nvPr/>
-        </p:nvCxnSpPr>
-        <p:spPr>
-          <a:xfrm flipV="1">
-            <a:off x="6579486" y="4987209"/>
-            <a:ext cx="753037" cy="1272913"/>
-          </a:xfrm>
-          <a:prstGeom prst="straightConnector1">
-            <a:avLst/>
-          </a:prstGeom>
-          <a:ln>
-            <a:solidFill>
-              <a:srgbClr val="C00000"/>
-            </a:solidFill>
-            <a:prstDash val="lgDash"/>
-            <a:tailEnd type="triangle"/>
-          </a:ln>
-        </p:spPr>
-        <p:style>
-          <a:lnRef idx="1">
-            <a:schemeClr val="accent1"/>
-          </a:lnRef>
-          <a:fillRef idx="0">
-            <a:schemeClr val="accent1"/>
-          </a:fillRef>
-          <a:effectRef idx="0">
-            <a:schemeClr val="accent1"/>
-          </a:effectRef>
-          <a:fontRef idx="minor">
-            <a:schemeClr val="tx1"/>
-          </a:fontRef>
-        </p:style>
-      </p:cxnSp>
-      <p:sp>
-        <p:nvSpPr>
-          <p:cNvPr id="103" name="Rectangle 102">
-            <a:extLst>
-              <a:ext uri="{FF2B5EF4-FFF2-40B4-BE49-F238E27FC236}">
-                <a16:creationId xmlns:a16="http://schemas.microsoft.com/office/drawing/2014/main" id="{02830D17-07B2-40CA-9C66-015171866D1F}"/>
-              </a:ext>
-            </a:extLst>
-          </p:cNvPr>
-          <p:cNvSpPr/>
-          <p:nvPr/>
-        </p:nvSpPr>
-        <p:spPr>
-          <a:xfrm>
-            <a:off x="6810805" y="4627169"/>
-            <a:ext cx="1043435" cy="360040"/>
-          </a:xfrm>
-          <a:prstGeom prst="rect">
-            <a:avLst/>
-          </a:prstGeom>
-          <a:solidFill>
-            <a:schemeClr val="bg1">
-              <a:lumMod val="85000"/>
-            </a:schemeClr>
-          </a:solidFill>
-          <a:ln>
-            <a:solidFill>
-              <a:srgbClr val="C00000"/>
-            </a:solidFill>
-          </a:ln>
-        </p:spPr>
-        <p:style>
-          <a:lnRef idx="2">
-            <a:schemeClr val="accent1">
-              <a:shade val="50000"/>
-            </a:schemeClr>
-          </a:lnRef>
-          <a:fillRef idx="1">
-            <a:schemeClr val="accent1"/>
-          </a:fillRef>
-          <a:effectRef idx="0">
-            <a:schemeClr val="accent1"/>
-          </a:effectRef>
-          <a:fontRef idx="minor">
-            <a:schemeClr val="lt1"/>
-          </a:fontRef>
-        </p:style>
-        <p:txBody>
-          <a:bodyPr rtlCol="0" anchor="ctr"/>
-          <a:lstStyle/>
-          <a:p>
-            <a:pPr algn="ctr"/>
-            <a:r>
-              <a:rPr lang="en-US" dirty="0">
-                <a:solidFill>
-                  <a:schemeClr val="tx1"/>
-                </a:solidFill>
-              </a:rPr>
-              <a:t>Dequeue</a:t>
-            </a:r>
-          </a:p>
-        </p:txBody>
-      </p:sp>
-      <p:cxnSp>
-        <p:nvCxnSpPr>
-          <p:cNvPr id="107" name="Straight Arrow Connector 106">
-            <a:extLst>
-              <a:ext uri="{FF2B5EF4-FFF2-40B4-BE49-F238E27FC236}">
-                <a16:creationId xmlns:a16="http://schemas.microsoft.com/office/drawing/2014/main" id="{7F029B86-6ABB-43A8-A943-F87E457D990C}"/>
-              </a:ext>
-            </a:extLst>
-          </p:cNvPr>
-          <p:cNvCxnSpPr>
-            <a:cxnSpLocks/>
-            <a:stCxn id="103" idx="0"/>
-          </p:cNvCxnSpPr>
-          <p:nvPr/>
-        </p:nvCxnSpPr>
-        <p:spPr>
-          <a:xfrm flipV="1">
-            <a:off x="7332523" y="3934247"/>
-            <a:ext cx="101266" cy="692922"/>
-          </a:xfrm>
-          <a:prstGeom prst="straightConnector1">
-            <a:avLst/>
-          </a:prstGeom>
-          <a:ln>
-            <a:solidFill>
-              <a:srgbClr val="C00000"/>
-            </a:solidFill>
-            <a:prstDash val="solid"/>
-            <a:tailEnd type="triangle"/>
-          </a:ln>
-        </p:spPr>
-        <p:style>
-          <a:lnRef idx="1">
-            <a:schemeClr val="accent1"/>
-          </a:lnRef>
-          <a:fillRef idx="0">
-            <a:schemeClr val="accent1"/>
-          </a:fillRef>
-          <a:effectRef idx="0">
-            <a:schemeClr val="accent1"/>
-          </a:effectRef>
-          <a:fontRef idx="minor">
-            <a:schemeClr val="tx1"/>
-          </a:fontRef>
-        </p:style>
-      </p:cxnSp>
-      <p:sp>
-        <p:nvSpPr>
-          <p:cNvPr id="114" name="Rectangle 113">
-            <a:extLst>
-              <a:ext uri="{FF2B5EF4-FFF2-40B4-BE49-F238E27FC236}">
-                <a16:creationId xmlns:a16="http://schemas.microsoft.com/office/drawing/2014/main" id="{28A2BBE6-2994-4A78-B71D-3C31DF3B88DC}"/>
-              </a:ext>
-            </a:extLst>
-          </p:cNvPr>
-          <p:cNvSpPr/>
-          <p:nvPr/>
-        </p:nvSpPr>
-        <p:spPr>
-          <a:xfrm>
-            <a:off x="7304456" y="5385578"/>
-            <a:ext cx="1575492" cy="360040"/>
-          </a:xfrm>
-          <a:prstGeom prst="rect">
-            <a:avLst/>
-          </a:prstGeom>
-          <a:solidFill>
-            <a:schemeClr val="bg1">
-              <a:lumMod val="85000"/>
-            </a:schemeClr>
-          </a:solidFill>
-          <a:ln>
-            <a:solidFill>
-              <a:srgbClr val="C00000"/>
-            </a:solidFill>
-          </a:ln>
-        </p:spPr>
-        <p:style>
-          <a:lnRef idx="2">
-            <a:schemeClr val="accent1">
-              <a:shade val="50000"/>
-            </a:schemeClr>
-          </a:lnRef>
-          <a:fillRef idx="1">
-            <a:schemeClr val="accent1"/>
-          </a:fillRef>
-          <a:effectRef idx="0">
-            <a:schemeClr val="accent1"/>
-          </a:effectRef>
-          <a:fontRef idx="minor">
-            <a:schemeClr val="lt1"/>
-          </a:fontRef>
-        </p:style>
-        <p:txBody>
-          <a:bodyPr rtlCol="0" anchor="ctr"/>
-          <a:lstStyle/>
-          <a:p>
-            <a:pPr algn="ctr"/>
-            <a:r>
-              <a:rPr lang="en-US" dirty="0">
-                <a:solidFill>
-                  <a:schemeClr val="tx1"/>
-                </a:solidFill>
-              </a:rPr>
-              <a:t>PriorityQueue</a:t>
-            </a:r>
-          </a:p>
-        </p:txBody>
-      </p:sp>
-      <p:cxnSp>
-        <p:nvCxnSpPr>
-          <p:cNvPr id="115" name="Straight Arrow Connector 114">
-            <a:extLst>
-              <a:ext uri="{FF2B5EF4-FFF2-40B4-BE49-F238E27FC236}">
-                <a16:creationId xmlns:a16="http://schemas.microsoft.com/office/drawing/2014/main" id="{A866FE75-D3A8-4C28-AAAE-CEFA2A9D423D}"/>
-              </a:ext>
-            </a:extLst>
-          </p:cNvPr>
-          <p:cNvCxnSpPr>
-            <a:cxnSpLocks/>
-            <a:stCxn id="114" idx="0"/>
-          </p:cNvCxnSpPr>
-          <p:nvPr/>
-        </p:nvCxnSpPr>
-        <p:spPr>
-          <a:xfrm flipH="1" flipV="1">
-            <a:off x="7778577" y="3925741"/>
-            <a:ext cx="313625" cy="1459837"/>
-          </a:xfrm>
-          <a:prstGeom prst="straightConnector1">
-            <a:avLst/>
-          </a:prstGeom>
-          <a:ln>
-            <a:solidFill>
-              <a:srgbClr val="C00000"/>
-            </a:solidFill>
-            <a:prstDash val="solid"/>
-            <a:tailEnd type="triangle"/>
-          </a:ln>
-        </p:spPr>
-        <p:style>
-          <a:lnRef idx="1">
-            <a:schemeClr val="accent1"/>
-          </a:lnRef>
-          <a:fillRef idx="0">
-            <a:schemeClr val="accent1"/>
-          </a:fillRef>
-          <a:effectRef idx="0">
-            <a:schemeClr val="accent1"/>
-          </a:effectRef>
-          <a:fontRef idx="minor">
-            <a:schemeClr val="tx1"/>
-          </a:fontRef>
-        </p:style>
-      </p:cxnSp>
-    </p:spTree>
-    <p:extLst>
-      <p:ext uri="{BB962C8B-B14F-4D97-AF65-F5344CB8AC3E}">
-        <p14:creationId xmlns:p14="http://schemas.microsoft.com/office/powerpoint/2010/main" val="391557491"/>
-      </p:ext>
-    </p:extLst>
-  </p:cSld>
-  <p:clrMapOvr>
-    <a:masterClrMapping/>
-  </p:clrMapOvr>
-</p:sld>
-</file>
-
-<file path=ppt/slides/slide6.xml><?xml version="1.0" encoding="utf-8"?>
-<p:sld xmlns:a="http://schemas.openxmlformats.org/drawingml/2006/main" xmlns:r="http://schemas.openxmlformats.org/officeDocument/2006/relationships" xmlns:p="http://schemas.openxmlformats.org/presentationml/2006/main">
-  <p:cSld>
-    <p:spTree>
-      <p:nvGrpSpPr>
-        <p:cNvPr id="1" name=""/>
-        <p:cNvGrpSpPr/>
-        <p:nvPr/>
-      </p:nvGrpSpPr>
-      <p:grpSpPr>
-        <a:xfrm>
-          <a:off x="0" y="0"/>
-          <a:ext cx="0" cy="0"/>
-          <a:chOff x="0" y="0"/>
-          <a:chExt cx="0" cy="0"/>
-        </a:xfrm>
-      </p:grpSpPr>
-      <p:sp>
-        <p:nvSpPr>
-          <p:cNvPr id="2" name="標題 1"/>
-          <p:cNvSpPr>
-            <a:spLocks noGrp="1"/>
-          </p:cNvSpPr>
-          <p:nvPr>
-            <p:ph type="ctrTitle"/>
-          </p:nvPr>
-        </p:nvSpPr>
-        <p:spPr>
-          <a:xfrm>
-            <a:off x="0" y="1"/>
-            <a:ext cx="9144000" cy="764704"/>
-          </a:xfrm>
-          <a:gradFill flip="none" rotWithShape="1">
-            <a:gsLst>
-              <a:gs pos="0">
-                <a:srgbClr val="C00000">
-                  <a:shade val="30000"/>
-                  <a:satMod val="115000"/>
-                </a:srgbClr>
-              </a:gs>
-              <a:gs pos="50000">
-                <a:srgbClr val="C00000">
-                  <a:shade val="67500"/>
-                  <a:satMod val="115000"/>
-                </a:srgbClr>
-              </a:gs>
-              <a:gs pos="100000">
-                <a:srgbClr val="C00000">
-                  <a:shade val="100000"/>
-                  <a:satMod val="115000"/>
-                </a:srgbClr>
-              </a:gs>
-            </a:gsLst>
-            <a:path path="circle">
-              <a:fillToRect t="100000" r="100000"/>
-            </a:path>
-            <a:tileRect l="-100000" b="-100000"/>
-          </a:gradFill>
-        </p:spPr>
-        <p:txBody>
-          <a:bodyPr>
-            <a:normAutofit/>
-          </a:bodyPr>
-          <a:lstStyle/>
-          <a:p>
-            <a:pPr algn="l"/>
-            <a:r>
-              <a:rPr lang="en-US" altLang="zh-TW" b="1" dirty="0">
-                <a:solidFill>
-                  <a:srgbClr val="FFFF00"/>
-                </a:solidFill>
-              </a:rPr>
-              <a:t>14.02 Collection and Generic Practical</a:t>
-            </a:r>
-            <a:endParaRPr lang="zh-TW" altLang="en-US" b="1" dirty="0">
-              <a:solidFill>
-                <a:srgbClr val="FFFF00"/>
-              </a:solidFill>
-            </a:endParaRPr>
-          </a:p>
-        </p:txBody>
-      </p:sp>
-      <p:sp>
-        <p:nvSpPr>
-          <p:cNvPr id="3" name="副標題 2"/>
-          <p:cNvSpPr>
-            <a:spLocks noGrp="1"/>
-          </p:cNvSpPr>
-          <p:nvPr>
-            <p:ph type="subTitle" idx="1"/>
-          </p:nvPr>
-        </p:nvSpPr>
-        <p:spPr>
-          <a:xfrm>
-            <a:off x="467544" y="1268760"/>
-            <a:ext cx="8352928" cy="648072"/>
-          </a:xfrm>
-          <a:ln>
-            <a:solidFill>
-              <a:srgbClr val="C00000"/>
-            </a:solidFill>
-          </a:ln>
-        </p:spPr>
-        <p:txBody>
-          <a:bodyPr>
-            <a:noAutofit/>
-          </a:bodyPr>
-          <a:lstStyle/>
-          <a:p>
-            <a:pPr marL="342900" indent="-342900" algn="l">
-              <a:buClr>
-                <a:srgbClr val="0070C0"/>
-              </a:buClr>
-              <a:buSzPct val="80000"/>
-              <a:buFont typeface="Wingdings" pitchFamily="2" charset="2"/>
-              <a:buChar char="u"/>
-            </a:pPr>
-            <a:r>
-              <a:rPr lang="en-US" altLang="zh-TW" sz="1600" dirty="0">
-                <a:solidFill>
-                  <a:schemeClr val="tx1"/>
-                </a:solidFill>
-              </a:rPr>
-              <a:t>In this example, we have Collection Interface and class ArrayList.</a:t>
-            </a:r>
-          </a:p>
-          <a:p>
-            <a:pPr marL="342900" indent="-342900" algn="l">
-              <a:buClr>
-                <a:srgbClr val="0070C0"/>
-              </a:buClr>
-              <a:buSzPct val="80000"/>
-              <a:buFont typeface="Wingdings" pitchFamily="2" charset="2"/>
-              <a:buChar char="u"/>
-            </a:pPr>
-            <a:r>
-              <a:rPr lang="en-US" altLang="zh-TW" sz="1600" dirty="0">
-                <a:solidFill>
-                  <a:schemeClr val="tx1"/>
-                </a:solidFill>
-              </a:rPr>
-              <a:t>Once we got the object of ArrayList. </a:t>
-            </a:r>
-          </a:p>
-        </p:txBody>
-      </p:sp>
-      <p:sp>
-        <p:nvSpPr>
-          <p:cNvPr id="4" name="標題 1"/>
-          <p:cNvSpPr txBox="1">
-            <a:spLocks/>
-          </p:cNvSpPr>
-          <p:nvPr/>
-        </p:nvSpPr>
-        <p:spPr>
-          <a:xfrm>
-            <a:off x="0" y="764704"/>
-            <a:ext cx="9144000" cy="360040"/>
-          </a:xfrm>
-          <a:prstGeom prst="rect">
-            <a:avLst/>
-          </a:prstGeom>
-          <a:gradFill flip="none" rotWithShape="1">
-            <a:gsLst>
-              <a:gs pos="0">
-                <a:srgbClr val="00B0F0">
-                  <a:shade val="30000"/>
-                  <a:satMod val="115000"/>
-                </a:srgbClr>
-              </a:gs>
-              <a:gs pos="50000">
-                <a:srgbClr val="00B0F0">
-                  <a:shade val="67500"/>
-                  <a:satMod val="115000"/>
-                </a:srgbClr>
-              </a:gs>
-              <a:gs pos="100000">
-                <a:srgbClr val="00B0F0">
-                  <a:shade val="100000"/>
-                  <a:satMod val="115000"/>
-                </a:srgbClr>
-              </a:gs>
-            </a:gsLst>
-            <a:path path="circle">
-              <a:fillToRect t="100000" r="100000"/>
-            </a:path>
-            <a:tileRect l="-100000" b="-100000"/>
-          </a:gradFill>
-        </p:spPr>
-        <p:txBody>
-          <a:bodyPr vert="horz" lIns="91440" tIns="45720" rIns="91440" bIns="45720" rtlCol="0" anchor="ctr">
-            <a:normAutofit fontScale="92500"/>
-          </a:bodyPr>
-          <a:lstStyle/>
-          <a:p>
-            <a:pPr lvl="0">
-              <a:spcBef>
-                <a:spcPct val="0"/>
-              </a:spcBef>
-            </a:pPr>
-            <a:r>
-              <a:rPr lang="en-US" altLang="zh-TW" sz="1600" dirty="0">
-                <a:latin typeface="+mj-lt"/>
-                <a:ea typeface="+mj-ea"/>
-                <a:cs typeface="+mj-cs"/>
-              </a:rPr>
-              <a:t>https://www.youtube.com/watch?v=HhrQqmp3hXI&amp;list=PLsyeobzWxl7oZ-fxDYkOToURHhMuWD1BK&amp;index=133</a:t>
-            </a:r>
-            <a:endParaRPr kumimoji="0" lang="zh-TW" altLang="en-US" sz="1600" b="0" i="0" u="none" strike="noStrike" kern="1200" cap="none" spc="0" normalizeH="0" baseline="0" noProof="0" dirty="0">
-              <a:ln>
-                <a:noFill/>
-              </a:ln>
-              <a:solidFill>
-                <a:schemeClr val="tx1"/>
-              </a:solidFill>
-              <a:effectLst/>
-              <a:uLnTx/>
-              <a:uFillTx/>
-              <a:latin typeface="+mj-lt"/>
-              <a:ea typeface="+mj-ea"/>
-              <a:cs typeface="+mj-cs"/>
-            </a:endParaRPr>
-          </a:p>
-        </p:txBody>
-      </p:sp>
-      <p:sp>
-        <p:nvSpPr>
-          <p:cNvPr id="5" name="日期版面配置區 4"/>
-          <p:cNvSpPr>
-            <a:spLocks noGrp="1"/>
-          </p:cNvSpPr>
-          <p:nvPr>
-            <p:ph type="dt" sz="half" idx="10"/>
-          </p:nvPr>
-        </p:nvSpPr>
-        <p:spPr/>
-        <p:txBody>
-          <a:bodyPr/>
-          <a:lstStyle/>
-          <a:p>
-            <a:fld id="{A4F910E6-8D00-4BAF-8C48-9688E0B449D3}" type="datetime1">
-              <a:rPr lang="zh-TW" altLang="en-US" smtClean="0"/>
-              <a:pPr/>
-              <a:t>2019/3/20</a:t>
-            </a:fld>
-            <a:endParaRPr lang="zh-TW" altLang="en-US"/>
-          </a:p>
-        </p:txBody>
-      </p:sp>
-      <p:sp>
-        <p:nvSpPr>
-          <p:cNvPr id="6" name="投影片編號版面配置區 5"/>
-          <p:cNvSpPr>
-            <a:spLocks noGrp="1"/>
-          </p:cNvSpPr>
-          <p:nvPr>
-            <p:ph type="sldNum" sz="quarter" idx="12"/>
-          </p:nvPr>
-        </p:nvSpPr>
-        <p:spPr/>
-        <p:txBody>
-          <a:bodyPr/>
-          <a:lstStyle/>
-          <a:p>
-            <a:fld id="{E4D7E63D-91F2-4366-A2C4-1B00C9E2590E}" type="slidenum">
-              <a:rPr lang="zh-TW" altLang="en-US" smtClean="0"/>
-              <a:pPr/>
-              <a:t>6</a:t>
-            </a:fld>
-            <a:endParaRPr lang="zh-TW" altLang="en-US"/>
-          </a:p>
-        </p:txBody>
-      </p:sp>
       <p:pic>
         <p:nvPicPr>
           <p:cNvPr id="128" name="Picture 127">
@@ -9163,7 +6368,7 @@
 </p:sld>
 </file>
 
-<file path=ppt/slides/slide7.xml><?xml version="1.0" encoding="utf-8"?>
+<file path=ppt/slides/slide6.xml><?xml version="1.0" encoding="utf-8"?>
 <p:sld xmlns:a="http://schemas.openxmlformats.org/drawingml/2006/main" xmlns:r="http://schemas.openxmlformats.org/officeDocument/2006/relationships" xmlns:p="http://schemas.openxmlformats.org/presentationml/2006/main">
   <p:cSld>
     <p:spTree>
@@ -9483,7 +6688,7 @@
             <a:fld id="{E4D7E63D-91F2-4366-A2C4-1B00C9E2590E}" type="slidenum">
               <a:rPr lang="zh-TW" altLang="en-US" smtClean="0"/>
               <a:pPr/>
-              <a:t>7</a:t>
+              <a:t>6</a:t>
             </a:fld>
             <a:endParaRPr lang="zh-TW" altLang="en-US"/>
           </a:p>
@@ -9600,7 +6805,7 @@
 </p:sld>
 </file>
 
-<file path=ppt/slides/slide8.xml><?xml version="1.0" encoding="utf-8"?>
+<file path=ppt/slides/slide7.xml><?xml version="1.0" encoding="utf-8"?>
 <p:sld xmlns:a="http://schemas.openxmlformats.org/drawingml/2006/main" xmlns:r="http://schemas.openxmlformats.org/officeDocument/2006/relationships" xmlns:p="http://schemas.openxmlformats.org/presentationml/2006/main">
   <p:cSld>
     <p:spTree>
@@ -9730,7 +6935,7 @@
             <a:fld id="{E4D7E63D-91F2-4366-A2C4-1B00C9E2590E}" type="slidenum">
               <a:rPr lang="zh-TW" altLang="en-US" smtClean="0"/>
               <a:pPr/>
-              <a:t>8</a:t>
+              <a:t>7</a:t>
             </a:fld>
             <a:endParaRPr lang="zh-TW" altLang="en-US"/>
           </a:p>
@@ -9781,7 +6986,7 @@
 </p:sld>
 </file>
 
-<file path=ppt/slides/slide9.xml><?xml version="1.0" encoding="utf-8"?>
+<file path=ppt/slides/slide8.xml><?xml version="1.0" encoding="utf-8"?>
 <p:sld xmlns:a="http://schemas.openxmlformats.org/drawingml/2006/main" xmlns:r="http://schemas.openxmlformats.org/officeDocument/2006/relationships" xmlns:p="http://schemas.openxmlformats.org/presentationml/2006/main">
   <p:cSld>
     <p:spTree>
@@ -10100,7 +7305,7 @@
             <a:fld id="{E4D7E63D-91F2-4366-A2C4-1B00C9E2590E}" type="slidenum">
               <a:rPr lang="zh-TW" altLang="en-US" smtClean="0"/>
               <a:pPr/>
-              <a:t>9</a:t>
+              <a:t>8</a:t>
             </a:fld>
             <a:endParaRPr lang="zh-TW" altLang="en-US"/>
           </a:p>
@@ -10208,6 +7413,439 @@
     <p:extLst>
       <p:ext uri="{BB962C8B-B14F-4D97-AF65-F5344CB8AC3E}">
         <p14:creationId xmlns:p14="http://schemas.microsoft.com/office/powerpoint/2010/main" val="835777521"/>
+      </p:ext>
+    </p:extLst>
+  </p:cSld>
+  <p:clrMapOvr>
+    <a:masterClrMapping/>
+  </p:clrMapOvr>
+</p:sld>
+</file>
+
+<file path=ppt/slides/slide9.xml><?xml version="1.0" encoding="utf-8"?>
+<p:sld xmlns:a="http://schemas.openxmlformats.org/drawingml/2006/main" xmlns:r="http://schemas.openxmlformats.org/officeDocument/2006/relationships" xmlns:p="http://schemas.openxmlformats.org/presentationml/2006/main">
+  <p:cSld>
+    <p:spTree>
+      <p:nvGrpSpPr>
+        <p:cNvPr id="1" name=""/>
+        <p:cNvGrpSpPr/>
+        <p:nvPr/>
+      </p:nvGrpSpPr>
+      <p:grpSpPr>
+        <a:xfrm>
+          <a:off x="0" y="0"/>
+          <a:ext cx="0" cy="0"/>
+          <a:chOff x="0" y="0"/>
+          <a:chExt cx="0" cy="0"/>
+        </a:xfrm>
+      </p:grpSpPr>
+      <p:pic>
+        <p:nvPicPr>
+          <p:cNvPr id="7" name="Picture 6">
+            <a:extLst>
+              <a:ext uri="{FF2B5EF4-FFF2-40B4-BE49-F238E27FC236}">
+                <a16:creationId xmlns:a16="http://schemas.microsoft.com/office/drawing/2014/main" id="{C5E29281-308C-44D3-8E4A-AB074B879039}"/>
+              </a:ext>
+            </a:extLst>
+          </p:cNvPr>
+          <p:cNvPicPr>
+            <a:picLocks noChangeAspect="1"/>
+          </p:cNvPicPr>
+          <p:nvPr/>
+        </p:nvPicPr>
+        <p:blipFill>
+          <a:blip r:embed="rId2"/>
+          <a:stretch>
+            <a:fillRect/>
+          </a:stretch>
+        </p:blipFill>
+        <p:spPr>
+          <a:xfrm>
+            <a:off x="2051720" y="1882376"/>
+            <a:ext cx="3852428" cy="4669110"/>
+          </a:xfrm>
+          <a:prstGeom prst="rect">
+            <a:avLst/>
+          </a:prstGeom>
+          <a:ln>
+            <a:solidFill>
+              <a:srgbClr val="C00000"/>
+            </a:solidFill>
+          </a:ln>
+        </p:spPr>
+      </p:pic>
+      <p:sp>
+        <p:nvSpPr>
+          <p:cNvPr id="2" name="標題 1"/>
+          <p:cNvSpPr>
+            <a:spLocks noGrp="1"/>
+          </p:cNvSpPr>
+          <p:nvPr>
+            <p:ph type="ctrTitle"/>
+          </p:nvPr>
+        </p:nvSpPr>
+        <p:spPr>
+          <a:xfrm>
+            <a:off x="0" y="1"/>
+            <a:ext cx="9144000" cy="764704"/>
+          </a:xfrm>
+          <a:gradFill flip="none" rotWithShape="1">
+            <a:gsLst>
+              <a:gs pos="0">
+                <a:srgbClr val="C00000">
+                  <a:shade val="30000"/>
+                  <a:satMod val="115000"/>
+                </a:srgbClr>
+              </a:gs>
+              <a:gs pos="50000">
+                <a:srgbClr val="C00000">
+                  <a:shade val="67500"/>
+                  <a:satMod val="115000"/>
+                </a:srgbClr>
+              </a:gs>
+              <a:gs pos="100000">
+                <a:srgbClr val="C00000">
+                  <a:shade val="100000"/>
+                  <a:satMod val="115000"/>
+                </a:srgbClr>
+              </a:gs>
+            </a:gsLst>
+            <a:path path="circle">
+              <a:fillToRect t="100000" r="100000"/>
+            </a:path>
+            <a:tileRect l="-100000" b="-100000"/>
+          </a:gradFill>
+        </p:spPr>
+        <p:txBody>
+          <a:bodyPr>
+            <a:normAutofit/>
+          </a:bodyPr>
+          <a:lstStyle/>
+          <a:p>
+            <a:pPr algn="l"/>
+            <a:r>
+              <a:rPr lang="en-US" altLang="zh-TW" b="1" dirty="0">
+                <a:solidFill>
+                  <a:srgbClr val="FFFF00"/>
+                </a:solidFill>
+              </a:rPr>
+              <a:t>14.02.01 Loop Objects by Iterator</a:t>
+            </a:r>
+            <a:endParaRPr lang="zh-TW" altLang="en-US" b="1" dirty="0">
+              <a:solidFill>
+                <a:srgbClr val="FFFF00"/>
+              </a:solidFill>
+            </a:endParaRPr>
+          </a:p>
+        </p:txBody>
+      </p:sp>
+      <p:sp>
+        <p:nvSpPr>
+          <p:cNvPr id="3" name="副標題 2"/>
+          <p:cNvSpPr>
+            <a:spLocks noGrp="1"/>
+          </p:cNvSpPr>
+          <p:nvPr>
+            <p:ph type="subTitle" idx="1"/>
+          </p:nvPr>
+        </p:nvSpPr>
+        <p:spPr>
+          <a:xfrm>
+            <a:off x="467544" y="1268760"/>
+            <a:ext cx="8352928" cy="469600"/>
+          </a:xfrm>
+          <a:ln>
+            <a:solidFill>
+              <a:srgbClr val="C00000"/>
+            </a:solidFill>
+          </a:ln>
+        </p:spPr>
+        <p:txBody>
+          <a:bodyPr>
+            <a:noAutofit/>
+          </a:bodyPr>
+          <a:lstStyle/>
+          <a:p>
+            <a:pPr marL="342900" indent="-342900" algn="l">
+              <a:buClr>
+                <a:srgbClr val="0070C0"/>
+              </a:buClr>
+              <a:buSzPct val="80000"/>
+              <a:buFont typeface="Wingdings" pitchFamily="2" charset="2"/>
+              <a:buChar char="u"/>
+            </a:pPr>
+            <a:r>
+              <a:rPr lang="en-US" altLang="zh-TW" sz="1600" dirty="0">
+                <a:solidFill>
+                  <a:schemeClr val="tx1"/>
+                </a:solidFill>
+              </a:rPr>
+              <a:t>Use while (</a:t>
+            </a:r>
+            <a:r>
+              <a:rPr lang="en-US" altLang="zh-TW" sz="1600" dirty="0" err="1">
+                <a:solidFill>
+                  <a:schemeClr val="tx1"/>
+                </a:solidFill>
+              </a:rPr>
+              <a:t>i.hasNext</a:t>
+            </a:r>
+            <a:r>
+              <a:rPr lang="en-US" altLang="zh-TW" sz="1600" dirty="0">
+                <a:solidFill>
+                  <a:schemeClr val="tx1"/>
+                </a:solidFill>
+              </a:rPr>
+              <a:t>()) to loop all the elements and print with </a:t>
+            </a:r>
+            <a:r>
+              <a:rPr lang="en-US" altLang="zh-TW" sz="1600" dirty="0" err="1">
+                <a:solidFill>
+                  <a:schemeClr val="tx1"/>
+                </a:solidFill>
+              </a:rPr>
+              <a:t>i.next</a:t>
+            </a:r>
+            <a:r>
+              <a:rPr lang="en-US" altLang="zh-TW" sz="1600" dirty="0">
+                <a:solidFill>
+                  <a:schemeClr val="tx1"/>
+                </a:solidFill>
+              </a:rPr>
+              <a:t>().</a:t>
+            </a:r>
+          </a:p>
+        </p:txBody>
+      </p:sp>
+      <p:sp>
+        <p:nvSpPr>
+          <p:cNvPr id="4" name="標題 1"/>
+          <p:cNvSpPr txBox="1">
+            <a:spLocks/>
+          </p:cNvSpPr>
+          <p:nvPr/>
+        </p:nvSpPr>
+        <p:spPr>
+          <a:xfrm>
+            <a:off x="0" y="764704"/>
+            <a:ext cx="9144000" cy="360040"/>
+          </a:xfrm>
+          <a:prstGeom prst="rect">
+            <a:avLst/>
+          </a:prstGeom>
+          <a:gradFill flip="none" rotWithShape="1">
+            <a:gsLst>
+              <a:gs pos="0">
+                <a:srgbClr val="00B0F0">
+                  <a:shade val="30000"/>
+                  <a:satMod val="115000"/>
+                </a:srgbClr>
+              </a:gs>
+              <a:gs pos="50000">
+                <a:srgbClr val="00B0F0">
+                  <a:shade val="67500"/>
+                  <a:satMod val="115000"/>
+                </a:srgbClr>
+              </a:gs>
+              <a:gs pos="100000">
+                <a:srgbClr val="00B0F0">
+                  <a:shade val="100000"/>
+                  <a:satMod val="115000"/>
+                </a:srgbClr>
+              </a:gs>
+            </a:gsLst>
+            <a:path path="circle">
+              <a:fillToRect t="100000" r="100000"/>
+            </a:path>
+            <a:tileRect l="-100000" b="-100000"/>
+          </a:gradFill>
+        </p:spPr>
+        <p:txBody>
+          <a:bodyPr vert="horz" lIns="91440" tIns="45720" rIns="91440" bIns="45720" rtlCol="0" anchor="ctr">
+            <a:normAutofit fontScale="92500"/>
+          </a:bodyPr>
+          <a:lstStyle/>
+          <a:p>
+            <a:pPr lvl="0">
+              <a:spcBef>
+                <a:spcPct val="0"/>
+              </a:spcBef>
+            </a:pPr>
+            <a:r>
+              <a:rPr lang="en-US" altLang="zh-TW" sz="1600" dirty="0">
+                <a:latin typeface="+mj-lt"/>
+                <a:ea typeface="+mj-ea"/>
+                <a:cs typeface="+mj-cs"/>
+              </a:rPr>
+              <a:t>https://www.youtube.com/watch?v=HhrQqmp3hXI&amp;list=PLsyeobzWxl7oZ-fxDYkOToURHhMuWD1BK&amp;index=133</a:t>
+            </a:r>
+            <a:endParaRPr kumimoji="0" lang="zh-TW" altLang="en-US" sz="1600" b="0" i="0" u="none" strike="noStrike" kern="1200" cap="none" spc="0" normalizeH="0" baseline="0" noProof="0" dirty="0">
+              <a:ln>
+                <a:noFill/>
+              </a:ln>
+              <a:solidFill>
+                <a:schemeClr val="tx1"/>
+              </a:solidFill>
+              <a:effectLst/>
+              <a:uLnTx/>
+              <a:uFillTx/>
+              <a:latin typeface="+mj-lt"/>
+              <a:ea typeface="+mj-ea"/>
+              <a:cs typeface="+mj-cs"/>
+            </a:endParaRPr>
+          </a:p>
+        </p:txBody>
+      </p:sp>
+      <p:sp>
+        <p:nvSpPr>
+          <p:cNvPr id="5" name="日期版面配置區 4"/>
+          <p:cNvSpPr>
+            <a:spLocks noGrp="1"/>
+          </p:cNvSpPr>
+          <p:nvPr>
+            <p:ph type="dt" sz="half" idx="10"/>
+          </p:nvPr>
+        </p:nvSpPr>
+        <p:spPr/>
+        <p:txBody>
+          <a:bodyPr/>
+          <a:lstStyle/>
+          <a:p>
+            <a:fld id="{A4F910E6-8D00-4BAF-8C48-9688E0B449D3}" type="datetime1">
+              <a:rPr lang="zh-TW" altLang="en-US" smtClean="0"/>
+              <a:pPr/>
+              <a:t>2019/3/20</a:t>
+            </a:fld>
+            <a:endParaRPr lang="zh-TW" altLang="en-US"/>
+          </a:p>
+        </p:txBody>
+      </p:sp>
+      <p:sp>
+        <p:nvSpPr>
+          <p:cNvPr id="6" name="投影片編號版面配置區 5"/>
+          <p:cNvSpPr>
+            <a:spLocks noGrp="1"/>
+          </p:cNvSpPr>
+          <p:nvPr>
+            <p:ph type="sldNum" sz="quarter" idx="12"/>
+          </p:nvPr>
+        </p:nvSpPr>
+        <p:spPr/>
+        <p:txBody>
+          <a:bodyPr/>
+          <a:lstStyle/>
+          <a:p>
+            <a:fld id="{E4D7E63D-91F2-4366-A2C4-1B00C9E2590E}" type="slidenum">
+              <a:rPr lang="zh-TW" altLang="en-US" smtClean="0"/>
+              <a:pPr/>
+              <a:t>9</a:t>
+            </a:fld>
+            <a:endParaRPr lang="zh-TW" altLang="en-US"/>
+          </a:p>
+        </p:txBody>
+      </p:sp>
+      <p:sp>
+        <p:nvSpPr>
+          <p:cNvPr id="129" name="Rectangle 128">
+            <a:extLst>
+              <a:ext uri="{FF2B5EF4-FFF2-40B4-BE49-F238E27FC236}">
+                <a16:creationId xmlns:a16="http://schemas.microsoft.com/office/drawing/2014/main" id="{9F68A035-546B-4E11-ADFC-7FBDDAC42022}"/>
+              </a:ext>
+            </a:extLst>
+          </p:cNvPr>
+          <p:cNvSpPr/>
+          <p:nvPr/>
+        </p:nvSpPr>
+        <p:spPr>
+          <a:xfrm>
+            <a:off x="2771800" y="4581128"/>
+            <a:ext cx="2304256" cy="576064"/>
+          </a:xfrm>
+          <a:prstGeom prst="rect">
+            <a:avLst/>
+          </a:prstGeom>
+          <a:noFill/>
+          <a:ln>
+            <a:solidFill>
+              <a:srgbClr val="C00000"/>
+            </a:solidFill>
+          </a:ln>
+        </p:spPr>
+        <p:style>
+          <a:lnRef idx="2">
+            <a:schemeClr val="accent1">
+              <a:shade val="50000"/>
+            </a:schemeClr>
+          </a:lnRef>
+          <a:fillRef idx="1">
+            <a:schemeClr val="accent1"/>
+          </a:fillRef>
+          <a:effectRef idx="0">
+            <a:schemeClr val="accent1"/>
+          </a:effectRef>
+          <a:fontRef idx="minor">
+            <a:schemeClr val="lt1"/>
+          </a:fontRef>
+        </p:style>
+        <p:txBody>
+          <a:bodyPr rtlCol="0" anchor="ctr"/>
+          <a:lstStyle/>
+          <a:p>
+            <a:pPr algn="ctr"/>
+            <a:endParaRPr lang="en-US"/>
+          </a:p>
+        </p:txBody>
+      </p:sp>
+      <p:cxnSp>
+        <p:nvCxnSpPr>
+          <p:cNvPr id="131" name="Straight Arrow Connector 130">
+            <a:extLst>
+              <a:ext uri="{FF2B5EF4-FFF2-40B4-BE49-F238E27FC236}">
+                <a16:creationId xmlns:a16="http://schemas.microsoft.com/office/drawing/2014/main" id="{70BAF35F-69E8-4346-86B2-726DF28197E9}"/>
+              </a:ext>
+            </a:extLst>
+          </p:cNvPr>
+          <p:cNvCxnSpPr>
+            <a:cxnSpLocks/>
+            <a:stCxn id="3" idx="2"/>
+            <a:endCxn id="129" idx="0"/>
+          </p:cNvCxnSpPr>
+          <p:nvPr/>
+        </p:nvCxnSpPr>
+        <p:spPr>
+          <a:xfrm flipH="1">
+            <a:off x="3923928" y="1738360"/>
+            <a:ext cx="720080" cy="2842768"/>
+          </a:xfrm>
+          <a:prstGeom prst="straightConnector1">
+            <a:avLst/>
+          </a:prstGeom>
+          <a:ln>
+            <a:solidFill>
+              <a:srgbClr val="C00000"/>
+            </a:solidFill>
+            <a:tailEnd type="triangle"/>
+          </a:ln>
+        </p:spPr>
+        <p:style>
+          <a:lnRef idx="1">
+            <a:schemeClr val="accent1"/>
+          </a:lnRef>
+          <a:fillRef idx="0">
+            <a:schemeClr val="accent1"/>
+          </a:fillRef>
+          <a:effectRef idx="0">
+            <a:schemeClr val="accent1"/>
+          </a:effectRef>
+          <a:fontRef idx="minor">
+            <a:schemeClr val="tx1"/>
+          </a:fontRef>
+        </p:style>
+      </p:cxnSp>
+    </p:spTree>
+    <p:extLst>
+      <p:ext uri="{BB962C8B-B14F-4D97-AF65-F5344CB8AC3E}">
+        <p14:creationId xmlns:p14="http://schemas.microsoft.com/office/powerpoint/2010/main" val="166083836"/>
       </p:ext>
     </p:extLst>
   </p:cSld>

--- a/14_01_13_CollectionGeneric/ch1402_CollectionGenericPractical/1402_CollectionGenericPractical.pptx
+++ b/14_01_13_CollectionGeneric/ch1402_CollectionGenericPractical/1402_CollectionGenericPractical.pptx
@@ -5,22 +5,29 @@
     <p:sldMasterId id="2147483648" r:id="rId1"/>
   </p:sldMasterIdLst>
   <p:notesMasterIdLst>
-    <p:notesMasterId r:id="rId15"/>
+    <p:notesMasterId r:id="rId22"/>
   </p:notesMasterIdLst>
   <p:sldIdLst>
     <p:sldId id="256" r:id="rId2"/>
     <p:sldId id="260" r:id="rId3"/>
-    <p:sldId id="261" r:id="rId4"/>
-    <p:sldId id="262" r:id="rId5"/>
-    <p:sldId id="263" r:id="rId6"/>
-    <p:sldId id="265" r:id="rId7"/>
-    <p:sldId id="268" r:id="rId8"/>
-    <p:sldId id="266" r:id="rId9"/>
-    <p:sldId id="267" r:id="rId10"/>
-    <p:sldId id="269" r:id="rId11"/>
-    <p:sldId id="270" r:id="rId12"/>
-    <p:sldId id="271" r:id="rId13"/>
-    <p:sldId id="259" r:id="rId14"/>
+    <p:sldId id="272" r:id="rId4"/>
+    <p:sldId id="274" r:id="rId5"/>
+    <p:sldId id="275" r:id="rId6"/>
+    <p:sldId id="276" r:id="rId7"/>
+    <p:sldId id="277" r:id="rId8"/>
+    <p:sldId id="278" r:id="rId9"/>
+    <p:sldId id="279" r:id="rId10"/>
+    <p:sldId id="261" r:id="rId11"/>
+    <p:sldId id="262" r:id="rId12"/>
+    <p:sldId id="263" r:id="rId13"/>
+    <p:sldId id="265" r:id="rId14"/>
+    <p:sldId id="268" r:id="rId15"/>
+    <p:sldId id="266" r:id="rId16"/>
+    <p:sldId id="267" r:id="rId17"/>
+    <p:sldId id="269" r:id="rId18"/>
+    <p:sldId id="270" r:id="rId19"/>
+    <p:sldId id="271" r:id="rId20"/>
+    <p:sldId id="259" r:id="rId21"/>
   </p:sldIdLst>
   <p:sldSz cx="9144000" cy="6858000" type="screen4x3"/>
   <p:notesSz cx="6858000" cy="9144000"/>
@@ -221,7 +228,7 @@
             <a:fld id="{6837EDA8-41C8-4B24-A206-13C08A65A6D7}" type="datetimeFigureOut">
               <a:rPr lang="zh-TW" altLang="en-US" smtClean="0"/>
               <a:pPr/>
-              <a:t>2019/3/20</a:t>
+              <a:t>2019/4/26</a:t>
             </a:fld>
             <a:endParaRPr lang="zh-TW" altLang="en-US"/>
           </a:p>
@@ -674,7 +681,7 @@
             <a:fld id="{8B85509C-BD4F-47BF-9B1E-FC2E949B3621}" type="datetime1">
               <a:rPr lang="zh-TW" altLang="en-US" smtClean="0"/>
               <a:pPr/>
-              <a:t>2019/3/20</a:t>
+              <a:t>2019/4/26</a:t>
             </a:fld>
             <a:endParaRPr lang="zh-TW" altLang="en-US"/>
           </a:p>
@@ -847,7 +854,7 @@
             <a:fld id="{42251B24-F787-4C15-8A0F-7AEC20C70069}" type="datetime1">
               <a:rPr lang="zh-TW" altLang="en-US" smtClean="0"/>
               <a:pPr/>
-              <a:t>2019/3/20</a:t>
+              <a:t>2019/4/26</a:t>
             </a:fld>
             <a:endParaRPr lang="zh-TW" altLang="en-US"/>
           </a:p>
@@ -1022,7 +1029,7 @@
             <a:fld id="{9CA0D33C-CE2B-45F1-B8D4-FFD1F131F331}" type="datetime1">
               <a:rPr lang="zh-TW" altLang="en-US" smtClean="0"/>
               <a:pPr/>
-              <a:t>2019/3/20</a:t>
+              <a:t>2019/4/26</a:t>
             </a:fld>
             <a:endParaRPr lang="zh-TW" altLang="en-US"/>
           </a:p>
@@ -1187,7 +1194,7 @@
             <a:fld id="{50B99440-D9EF-40CC-9B52-F6428D9B2C76}" type="datetime1">
               <a:rPr lang="zh-TW" altLang="en-US" smtClean="0"/>
               <a:pPr/>
-              <a:t>2019/3/20</a:t>
+              <a:t>2019/4/26</a:t>
             </a:fld>
             <a:endParaRPr lang="zh-TW" altLang="en-US"/>
           </a:p>
@@ -1429,7 +1436,7 @@
             <a:fld id="{0871BF52-5C6C-4959-8E27-CECB68D39FE4}" type="datetime1">
               <a:rPr lang="zh-TW" altLang="en-US" smtClean="0"/>
               <a:pPr/>
-              <a:t>2019/3/20</a:t>
+              <a:t>2019/4/26</a:t>
             </a:fld>
             <a:endParaRPr lang="zh-TW" altLang="en-US"/>
           </a:p>
@@ -1711,7 +1718,7 @@
             <a:fld id="{DF863F05-2DD9-4EB1-A827-12FD992DE9DC}" type="datetime1">
               <a:rPr lang="zh-TW" altLang="en-US" smtClean="0"/>
               <a:pPr/>
-              <a:t>2019/3/20</a:t>
+              <a:t>2019/4/26</a:t>
             </a:fld>
             <a:endParaRPr lang="zh-TW" altLang="en-US"/>
           </a:p>
@@ -2127,7 +2134,7 @@
             <a:fld id="{6339AF51-4491-4873-A096-75DB6CE47516}" type="datetime1">
               <a:rPr lang="zh-TW" altLang="en-US" smtClean="0"/>
               <a:pPr/>
-              <a:t>2019/3/20</a:t>
+              <a:t>2019/4/26</a:t>
             </a:fld>
             <a:endParaRPr lang="zh-TW" altLang="en-US"/>
           </a:p>
@@ -2241,7 +2248,7 @@
             <a:fld id="{EE4AD9C8-8B9E-40FF-ABE2-858AC2057BBB}" type="datetime1">
               <a:rPr lang="zh-TW" altLang="en-US" smtClean="0"/>
               <a:pPr/>
-              <a:t>2019/3/20</a:t>
+              <a:t>2019/4/26</a:t>
             </a:fld>
             <a:endParaRPr lang="zh-TW" altLang="en-US"/>
           </a:p>
@@ -2333,7 +2340,7 @@
             <a:fld id="{B4784999-BBBE-4BE4-A8D0-877E7D1D66CC}" type="datetime1">
               <a:rPr lang="zh-TW" altLang="en-US" smtClean="0"/>
               <a:pPr/>
-              <a:t>2019/3/20</a:t>
+              <a:t>2019/4/26</a:t>
             </a:fld>
             <a:endParaRPr lang="zh-TW" altLang="en-US"/>
           </a:p>
@@ -2605,7 +2612,7 @@
             <a:fld id="{E88D17E6-02BD-4944-B9FE-7BFCCBF83D48}" type="datetime1">
               <a:rPr lang="zh-TW" altLang="en-US" smtClean="0"/>
               <a:pPr/>
-              <a:t>2019/3/20</a:t>
+              <a:t>2019/4/26</a:t>
             </a:fld>
             <a:endParaRPr lang="zh-TW" altLang="en-US"/>
           </a:p>
@@ -2854,7 +2861,7 @@
             <a:fld id="{3C13E23D-1FEF-4D78-A3A3-3D6F2BB31954}" type="datetime1">
               <a:rPr lang="zh-TW" altLang="en-US" smtClean="0"/>
               <a:pPr/>
-              <a:t>2019/3/20</a:t>
+              <a:t>2019/4/26</a:t>
             </a:fld>
             <a:endParaRPr lang="zh-TW" altLang="en-US"/>
           </a:p>
@@ -3062,7 +3069,7 @@
             <a:fld id="{06197F35-AD6F-4594-8B50-334492D2E7E8}" type="datetime1">
               <a:rPr lang="zh-TW" altLang="en-US" smtClean="0"/>
               <a:pPr/>
-              <a:t>2019/3/20</a:t>
+              <a:t>2019/4/26</a:t>
             </a:fld>
             <a:endParaRPr lang="zh-TW" altLang="en-US"/>
           </a:p>
@@ -3523,7 +3530,7 @@
             <a:fld id="{C389EDC9-19E3-47AC-9C57-C6A24DEA81AD}" type="datetime1">
               <a:rPr lang="zh-TW" altLang="en-US" smtClean="0"/>
               <a:pPr/>
-              <a:t>2019/3/20</a:t>
+              <a:t>2019/4/26</a:t>
             </a:fld>
             <a:endParaRPr lang="zh-TW" altLang="en-US"/>
           </a:p>
@@ -3610,193 +3617,12 @@
           <a:chExt cx="0" cy="0"/>
         </a:xfrm>
       </p:grpSpPr>
-      <p:sp>
-        <p:nvSpPr>
-          <p:cNvPr id="2" name="標題 1"/>
-          <p:cNvSpPr>
-            <a:spLocks noGrp="1"/>
-          </p:cNvSpPr>
-          <p:nvPr>
-            <p:ph type="ctrTitle"/>
-          </p:nvPr>
-        </p:nvSpPr>
-        <p:spPr>
-          <a:xfrm>
-            <a:off x="0" y="2130425"/>
-            <a:ext cx="9144000" cy="1470025"/>
-          </a:xfrm>
-          <a:solidFill>
-            <a:srgbClr val="00B0F0"/>
-          </a:solidFill>
-        </p:spPr>
-        <p:txBody>
-          <a:bodyPr>
-            <a:normAutofit/>
-          </a:bodyPr>
-          <a:lstStyle/>
-          <a:p>
-            <a:r>
-              <a:rPr lang="en-US" altLang="zh-TW" sz="4800" b="1" dirty="0">
-                <a:solidFill>
-                  <a:srgbClr val="FFFF00"/>
-                </a:solidFill>
-              </a:rPr>
-              <a:t>14.02.02 Enhanced for Loop</a:t>
-            </a:r>
-            <a:endParaRPr lang="zh-TW" altLang="en-US" sz="4800" b="1" dirty="0">
-              <a:solidFill>
-                <a:srgbClr val="FFFF00"/>
-              </a:solidFill>
-            </a:endParaRPr>
-          </a:p>
-        </p:txBody>
-      </p:sp>
-      <p:sp>
-        <p:nvSpPr>
-          <p:cNvPr id="3" name="副標題 2"/>
-          <p:cNvSpPr>
-            <a:spLocks noGrp="1"/>
-          </p:cNvSpPr>
-          <p:nvPr>
-            <p:ph type="subTitle" idx="1"/>
-          </p:nvPr>
-        </p:nvSpPr>
-        <p:spPr>
-          <a:xfrm>
-            <a:off x="1259632" y="4581128"/>
-            <a:ext cx="6400800" cy="694928"/>
-          </a:xfrm>
-        </p:spPr>
-        <p:txBody>
-          <a:bodyPr>
-            <a:normAutofit/>
-          </a:bodyPr>
-          <a:lstStyle/>
-          <a:p>
-            <a:r>
-              <a:rPr lang="en-US" altLang="zh-TW" dirty="0"/>
-              <a:t>Peter H. Chen</a:t>
-            </a:r>
-            <a:endParaRPr lang="zh-TW" altLang="en-US" dirty="0"/>
-          </a:p>
-        </p:txBody>
-      </p:sp>
-      <p:sp>
-        <p:nvSpPr>
-          <p:cNvPr id="5" name="日期版面配置區 4"/>
-          <p:cNvSpPr>
-            <a:spLocks noGrp="1"/>
-          </p:cNvSpPr>
-          <p:nvPr>
-            <p:ph type="dt" sz="half" idx="10"/>
-          </p:nvPr>
-        </p:nvSpPr>
-        <p:spPr/>
-        <p:txBody>
-          <a:bodyPr/>
-          <a:lstStyle/>
-          <a:p>
-            <a:fld id="{C389EDC9-19E3-47AC-9C57-C6A24DEA81AD}" type="datetime1">
-              <a:rPr lang="zh-TW" altLang="en-US" smtClean="0"/>
-              <a:pPr/>
-              <a:t>2019/3/20</a:t>
-            </a:fld>
-            <a:endParaRPr lang="zh-TW" altLang="en-US"/>
-          </a:p>
-        </p:txBody>
-      </p:sp>
-      <p:sp>
-        <p:nvSpPr>
-          <p:cNvPr id="6" name="投影片編號版面配置區 5"/>
-          <p:cNvSpPr>
-            <a:spLocks noGrp="1"/>
-          </p:cNvSpPr>
-          <p:nvPr>
-            <p:ph type="sldNum" sz="quarter" idx="12"/>
-          </p:nvPr>
-        </p:nvSpPr>
-        <p:spPr/>
-        <p:txBody>
-          <a:bodyPr/>
-          <a:lstStyle/>
-          <a:p>
-            <a:fld id="{E4D7E63D-91F2-4366-A2C4-1B00C9E2590E}" type="slidenum">
-              <a:rPr lang="zh-TW" altLang="en-US" smtClean="0"/>
-              <a:pPr/>
-              <a:t>10</a:t>
-            </a:fld>
-            <a:endParaRPr lang="zh-TW" altLang="en-US"/>
-          </a:p>
-        </p:txBody>
-      </p:sp>
       <p:pic>
         <p:nvPicPr>
-          <p:cNvPr id="1026" name="Picture 2"/>
-          <p:cNvPicPr>
-            <a:picLocks noChangeAspect="1" noChangeArrowheads="1"/>
-          </p:cNvPicPr>
-          <p:nvPr/>
-        </p:nvPicPr>
-        <p:blipFill>
-          <a:blip r:embed="rId2" cstate="print"/>
-          <a:srcRect/>
-          <a:stretch>
-            <a:fillRect/>
-          </a:stretch>
-        </p:blipFill>
-        <p:spPr bwMode="auto">
-          <a:xfrm>
-            <a:off x="3995936" y="3645024"/>
-            <a:ext cx="1018399" cy="864096"/>
-          </a:xfrm>
-          <a:prstGeom prst="rect">
-            <a:avLst/>
-          </a:prstGeom>
-          <a:noFill/>
-          <a:ln w="9525">
-            <a:noFill/>
-            <a:miter lim="800000"/>
-            <a:headEnd/>
-            <a:tailEnd/>
-          </a:ln>
-        </p:spPr>
-      </p:pic>
-    </p:spTree>
-    <p:extLst>
-      <p:ext uri="{BB962C8B-B14F-4D97-AF65-F5344CB8AC3E}">
-        <p14:creationId xmlns:p14="http://schemas.microsoft.com/office/powerpoint/2010/main" val="3670259316"/>
-      </p:ext>
-    </p:extLst>
-  </p:cSld>
-  <p:clrMapOvr>
-    <a:masterClrMapping/>
-  </p:clrMapOvr>
-</p:sld>
-</file>
-
-<file path=ppt/slides/slide11.xml><?xml version="1.0" encoding="utf-8"?>
-<p:sld xmlns:a="http://schemas.openxmlformats.org/drawingml/2006/main" xmlns:r="http://schemas.openxmlformats.org/officeDocument/2006/relationships" xmlns:p="http://schemas.openxmlformats.org/presentationml/2006/main">
-  <p:cSld>
-    <p:spTree>
-      <p:nvGrpSpPr>
-        <p:cNvPr id="1" name=""/>
-        <p:cNvGrpSpPr/>
-        <p:nvPr/>
-      </p:nvGrpSpPr>
-      <p:grpSpPr>
-        <a:xfrm>
-          <a:off x="0" y="0"/>
-          <a:ext cx="0" cy="0"/>
-          <a:chOff x="0" y="0"/>
-          <a:chExt cx="0" cy="0"/>
-        </a:xfrm>
-      </p:grpSpPr>
-      <p:pic>
-        <p:nvPicPr>
-          <p:cNvPr id="7" name="Picture 6">
+          <p:cNvPr id="8" name="Picture 7">
             <a:extLst>
               <a:ext uri="{FF2B5EF4-FFF2-40B4-BE49-F238E27FC236}">
-                <a16:creationId xmlns:a16="http://schemas.microsoft.com/office/drawing/2014/main" id="{3E7CB7E0-5809-4613-B758-B56A18DC8E20}"/>
+                <a16:creationId xmlns:a16="http://schemas.microsoft.com/office/drawing/2014/main" id="{ADDC3DDF-CC83-4B84-880B-442E5EDD8A5A}"/>
               </a:ext>
             </a:extLst>
           </p:cNvPr>
@@ -3813,8 +3639,8 @@
         </p:blipFill>
         <p:spPr>
           <a:xfrm>
-            <a:off x="4329112" y="1268760"/>
-            <a:ext cx="4448175" cy="5676900"/>
+            <a:off x="457200" y="1837193"/>
+            <a:ext cx="3554874" cy="2633240"/>
           </a:xfrm>
           <a:prstGeom prst="rect">
             <a:avLst/>
@@ -3881,7 +3707,7 @@
                   <a:srgbClr val="FFFF00"/>
                 </a:solidFill>
               </a:rPr>
-              <a:t>14.02.02 Enhanced for Loop</a:t>
+              <a:t>14.02 Collection and Generic Practical</a:t>
             </a:r>
             <a:endParaRPr lang="zh-TW" altLang="en-US" b="1" dirty="0">
               <a:solidFill>
@@ -3904,7 +3730,7 @@
         <p:spPr>
           <a:xfrm>
             <a:off x="467544" y="1268760"/>
-            <a:ext cx="3456384" cy="2520280"/>
+            <a:ext cx="8352928" cy="360040"/>
           </a:xfrm>
           <a:ln>
             <a:solidFill>
@@ -3932,143 +3758,7 @@
                   <a:schemeClr val="tx1"/>
                 </a:solidFill>
               </a:rPr>
-              <a:t>Iterator is a very old technique, we want to use new technique with Enhanced for Loop.</a:t>
-            </a:r>
-          </a:p>
-          <a:p>
-            <a:pPr marL="342900" indent="-342900" algn="l">
-              <a:buClr>
-                <a:srgbClr val="0070C0"/>
-              </a:buClr>
-              <a:buSzPct val="80000"/>
-              <a:buFont typeface="Wingdings" pitchFamily="2" charset="2"/>
-              <a:buChar char="u"/>
-            </a:pPr>
-            <a:r>
-              <a:rPr lang="en-US" altLang="zh-TW" sz="1600" dirty="0">
-                <a:solidFill>
-                  <a:schemeClr val="tx1"/>
-                </a:solidFill>
-              </a:rPr>
-              <a:t>for (</a:t>
-            </a:r>
-            <a:r>
-              <a:rPr lang="en-US" altLang="zh-TW" sz="1600" dirty="0" err="1">
-                <a:solidFill>
-                  <a:schemeClr val="tx1"/>
-                </a:solidFill>
-              </a:rPr>
-              <a:t>Obejct</a:t>
-            </a:r>
-            <a:r>
-              <a:rPr lang="en-US" altLang="zh-TW" sz="1600" dirty="0">
-                <a:solidFill>
-                  <a:schemeClr val="tx1"/>
-                </a:solidFill>
-              </a:rPr>
-              <a:t> i: values) {</a:t>
-            </a:r>
-          </a:p>
-          <a:p>
-            <a:pPr marL="342900" indent="-342900" algn="l">
-              <a:buClr>
-                <a:srgbClr val="0070C0"/>
-              </a:buClr>
-              <a:buSzPct val="80000"/>
-              <a:buFont typeface="Wingdings" pitchFamily="2" charset="2"/>
-              <a:buChar char="u"/>
-            </a:pPr>
-            <a:r>
-              <a:rPr lang="en-US" altLang="zh-TW" sz="1600" dirty="0">
-                <a:solidFill>
-                  <a:schemeClr val="tx1"/>
-                </a:solidFill>
-              </a:rPr>
-              <a:t>    </a:t>
-            </a:r>
-            <a:r>
-              <a:rPr lang="en-US" altLang="zh-TW" sz="1600" dirty="0" err="1">
-                <a:solidFill>
-                  <a:schemeClr val="tx1"/>
-                </a:solidFill>
-              </a:rPr>
-              <a:t>System.out.println</a:t>
-            </a:r>
-            <a:r>
-              <a:rPr lang="en-US" altLang="zh-TW" sz="1600" dirty="0">
-                <a:solidFill>
-                  <a:schemeClr val="tx1"/>
-                </a:solidFill>
-              </a:rPr>
-              <a:t> (</a:t>
-            </a:r>
-            <a:r>
-              <a:rPr lang="en-US" altLang="zh-TW" sz="1600" dirty="0" err="1">
-                <a:solidFill>
-                  <a:schemeClr val="tx1"/>
-                </a:solidFill>
-              </a:rPr>
-              <a:t>i</a:t>
-            </a:r>
-            <a:r>
-              <a:rPr lang="en-US" altLang="zh-TW" sz="1600" dirty="0">
-                <a:solidFill>
-                  <a:schemeClr val="tx1"/>
-                </a:solidFill>
-              </a:rPr>
-              <a:t>);</a:t>
-            </a:r>
-          </a:p>
-          <a:p>
-            <a:pPr marL="342900" indent="-342900" algn="l">
-              <a:buClr>
-                <a:srgbClr val="0070C0"/>
-              </a:buClr>
-              <a:buSzPct val="80000"/>
-              <a:buFont typeface="Wingdings" pitchFamily="2" charset="2"/>
-              <a:buChar char="u"/>
-            </a:pPr>
-            <a:r>
-              <a:rPr lang="en-US" altLang="zh-TW" sz="1600" dirty="0">
-                <a:solidFill>
-                  <a:schemeClr val="tx1"/>
-                </a:solidFill>
-              </a:rPr>
-              <a:t>} </a:t>
-            </a:r>
-          </a:p>
-          <a:p>
-            <a:pPr marL="342900" indent="-342900" algn="l">
-              <a:buClr>
-                <a:srgbClr val="0070C0"/>
-              </a:buClr>
-              <a:buSzPct val="80000"/>
-              <a:buFont typeface="Wingdings" pitchFamily="2" charset="2"/>
-              <a:buChar char="u"/>
-            </a:pPr>
-            <a:r>
-              <a:rPr lang="en-US" altLang="zh-TW" sz="1600" dirty="0">
-                <a:solidFill>
-                  <a:schemeClr val="tx1"/>
-                </a:solidFill>
-              </a:rPr>
-              <a:t>i: is the Object in values Object. The </a:t>
-            </a:r>
-            <a:r>
-              <a:rPr lang="en-US" altLang="zh-TW" sz="1600" dirty="0" err="1">
-                <a:solidFill>
-                  <a:schemeClr val="tx1"/>
-                </a:solidFill>
-              </a:rPr>
-              <a:t>i</a:t>
-            </a:r>
-            <a:r>
-              <a:rPr lang="en-US" altLang="zh-TW" sz="1600" dirty="0">
-                <a:solidFill>
-                  <a:schemeClr val="tx1"/>
-                </a:solidFill>
-              </a:rPr>
-              <a:t> is one of the Object in the Object array. </a:t>
+              <a:t>Check the Collection Interface.</a:t>
             </a:r>
           </a:p>
         </p:txBody>
@@ -4170,7 +3860,7 @@
             <a:fld id="{A4F910E6-8D00-4BAF-8C48-9688E0B449D3}" type="datetime1">
               <a:rPr lang="zh-TW" altLang="en-US" smtClean="0"/>
               <a:pPr/>
-              <a:t>2019/3/20</a:t>
+              <a:t>2019/4/26</a:t>
             </a:fld>
             <a:endParaRPr lang="zh-TW" altLang="en-US"/>
           </a:p>
@@ -4194,1300 +3884,7 @@
             <a:fld id="{E4D7E63D-91F2-4366-A2C4-1B00C9E2590E}" type="slidenum">
               <a:rPr lang="zh-TW" altLang="en-US" smtClean="0"/>
               <a:pPr/>
-              <a:t>11</a:t>
-            </a:fld>
-            <a:endParaRPr lang="zh-TW" altLang="en-US"/>
-          </a:p>
-        </p:txBody>
-      </p:sp>
-      <p:sp>
-        <p:nvSpPr>
-          <p:cNvPr id="129" name="Rectangle 128">
-            <a:extLst>
-              <a:ext uri="{FF2B5EF4-FFF2-40B4-BE49-F238E27FC236}">
-                <a16:creationId xmlns:a16="http://schemas.microsoft.com/office/drawing/2014/main" id="{9F68A035-546B-4E11-ADFC-7FBDDAC42022}"/>
-              </a:ext>
-            </a:extLst>
-          </p:cNvPr>
-          <p:cNvSpPr/>
-          <p:nvPr/>
-        </p:nvSpPr>
-        <p:spPr>
-          <a:xfrm>
-            <a:off x="5220072" y="4797152"/>
-            <a:ext cx="2016224" cy="432048"/>
-          </a:xfrm>
-          <a:prstGeom prst="rect">
-            <a:avLst/>
-          </a:prstGeom>
-          <a:noFill/>
-          <a:ln>
-            <a:solidFill>
-              <a:srgbClr val="C00000"/>
-            </a:solidFill>
-          </a:ln>
-        </p:spPr>
-        <p:style>
-          <a:lnRef idx="2">
-            <a:schemeClr val="accent1">
-              <a:shade val="50000"/>
-            </a:schemeClr>
-          </a:lnRef>
-          <a:fillRef idx="1">
-            <a:schemeClr val="accent1"/>
-          </a:fillRef>
-          <a:effectRef idx="0">
-            <a:schemeClr val="accent1"/>
-          </a:effectRef>
-          <a:fontRef idx="minor">
-            <a:schemeClr val="lt1"/>
-          </a:fontRef>
-        </p:style>
-        <p:txBody>
-          <a:bodyPr rtlCol="0" anchor="ctr"/>
-          <a:lstStyle/>
-          <a:p>
-            <a:pPr algn="ctr"/>
-            <a:endParaRPr lang="en-US"/>
-          </a:p>
-        </p:txBody>
-      </p:sp>
-      <p:cxnSp>
-        <p:nvCxnSpPr>
-          <p:cNvPr id="131" name="Straight Arrow Connector 130">
-            <a:extLst>
-              <a:ext uri="{FF2B5EF4-FFF2-40B4-BE49-F238E27FC236}">
-                <a16:creationId xmlns:a16="http://schemas.microsoft.com/office/drawing/2014/main" id="{70BAF35F-69E8-4346-86B2-726DF28197E9}"/>
-              </a:ext>
-            </a:extLst>
-          </p:cNvPr>
-          <p:cNvCxnSpPr>
-            <a:cxnSpLocks/>
-            <a:stCxn id="3" idx="2"/>
-          </p:cNvCxnSpPr>
-          <p:nvPr/>
-        </p:nvCxnSpPr>
-        <p:spPr>
-          <a:xfrm>
-            <a:off x="2195736" y="3789040"/>
-            <a:ext cx="3024336" cy="1224136"/>
-          </a:xfrm>
-          <a:prstGeom prst="straightConnector1">
-            <a:avLst/>
-          </a:prstGeom>
-          <a:ln>
-            <a:solidFill>
-              <a:srgbClr val="C00000"/>
-            </a:solidFill>
-            <a:tailEnd type="triangle"/>
-          </a:ln>
-        </p:spPr>
-        <p:style>
-          <a:lnRef idx="1">
-            <a:schemeClr val="accent1"/>
-          </a:lnRef>
-          <a:fillRef idx="0">
-            <a:schemeClr val="accent1"/>
-          </a:fillRef>
-          <a:effectRef idx="0">
-            <a:schemeClr val="accent1"/>
-          </a:effectRef>
-          <a:fontRef idx="minor">
-            <a:schemeClr val="tx1"/>
-          </a:fontRef>
-        </p:style>
-      </p:cxnSp>
-    </p:spTree>
-    <p:extLst>
-      <p:ext uri="{BB962C8B-B14F-4D97-AF65-F5344CB8AC3E}">
-        <p14:creationId xmlns:p14="http://schemas.microsoft.com/office/powerpoint/2010/main" val="2979945230"/>
-      </p:ext>
-    </p:extLst>
-  </p:cSld>
-  <p:clrMapOvr>
-    <a:masterClrMapping/>
-  </p:clrMapOvr>
-</p:sld>
-</file>
-
-<file path=ppt/slides/slide12.xml><?xml version="1.0" encoding="utf-8"?>
-<p:sld xmlns:a="http://schemas.openxmlformats.org/drawingml/2006/main" xmlns:r="http://schemas.openxmlformats.org/officeDocument/2006/relationships" xmlns:p="http://schemas.openxmlformats.org/presentationml/2006/main">
-  <p:cSld>
-    <p:spTree>
-      <p:nvGrpSpPr>
-        <p:cNvPr id="1" name=""/>
-        <p:cNvGrpSpPr/>
-        <p:nvPr/>
-      </p:nvGrpSpPr>
-      <p:grpSpPr>
-        <a:xfrm>
-          <a:off x="0" y="0"/>
-          <a:ext cx="0" cy="0"/>
-          <a:chOff x="0" y="0"/>
-          <a:chExt cx="0" cy="0"/>
-        </a:xfrm>
-      </p:grpSpPr>
-      <p:sp>
-        <p:nvSpPr>
-          <p:cNvPr id="2" name="標題 1"/>
-          <p:cNvSpPr>
-            <a:spLocks noGrp="1"/>
-          </p:cNvSpPr>
-          <p:nvPr>
-            <p:ph type="ctrTitle"/>
-          </p:nvPr>
-        </p:nvSpPr>
-        <p:spPr>
-          <a:xfrm>
-            <a:off x="0" y="1"/>
-            <a:ext cx="9144000" cy="764704"/>
-          </a:xfrm>
-          <a:gradFill flip="none" rotWithShape="1">
-            <a:gsLst>
-              <a:gs pos="0">
-                <a:srgbClr val="C00000">
-                  <a:shade val="30000"/>
-                  <a:satMod val="115000"/>
-                </a:srgbClr>
-              </a:gs>
-              <a:gs pos="50000">
-                <a:srgbClr val="C00000">
-                  <a:shade val="67500"/>
-                  <a:satMod val="115000"/>
-                </a:srgbClr>
-              </a:gs>
-              <a:gs pos="100000">
-                <a:srgbClr val="C00000">
-                  <a:shade val="100000"/>
-                  <a:satMod val="115000"/>
-                </a:srgbClr>
-              </a:gs>
-            </a:gsLst>
-            <a:path path="circle">
-              <a:fillToRect t="100000" r="100000"/>
-            </a:path>
-            <a:tileRect l="-100000" b="-100000"/>
-          </a:gradFill>
-        </p:spPr>
-        <p:txBody>
-          <a:bodyPr>
-            <a:normAutofit/>
-          </a:bodyPr>
-          <a:lstStyle/>
-          <a:p>
-            <a:pPr algn="l"/>
-            <a:r>
-              <a:rPr lang="en-US" altLang="zh-TW" b="1" dirty="0">
-                <a:solidFill>
-                  <a:srgbClr val="FFFF00"/>
-                </a:solidFill>
-              </a:rPr>
-              <a:t>14.02.02 Enhanced for Loop</a:t>
-            </a:r>
-            <a:endParaRPr lang="zh-TW" altLang="en-US" b="1" dirty="0">
-              <a:solidFill>
-                <a:srgbClr val="FFFF00"/>
-              </a:solidFill>
-            </a:endParaRPr>
-          </a:p>
-        </p:txBody>
-      </p:sp>
-      <p:sp>
-        <p:nvSpPr>
-          <p:cNvPr id="3" name="副標題 2"/>
-          <p:cNvSpPr>
-            <a:spLocks noGrp="1"/>
-          </p:cNvSpPr>
-          <p:nvPr>
-            <p:ph type="subTitle" idx="1"/>
-          </p:nvPr>
-        </p:nvSpPr>
-        <p:spPr>
-          <a:xfrm>
-            <a:off x="467544" y="1268760"/>
-            <a:ext cx="8352928" cy="469600"/>
-          </a:xfrm>
-          <a:ln>
-            <a:solidFill>
-              <a:srgbClr val="C00000"/>
-            </a:solidFill>
-          </a:ln>
-        </p:spPr>
-        <p:txBody>
-          <a:bodyPr>
-            <a:noAutofit/>
-          </a:bodyPr>
-          <a:lstStyle/>
-          <a:p>
-            <a:pPr marL="342900" indent="-342900" algn="l">
-              <a:buClr>
-                <a:srgbClr val="0070C0"/>
-              </a:buClr>
-              <a:buSzPct val="80000"/>
-              <a:buFont typeface="Wingdings" pitchFamily="2" charset="2"/>
-              <a:buChar char="u"/>
-            </a:pPr>
-            <a:r>
-              <a:rPr lang="en-US" altLang="zh-TW" sz="1600" dirty="0">
-                <a:solidFill>
-                  <a:schemeClr val="tx1"/>
-                </a:solidFill>
-              </a:rPr>
-              <a:t>Use while (</a:t>
-            </a:r>
-            <a:r>
-              <a:rPr lang="en-US" altLang="zh-TW" sz="1600" dirty="0" err="1">
-                <a:solidFill>
-                  <a:schemeClr val="tx1"/>
-                </a:solidFill>
-              </a:rPr>
-              <a:t>i.hasNext</a:t>
-            </a:r>
-            <a:r>
-              <a:rPr lang="en-US" altLang="zh-TW" sz="1600" dirty="0">
-                <a:solidFill>
-                  <a:schemeClr val="tx1"/>
-                </a:solidFill>
-              </a:rPr>
-              <a:t>()) to loop all the elements and print with </a:t>
-            </a:r>
-            <a:r>
-              <a:rPr lang="en-US" altLang="zh-TW" sz="1600" dirty="0" err="1">
-                <a:solidFill>
-                  <a:schemeClr val="tx1"/>
-                </a:solidFill>
-              </a:rPr>
-              <a:t>i.next</a:t>
-            </a:r>
-            <a:r>
-              <a:rPr lang="en-US" altLang="zh-TW" sz="1600" dirty="0">
-                <a:solidFill>
-                  <a:schemeClr val="tx1"/>
-                </a:solidFill>
-              </a:rPr>
-              <a:t>().</a:t>
-            </a:r>
-          </a:p>
-        </p:txBody>
-      </p:sp>
-      <p:sp>
-        <p:nvSpPr>
-          <p:cNvPr id="4" name="標題 1"/>
-          <p:cNvSpPr txBox="1">
-            <a:spLocks/>
-          </p:cNvSpPr>
-          <p:nvPr/>
-        </p:nvSpPr>
-        <p:spPr>
-          <a:xfrm>
-            <a:off x="0" y="764704"/>
-            <a:ext cx="9144000" cy="360040"/>
-          </a:xfrm>
-          <a:prstGeom prst="rect">
-            <a:avLst/>
-          </a:prstGeom>
-          <a:gradFill flip="none" rotWithShape="1">
-            <a:gsLst>
-              <a:gs pos="0">
-                <a:srgbClr val="00B0F0">
-                  <a:shade val="30000"/>
-                  <a:satMod val="115000"/>
-                </a:srgbClr>
-              </a:gs>
-              <a:gs pos="50000">
-                <a:srgbClr val="00B0F0">
-                  <a:shade val="67500"/>
-                  <a:satMod val="115000"/>
-                </a:srgbClr>
-              </a:gs>
-              <a:gs pos="100000">
-                <a:srgbClr val="00B0F0">
-                  <a:shade val="100000"/>
-                  <a:satMod val="115000"/>
-                </a:srgbClr>
-              </a:gs>
-            </a:gsLst>
-            <a:path path="circle">
-              <a:fillToRect t="100000" r="100000"/>
-            </a:path>
-            <a:tileRect l="-100000" b="-100000"/>
-          </a:gradFill>
-        </p:spPr>
-        <p:txBody>
-          <a:bodyPr vert="horz" lIns="91440" tIns="45720" rIns="91440" bIns="45720" rtlCol="0" anchor="ctr">
-            <a:normAutofit fontScale="92500"/>
-          </a:bodyPr>
-          <a:lstStyle/>
-          <a:p>
-            <a:pPr lvl="0">
-              <a:spcBef>
-                <a:spcPct val="0"/>
-              </a:spcBef>
-            </a:pPr>
-            <a:r>
-              <a:rPr lang="en-US" altLang="zh-TW" sz="1600" dirty="0">
-                <a:latin typeface="+mj-lt"/>
-                <a:ea typeface="+mj-ea"/>
-                <a:cs typeface="+mj-cs"/>
-              </a:rPr>
-              <a:t>https://www.youtube.com/watch?v=HhrQqmp3hXI&amp;list=PLsyeobzWxl7oZ-fxDYkOToURHhMuWD1BK&amp;index=133</a:t>
-            </a:r>
-            <a:endParaRPr kumimoji="0" lang="zh-TW" altLang="en-US" sz="1600" b="0" i="0" u="none" strike="noStrike" kern="1200" cap="none" spc="0" normalizeH="0" baseline="0" noProof="0" dirty="0">
-              <a:ln>
-                <a:noFill/>
-              </a:ln>
-              <a:solidFill>
-                <a:schemeClr val="tx1"/>
-              </a:solidFill>
-              <a:effectLst/>
-              <a:uLnTx/>
-              <a:uFillTx/>
-              <a:latin typeface="+mj-lt"/>
-              <a:ea typeface="+mj-ea"/>
-              <a:cs typeface="+mj-cs"/>
-            </a:endParaRPr>
-          </a:p>
-        </p:txBody>
-      </p:sp>
-      <p:sp>
-        <p:nvSpPr>
-          <p:cNvPr id="5" name="日期版面配置區 4"/>
-          <p:cNvSpPr>
-            <a:spLocks noGrp="1"/>
-          </p:cNvSpPr>
-          <p:nvPr>
-            <p:ph type="dt" sz="half" idx="10"/>
-          </p:nvPr>
-        </p:nvSpPr>
-        <p:spPr/>
-        <p:txBody>
-          <a:bodyPr/>
-          <a:lstStyle/>
-          <a:p>
-            <a:fld id="{A4F910E6-8D00-4BAF-8C48-9688E0B449D3}" type="datetime1">
-              <a:rPr lang="zh-TW" altLang="en-US" smtClean="0"/>
-              <a:pPr/>
-              <a:t>2019/3/20</a:t>
-            </a:fld>
-            <a:endParaRPr lang="zh-TW" altLang="en-US"/>
-          </a:p>
-        </p:txBody>
-      </p:sp>
-      <p:sp>
-        <p:nvSpPr>
-          <p:cNvPr id="6" name="投影片編號版面配置區 5"/>
-          <p:cNvSpPr>
-            <a:spLocks noGrp="1"/>
-          </p:cNvSpPr>
-          <p:nvPr>
-            <p:ph type="sldNum" sz="quarter" idx="12"/>
-          </p:nvPr>
-        </p:nvSpPr>
-        <p:spPr/>
-        <p:txBody>
-          <a:bodyPr/>
-          <a:lstStyle/>
-          <a:p>
-            <a:fld id="{E4D7E63D-91F2-4366-A2C4-1B00C9E2590E}" type="slidenum">
-              <a:rPr lang="zh-TW" altLang="en-US" smtClean="0"/>
-              <a:pPr/>
-              <a:t>12</a:t>
-            </a:fld>
-            <a:endParaRPr lang="zh-TW" altLang="en-US"/>
-          </a:p>
-        </p:txBody>
-      </p:sp>
-      <p:sp>
-        <p:nvSpPr>
-          <p:cNvPr id="129" name="Rectangle 128">
-            <a:extLst>
-              <a:ext uri="{FF2B5EF4-FFF2-40B4-BE49-F238E27FC236}">
-                <a16:creationId xmlns:a16="http://schemas.microsoft.com/office/drawing/2014/main" id="{9F68A035-546B-4E11-ADFC-7FBDDAC42022}"/>
-              </a:ext>
-            </a:extLst>
-          </p:cNvPr>
-          <p:cNvSpPr/>
-          <p:nvPr/>
-        </p:nvSpPr>
-        <p:spPr>
-          <a:xfrm>
-            <a:off x="2771800" y="4581128"/>
-            <a:ext cx="2304256" cy="576064"/>
-          </a:xfrm>
-          <a:prstGeom prst="rect">
-            <a:avLst/>
-          </a:prstGeom>
-          <a:noFill/>
-          <a:ln>
-            <a:solidFill>
-              <a:srgbClr val="C00000"/>
-            </a:solidFill>
-          </a:ln>
-        </p:spPr>
-        <p:style>
-          <a:lnRef idx="2">
-            <a:schemeClr val="accent1">
-              <a:shade val="50000"/>
-            </a:schemeClr>
-          </a:lnRef>
-          <a:fillRef idx="1">
-            <a:schemeClr val="accent1"/>
-          </a:fillRef>
-          <a:effectRef idx="0">
-            <a:schemeClr val="accent1"/>
-          </a:effectRef>
-          <a:fontRef idx="minor">
-            <a:schemeClr val="lt1"/>
-          </a:fontRef>
-        </p:style>
-        <p:txBody>
-          <a:bodyPr rtlCol="0" anchor="ctr"/>
-          <a:lstStyle/>
-          <a:p>
-            <a:pPr algn="ctr"/>
-            <a:endParaRPr lang="en-US"/>
-          </a:p>
-        </p:txBody>
-      </p:sp>
-      <p:cxnSp>
-        <p:nvCxnSpPr>
-          <p:cNvPr id="131" name="Straight Arrow Connector 130">
-            <a:extLst>
-              <a:ext uri="{FF2B5EF4-FFF2-40B4-BE49-F238E27FC236}">
-                <a16:creationId xmlns:a16="http://schemas.microsoft.com/office/drawing/2014/main" id="{70BAF35F-69E8-4346-86B2-726DF28197E9}"/>
-              </a:ext>
-            </a:extLst>
-          </p:cNvPr>
-          <p:cNvCxnSpPr>
-            <a:cxnSpLocks/>
-            <a:stCxn id="3" idx="2"/>
-            <a:endCxn id="129" idx="0"/>
-          </p:cNvCxnSpPr>
-          <p:nvPr/>
-        </p:nvCxnSpPr>
-        <p:spPr>
-          <a:xfrm flipH="1">
-            <a:off x="3923928" y="1738360"/>
-            <a:ext cx="720080" cy="2842768"/>
-          </a:xfrm>
-          <a:prstGeom prst="straightConnector1">
-            <a:avLst/>
-          </a:prstGeom>
-          <a:ln>
-            <a:solidFill>
-              <a:srgbClr val="C00000"/>
-            </a:solidFill>
-            <a:tailEnd type="triangle"/>
-          </a:ln>
-        </p:spPr>
-        <p:style>
-          <a:lnRef idx="1">
-            <a:schemeClr val="accent1"/>
-          </a:lnRef>
-          <a:fillRef idx="0">
-            <a:schemeClr val="accent1"/>
-          </a:fillRef>
-          <a:effectRef idx="0">
-            <a:schemeClr val="accent1"/>
-          </a:effectRef>
-          <a:fontRef idx="minor">
-            <a:schemeClr val="tx1"/>
-          </a:fontRef>
-        </p:style>
-      </p:cxnSp>
-    </p:spTree>
-    <p:extLst>
-      <p:ext uri="{BB962C8B-B14F-4D97-AF65-F5344CB8AC3E}">
-        <p14:creationId xmlns:p14="http://schemas.microsoft.com/office/powerpoint/2010/main" val="1502209545"/>
-      </p:ext>
-    </p:extLst>
-  </p:cSld>
-  <p:clrMapOvr>
-    <a:masterClrMapping/>
-  </p:clrMapOvr>
-</p:sld>
-</file>
-
-<file path=ppt/slides/slide13.xml><?xml version="1.0" encoding="utf-8"?>
-<p:sld xmlns:a="http://schemas.openxmlformats.org/drawingml/2006/main" xmlns:r="http://schemas.openxmlformats.org/officeDocument/2006/relationships" xmlns:p="http://schemas.openxmlformats.org/presentationml/2006/main">
-  <p:cSld>
-    <p:spTree>
-      <p:nvGrpSpPr>
-        <p:cNvPr id="1" name=""/>
-        <p:cNvGrpSpPr/>
-        <p:nvPr/>
-      </p:nvGrpSpPr>
-      <p:grpSpPr>
-        <a:xfrm>
-          <a:off x="0" y="0"/>
-          <a:ext cx="0" cy="0"/>
-          <a:chOff x="0" y="0"/>
-          <a:chExt cx="0" cy="0"/>
-        </a:xfrm>
-      </p:grpSpPr>
-      <p:sp>
-        <p:nvSpPr>
-          <p:cNvPr id="2" name="標題 1"/>
-          <p:cNvSpPr>
-            <a:spLocks noGrp="1"/>
-          </p:cNvSpPr>
-          <p:nvPr>
-            <p:ph type="ctrTitle"/>
-          </p:nvPr>
-        </p:nvSpPr>
-        <p:spPr>
-          <a:xfrm>
-            <a:off x="0" y="2130425"/>
-            <a:ext cx="9144000" cy="1470025"/>
-          </a:xfrm>
-          <a:gradFill flip="none" rotWithShape="1">
-            <a:gsLst>
-              <a:gs pos="0">
-                <a:srgbClr val="00B0F0">
-                  <a:shade val="30000"/>
-                  <a:satMod val="115000"/>
-                </a:srgbClr>
-              </a:gs>
-              <a:gs pos="50000">
-                <a:srgbClr val="00B0F0">
-                  <a:shade val="67500"/>
-                  <a:satMod val="115000"/>
-                </a:srgbClr>
-              </a:gs>
-              <a:gs pos="100000">
-                <a:srgbClr val="00B0F0">
-                  <a:shade val="100000"/>
-                  <a:satMod val="115000"/>
-                </a:srgbClr>
-              </a:gs>
-            </a:gsLst>
-            <a:path path="circle">
-              <a:fillToRect t="100000" r="100000"/>
-            </a:path>
-            <a:tileRect l="-100000" b="-100000"/>
-          </a:gradFill>
-        </p:spPr>
-        <p:txBody>
-          <a:bodyPr>
-            <a:normAutofit/>
-          </a:bodyPr>
-          <a:lstStyle/>
-          <a:p>
-            <a:r>
-              <a:rPr lang="en-US" altLang="zh-TW" sz="6000" b="1" dirty="0">
-                <a:solidFill>
-                  <a:srgbClr val="FFFF00"/>
-                </a:solidFill>
-              </a:rPr>
-              <a:t>End of Chapter</a:t>
-            </a:r>
-            <a:endParaRPr lang="zh-TW" altLang="en-US" sz="6000" b="1" dirty="0">
-              <a:solidFill>
-                <a:srgbClr val="FFFF00"/>
-              </a:solidFill>
-            </a:endParaRPr>
-          </a:p>
-        </p:txBody>
-      </p:sp>
-      <p:sp>
-        <p:nvSpPr>
-          <p:cNvPr id="5" name="日期版面配置區 4"/>
-          <p:cNvSpPr>
-            <a:spLocks noGrp="1"/>
-          </p:cNvSpPr>
-          <p:nvPr>
-            <p:ph type="dt" sz="half" idx="10"/>
-          </p:nvPr>
-        </p:nvSpPr>
-        <p:spPr/>
-        <p:txBody>
-          <a:bodyPr/>
-          <a:lstStyle/>
-          <a:p>
-            <a:fld id="{4E46BE27-E923-4EC2-B046-3272AE2A3E5C}" type="datetime1">
-              <a:rPr lang="zh-TW" altLang="en-US" smtClean="0"/>
-              <a:pPr/>
-              <a:t>2019/3/20</a:t>
-            </a:fld>
-            <a:endParaRPr lang="zh-TW" altLang="en-US"/>
-          </a:p>
-        </p:txBody>
-      </p:sp>
-      <p:sp>
-        <p:nvSpPr>
-          <p:cNvPr id="6" name="投影片編號版面配置區 5"/>
-          <p:cNvSpPr>
-            <a:spLocks noGrp="1"/>
-          </p:cNvSpPr>
-          <p:nvPr>
-            <p:ph type="sldNum" sz="quarter" idx="12"/>
-          </p:nvPr>
-        </p:nvSpPr>
-        <p:spPr/>
-        <p:txBody>
-          <a:bodyPr/>
-          <a:lstStyle/>
-          <a:p>
-            <a:fld id="{E4D7E63D-91F2-4366-A2C4-1B00C9E2590E}" type="slidenum">
-              <a:rPr lang="zh-TW" altLang="en-US" smtClean="0"/>
-              <a:pPr/>
-              <a:t>13</a:t>
-            </a:fld>
-            <a:endParaRPr lang="zh-TW" altLang="en-US"/>
-          </a:p>
-        </p:txBody>
-      </p:sp>
-    </p:spTree>
-  </p:cSld>
-  <p:clrMapOvr>
-    <a:masterClrMapping/>
-  </p:clrMapOvr>
-</p:sld>
-</file>
-
-<file path=ppt/slides/slide2.xml><?xml version="1.0" encoding="utf-8"?>
-<p:sld xmlns:a="http://schemas.openxmlformats.org/drawingml/2006/main" xmlns:r="http://schemas.openxmlformats.org/officeDocument/2006/relationships" xmlns:p="http://schemas.openxmlformats.org/presentationml/2006/main">
-  <p:cSld>
-    <p:spTree>
-      <p:nvGrpSpPr>
-        <p:cNvPr id="1" name=""/>
-        <p:cNvGrpSpPr/>
-        <p:nvPr/>
-      </p:nvGrpSpPr>
-      <p:grpSpPr>
-        <a:xfrm>
-          <a:off x="0" y="0"/>
-          <a:ext cx="0" cy="0"/>
-          <a:chOff x="0" y="0"/>
-          <a:chExt cx="0" cy="0"/>
-        </a:xfrm>
-      </p:grpSpPr>
-      <p:sp>
-        <p:nvSpPr>
-          <p:cNvPr id="2" name="標題 1"/>
-          <p:cNvSpPr>
-            <a:spLocks noGrp="1"/>
-          </p:cNvSpPr>
-          <p:nvPr>
-            <p:ph type="ctrTitle"/>
-          </p:nvPr>
-        </p:nvSpPr>
-        <p:spPr>
-          <a:xfrm>
-            <a:off x="0" y="1"/>
-            <a:ext cx="9144000" cy="764704"/>
-          </a:xfrm>
-          <a:gradFill flip="none" rotWithShape="1">
-            <a:gsLst>
-              <a:gs pos="0">
-                <a:srgbClr val="C00000">
-                  <a:shade val="30000"/>
-                  <a:satMod val="115000"/>
-                </a:srgbClr>
-              </a:gs>
-              <a:gs pos="50000">
-                <a:srgbClr val="C00000">
-                  <a:shade val="67500"/>
-                  <a:satMod val="115000"/>
-                </a:srgbClr>
-              </a:gs>
-              <a:gs pos="100000">
-                <a:srgbClr val="C00000">
-                  <a:shade val="100000"/>
-                  <a:satMod val="115000"/>
-                </a:srgbClr>
-              </a:gs>
-            </a:gsLst>
-            <a:path path="circle">
-              <a:fillToRect t="100000" r="100000"/>
-            </a:path>
-            <a:tileRect l="-100000" b="-100000"/>
-          </a:gradFill>
-        </p:spPr>
-        <p:txBody>
-          <a:bodyPr>
-            <a:normAutofit/>
-          </a:bodyPr>
-          <a:lstStyle/>
-          <a:p>
-            <a:pPr algn="l"/>
-            <a:r>
-              <a:rPr lang="en-US" altLang="zh-TW" b="1" dirty="0">
-                <a:solidFill>
-                  <a:srgbClr val="FFFF00"/>
-                </a:solidFill>
-              </a:rPr>
-              <a:t>14.02 Collection and Generic Practical</a:t>
-            </a:r>
-            <a:endParaRPr lang="zh-TW" altLang="en-US" b="1" dirty="0">
-              <a:solidFill>
-                <a:srgbClr val="FFFF00"/>
-              </a:solidFill>
-            </a:endParaRPr>
-          </a:p>
-        </p:txBody>
-      </p:sp>
-      <p:sp>
-        <p:nvSpPr>
-          <p:cNvPr id="3" name="副標題 2"/>
-          <p:cNvSpPr>
-            <a:spLocks noGrp="1"/>
-          </p:cNvSpPr>
-          <p:nvPr>
-            <p:ph type="subTitle" idx="1"/>
-          </p:nvPr>
-        </p:nvSpPr>
-        <p:spPr>
-          <a:xfrm>
-            <a:off x="467544" y="1268760"/>
-            <a:ext cx="8352928" cy="2520280"/>
-          </a:xfrm>
-          <a:ln>
-            <a:solidFill>
-              <a:srgbClr val="C00000"/>
-            </a:solidFill>
-          </a:ln>
-        </p:spPr>
-        <p:txBody>
-          <a:bodyPr>
-            <a:noAutofit/>
-          </a:bodyPr>
-          <a:lstStyle/>
-          <a:p>
-            <a:pPr marL="342900" indent="-342900" algn="l">
-              <a:buClr>
-                <a:srgbClr val="0070C0"/>
-              </a:buClr>
-              <a:buSzPct val="80000"/>
-              <a:buFont typeface="Wingdings" pitchFamily="2" charset="2"/>
-              <a:buChar char="u"/>
-            </a:pPr>
-            <a:r>
-              <a:rPr lang="en-US" altLang="zh-TW" sz="1600" dirty="0">
-                <a:solidFill>
-                  <a:schemeClr val="tx1"/>
-                </a:solidFill>
-              </a:rPr>
-              <a:t>We discuss the Collection and Generic Practical in Java.</a:t>
-            </a:r>
-          </a:p>
-          <a:p>
-            <a:pPr marL="342900" indent="-342900" algn="l">
-              <a:buClr>
-                <a:srgbClr val="0070C0"/>
-              </a:buClr>
-              <a:buSzPct val="80000"/>
-              <a:buFont typeface="Wingdings" pitchFamily="2" charset="2"/>
-              <a:buChar char="u"/>
-            </a:pPr>
-            <a:r>
-              <a:rPr lang="en-US" altLang="zh-TW" sz="1600" dirty="0">
-                <a:solidFill>
-                  <a:schemeClr val="tx1"/>
-                </a:solidFill>
-              </a:rPr>
-              <a:t>Java 1.2 have the Collections and Java 1.5 have the Generics</a:t>
-            </a:r>
-          </a:p>
-          <a:p>
-            <a:pPr marL="342900" indent="-342900" algn="l">
-              <a:buClr>
-                <a:srgbClr val="0070C0"/>
-              </a:buClr>
-              <a:buSzPct val="80000"/>
-              <a:buFont typeface="Wingdings" pitchFamily="2" charset="2"/>
-              <a:buChar char="u"/>
-            </a:pPr>
-            <a:r>
-              <a:rPr lang="en-US" altLang="zh-TW" sz="1600" dirty="0">
-                <a:solidFill>
-                  <a:schemeClr val="tx1"/>
-                </a:solidFill>
-              </a:rPr>
-              <a:t>Since we are in Java 1.8, we have Collections and Generics.</a:t>
-            </a:r>
-          </a:p>
-          <a:p>
-            <a:pPr marL="342900" indent="-342900" algn="l">
-              <a:buClr>
-                <a:srgbClr val="0070C0"/>
-              </a:buClr>
-              <a:buSzPct val="80000"/>
-              <a:buFont typeface="Wingdings" pitchFamily="2" charset="2"/>
-              <a:buChar char="u"/>
-            </a:pPr>
-            <a:r>
-              <a:rPr lang="en-US" altLang="zh-TW" sz="1600" dirty="0">
-                <a:solidFill>
-                  <a:schemeClr val="tx1"/>
-                </a:solidFill>
-              </a:rPr>
-              <a:t>Why we need the collections?</a:t>
-            </a:r>
-          </a:p>
-          <a:p>
-            <a:pPr marL="342900" indent="-342900" algn="l">
-              <a:buClr>
-                <a:srgbClr val="0070C0"/>
-              </a:buClr>
-              <a:buSzPct val="80000"/>
-              <a:buFont typeface="Wingdings" pitchFamily="2" charset="2"/>
-              <a:buChar char="u"/>
-            </a:pPr>
-            <a:r>
-              <a:rPr lang="en-US" altLang="zh-TW" sz="1600" dirty="0">
-                <a:solidFill>
-                  <a:schemeClr val="tx1"/>
-                </a:solidFill>
-              </a:rPr>
-              <a:t>Collections provide you the dynamic type of arrays where you can add your elements, you can expand the size of array, and you can reduce the size of array. Those are the advantage of using collection.</a:t>
-            </a:r>
-          </a:p>
-          <a:p>
-            <a:pPr marL="342900" indent="-342900" algn="l">
-              <a:buClr>
-                <a:srgbClr val="0070C0"/>
-              </a:buClr>
-              <a:buSzPct val="80000"/>
-              <a:buFont typeface="Wingdings" pitchFamily="2" charset="2"/>
-              <a:buChar char="u"/>
-            </a:pPr>
-            <a:r>
-              <a:rPr lang="en-US" altLang="zh-TW" sz="1600" dirty="0">
-                <a:solidFill>
-                  <a:schemeClr val="tx1"/>
-                </a:solidFill>
-              </a:rPr>
-              <a:t>Why we require the Generics? We add similar type elements inside the array. Why similar type? We can have array of objects.</a:t>
-            </a:r>
-          </a:p>
-        </p:txBody>
-      </p:sp>
-      <p:sp>
-        <p:nvSpPr>
-          <p:cNvPr id="4" name="標題 1"/>
-          <p:cNvSpPr txBox="1">
-            <a:spLocks/>
-          </p:cNvSpPr>
-          <p:nvPr/>
-        </p:nvSpPr>
-        <p:spPr>
-          <a:xfrm>
-            <a:off x="0" y="764704"/>
-            <a:ext cx="9144000" cy="360040"/>
-          </a:xfrm>
-          <a:prstGeom prst="rect">
-            <a:avLst/>
-          </a:prstGeom>
-          <a:gradFill flip="none" rotWithShape="1">
-            <a:gsLst>
-              <a:gs pos="0">
-                <a:srgbClr val="00B0F0">
-                  <a:shade val="30000"/>
-                  <a:satMod val="115000"/>
-                </a:srgbClr>
-              </a:gs>
-              <a:gs pos="50000">
-                <a:srgbClr val="00B0F0">
-                  <a:shade val="67500"/>
-                  <a:satMod val="115000"/>
-                </a:srgbClr>
-              </a:gs>
-              <a:gs pos="100000">
-                <a:srgbClr val="00B0F0">
-                  <a:shade val="100000"/>
-                  <a:satMod val="115000"/>
-                </a:srgbClr>
-              </a:gs>
-            </a:gsLst>
-            <a:path path="circle">
-              <a:fillToRect t="100000" r="100000"/>
-            </a:path>
-            <a:tileRect l="-100000" b="-100000"/>
-          </a:gradFill>
-        </p:spPr>
-        <p:txBody>
-          <a:bodyPr vert="horz" lIns="91440" tIns="45720" rIns="91440" bIns="45720" rtlCol="0" anchor="ctr">
-            <a:normAutofit fontScale="92500"/>
-          </a:bodyPr>
-          <a:lstStyle/>
-          <a:p>
-            <a:pPr lvl="0">
-              <a:spcBef>
-                <a:spcPct val="0"/>
-              </a:spcBef>
-            </a:pPr>
-            <a:r>
-              <a:rPr lang="en-US" altLang="zh-TW" sz="1600" dirty="0">
-                <a:latin typeface="+mj-lt"/>
-                <a:ea typeface="+mj-ea"/>
-                <a:cs typeface="+mj-cs"/>
-              </a:rPr>
-              <a:t>https://www.youtube.com/watch?v=HhrQqmp3hXI&amp;list=PLsyeobzWxl7oZ-fxDYkOToURHhMuWD1BK&amp;index=133</a:t>
-            </a:r>
-            <a:endParaRPr kumimoji="0" lang="zh-TW" altLang="en-US" sz="1600" b="0" i="0" u="none" strike="noStrike" kern="1200" cap="none" spc="0" normalizeH="0" baseline="0" noProof="0" dirty="0">
-              <a:ln>
-                <a:noFill/>
-              </a:ln>
-              <a:solidFill>
-                <a:schemeClr val="tx1"/>
-              </a:solidFill>
-              <a:effectLst/>
-              <a:uLnTx/>
-              <a:uFillTx/>
-              <a:latin typeface="+mj-lt"/>
-              <a:ea typeface="+mj-ea"/>
-              <a:cs typeface="+mj-cs"/>
-            </a:endParaRPr>
-          </a:p>
-        </p:txBody>
-      </p:sp>
-      <p:sp>
-        <p:nvSpPr>
-          <p:cNvPr id="5" name="日期版面配置區 4"/>
-          <p:cNvSpPr>
-            <a:spLocks noGrp="1"/>
-          </p:cNvSpPr>
-          <p:nvPr>
-            <p:ph type="dt" sz="half" idx="10"/>
-          </p:nvPr>
-        </p:nvSpPr>
-        <p:spPr/>
-        <p:txBody>
-          <a:bodyPr/>
-          <a:lstStyle/>
-          <a:p>
-            <a:fld id="{A4F910E6-8D00-4BAF-8C48-9688E0B449D3}" type="datetime1">
-              <a:rPr lang="zh-TW" altLang="en-US" smtClean="0"/>
-              <a:pPr/>
-              <a:t>2019/3/20</a:t>
-            </a:fld>
-            <a:endParaRPr lang="zh-TW" altLang="en-US"/>
-          </a:p>
-        </p:txBody>
-      </p:sp>
-      <p:sp>
-        <p:nvSpPr>
-          <p:cNvPr id="6" name="投影片編號版面配置區 5"/>
-          <p:cNvSpPr>
-            <a:spLocks noGrp="1"/>
-          </p:cNvSpPr>
-          <p:nvPr>
-            <p:ph type="sldNum" sz="quarter" idx="12"/>
-          </p:nvPr>
-        </p:nvSpPr>
-        <p:spPr/>
-        <p:txBody>
-          <a:bodyPr/>
-          <a:lstStyle/>
-          <a:p>
-            <a:fld id="{E4D7E63D-91F2-4366-A2C4-1B00C9E2590E}" type="slidenum">
-              <a:rPr lang="zh-TW" altLang="en-US" smtClean="0"/>
-              <a:pPr/>
-              <a:t>2</a:t>
-            </a:fld>
-            <a:endParaRPr lang="zh-TW" altLang="en-US"/>
-          </a:p>
-        </p:txBody>
-      </p:sp>
-    </p:spTree>
-    <p:extLst>
-      <p:ext uri="{BB962C8B-B14F-4D97-AF65-F5344CB8AC3E}">
-        <p14:creationId xmlns:p14="http://schemas.microsoft.com/office/powerpoint/2010/main" val="1188746068"/>
-      </p:ext>
-    </p:extLst>
-  </p:cSld>
-  <p:clrMapOvr>
-    <a:masterClrMapping/>
-  </p:clrMapOvr>
-</p:sld>
-</file>
-
-<file path=ppt/slides/slide3.xml><?xml version="1.0" encoding="utf-8"?>
-<p:sld xmlns:a="http://schemas.openxmlformats.org/drawingml/2006/main" xmlns:r="http://schemas.openxmlformats.org/officeDocument/2006/relationships" xmlns:p="http://schemas.openxmlformats.org/presentationml/2006/main">
-  <p:cSld>
-    <p:spTree>
-      <p:nvGrpSpPr>
-        <p:cNvPr id="1" name=""/>
-        <p:cNvGrpSpPr/>
-        <p:nvPr/>
-      </p:nvGrpSpPr>
-      <p:grpSpPr>
-        <a:xfrm>
-          <a:off x="0" y="0"/>
-          <a:ext cx="0" cy="0"/>
-          <a:chOff x="0" y="0"/>
-          <a:chExt cx="0" cy="0"/>
-        </a:xfrm>
-      </p:grpSpPr>
-      <p:pic>
-        <p:nvPicPr>
-          <p:cNvPr id="8" name="Picture 7">
-            <a:extLst>
-              <a:ext uri="{FF2B5EF4-FFF2-40B4-BE49-F238E27FC236}">
-                <a16:creationId xmlns:a16="http://schemas.microsoft.com/office/drawing/2014/main" id="{ADDC3DDF-CC83-4B84-880B-442E5EDD8A5A}"/>
-              </a:ext>
-            </a:extLst>
-          </p:cNvPr>
-          <p:cNvPicPr>
-            <a:picLocks noChangeAspect="1"/>
-          </p:cNvPicPr>
-          <p:nvPr/>
-        </p:nvPicPr>
-        <p:blipFill>
-          <a:blip r:embed="rId2"/>
-          <a:stretch>
-            <a:fillRect/>
-          </a:stretch>
-        </p:blipFill>
-        <p:spPr>
-          <a:xfrm>
-            <a:off x="457200" y="1837193"/>
-            <a:ext cx="3554874" cy="2633240"/>
-          </a:xfrm>
-          <a:prstGeom prst="rect">
-            <a:avLst/>
-          </a:prstGeom>
-          <a:ln>
-            <a:solidFill>
-              <a:srgbClr val="C00000"/>
-            </a:solidFill>
-          </a:ln>
-        </p:spPr>
-      </p:pic>
-      <p:sp>
-        <p:nvSpPr>
-          <p:cNvPr id="2" name="標題 1"/>
-          <p:cNvSpPr>
-            <a:spLocks noGrp="1"/>
-          </p:cNvSpPr>
-          <p:nvPr>
-            <p:ph type="ctrTitle"/>
-          </p:nvPr>
-        </p:nvSpPr>
-        <p:spPr>
-          <a:xfrm>
-            <a:off x="0" y="1"/>
-            <a:ext cx="9144000" cy="764704"/>
-          </a:xfrm>
-          <a:gradFill flip="none" rotWithShape="1">
-            <a:gsLst>
-              <a:gs pos="0">
-                <a:srgbClr val="C00000">
-                  <a:shade val="30000"/>
-                  <a:satMod val="115000"/>
-                </a:srgbClr>
-              </a:gs>
-              <a:gs pos="50000">
-                <a:srgbClr val="C00000">
-                  <a:shade val="67500"/>
-                  <a:satMod val="115000"/>
-                </a:srgbClr>
-              </a:gs>
-              <a:gs pos="100000">
-                <a:srgbClr val="C00000">
-                  <a:shade val="100000"/>
-                  <a:satMod val="115000"/>
-                </a:srgbClr>
-              </a:gs>
-            </a:gsLst>
-            <a:path path="circle">
-              <a:fillToRect t="100000" r="100000"/>
-            </a:path>
-            <a:tileRect l="-100000" b="-100000"/>
-          </a:gradFill>
-        </p:spPr>
-        <p:txBody>
-          <a:bodyPr>
-            <a:normAutofit/>
-          </a:bodyPr>
-          <a:lstStyle/>
-          <a:p>
-            <a:pPr algn="l"/>
-            <a:r>
-              <a:rPr lang="en-US" altLang="zh-TW" b="1" dirty="0">
-                <a:solidFill>
-                  <a:srgbClr val="FFFF00"/>
-                </a:solidFill>
-              </a:rPr>
-              <a:t>14.02 Collection and Generic Practical</a:t>
-            </a:r>
-            <a:endParaRPr lang="zh-TW" altLang="en-US" b="1" dirty="0">
-              <a:solidFill>
-                <a:srgbClr val="FFFF00"/>
-              </a:solidFill>
-            </a:endParaRPr>
-          </a:p>
-        </p:txBody>
-      </p:sp>
-      <p:sp>
-        <p:nvSpPr>
-          <p:cNvPr id="3" name="副標題 2"/>
-          <p:cNvSpPr>
-            <a:spLocks noGrp="1"/>
-          </p:cNvSpPr>
-          <p:nvPr>
-            <p:ph type="subTitle" idx="1"/>
-          </p:nvPr>
-        </p:nvSpPr>
-        <p:spPr>
-          <a:xfrm>
-            <a:off x="467544" y="1268760"/>
-            <a:ext cx="8352928" cy="360040"/>
-          </a:xfrm>
-          <a:ln>
-            <a:solidFill>
-              <a:srgbClr val="C00000"/>
-            </a:solidFill>
-          </a:ln>
-        </p:spPr>
-        <p:txBody>
-          <a:bodyPr>
-            <a:noAutofit/>
-          </a:bodyPr>
-          <a:lstStyle/>
-          <a:p>
-            <a:pPr marL="342900" indent="-342900" algn="l">
-              <a:buClr>
-                <a:srgbClr val="0070C0"/>
-              </a:buClr>
-              <a:buSzPct val="80000"/>
-              <a:buFont typeface="Wingdings" pitchFamily="2" charset="2"/>
-              <a:buChar char="u"/>
-            </a:pPr>
-            <a:r>
-              <a:rPr lang="en-US" altLang="zh-TW" sz="1600" dirty="0">
-                <a:solidFill>
-                  <a:schemeClr val="tx1"/>
-                </a:solidFill>
-              </a:rPr>
-              <a:t>Check the Collection Interface.</a:t>
-            </a:r>
-          </a:p>
-        </p:txBody>
-      </p:sp>
-      <p:sp>
-        <p:nvSpPr>
-          <p:cNvPr id="4" name="標題 1"/>
-          <p:cNvSpPr txBox="1">
-            <a:spLocks/>
-          </p:cNvSpPr>
-          <p:nvPr/>
-        </p:nvSpPr>
-        <p:spPr>
-          <a:xfrm>
-            <a:off x="0" y="764704"/>
-            <a:ext cx="9144000" cy="360040"/>
-          </a:xfrm>
-          <a:prstGeom prst="rect">
-            <a:avLst/>
-          </a:prstGeom>
-          <a:gradFill flip="none" rotWithShape="1">
-            <a:gsLst>
-              <a:gs pos="0">
-                <a:srgbClr val="00B0F0">
-                  <a:shade val="30000"/>
-                  <a:satMod val="115000"/>
-                </a:srgbClr>
-              </a:gs>
-              <a:gs pos="50000">
-                <a:srgbClr val="00B0F0">
-                  <a:shade val="67500"/>
-                  <a:satMod val="115000"/>
-                </a:srgbClr>
-              </a:gs>
-              <a:gs pos="100000">
-                <a:srgbClr val="00B0F0">
-                  <a:shade val="100000"/>
-                  <a:satMod val="115000"/>
-                </a:srgbClr>
-              </a:gs>
-            </a:gsLst>
-            <a:path path="circle">
-              <a:fillToRect t="100000" r="100000"/>
-            </a:path>
-            <a:tileRect l="-100000" b="-100000"/>
-          </a:gradFill>
-        </p:spPr>
-        <p:txBody>
-          <a:bodyPr vert="horz" lIns="91440" tIns="45720" rIns="91440" bIns="45720" rtlCol="0" anchor="ctr">
-            <a:normAutofit fontScale="92500"/>
-          </a:bodyPr>
-          <a:lstStyle/>
-          <a:p>
-            <a:pPr lvl="0">
-              <a:spcBef>
-                <a:spcPct val="0"/>
-              </a:spcBef>
-            </a:pPr>
-            <a:r>
-              <a:rPr lang="en-US" altLang="zh-TW" sz="1600" dirty="0">
-                <a:latin typeface="+mj-lt"/>
-                <a:ea typeface="+mj-ea"/>
-                <a:cs typeface="+mj-cs"/>
-              </a:rPr>
-              <a:t>https://www.youtube.com/watch?v=HhrQqmp3hXI&amp;list=PLsyeobzWxl7oZ-fxDYkOToURHhMuWD1BK&amp;index=133</a:t>
-            </a:r>
-            <a:endParaRPr kumimoji="0" lang="zh-TW" altLang="en-US" sz="1600" b="0" i="0" u="none" strike="noStrike" kern="1200" cap="none" spc="0" normalizeH="0" baseline="0" noProof="0" dirty="0">
-              <a:ln>
-                <a:noFill/>
-              </a:ln>
-              <a:solidFill>
-                <a:schemeClr val="tx1"/>
-              </a:solidFill>
-              <a:effectLst/>
-              <a:uLnTx/>
-              <a:uFillTx/>
-              <a:latin typeface="+mj-lt"/>
-              <a:ea typeface="+mj-ea"/>
-              <a:cs typeface="+mj-cs"/>
-            </a:endParaRPr>
-          </a:p>
-        </p:txBody>
-      </p:sp>
-      <p:sp>
-        <p:nvSpPr>
-          <p:cNvPr id="5" name="日期版面配置區 4"/>
-          <p:cNvSpPr>
-            <a:spLocks noGrp="1"/>
-          </p:cNvSpPr>
-          <p:nvPr>
-            <p:ph type="dt" sz="half" idx="10"/>
-          </p:nvPr>
-        </p:nvSpPr>
-        <p:spPr/>
-        <p:txBody>
-          <a:bodyPr/>
-          <a:lstStyle/>
-          <a:p>
-            <a:fld id="{A4F910E6-8D00-4BAF-8C48-9688E0B449D3}" type="datetime1">
-              <a:rPr lang="zh-TW" altLang="en-US" smtClean="0"/>
-              <a:pPr/>
-              <a:t>2019/3/20</a:t>
-            </a:fld>
-            <a:endParaRPr lang="zh-TW" altLang="en-US"/>
-          </a:p>
-        </p:txBody>
-      </p:sp>
-      <p:sp>
-        <p:nvSpPr>
-          <p:cNvPr id="6" name="投影片編號版面配置區 5"/>
-          <p:cNvSpPr>
-            <a:spLocks noGrp="1"/>
-          </p:cNvSpPr>
-          <p:nvPr>
-            <p:ph type="sldNum" sz="quarter" idx="12"/>
-          </p:nvPr>
-        </p:nvSpPr>
-        <p:spPr/>
-        <p:txBody>
-          <a:bodyPr/>
-          <a:lstStyle/>
-          <a:p>
-            <a:fld id="{E4D7E63D-91F2-4366-A2C4-1B00C9E2590E}" type="slidenum">
-              <a:rPr lang="zh-TW" altLang="en-US" smtClean="0"/>
-              <a:pPr/>
-              <a:t>3</a:t>
+              <a:t>10</a:t>
             </a:fld>
             <a:endParaRPr lang="zh-TW" altLang="en-US"/>
           </a:p>
@@ -5611,7 +4008,7 @@
 </p:sld>
 </file>
 
-<file path=ppt/slides/slide4.xml><?xml version="1.0" encoding="utf-8"?>
+<file path=ppt/slides/slide11.xml><?xml version="1.0" encoding="utf-8"?>
 <p:sld xmlns:a="http://schemas.openxmlformats.org/drawingml/2006/main" xmlns:r="http://schemas.openxmlformats.org/officeDocument/2006/relationships" xmlns:p="http://schemas.openxmlformats.org/presentationml/2006/main">
   <p:cSld>
     <p:spTree>
@@ -5836,7 +4233,7 @@
             <a:fld id="{A4F910E6-8D00-4BAF-8C48-9688E0B449D3}" type="datetime1">
               <a:rPr lang="zh-TW" altLang="en-US" smtClean="0"/>
               <a:pPr/>
-              <a:t>2019/3/20</a:t>
+              <a:t>2019/4/26</a:t>
             </a:fld>
             <a:endParaRPr lang="zh-TW" altLang="en-US"/>
           </a:p>
@@ -5860,7 +4257,7 @@
             <a:fld id="{E4D7E63D-91F2-4366-A2C4-1B00C9E2590E}" type="slidenum">
               <a:rPr lang="zh-TW" altLang="en-US" smtClean="0"/>
               <a:pPr/>
-              <a:t>4</a:t>
+              <a:t>11</a:t>
             </a:fld>
             <a:endParaRPr lang="zh-TW" altLang="en-US"/>
           </a:p>
@@ -5949,7 +4346,7 @@
 </p:sld>
 </file>
 
-<file path=ppt/slides/slide5.xml><?xml version="1.0" encoding="utf-8"?>
+<file path=ppt/slides/slide12.xml><?xml version="1.0" encoding="utf-8"?>
 <p:sld xmlns:a="http://schemas.openxmlformats.org/drawingml/2006/main" xmlns:r="http://schemas.openxmlformats.org/officeDocument/2006/relationships" xmlns:p="http://schemas.openxmlformats.org/presentationml/2006/main">
   <p:cSld>
     <p:spTree>
@@ -6192,7 +4589,7 @@
             <a:fld id="{A4F910E6-8D00-4BAF-8C48-9688E0B449D3}" type="datetime1">
               <a:rPr lang="zh-TW" altLang="en-US" smtClean="0"/>
               <a:pPr/>
-              <a:t>2019/3/20</a:t>
+              <a:t>2019/4/26</a:t>
             </a:fld>
             <a:endParaRPr lang="zh-TW" altLang="en-US"/>
           </a:p>
@@ -6216,7 +4613,7 @@
             <a:fld id="{E4D7E63D-91F2-4366-A2C4-1B00C9E2590E}" type="slidenum">
               <a:rPr lang="zh-TW" altLang="en-US" smtClean="0"/>
               <a:pPr/>
-              <a:t>5</a:t>
+              <a:t>12</a:t>
             </a:fld>
             <a:endParaRPr lang="zh-TW" altLang="en-US"/>
           </a:p>
@@ -6368,7 +4765,7 @@
 </p:sld>
 </file>
 
-<file path=ppt/slides/slide6.xml><?xml version="1.0" encoding="utf-8"?>
+<file path=ppt/slides/slide13.xml><?xml version="1.0" encoding="utf-8"?>
 <p:sld xmlns:a="http://schemas.openxmlformats.org/drawingml/2006/main" xmlns:r="http://schemas.openxmlformats.org/officeDocument/2006/relationships" xmlns:p="http://schemas.openxmlformats.org/presentationml/2006/main">
   <p:cSld>
     <p:spTree>
@@ -6664,7 +5061,7 @@
             <a:fld id="{A4F910E6-8D00-4BAF-8C48-9688E0B449D3}" type="datetime1">
               <a:rPr lang="zh-TW" altLang="en-US" smtClean="0"/>
               <a:pPr/>
-              <a:t>2019/3/20</a:t>
+              <a:t>2019/4/26</a:t>
             </a:fld>
             <a:endParaRPr lang="zh-TW" altLang="en-US"/>
           </a:p>
@@ -6688,7 +5085,7 @@
             <a:fld id="{E4D7E63D-91F2-4366-A2C4-1B00C9E2590E}" type="slidenum">
               <a:rPr lang="zh-TW" altLang="en-US" smtClean="0"/>
               <a:pPr/>
-              <a:t>6</a:t>
+              <a:t>13</a:t>
             </a:fld>
             <a:endParaRPr lang="zh-TW" altLang="en-US"/>
           </a:p>
@@ -6805,7 +5202,7 @@
 </p:sld>
 </file>
 
-<file path=ppt/slides/slide7.xml><?xml version="1.0" encoding="utf-8"?>
+<file path=ppt/slides/slide14.xml><?xml version="1.0" encoding="utf-8"?>
 <p:sld xmlns:a="http://schemas.openxmlformats.org/drawingml/2006/main" xmlns:r="http://schemas.openxmlformats.org/officeDocument/2006/relationships" xmlns:p="http://schemas.openxmlformats.org/presentationml/2006/main">
   <p:cSld>
     <p:spTree>
@@ -6911,7 +5308,7 @@
             <a:fld id="{C389EDC9-19E3-47AC-9C57-C6A24DEA81AD}" type="datetime1">
               <a:rPr lang="zh-TW" altLang="en-US" smtClean="0"/>
               <a:pPr/>
-              <a:t>2019/3/20</a:t>
+              <a:t>2019/4/26</a:t>
             </a:fld>
             <a:endParaRPr lang="zh-TW" altLang="en-US"/>
           </a:p>
@@ -6935,7 +5332,7 @@
             <a:fld id="{E4D7E63D-91F2-4366-A2C4-1B00C9E2590E}" type="slidenum">
               <a:rPr lang="zh-TW" altLang="en-US" smtClean="0"/>
               <a:pPr/>
-              <a:t>7</a:t>
+              <a:t>14</a:t>
             </a:fld>
             <a:endParaRPr lang="zh-TW" altLang="en-US"/>
           </a:p>
@@ -6986,7 +5383,7 @@
 </p:sld>
 </file>
 
-<file path=ppt/slides/slide8.xml><?xml version="1.0" encoding="utf-8"?>
+<file path=ppt/slides/slide15.xml><?xml version="1.0" encoding="utf-8"?>
 <p:sld xmlns:a="http://schemas.openxmlformats.org/drawingml/2006/main" xmlns:r="http://schemas.openxmlformats.org/officeDocument/2006/relationships" xmlns:p="http://schemas.openxmlformats.org/presentationml/2006/main">
   <p:cSld>
     <p:spTree>
@@ -7281,7 +5678,7 @@
             <a:fld id="{A4F910E6-8D00-4BAF-8C48-9688E0B449D3}" type="datetime1">
               <a:rPr lang="zh-TW" altLang="en-US" smtClean="0"/>
               <a:pPr/>
-              <a:t>2019/3/20</a:t>
+              <a:t>2019/4/26</a:t>
             </a:fld>
             <a:endParaRPr lang="zh-TW" altLang="en-US"/>
           </a:p>
@@ -7305,7 +5702,7 @@
             <a:fld id="{E4D7E63D-91F2-4366-A2C4-1B00C9E2590E}" type="slidenum">
               <a:rPr lang="zh-TW" altLang="en-US" smtClean="0"/>
               <a:pPr/>
-              <a:t>8</a:t>
+              <a:t>15</a:t>
             </a:fld>
             <a:endParaRPr lang="zh-TW" altLang="en-US"/>
           </a:p>
@@ -7422,7 +5819,7 @@
 </p:sld>
 </file>
 
-<file path=ppt/slides/slide9.xml><?xml version="1.0" encoding="utf-8"?>
+<file path=ppt/slides/slide16.xml><?xml version="1.0" encoding="utf-8"?>
 <p:sld xmlns:a="http://schemas.openxmlformats.org/drawingml/2006/main" xmlns:r="http://schemas.openxmlformats.org/officeDocument/2006/relationships" xmlns:p="http://schemas.openxmlformats.org/presentationml/2006/main">
   <p:cSld>
     <p:spTree>
@@ -7714,7 +6111,7 @@
             <a:fld id="{A4F910E6-8D00-4BAF-8C48-9688E0B449D3}" type="datetime1">
               <a:rPr lang="zh-TW" altLang="en-US" smtClean="0"/>
               <a:pPr/>
-              <a:t>2019/3/20</a:t>
+              <a:t>2019/4/26</a:t>
             </a:fld>
             <a:endParaRPr lang="zh-TW" altLang="en-US"/>
           </a:p>
@@ -7738,7 +6135,7 @@
             <a:fld id="{E4D7E63D-91F2-4366-A2C4-1B00C9E2590E}" type="slidenum">
               <a:rPr lang="zh-TW" altLang="en-US" smtClean="0"/>
               <a:pPr/>
-              <a:t>9</a:t>
+              <a:t>16</a:t>
             </a:fld>
             <a:endParaRPr lang="zh-TW" altLang="en-US"/>
           </a:p>
@@ -7846,6 +6243,5567 @@
     <p:extLst>
       <p:ext uri="{BB962C8B-B14F-4D97-AF65-F5344CB8AC3E}">
         <p14:creationId xmlns:p14="http://schemas.microsoft.com/office/powerpoint/2010/main" val="166083836"/>
+      </p:ext>
+    </p:extLst>
+  </p:cSld>
+  <p:clrMapOvr>
+    <a:masterClrMapping/>
+  </p:clrMapOvr>
+</p:sld>
+</file>
+
+<file path=ppt/slides/slide17.xml><?xml version="1.0" encoding="utf-8"?>
+<p:sld xmlns:a="http://schemas.openxmlformats.org/drawingml/2006/main" xmlns:r="http://schemas.openxmlformats.org/officeDocument/2006/relationships" xmlns:p="http://schemas.openxmlformats.org/presentationml/2006/main">
+  <p:cSld>
+    <p:spTree>
+      <p:nvGrpSpPr>
+        <p:cNvPr id="1" name=""/>
+        <p:cNvGrpSpPr/>
+        <p:nvPr/>
+      </p:nvGrpSpPr>
+      <p:grpSpPr>
+        <a:xfrm>
+          <a:off x="0" y="0"/>
+          <a:ext cx="0" cy="0"/>
+          <a:chOff x="0" y="0"/>
+          <a:chExt cx="0" cy="0"/>
+        </a:xfrm>
+      </p:grpSpPr>
+      <p:sp>
+        <p:nvSpPr>
+          <p:cNvPr id="2" name="標題 1"/>
+          <p:cNvSpPr>
+            <a:spLocks noGrp="1"/>
+          </p:cNvSpPr>
+          <p:nvPr>
+            <p:ph type="ctrTitle"/>
+          </p:nvPr>
+        </p:nvSpPr>
+        <p:spPr>
+          <a:xfrm>
+            <a:off x="0" y="2130425"/>
+            <a:ext cx="9144000" cy="1470025"/>
+          </a:xfrm>
+          <a:solidFill>
+            <a:srgbClr val="00B0F0"/>
+          </a:solidFill>
+        </p:spPr>
+        <p:txBody>
+          <a:bodyPr>
+            <a:normAutofit/>
+          </a:bodyPr>
+          <a:lstStyle/>
+          <a:p>
+            <a:r>
+              <a:rPr lang="en-US" altLang="zh-TW" sz="4800" b="1" dirty="0">
+                <a:solidFill>
+                  <a:srgbClr val="FFFF00"/>
+                </a:solidFill>
+              </a:rPr>
+              <a:t>14.02.02 Enhanced for Loop</a:t>
+            </a:r>
+            <a:endParaRPr lang="zh-TW" altLang="en-US" sz="4800" b="1" dirty="0">
+              <a:solidFill>
+                <a:srgbClr val="FFFF00"/>
+              </a:solidFill>
+            </a:endParaRPr>
+          </a:p>
+        </p:txBody>
+      </p:sp>
+      <p:sp>
+        <p:nvSpPr>
+          <p:cNvPr id="3" name="副標題 2"/>
+          <p:cNvSpPr>
+            <a:spLocks noGrp="1"/>
+          </p:cNvSpPr>
+          <p:nvPr>
+            <p:ph type="subTitle" idx="1"/>
+          </p:nvPr>
+        </p:nvSpPr>
+        <p:spPr>
+          <a:xfrm>
+            <a:off x="1259632" y="4581128"/>
+            <a:ext cx="6400800" cy="694928"/>
+          </a:xfrm>
+        </p:spPr>
+        <p:txBody>
+          <a:bodyPr>
+            <a:normAutofit/>
+          </a:bodyPr>
+          <a:lstStyle/>
+          <a:p>
+            <a:r>
+              <a:rPr lang="en-US" altLang="zh-TW" dirty="0"/>
+              <a:t>Peter H. Chen</a:t>
+            </a:r>
+            <a:endParaRPr lang="zh-TW" altLang="en-US" dirty="0"/>
+          </a:p>
+        </p:txBody>
+      </p:sp>
+      <p:sp>
+        <p:nvSpPr>
+          <p:cNvPr id="5" name="日期版面配置區 4"/>
+          <p:cNvSpPr>
+            <a:spLocks noGrp="1"/>
+          </p:cNvSpPr>
+          <p:nvPr>
+            <p:ph type="dt" sz="half" idx="10"/>
+          </p:nvPr>
+        </p:nvSpPr>
+        <p:spPr/>
+        <p:txBody>
+          <a:bodyPr/>
+          <a:lstStyle/>
+          <a:p>
+            <a:fld id="{C389EDC9-19E3-47AC-9C57-C6A24DEA81AD}" type="datetime1">
+              <a:rPr lang="zh-TW" altLang="en-US" smtClean="0"/>
+              <a:pPr/>
+              <a:t>2019/4/26</a:t>
+            </a:fld>
+            <a:endParaRPr lang="zh-TW" altLang="en-US"/>
+          </a:p>
+        </p:txBody>
+      </p:sp>
+      <p:sp>
+        <p:nvSpPr>
+          <p:cNvPr id="6" name="投影片編號版面配置區 5"/>
+          <p:cNvSpPr>
+            <a:spLocks noGrp="1"/>
+          </p:cNvSpPr>
+          <p:nvPr>
+            <p:ph type="sldNum" sz="quarter" idx="12"/>
+          </p:nvPr>
+        </p:nvSpPr>
+        <p:spPr/>
+        <p:txBody>
+          <a:bodyPr/>
+          <a:lstStyle/>
+          <a:p>
+            <a:fld id="{E4D7E63D-91F2-4366-A2C4-1B00C9E2590E}" type="slidenum">
+              <a:rPr lang="zh-TW" altLang="en-US" smtClean="0"/>
+              <a:pPr/>
+              <a:t>17</a:t>
+            </a:fld>
+            <a:endParaRPr lang="zh-TW" altLang="en-US"/>
+          </a:p>
+        </p:txBody>
+      </p:sp>
+      <p:pic>
+        <p:nvPicPr>
+          <p:cNvPr id="1026" name="Picture 2"/>
+          <p:cNvPicPr>
+            <a:picLocks noChangeAspect="1" noChangeArrowheads="1"/>
+          </p:cNvPicPr>
+          <p:nvPr/>
+        </p:nvPicPr>
+        <p:blipFill>
+          <a:blip r:embed="rId2" cstate="print"/>
+          <a:srcRect/>
+          <a:stretch>
+            <a:fillRect/>
+          </a:stretch>
+        </p:blipFill>
+        <p:spPr bwMode="auto">
+          <a:xfrm>
+            <a:off x="3995936" y="3645024"/>
+            <a:ext cx="1018399" cy="864096"/>
+          </a:xfrm>
+          <a:prstGeom prst="rect">
+            <a:avLst/>
+          </a:prstGeom>
+          <a:noFill/>
+          <a:ln w="9525">
+            <a:noFill/>
+            <a:miter lim="800000"/>
+            <a:headEnd/>
+            <a:tailEnd/>
+          </a:ln>
+        </p:spPr>
+      </p:pic>
+    </p:spTree>
+    <p:extLst>
+      <p:ext uri="{BB962C8B-B14F-4D97-AF65-F5344CB8AC3E}">
+        <p14:creationId xmlns:p14="http://schemas.microsoft.com/office/powerpoint/2010/main" val="3670259316"/>
+      </p:ext>
+    </p:extLst>
+  </p:cSld>
+  <p:clrMapOvr>
+    <a:masterClrMapping/>
+  </p:clrMapOvr>
+</p:sld>
+</file>
+
+<file path=ppt/slides/slide18.xml><?xml version="1.0" encoding="utf-8"?>
+<p:sld xmlns:a="http://schemas.openxmlformats.org/drawingml/2006/main" xmlns:r="http://schemas.openxmlformats.org/officeDocument/2006/relationships" xmlns:p="http://schemas.openxmlformats.org/presentationml/2006/main">
+  <p:cSld>
+    <p:spTree>
+      <p:nvGrpSpPr>
+        <p:cNvPr id="1" name=""/>
+        <p:cNvGrpSpPr/>
+        <p:nvPr/>
+      </p:nvGrpSpPr>
+      <p:grpSpPr>
+        <a:xfrm>
+          <a:off x="0" y="0"/>
+          <a:ext cx="0" cy="0"/>
+          <a:chOff x="0" y="0"/>
+          <a:chExt cx="0" cy="0"/>
+        </a:xfrm>
+      </p:grpSpPr>
+      <p:pic>
+        <p:nvPicPr>
+          <p:cNvPr id="7" name="Picture 6">
+            <a:extLst>
+              <a:ext uri="{FF2B5EF4-FFF2-40B4-BE49-F238E27FC236}">
+                <a16:creationId xmlns:a16="http://schemas.microsoft.com/office/drawing/2014/main" id="{3E7CB7E0-5809-4613-B758-B56A18DC8E20}"/>
+              </a:ext>
+            </a:extLst>
+          </p:cNvPr>
+          <p:cNvPicPr>
+            <a:picLocks noChangeAspect="1"/>
+          </p:cNvPicPr>
+          <p:nvPr/>
+        </p:nvPicPr>
+        <p:blipFill>
+          <a:blip r:embed="rId2"/>
+          <a:stretch>
+            <a:fillRect/>
+          </a:stretch>
+        </p:blipFill>
+        <p:spPr>
+          <a:xfrm>
+            <a:off x="4329112" y="1268760"/>
+            <a:ext cx="4448175" cy="5676900"/>
+          </a:xfrm>
+          <a:prstGeom prst="rect">
+            <a:avLst/>
+          </a:prstGeom>
+          <a:ln>
+            <a:solidFill>
+              <a:srgbClr val="C00000"/>
+            </a:solidFill>
+          </a:ln>
+        </p:spPr>
+      </p:pic>
+      <p:sp>
+        <p:nvSpPr>
+          <p:cNvPr id="2" name="標題 1"/>
+          <p:cNvSpPr>
+            <a:spLocks noGrp="1"/>
+          </p:cNvSpPr>
+          <p:nvPr>
+            <p:ph type="ctrTitle"/>
+          </p:nvPr>
+        </p:nvSpPr>
+        <p:spPr>
+          <a:xfrm>
+            <a:off x="0" y="1"/>
+            <a:ext cx="9144000" cy="764704"/>
+          </a:xfrm>
+          <a:gradFill flip="none" rotWithShape="1">
+            <a:gsLst>
+              <a:gs pos="0">
+                <a:srgbClr val="C00000">
+                  <a:shade val="30000"/>
+                  <a:satMod val="115000"/>
+                </a:srgbClr>
+              </a:gs>
+              <a:gs pos="50000">
+                <a:srgbClr val="C00000">
+                  <a:shade val="67500"/>
+                  <a:satMod val="115000"/>
+                </a:srgbClr>
+              </a:gs>
+              <a:gs pos="100000">
+                <a:srgbClr val="C00000">
+                  <a:shade val="100000"/>
+                  <a:satMod val="115000"/>
+                </a:srgbClr>
+              </a:gs>
+            </a:gsLst>
+            <a:path path="circle">
+              <a:fillToRect t="100000" r="100000"/>
+            </a:path>
+            <a:tileRect l="-100000" b="-100000"/>
+          </a:gradFill>
+        </p:spPr>
+        <p:txBody>
+          <a:bodyPr>
+            <a:normAutofit/>
+          </a:bodyPr>
+          <a:lstStyle/>
+          <a:p>
+            <a:pPr algn="l"/>
+            <a:r>
+              <a:rPr lang="en-US" altLang="zh-TW" b="1" dirty="0">
+                <a:solidFill>
+                  <a:srgbClr val="FFFF00"/>
+                </a:solidFill>
+              </a:rPr>
+              <a:t>14.02.02 Enhanced for Loop</a:t>
+            </a:r>
+            <a:endParaRPr lang="zh-TW" altLang="en-US" b="1" dirty="0">
+              <a:solidFill>
+                <a:srgbClr val="FFFF00"/>
+              </a:solidFill>
+            </a:endParaRPr>
+          </a:p>
+        </p:txBody>
+      </p:sp>
+      <p:sp>
+        <p:nvSpPr>
+          <p:cNvPr id="3" name="副標題 2"/>
+          <p:cNvSpPr>
+            <a:spLocks noGrp="1"/>
+          </p:cNvSpPr>
+          <p:nvPr>
+            <p:ph type="subTitle" idx="1"/>
+          </p:nvPr>
+        </p:nvSpPr>
+        <p:spPr>
+          <a:xfrm>
+            <a:off x="467544" y="1268760"/>
+            <a:ext cx="3456384" cy="2520280"/>
+          </a:xfrm>
+          <a:ln>
+            <a:solidFill>
+              <a:srgbClr val="C00000"/>
+            </a:solidFill>
+          </a:ln>
+        </p:spPr>
+        <p:txBody>
+          <a:bodyPr>
+            <a:noAutofit/>
+          </a:bodyPr>
+          <a:lstStyle/>
+          <a:p>
+            <a:pPr marL="342900" indent="-342900" algn="l">
+              <a:buClr>
+                <a:srgbClr val="0070C0"/>
+              </a:buClr>
+              <a:buSzPct val="80000"/>
+              <a:buFont typeface="Wingdings" pitchFamily="2" charset="2"/>
+              <a:buChar char="u"/>
+            </a:pPr>
+            <a:r>
+              <a:rPr lang="en-US" altLang="zh-TW" sz="1600" dirty="0">
+                <a:solidFill>
+                  <a:schemeClr val="tx1"/>
+                </a:solidFill>
+              </a:rPr>
+              <a:t>Iterator is a very old technique, we want to use new technique with Enhanced for Loop.</a:t>
+            </a:r>
+          </a:p>
+          <a:p>
+            <a:pPr marL="342900" indent="-342900" algn="l">
+              <a:buClr>
+                <a:srgbClr val="0070C0"/>
+              </a:buClr>
+              <a:buSzPct val="80000"/>
+              <a:buFont typeface="Wingdings" pitchFamily="2" charset="2"/>
+              <a:buChar char="u"/>
+            </a:pPr>
+            <a:r>
+              <a:rPr lang="en-US" altLang="zh-TW" sz="1600" dirty="0">
+                <a:solidFill>
+                  <a:schemeClr val="tx1"/>
+                </a:solidFill>
+              </a:rPr>
+              <a:t>for (</a:t>
+            </a:r>
+            <a:r>
+              <a:rPr lang="en-US" altLang="zh-TW" sz="1600" dirty="0" err="1">
+                <a:solidFill>
+                  <a:schemeClr val="tx1"/>
+                </a:solidFill>
+              </a:rPr>
+              <a:t>Obejct</a:t>
+            </a:r>
+            <a:r>
+              <a:rPr lang="en-US" altLang="zh-TW" sz="1600" dirty="0">
+                <a:solidFill>
+                  <a:schemeClr val="tx1"/>
+                </a:solidFill>
+              </a:rPr>
+              <a:t> i: values) {</a:t>
+            </a:r>
+          </a:p>
+          <a:p>
+            <a:pPr marL="342900" indent="-342900" algn="l">
+              <a:buClr>
+                <a:srgbClr val="0070C0"/>
+              </a:buClr>
+              <a:buSzPct val="80000"/>
+              <a:buFont typeface="Wingdings" pitchFamily="2" charset="2"/>
+              <a:buChar char="u"/>
+            </a:pPr>
+            <a:r>
+              <a:rPr lang="en-US" altLang="zh-TW" sz="1600" dirty="0">
+                <a:solidFill>
+                  <a:schemeClr val="tx1"/>
+                </a:solidFill>
+              </a:rPr>
+              <a:t>    </a:t>
+            </a:r>
+            <a:r>
+              <a:rPr lang="en-US" altLang="zh-TW" sz="1600" dirty="0" err="1">
+                <a:solidFill>
+                  <a:schemeClr val="tx1"/>
+                </a:solidFill>
+              </a:rPr>
+              <a:t>System.out.println</a:t>
+            </a:r>
+            <a:r>
+              <a:rPr lang="en-US" altLang="zh-TW" sz="1600" dirty="0">
+                <a:solidFill>
+                  <a:schemeClr val="tx1"/>
+                </a:solidFill>
+              </a:rPr>
+              <a:t> (</a:t>
+            </a:r>
+            <a:r>
+              <a:rPr lang="en-US" altLang="zh-TW" sz="1600" dirty="0" err="1">
+                <a:solidFill>
+                  <a:schemeClr val="tx1"/>
+                </a:solidFill>
+              </a:rPr>
+              <a:t>i</a:t>
+            </a:r>
+            <a:r>
+              <a:rPr lang="en-US" altLang="zh-TW" sz="1600" dirty="0">
+                <a:solidFill>
+                  <a:schemeClr val="tx1"/>
+                </a:solidFill>
+              </a:rPr>
+              <a:t>);</a:t>
+            </a:r>
+          </a:p>
+          <a:p>
+            <a:pPr marL="342900" indent="-342900" algn="l">
+              <a:buClr>
+                <a:srgbClr val="0070C0"/>
+              </a:buClr>
+              <a:buSzPct val="80000"/>
+              <a:buFont typeface="Wingdings" pitchFamily="2" charset="2"/>
+              <a:buChar char="u"/>
+            </a:pPr>
+            <a:r>
+              <a:rPr lang="en-US" altLang="zh-TW" sz="1600" dirty="0">
+                <a:solidFill>
+                  <a:schemeClr val="tx1"/>
+                </a:solidFill>
+              </a:rPr>
+              <a:t>} </a:t>
+            </a:r>
+          </a:p>
+          <a:p>
+            <a:pPr marL="342900" indent="-342900" algn="l">
+              <a:buClr>
+                <a:srgbClr val="0070C0"/>
+              </a:buClr>
+              <a:buSzPct val="80000"/>
+              <a:buFont typeface="Wingdings" pitchFamily="2" charset="2"/>
+              <a:buChar char="u"/>
+            </a:pPr>
+            <a:r>
+              <a:rPr lang="en-US" altLang="zh-TW" sz="1600" dirty="0">
+                <a:solidFill>
+                  <a:schemeClr val="tx1"/>
+                </a:solidFill>
+              </a:rPr>
+              <a:t>i: is the Object in values Object. The </a:t>
+            </a:r>
+            <a:r>
+              <a:rPr lang="en-US" altLang="zh-TW" sz="1600" dirty="0" err="1">
+                <a:solidFill>
+                  <a:schemeClr val="tx1"/>
+                </a:solidFill>
+              </a:rPr>
+              <a:t>i</a:t>
+            </a:r>
+            <a:r>
+              <a:rPr lang="en-US" altLang="zh-TW" sz="1600" dirty="0">
+                <a:solidFill>
+                  <a:schemeClr val="tx1"/>
+                </a:solidFill>
+              </a:rPr>
+              <a:t> is one of the Object in the Object array. </a:t>
+            </a:r>
+          </a:p>
+        </p:txBody>
+      </p:sp>
+      <p:sp>
+        <p:nvSpPr>
+          <p:cNvPr id="4" name="標題 1"/>
+          <p:cNvSpPr txBox="1">
+            <a:spLocks/>
+          </p:cNvSpPr>
+          <p:nvPr/>
+        </p:nvSpPr>
+        <p:spPr>
+          <a:xfrm>
+            <a:off x="0" y="764704"/>
+            <a:ext cx="9144000" cy="360040"/>
+          </a:xfrm>
+          <a:prstGeom prst="rect">
+            <a:avLst/>
+          </a:prstGeom>
+          <a:gradFill flip="none" rotWithShape="1">
+            <a:gsLst>
+              <a:gs pos="0">
+                <a:srgbClr val="00B0F0">
+                  <a:shade val="30000"/>
+                  <a:satMod val="115000"/>
+                </a:srgbClr>
+              </a:gs>
+              <a:gs pos="50000">
+                <a:srgbClr val="00B0F0">
+                  <a:shade val="67500"/>
+                  <a:satMod val="115000"/>
+                </a:srgbClr>
+              </a:gs>
+              <a:gs pos="100000">
+                <a:srgbClr val="00B0F0">
+                  <a:shade val="100000"/>
+                  <a:satMod val="115000"/>
+                </a:srgbClr>
+              </a:gs>
+            </a:gsLst>
+            <a:path path="circle">
+              <a:fillToRect t="100000" r="100000"/>
+            </a:path>
+            <a:tileRect l="-100000" b="-100000"/>
+          </a:gradFill>
+        </p:spPr>
+        <p:txBody>
+          <a:bodyPr vert="horz" lIns="91440" tIns="45720" rIns="91440" bIns="45720" rtlCol="0" anchor="ctr">
+            <a:normAutofit fontScale="92500"/>
+          </a:bodyPr>
+          <a:lstStyle/>
+          <a:p>
+            <a:pPr lvl="0">
+              <a:spcBef>
+                <a:spcPct val="0"/>
+              </a:spcBef>
+            </a:pPr>
+            <a:r>
+              <a:rPr lang="en-US" altLang="zh-TW" sz="1600" dirty="0">
+                <a:latin typeface="+mj-lt"/>
+                <a:ea typeface="+mj-ea"/>
+                <a:cs typeface="+mj-cs"/>
+              </a:rPr>
+              <a:t>https://www.youtube.com/watch?v=HhrQqmp3hXI&amp;list=PLsyeobzWxl7oZ-fxDYkOToURHhMuWD1BK&amp;index=133</a:t>
+            </a:r>
+            <a:endParaRPr kumimoji="0" lang="zh-TW" altLang="en-US" sz="1600" b="0" i="0" u="none" strike="noStrike" kern="1200" cap="none" spc="0" normalizeH="0" baseline="0" noProof="0" dirty="0">
+              <a:ln>
+                <a:noFill/>
+              </a:ln>
+              <a:solidFill>
+                <a:schemeClr val="tx1"/>
+              </a:solidFill>
+              <a:effectLst/>
+              <a:uLnTx/>
+              <a:uFillTx/>
+              <a:latin typeface="+mj-lt"/>
+              <a:ea typeface="+mj-ea"/>
+              <a:cs typeface="+mj-cs"/>
+            </a:endParaRPr>
+          </a:p>
+        </p:txBody>
+      </p:sp>
+      <p:sp>
+        <p:nvSpPr>
+          <p:cNvPr id="5" name="日期版面配置區 4"/>
+          <p:cNvSpPr>
+            <a:spLocks noGrp="1"/>
+          </p:cNvSpPr>
+          <p:nvPr>
+            <p:ph type="dt" sz="half" idx="10"/>
+          </p:nvPr>
+        </p:nvSpPr>
+        <p:spPr/>
+        <p:txBody>
+          <a:bodyPr/>
+          <a:lstStyle/>
+          <a:p>
+            <a:fld id="{A4F910E6-8D00-4BAF-8C48-9688E0B449D3}" type="datetime1">
+              <a:rPr lang="zh-TW" altLang="en-US" smtClean="0"/>
+              <a:pPr/>
+              <a:t>2019/4/26</a:t>
+            </a:fld>
+            <a:endParaRPr lang="zh-TW" altLang="en-US"/>
+          </a:p>
+        </p:txBody>
+      </p:sp>
+      <p:sp>
+        <p:nvSpPr>
+          <p:cNvPr id="6" name="投影片編號版面配置區 5"/>
+          <p:cNvSpPr>
+            <a:spLocks noGrp="1"/>
+          </p:cNvSpPr>
+          <p:nvPr>
+            <p:ph type="sldNum" sz="quarter" idx="12"/>
+          </p:nvPr>
+        </p:nvSpPr>
+        <p:spPr/>
+        <p:txBody>
+          <a:bodyPr/>
+          <a:lstStyle/>
+          <a:p>
+            <a:fld id="{E4D7E63D-91F2-4366-A2C4-1B00C9E2590E}" type="slidenum">
+              <a:rPr lang="zh-TW" altLang="en-US" smtClean="0"/>
+              <a:pPr/>
+              <a:t>18</a:t>
+            </a:fld>
+            <a:endParaRPr lang="zh-TW" altLang="en-US"/>
+          </a:p>
+        </p:txBody>
+      </p:sp>
+      <p:sp>
+        <p:nvSpPr>
+          <p:cNvPr id="129" name="Rectangle 128">
+            <a:extLst>
+              <a:ext uri="{FF2B5EF4-FFF2-40B4-BE49-F238E27FC236}">
+                <a16:creationId xmlns:a16="http://schemas.microsoft.com/office/drawing/2014/main" id="{9F68A035-546B-4E11-ADFC-7FBDDAC42022}"/>
+              </a:ext>
+            </a:extLst>
+          </p:cNvPr>
+          <p:cNvSpPr/>
+          <p:nvPr/>
+        </p:nvSpPr>
+        <p:spPr>
+          <a:xfrm>
+            <a:off x="5220072" y="4797152"/>
+            <a:ext cx="2016224" cy="432048"/>
+          </a:xfrm>
+          <a:prstGeom prst="rect">
+            <a:avLst/>
+          </a:prstGeom>
+          <a:noFill/>
+          <a:ln>
+            <a:solidFill>
+              <a:srgbClr val="C00000"/>
+            </a:solidFill>
+          </a:ln>
+        </p:spPr>
+        <p:style>
+          <a:lnRef idx="2">
+            <a:schemeClr val="accent1">
+              <a:shade val="50000"/>
+            </a:schemeClr>
+          </a:lnRef>
+          <a:fillRef idx="1">
+            <a:schemeClr val="accent1"/>
+          </a:fillRef>
+          <a:effectRef idx="0">
+            <a:schemeClr val="accent1"/>
+          </a:effectRef>
+          <a:fontRef idx="minor">
+            <a:schemeClr val="lt1"/>
+          </a:fontRef>
+        </p:style>
+        <p:txBody>
+          <a:bodyPr rtlCol="0" anchor="ctr"/>
+          <a:lstStyle/>
+          <a:p>
+            <a:pPr algn="ctr"/>
+            <a:endParaRPr lang="en-US"/>
+          </a:p>
+        </p:txBody>
+      </p:sp>
+      <p:cxnSp>
+        <p:nvCxnSpPr>
+          <p:cNvPr id="131" name="Straight Arrow Connector 130">
+            <a:extLst>
+              <a:ext uri="{FF2B5EF4-FFF2-40B4-BE49-F238E27FC236}">
+                <a16:creationId xmlns:a16="http://schemas.microsoft.com/office/drawing/2014/main" id="{70BAF35F-69E8-4346-86B2-726DF28197E9}"/>
+              </a:ext>
+            </a:extLst>
+          </p:cNvPr>
+          <p:cNvCxnSpPr>
+            <a:cxnSpLocks/>
+            <a:stCxn id="3" idx="2"/>
+          </p:cNvCxnSpPr>
+          <p:nvPr/>
+        </p:nvCxnSpPr>
+        <p:spPr>
+          <a:xfrm>
+            <a:off x="2195736" y="3789040"/>
+            <a:ext cx="3024336" cy="1224136"/>
+          </a:xfrm>
+          <a:prstGeom prst="straightConnector1">
+            <a:avLst/>
+          </a:prstGeom>
+          <a:ln>
+            <a:solidFill>
+              <a:srgbClr val="C00000"/>
+            </a:solidFill>
+            <a:tailEnd type="triangle"/>
+          </a:ln>
+        </p:spPr>
+        <p:style>
+          <a:lnRef idx="1">
+            <a:schemeClr val="accent1"/>
+          </a:lnRef>
+          <a:fillRef idx="0">
+            <a:schemeClr val="accent1"/>
+          </a:fillRef>
+          <a:effectRef idx="0">
+            <a:schemeClr val="accent1"/>
+          </a:effectRef>
+          <a:fontRef idx="minor">
+            <a:schemeClr val="tx1"/>
+          </a:fontRef>
+        </p:style>
+      </p:cxnSp>
+    </p:spTree>
+    <p:extLst>
+      <p:ext uri="{BB962C8B-B14F-4D97-AF65-F5344CB8AC3E}">
+        <p14:creationId xmlns:p14="http://schemas.microsoft.com/office/powerpoint/2010/main" val="2979945230"/>
+      </p:ext>
+    </p:extLst>
+  </p:cSld>
+  <p:clrMapOvr>
+    <a:masterClrMapping/>
+  </p:clrMapOvr>
+</p:sld>
+</file>
+
+<file path=ppt/slides/slide19.xml><?xml version="1.0" encoding="utf-8"?>
+<p:sld xmlns:a="http://schemas.openxmlformats.org/drawingml/2006/main" xmlns:r="http://schemas.openxmlformats.org/officeDocument/2006/relationships" xmlns:p="http://schemas.openxmlformats.org/presentationml/2006/main">
+  <p:cSld>
+    <p:spTree>
+      <p:nvGrpSpPr>
+        <p:cNvPr id="1" name=""/>
+        <p:cNvGrpSpPr/>
+        <p:nvPr/>
+      </p:nvGrpSpPr>
+      <p:grpSpPr>
+        <a:xfrm>
+          <a:off x="0" y="0"/>
+          <a:ext cx="0" cy="0"/>
+          <a:chOff x="0" y="0"/>
+          <a:chExt cx="0" cy="0"/>
+        </a:xfrm>
+      </p:grpSpPr>
+      <p:sp>
+        <p:nvSpPr>
+          <p:cNvPr id="2" name="標題 1"/>
+          <p:cNvSpPr>
+            <a:spLocks noGrp="1"/>
+          </p:cNvSpPr>
+          <p:nvPr>
+            <p:ph type="ctrTitle"/>
+          </p:nvPr>
+        </p:nvSpPr>
+        <p:spPr>
+          <a:xfrm>
+            <a:off x="0" y="1"/>
+            <a:ext cx="9144000" cy="764704"/>
+          </a:xfrm>
+          <a:gradFill flip="none" rotWithShape="1">
+            <a:gsLst>
+              <a:gs pos="0">
+                <a:srgbClr val="C00000">
+                  <a:shade val="30000"/>
+                  <a:satMod val="115000"/>
+                </a:srgbClr>
+              </a:gs>
+              <a:gs pos="50000">
+                <a:srgbClr val="C00000">
+                  <a:shade val="67500"/>
+                  <a:satMod val="115000"/>
+                </a:srgbClr>
+              </a:gs>
+              <a:gs pos="100000">
+                <a:srgbClr val="C00000">
+                  <a:shade val="100000"/>
+                  <a:satMod val="115000"/>
+                </a:srgbClr>
+              </a:gs>
+            </a:gsLst>
+            <a:path path="circle">
+              <a:fillToRect t="100000" r="100000"/>
+            </a:path>
+            <a:tileRect l="-100000" b="-100000"/>
+          </a:gradFill>
+        </p:spPr>
+        <p:txBody>
+          <a:bodyPr>
+            <a:normAutofit/>
+          </a:bodyPr>
+          <a:lstStyle/>
+          <a:p>
+            <a:pPr algn="l"/>
+            <a:r>
+              <a:rPr lang="en-US" altLang="zh-TW" b="1" dirty="0">
+                <a:solidFill>
+                  <a:srgbClr val="FFFF00"/>
+                </a:solidFill>
+              </a:rPr>
+              <a:t>14.02.02 Enhanced for Loop</a:t>
+            </a:r>
+            <a:endParaRPr lang="zh-TW" altLang="en-US" b="1" dirty="0">
+              <a:solidFill>
+                <a:srgbClr val="FFFF00"/>
+              </a:solidFill>
+            </a:endParaRPr>
+          </a:p>
+        </p:txBody>
+      </p:sp>
+      <p:sp>
+        <p:nvSpPr>
+          <p:cNvPr id="3" name="副標題 2"/>
+          <p:cNvSpPr>
+            <a:spLocks noGrp="1"/>
+          </p:cNvSpPr>
+          <p:nvPr>
+            <p:ph type="subTitle" idx="1"/>
+          </p:nvPr>
+        </p:nvSpPr>
+        <p:spPr>
+          <a:xfrm>
+            <a:off x="467544" y="1268760"/>
+            <a:ext cx="8352928" cy="469600"/>
+          </a:xfrm>
+          <a:ln>
+            <a:solidFill>
+              <a:srgbClr val="C00000"/>
+            </a:solidFill>
+          </a:ln>
+        </p:spPr>
+        <p:txBody>
+          <a:bodyPr>
+            <a:noAutofit/>
+          </a:bodyPr>
+          <a:lstStyle/>
+          <a:p>
+            <a:pPr marL="342900" indent="-342900" algn="l">
+              <a:buClr>
+                <a:srgbClr val="0070C0"/>
+              </a:buClr>
+              <a:buSzPct val="80000"/>
+              <a:buFont typeface="Wingdings" pitchFamily="2" charset="2"/>
+              <a:buChar char="u"/>
+            </a:pPr>
+            <a:r>
+              <a:rPr lang="en-US" altLang="zh-TW" sz="1600" dirty="0">
+                <a:solidFill>
+                  <a:schemeClr val="tx1"/>
+                </a:solidFill>
+              </a:rPr>
+              <a:t>Use while (</a:t>
+            </a:r>
+            <a:r>
+              <a:rPr lang="en-US" altLang="zh-TW" sz="1600" dirty="0" err="1">
+                <a:solidFill>
+                  <a:schemeClr val="tx1"/>
+                </a:solidFill>
+              </a:rPr>
+              <a:t>i.hasNext</a:t>
+            </a:r>
+            <a:r>
+              <a:rPr lang="en-US" altLang="zh-TW" sz="1600" dirty="0">
+                <a:solidFill>
+                  <a:schemeClr val="tx1"/>
+                </a:solidFill>
+              </a:rPr>
+              <a:t>()) to loop all the elements and print with </a:t>
+            </a:r>
+            <a:r>
+              <a:rPr lang="en-US" altLang="zh-TW" sz="1600" dirty="0" err="1">
+                <a:solidFill>
+                  <a:schemeClr val="tx1"/>
+                </a:solidFill>
+              </a:rPr>
+              <a:t>i.next</a:t>
+            </a:r>
+            <a:r>
+              <a:rPr lang="en-US" altLang="zh-TW" sz="1600" dirty="0">
+                <a:solidFill>
+                  <a:schemeClr val="tx1"/>
+                </a:solidFill>
+              </a:rPr>
+              <a:t>().</a:t>
+            </a:r>
+          </a:p>
+        </p:txBody>
+      </p:sp>
+      <p:sp>
+        <p:nvSpPr>
+          <p:cNvPr id="4" name="標題 1"/>
+          <p:cNvSpPr txBox="1">
+            <a:spLocks/>
+          </p:cNvSpPr>
+          <p:nvPr/>
+        </p:nvSpPr>
+        <p:spPr>
+          <a:xfrm>
+            <a:off x="0" y="764704"/>
+            <a:ext cx="9144000" cy="360040"/>
+          </a:xfrm>
+          <a:prstGeom prst="rect">
+            <a:avLst/>
+          </a:prstGeom>
+          <a:gradFill flip="none" rotWithShape="1">
+            <a:gsLst>
+              <a:gs pos="0">
+                <a:srgbClr val="00B0F0">
+                  <a:shade val="30000"/>
+                  <a:satMod val="115000"/>
+                </a:srgbClr>
+              </a:gs>
+              <a:gs pos="50000">
+                <a:srgbClr val="00B0F0">
+                  <a:shade val="67500"/>
+                  <a:satMod val="115000"/>
+                </a:srgbClr>
+              </a:gs>
+              <a:gs pos="100000">
+                <a:srgbClr val="00B0F0">
+                  <a:shade val="100000"/>
+                  <a:satMod val="115000"/>
+                </a:srgbClr>
+              </a:gs>
+            </a:gsLst>
+            <a:path path="circle">
+              <a:fillToRect t="100000" r="100000"/>
+            </a:path>
+            <a:tileRect l="-100000" b="-100000"/>
+          </a:gradFill>
+        </p:spPr>
+        <p:txBody>
+          <a:bodyPr vert="horz" lIns="91440" tIns="45720" rIns="91440" bIns="45720" rtlCol="0" anchor="ctr">
+            <a:normAutofit fontScale="92500"/>
+          </a:bodyPr>
+          <a:lstStyle/>
+          <a:p>
+            <a:pPr lvl="0">
+              <a:spcBef>
+                <a:spcPct val="0"/>
+              </a:spcBef>
+            </a:pPr>
+            <a:r>
+              <a:rPr lang="en-US" altLang="zh-TW" sz="1600" dirty="0">
+                <a:latin typeface="+mj-lt"/>
+                <a:ea typeface="+mj-ea"/>
+                <a:cs typeface="+mj-cs"/>
+              </a:rPr>
+              <a:t>https://www.youtube.com/watch?v=HhrQqmp3hXI&amp;list=PLsyeobzWxl7oZ-fxDYkOToURHhMuWD1BK&amp;index=133</a:t>
+            </a:r>
+            <a:endParaRPr kumimoji="0" lang="zh-TW" altLang="en-US" sz="1600" b="0" i="0" u="none" strike="noStrike" kern="1200" cap="none" spc="0" normalizeH="0" baseline="0" noProof="0" dirty="0">
+              <a:ln>
+                <a:noFill/>
+              </a:ln>
+              <a:solidFill>
+                <a:schemeClr val="tx1"/>
+              </a:solidFill>
+              <a:effectLst/>
+              <a:uLnTx/>
+              <a:uFillTx/>
+              <a:latin typeface="+mj-lt"/>
+              <a:ea typeface="+mj-ea"/>
+              <a:cs typeface="+mj-cs"/>
+            </a:endParaRPr>
+          </a:p>
+        </p:txBody>
+      </p:sp>
+      <p:sp>
+        <p:nvSpPr>
+          <p:cNvPr id="5" name="日期版面配置區 4"/>
+          <p:cNvSpPr>
+            <a:spLocks noGrp="1"/>
+          </p:cNvSpPr>
+          <p:nvPr>
+            <p:ph type="dt" sz="half" idx="10"/>
+          </p:nvPr>
+        </p:nvSpPr>
+        <p:spPr/>
+        <p:txBody>
+          <a:bodyPr/>
+          <a:lstStyle/>
+          <a:p>
+            <a:fld id="{A4F910E6-8D00-4BAF-8C48-9688E0B449D3}" type="datetime1">
+              <a:rPr lang="zh-TW" altLang="en-US" smtClean="0"/>
+              <a:pPr/>
+              <a:t>2019/4/26</a:t>
+            </a:fld>
+            <a:endParaRPr lang="zh-TW" altLang="en-US"/>
+          </a:p>
+        </p:txBody>
+      </p:sp>
+      <p:sp>
+        <p:nvSpPr>
+          <p:cNvPr id="6" name="投影片編號版面配置區 5"/>
+          <p:cNvSpPr>
+            <a:spLocks noGrp="1"/>
+          </p:cNvSpPr>
+          <p:nvPr>
+            <p:ph type="sldNum" sz="quarter" idx="12"/>
+          </p:nvPr>
+        </p:nvSpPr>
+        <p:spPr/>
+        <p:txBody>
+          <a:bodyPr/>
+          <a:lstStyle/>
+          <a:p>
+            <a:fld id="{E4D7E63D-91F2-4366-A2C4-1B00C9E2590E}" type="slidenum">
+              <a:rPr lang="zh-TW" altLang="en-US" smtClean="0"/>
+              <a:pPr/>
+              <a:t>19</a:t>
+            </a:fld>
+            <a:endParaRPr lang="zh-TW" altLang="en-US"/>
+          </a:p>
+        </p:txBody>
+      </p:sp>
+      <p:sp>
+        <p:nvSpPr>
+          <p:cNvPr id="129" name="Rectangle 128">
+            <a:extLst>
+              <a:ext uri="{FF2B5EF4-FFF2-40B4-BE49-F238E27FC236}">
+                <a16:creationId xmlns:a16="http://schemas.microsoft.com/office/drawing/2014/main" id="{9F68A035-546B-4E11-ADFC-7FBDDAC42022}"/>
+              </a:ext>
+            </a:extLst>
+          </p:cNvPr>
+          <p:cNvSpPr/>
+          <p:nvPr/>
+        </p:nvSpPr>
+        <p:spPr>
+          <a:xfrm>
+            <a:off x="2771800" y="4581128"/>
+            <a:ext cx="2304256" cy="576064"/>
+          </a:xfrm>
+          <a:prstGeom prst="rect">
+            <a:avLst/>
+          </a:prstGeom>
+          <a:noFill/>
+          <a:ln>
+            <a:solidFill>
+              <a:srgbClr val="C00000"/>
+            </a:solidFill>
+          </a:ln>
+        </p:spPr>
+        <p:style>
+          <a:lnRef idx="2">
+            <a:schemeClr val="accent1">
+              <a:shade val="50000"/>
+            </a:schemeClr>
+          </a:lnRef>
+          <a:fillRef idx="1">
+            <a:schemeClr val="accent1"/>
+          </a:fillRef>
+          <a:effectRef idx="0">
+            <a:schemeClr val="accent1"/>
+          </a:effectRef>
+          <a:fontRef idx="minor">
+            <a:schemeClr val="lt1"/>
+          </a:fontRef>
+        </p:style>
+        <p:txBody>
+          <a:bodyPr rtlCol="0" anchor="ctr"/>
+          <a:lstStyle/>
+          <a:p>
+            <a:pPr algn="ctr"/>
+            <a:endParaRPr lang="en-US"/>
+          </a:p>
+        </p:txBody>
+      </p:sp>
+      <p:cxnSp>
+        <p:nvCxnSpPr>
+          <p:cNvPr id="131" name="Straight Arrow Connector 130">
+            <a:extLst>
+              <a:ext uri="{FF2B5EF4-FFF2-40B4-BE49-F238E27FC236}">
+                <a16:creationId xmlns:a16="http://schemas.microsoft.com/office/drawing/2014/main" id="{70BAF35F-69E8-4346-86B2-726DF28197E9}"/>
+              </a:ext>
+            </a:extLst>
+          </p:cNvPr>
+          <p:cNvCxnSpPr>
+            <a:cxnSpLocks/>
+            <a:stCxn id="3" idx="2"/>
+            <a:endCxn id="129" idx="0"/>
+          </p:cNvCxnSpPr>
+          <p:nvPr/>
+        </p:nvCxnSpPr>
+        <p:spPr>
+          <a:xfrm flipH="1">
+            <a:off x="3923928" y="1738360"/>
+            <a:ext cx="720080" cy="2842768"/>
+          </a:xfrm>
+          <a:prstGeom prst="straightConnector1">
+            <a:avLst/>
+          </a:prstGeom>
+          <a:ln>
+            <a:solidFill>
+              <a:srgbClr val="C00000"/>
+            </a:solidFill>
+            <a:tailEnd type="triangle"/>
+          </a:ln>
+        </p:spPr>
+        <p:style>
+          <a:lnRef idx="1">
+            <a:schemeClr val="accent1"/>
+          </a:lnRef>
+          <a:fillRef idx="0">
+            <a:schemeClr val="accent1"/>
+          </a:fillRef>
+          <a:effectRef idx="0">
+            <a:schemeClr val="accent1"/>
+          </a:effectRef>
+          <a:fontRef idx="minor">
+            <a:schemeClr val="tx1"/>
+          </a:fontRef>
+        </p:style>
+      </p:cxnSp>
+    </p:spTree>
+    <p:extLst>
+      <p:ext uri="{BB962C8B-B14F-4D97-AF65-F5344CB8AC3E}">
+        <p14:creationId xmlns:p14="http://schemas.microsoft.com/office/powerpoint/2010/main" val="1502209545"/>
+      </p:ext>
+    </p:extLst>
+  </p:cSld>
+  <p:clrMapOvr>
+    <a:masterClrMapping/>
+  </p:clrMapOvr>
+</p:sld>
+</file>
+
+<file path=ppt/slides/slide2.xml><?xml version="1.0" encoding="utf-8"?>
+<p:sld xmlns:a="http://schemas.openxmlformats.org/drawingml/2006/main" xmlns:r="http://schemas.openxmlformats.org/officeDocument/2006/relationships" xmlns:p="http://schemas.openxmlformats.org/presentationml/2006/main">
+  <p:cSld>
+    <p:spTree>
+      <p:nvGrpSpPr>
+        <p:cNvPr id="1" name=""/>
+        <p:cNvGrpSpPr/>
+        <p:nvPr/>
+      </p:nvGrpSpPr>
+      <p:grpSpPr>
+        <a:xfrm>
+          <a:off x="0" y="0"/>
+          <a:ext cx="0" cy="0"/>
+          <a:chOff x="0" y="0"/>
+          <a:chExt cx="0" cy="0"/>
+        </a:xfrm>
+      </p:grpSpPr>
+      <p:sp>
+        <p:nvSpPr>
+          <p:cNvPr id="2" name="標題 1"/>
+          <p:cNvSpPr>
+            <a:spLocks noGrp="1"/>
+          </p:cNvSpPr>
+          <p:nvPr>
+            <p:ph type="ctrTitle"/>
+          </p:nvPr>
+        </p:nvSpPr>
+        <p:spPr>
+          <a:xfrm>
+            <a:off x="0" y="1"/>
+            <a:ext cx="9144000" cy="764704"/>
+          </a:xfrm>
+          <a:gradFill flip="none" rotWithShape="1">
+            <a:gsLst>
+              <a:gs pos="0">
+                <a:srgbClr val="C00000">
+                  <a:shade val="30000"/>
+                  <a:satMod val="115000"/>
+                </a:srgbClr>
+              </a:gs>
+              <a:gs pos="50000">
+                <a:srgbClr val="C00000">
+                  <a:shade val="67500"/>
+                  <a:satMod val="115000"/>
+                </a:srgbClr>
+              </a:gs>
+              <a:gs pos="100000">
+                <a:srgbClr val="C00000">
+                  <a:shade val="100000"/>
+                  <a:satMod val="115000"/>
+                </a:srgbClr>
+              </a:gs>
+            </a:gsLst>
+            <a:path path="circle">
+              <a:fillToRect t="100000" r="100000"/>
+            </a:path>
+            <a:tileRect l="-100000" b="-100000"/>
+          </a:gradFill>
+        </p:spPr>
+        <p:txBody>
+          <a:bodyPr>
+            <a:normAutofit/>
+          </a:bodyPr>
+          <a:lstStyle/>
+          <a:p>
+            <a:pPr algn="l"/>
+            <a:r>
+              <a:rPr lang="en-US" altLang="zh-TW" b="1" dirty="0">
+                <a:solidFill>
+                  <a:srgbClr val="FFFF00"/>
+                </a:solidFill>
+              </a:rPr>
+              <a:t>14.02 Collection and Generic Practical</a:t>
+            </a:r>
+            <a:endParaRPr lang="zh-TW" altLang="en-US" b="1" dirty="0">
+              <a:solidFill>
+                <a:srgbClr val="FFFF00"/>
+              </a:solidFill>
+            </a:endParaRPr>
+          </a:p>
+        </p:txBody>
+      </p:sp>
+      <p:sp>
+        <p:nvSpPr>
+          <p:cNvPr id="3" name="副標題 2"/>
+          <p:cNvSpPr>
+            <a:spLocks noGrp="1"/>
+          </p:cNvSpPr>
+          <p:nvPr>
+            <p:ph type="subTitle" idx="1"/>
+          </p:nvPr>
+        </p:nvSpPr>
+        <p:spPr>
+          <a:xfrm>
+            <a:off x="467544" y="1268759"/>
+            <a:ext cx="8352928" cy="2232249"/>
+          </a:xfrm>
+          <a:ln>
+            <a:solidFill>
+              <a:srgbClr val="C00000"/>
+            </a:solidFill>
+          </a:ln>
+        </p:spPr>
+        <p:txBody>
+          <a:bodyPr>
+            <a:noAutofit/>
+          </a:bodyPr>
+          <a:lstStyle/>
+          <a:p>
+            <a:pPr marL="342900" indent="-342900" algn="l">
+              <a:buClr>
+                <a:srgbClr val="0070C0"/>
+              </a:buClr>
+              <a:buSzPct val="80000"/>
+              <a:buFont typeface="Wingdings" pitchFamily="2" charset="2"/>
+              <a:buChar char="u"/>
+            </a:pPr>
+            <a:r>
+              <a:rPr lang="en-US" altLang="zh-TW" sz="1600" dirty="0">
+                <a:solidFill>
+                  <a:schemeClr val="tx1"/>
+                </a:solidFill>
+              </a:rPr>
+              <a:t>We discuss the Collection and Generic Practical in Java.</a:t>
+            </a:r>
+          </a:p>
+          <a:p>
+            <a:pPr marL="342900" indent="-342900" algn="l">
+              <a:buClr>
+                <a:srgbClr val="0070C0"/>
+              </a:buClr>
+              <a:buSzPct val="80000"/>
+              <a:buFont typeface="Wingdings" pitchFamily="2" charset="2"/>
+              <a:buChar char="u"/>
+            </a:pPr>
+            <a:r>
+              <a:rPr lang="en-US" altLang="zh-TW" sz="1600" dirty="0">
+                <a:solidFill>
+                  <a:schemeClr val="tx1"/>
+                </a:solidFill>
+              </a:rPr>
+              <a:t>Java 1.0, Collection is not there.</a:t>
+            </a:r>
+          </a:p>
+          <a:p>
+            <a:pPr marL="342900" indent="-342900" algn="l">
+              <a:buClr>
+                <a:srgbClr val="0070C0"/>
+              </a:buClr>
+              <a:buSzPct val="80000"/>
+              <a:buFont typeface="Wingdings" pitchFamily="2" charset="2"/>
+              <a:buChar char="u"/>
+            </a:pPr>
+            <a:r>
+              <a:rPr lang="en-US" altLang="zh-TW" sz="1600" dirty="0">
+                <a:solidFill>
+                  <a:schemeClr val="tx1"/>
+                </a:solidFill>
+              </a:rPr>
+              <a:t>Java 1.2 have the Collections and Java 1.5 have the Generics</a:t>
+            </a:r>
+          </a:p>
+          <a:p>
+            <a:pPr marL="342900" indent="-342900" algn="l">
+              <a:buClr>
+                <a:srgbClr val="0070C0"/>
+              </a:buClr>
+              <a:buSzPct val="80000"/>
+              <a:buFont typeface="Wingdings" pitchFamily="2" charset="2"/>
+              <a:buChar char="u"/>
+            </a:pPr>
+            <a:r>
+              <a:rPr lang="en-US" altLang="zh-TW" sz="1600" dirty="0">
+                <a:solidFill>
+                  <a:schemeClr val="tx1"/>
+                </a:solidFill>
+              </a:rPr>
+              <a:t>Since we are in Java 1.8, we have all the features of Collections and Generics.</a:t>
+            </a:r>
+          </a:p>
+          <a:p>
+            <a:pPr marL="342900" indent="-342900" algn="l">
+              <a:buClr>
+                <a:srgbClr val="0070C0"/>
+              </a:buClr>
+              <a:buSzPct val="80000"/>
+              <a:buFont typeface="Wingdings" pitchFamily="2" charset="2"/>
+              <a:buChar char="u"/>
+            </a:pPr>
+            <a:r>
+              <a:rPr lang="en-US" altLang="zh-TW" sz="1600" dirty="0">
+                <a:solidFill>
+                  <a:schemeClr val="tx1"/>
+                </a:solidFill>
+              </a:rPr>
+              <a:t>Why we need the collections?</a:t>
+            </a:r>
+          </a:p>
+          <a:p>
+            <a:pPr marL="342900" indent="-342900" algn="l">
+              <a:buClr>
+                <a:srgbClr val="0070C0"/>
+              </a:buClr>
+              <a:buSzPct val="80000"/>
+              <a:buFont typeface="Wingdings" pitchFamily="2" charset="2"/>
+              <a:buChar char="u"/>
+            </a:pPr>
+            <a:r>
+              <a:rPr lang="en-US" altLang="zh-TW" sz="1600" dirty="0">
+                <a:solidFill>
+                  <a:schemeClr val="tx1"/>
+                </a:solidFill>
+              </a:rPr>
+              <a:t>Collections provide you the dynamic type of arrays where you can add your elements, you can expand the size of array, and you can reduce the size of array. Those are the advantage of using collection.</a:t>
+            </a:r>
+          </a:p>
+        </p:txBody>
+      </p:sp>
+      <p:sp>
+        <p:nvSpPr>
+          <p:cNvPr id="4" name="標題 1"/>
+          <p:cNvSpPr txBox="1">
+            <a:spLocks/>
+          </p:cNvSpPr>
+          <p:nvPr/>
+        </p:nvSpPr>
+        <p:spPr>
+          <a:xfrm>
+            <a:off x="0" y="764704"/>
+            <a:ext cx="9144000" cy="360040"/>
+          </a:xfrm>
+          <a:prstGeom prst="rect">
+            <a:avLst/>
+          </a:prstGeom>
+          <a:gradFill flip="none" rotWithShape="1">
+            <a:gsLst>
+              <a:gs pos="0">
+                <a:srgbClr val="00B0F0">
+                  <a:shade val="30000"/>
+                  <a:satMod val="115000"/>
+                </a:srgbClr>
+              </a:gs>
+              <a:gs pos="50000">
+                <a:srgbClr val="00B0F0">
+                  <a:shade val="67500"/>
+                  <a:satMod val="115000"/>
+                </a:srgbClr>
+              </a:gs>
+              <a:gs pos="100000">
+                <a:srgbClr val="00B0F0">
+                  <a:shade val="100000"/>
+                  <a:satMod val="115000"/>
+                </a:srgbClr>
+              </a:gs>
+            </a:gsLst>
+            <a:path path="circle">
+              <a:fillToRect t="100000" r="100000"/>
+            </a:path>
+            <a:tileRect l="-100000" b="-100000"/>
+          </a:gradFill>
+        </p:spPr>
+        <p:txBody>
+          <a:bodyPr vert="horz" lIns="91440" tIns="45720" rIns="91440" bIns="45720" rtlCol="0" anchor="ctr">
+            <a:normAutofit fontScale="92500"/>
+          </a:bodyPr>
+          <a:lstStyle/>
+          <a:p>
+            <a:pPr lvl="0">
+              <a:spcBef>
+                <a:spcPct val="0"/>
+              </a:spcBef>
+            </a:pPr>
+            <a:r>
+              <a:rPr lang="en-US" altLang="zh-TW" sz="1600" dirty="0">
+                <a:latin typeface="+mj-lt"/>
+                <a:ea typeface="+mj-ea"/>
+                <a:cs typeface="+mj-cs"/>
+              </a:rPr>
+              <a:t>https://www.youtube.com/watch?v=HhrQqmp3hXI&amp;list=PLsyeobzWxl7oZ-fxDYkOToURHhMuWD1BK&amp;index=133</a:t>
+            </a:r>
+            <a:endParaRPr kumimoji="0" lang="zh-TW" altLang="en-US" sz="1600" b="0" i="0" u="none" strike="noStrike" kern="1200" cap="none" spc="0" normalizeH="0" baseline="0" noProof="0" dirty="0">
+              <a:ln>
+                <a:noFill/>
+              </a:ln>
+              <a:solidFill>
+                <a:schemeClr val="tx1"/>
+              </a:solidFill>
+              <a:effectLst/>
+              <a:uLnTx/>
+              <a:uFillTx/>
+              <a:latin typeface="+mj-lt"/>
+              <a:ea typeface="+mj-ea"/>
+              <a:cs typeface="+mj-cs"/>
+            </a:endParaRPr>
+          </a:p>
+        </p:txBody>
+      </p:sp>
+      <p:sp>
+        <p:nvSpPr>
+          <p:cNvPr id="5" name="日期版面配置區 4"/>
+          <p:cNvSpPr>
+            <a:spLocks noGrp="1"/>
+          </p:cNvSpPr>
+          <p:nvPr>
+            <p:ph type="dt" sz="half" idx="10"/>
+          </p:nvPr>
+        </p:nvSpPr>
+        <p:spPr/>
+        <p:txBody>
+          <a:bodyPr/>
+          <a:lstStyle/>
+          <a:p>
+            <a:fld id="{A4F910E6-8D00-4BAF-8C48-9688E0B449D3}" type="datetime1">
+              <a:rPr lang="zh-TW" altLang="en-US" smtClean="0"/>
+              <a:pPr/>
+              <a:t>2019/4/26</a:t>
+            </a:fld>
+            <a:endParaRPr lang="zh-TW" altLang="en-US"/>
+          </a:p>
+        </p:txBody>
+      </p:sp>
+      <p:sp>
+        <p:nvSpPr>
+          <p:cNvPr id="6" name="投影片編號版面配置區 5"/>
+          <p:cNvSpPr>
+            <a:spLocks noGrp="1"/>
+          </p:cNvSpPr>
+          <p:nvPr>
+            <p:ph type="sldNum" sz="quarter" idx="12"/>
+          </p:nvPr>
+        </p:nvSpPr>
+        <p:spPr/>
+        <p:txBody>
+          <a:bodyPr/>
+          <a:lstStyle/>
+          <a:p>
+            <a:fld id="{E4D7E63D-91F2-4366-A2C4-1B00C9E2590E}" type="slidenum">
+              <a:rPr lang="zh-TW" altLang="en-US" smtClean="0"/>
+              <a:pPr/>
+              <a:t>2</a:t>
+            </a:fld>
+            <a:endParaRPr lang="zh-TW" altLang="en-US"/>
+          </a:p>
+        </p:txBody>
+      </p:sp>
+    </p:spTree>
+    <p:extLst>
+      <p:ext uri="{BB962C8B-B14F-4D97-AF65-F5344CB8AC3E}">
+        <p14:creationId xmlns:p14="http://schemas.microsoft.com/office/powerpoint/2010/main" val="1188746068"/>
+      </p:ext>
+    </p:extLst>
+  </p:cSld>
+  <p:clrMapOvr>
+    <a:masterClrMapping/>
+  </p:clrMapOvr>
+</p:sld>
+</file>
+
+<file path=ppt/slides/slide20.xml><?xml version="1.0" encoding="utf-8"?>
+<p:sld xmlns:a="http://schemas.openxmlformats.org/drawingml/2006/main" xmlns:r="http://schemas.openxmlformats.org/officeDocument/2006/relationships" xmlns:p="http://schemas.openxmlformats.org/presentationml/2006/main">
+  <p:cSld>
+    <p:spTree>
+      <p:nvGrpSpPr>
+        <p:cNvPr id="1" name=""/>
+        <p:cNvGrpSpPr/>
+        <p:nvPr/>
+      </p:nvGrpSpPr>
+      <p:grpSpPr>
+        <a:xfrm>
+          <a:off x="0" y="0"/>
+          <a:ext cx="0" cy="0"/>
+          <a:chOff x="0" y="0"/>
+          <a:chExt cx="0" cy="0"/>
+        </a:xfrm>
+      </p:grpSpPr>
+      <p:sp>
+        <p:nvSpPr>
+          <p:cNvPr id="2" name="標題 1"/>
+          <p:cNvSpPr>
+            <a:spLocks noGrp="1"/>
+          </p:cNvSpPr>
+          <p:nvPr>
+            <p:ph type="ctrTitle"/>
+          </p:nvPr>
+        </p:nvSpPr>
+        <p:spPr>
+          <a:xfrm>
+            <a:off x="0" y="2130425"/>
+            <a:ext cx="9144000" cy="1470025"/>
+          </a:xfrm>
+          <a:gradFill flip="none" rotWithShape="1">
+            <a:gsLst>
+              <a:gs pos="0">
+                <a:srgbClr val="00B0F0">
+                  <a:shade val="30000"/>
+                  <a:satMod val="115000"/>
+                </a:srgbClr>
+              </a:gs>
+              <a:gs pos="50000">
+                <a:srgbClr val="00B0F0">
+                  <a:shade val="67500"/>
+                  <a:satMod val="115000"/>
+                </a:srgbClr>
+              </a:gs>
+              <a:gs pos="100000">
+                <a:srgbClr val="00B0F0">
+                  <a:shade val="100000"/>
+                  <a:satMod val="115000"/>
+                </a:srgbClr>
+              </a:gs>
+            </a:gsLst>
+            <a:path path="circle">
+              <a:fillToRect t="100000" r="100000"/>
+            </a:path>
+            <a:tileRect l="-100000" b="-100000"/>
+          </a:gradFill>
+        </p:spPr>
+        <p:txBody>
+          <a:bodyPr>
+            <a:normAutofit/>
+          </a:bodyPr>
+          <a:lstStyle/>
+          <a:p>
+            <a:r>
+              <a:rPr lang="en-US" altLang="zh-TW" sz="6000" b="1" dirty="0">
+                <a:solidFill>
+                  <a:srgbClr val="FFFF00"/>
+                </a:solidFill>
+              </a:rPr>
+              <a:t>End of Chapter</a:t>
+            </a:r>
+            <a:endParaRPr lang="zh-TW" altLang="en-US" sz="6000" b="1" dirty="0">
+              <a:solidFill>
+                <a:srgbClr val="FFFF00"/>
+              </a:solidFill>
+            </a:endParaRPr>
+          </a:p>
+        </p:txBody>
+      </p:sp>
+      <p:sp>
+        <p:nvSpPr>
+          <p:cNvPr id="5" name="日期版面配置區 4"/>
+          <p:cNvSpPr>
+            <a:spLocks noGrp="1"/>
+          </p:cNvSpPr>
+          <p:nvPr>
+            <p:ph type="dt" sz="half" idx="10"/>
+          </p:nvPr>
+        </p:nvSpPr>
+        <p:spPr/>
+        <p:txBody>
+          <a:bodyPr/>
+          <a:lstStyle/>
+          <a:p>
+            <a:fld id="{4E46BE27-E923-4EC2-B046-3272AE2A3E5C}" type="datetime1">
+              <a:rPr lang="zh-TW" altLang="en-US" smtClean="0"/>
+              <a:pPr/>
+              <a:t>2019/4/26</a:t>
+            </a:fld>
+            <a:endParaRPr lang="zh-TW" altLang="en-US"/>
+          </a:p>
+        </p:txBody>
+      </p:sp>
+      <p:sp>
+        <p:nvSpPr>
+          <p:cNvPr id="6" name="投影片編號版面配置區 5"/>
+          <p:cNvSpPr>
+            <a:spLocks noGrp="1"/>
+          </p:cNvSpPr>
+          <p:nvPr>
+            <p:ph type="sldNum" sz="quarter" idx="12"/>
+          </p:nvPr>
+        </p:nvSpPr>
+        <p:spPr/>
+        <p:txBody>
+          <a:bodyPr/>
+          <a:lstStyle/>
+          <a:p>
+            <a:fld id="{E4D7E63D-91F2-4366-A2C4-1B00C9E2590E}" type="slidenum">
+              <a:rPr lang="zh-TW" altLang="en-US" smtClean="0"/>
+              <a:pPr/>
+              <a:t>20</a:t>
+            </a:fld>
+            <a:endParaRPr lang="zh-TW" altLang="en-US"/>
+          </a:p>
+        </p:txBody>
+      </p:sp>
+    </p:spTree>
+  </p:cSld>
+  <p:clrMapOvr>
+    <a:masterClrMapping/>
+  </p:clrMapOvr>
+</p:sld>
+</file>
+
+<file path=ppt/slides/slide3.xml><?xml version="1.0" encoding="utf-8"?>
+<p:sld xmlns:a="http://schemas.openxmlformats.org/drawingml/2006/main" xmlns:r="http://schemas.openxmlformats.org/officeDocument/2006/relationships" xmlns:p="http://schemas.openxmlformats.org/presentationml/2006/main">
+  <p:cSld>
+    <p:spTree>
+      <p:nvGrpSpPr>
+        <p:cNvPr id="1" name=""/>
+        <p:cNvGrpSpPr/>
+        <p:nvPr/>
+      </p:nvGrpSpPr>
+      <p:grpSpPr>
+        <a:xfrm>
+          <a:off x="0" y="0"/>
+          <a:ext cx="0" cy="0"/>
+          <a:chOff x="0" y="0"/>
+          <a:chExt cx="0" cy="0"/>
+        </a:xfrm>
+      </p:grpSpPr>
+      <p:sp>
+        <p:nvSpPr>
+          <p:cNvPr id="2" name="標題 1"/>
+          <p:cNvSpPr>
+            <a:spLocks noGrp="1"/>
+          </p:cNvSpPr>
+          <p:nvPr>
+            <p:ph type="ctrTitle"/>
+          </p:nvPr>
+        </p:nvSpPr>
+        <p:spPr>
+          <a:xfrm>
+            <a:off x="0" y="1"/>
+            <a:ext cx="9144000" cy="764704"/>
+          </a:xfrm>
+          <a:gradFill flip="none" rotWithShape="1">
+            <a:gsLst>
+              <a:gs pos="0">
+                <a:srgbClr val="C00000">
+                  <a:shade val="30000"/>
+                  <a:satMod val="115000"/>
+                </a:srgbClr>
+              </a:gs>
+              <a:gs pos="50000">
+                <a:srgbClr val="C00000">
+                  <a:shade val="67500"/>
+                  <a:satMod val="115000"/>
+                </a:srgbClr>
+              </a:gs>
+              <a:gs pos="100000">
+                <a:srgbClr val="C00000">
+                  <a:shade val="100000"/>
+                  <a:satMod val="115000"/>
+                </a:srgbClr>
+              </a:gs>
+            </a:gsLst>
+            <a:path path="circle">
+              <a:fillToRect t="100000" r="100000"/>
+            </a:path>
+            <a:tileRect l="-100000" b="-100000"/>
+          </a:gradFill>
+        </p:spPr>
+        <p:txBody>
+          <a:bodyPr>
+            <a:normAutofit/>
+          </a:bodyPr>
+          <a:lstStyle/>
+          <a:p>
+            <a:pPr algn="l"/>
+            <a:r>
+              <a:rPr lang="en-US" altLang="zh-TW" b="1" dirty="0">
+                <a:solidFill>
+                  <a:srgbClr val="FFFF00"/>
+                </a:solidFill>
+              </a:rPr>
+              <a:t>14.02 Collection and Generic Practical</a:t>
+            </a:r>
+            <a:endParaRPr lang="zh-TW" altLang="en-US" b="1" dirty="0">
+              <a:solidFill>
+                <a:srgbClr val="FFFF00"/>
+              </a:solidFill>
+            </a:endParaRPr>
+          </a:p>
+        </p:txBody>
+      </p:sp>
+      <p:sp>
+        <p:nvSpPr>
+          <p:cNvPr id="3" name="副標題 2"/>
+          <p:cNvSpPr>
+            <a:spLocks noGrp="1"/>
+          </p:cNvSpPr>
+          <p:nvPr>
+            <p:ph type="subTitle" idx="1"/>
+          </p:nvPr>
+        </p:nvSpPr>
+        <p:spPr>
+          <a:xfrm>
+            <a:off x="467544" y="1268759"/>
+            <a:ext cx="8352928" cy="3168353"/>
+          </a:xfrm>
+          <a:ln>
+            <a:solidFill>
+              <a:srgbClr val="C00000"/>
+            </a:solidFill>
+          </a:ln>
+        </p:spPr>
+        <p:txBody>
+          <a:bodyPr>
+            <a:noAutofit/>
+          </a:bodyPr>
+          <a:lstStyle/>
+          <a:p>
+            <a:pPr marL="342900" indent="-342900" algn="l">
+              <a:buClr>
+                <a:srgbClr val="0070C0"/>
+              </a:buClr>
+              <a:buSzPct val="80000"/>
+              <a:buFont typeface="Wingdings" pitchFamily="2" charset="2"/>
+              <a:buChar char="u"/>
+            </a:pPr>
+            <a:r>
+              <a:rPr lang="en-US" altLang="zh-TW" sz="1600" dirty="0">
+                <a:solidFill>
+                  <a:schemeClr val="tx1"/>
+                </a:solidFill>
+              </a:rPr>
+              <a:t>For example, </a:t>
+            </a:r>
+          </a:p>
+          <a:p>
+            <a:pPr marL="800100" lvl="1" indent="-342900" algn="l">
+              <a:buClr>
+                <a:srgbClr val="0070C0"/>
+              </a:buClr>
+              <a:buSzPct val="80000"/>
+              <a:buFont typeface="Wingdings" pitchFamily="2" charset="2"/>
+              <a:buChar char="u"/>
+            </a:pPr>
+            <a:r>
+              <a:rPr lang="en-US" altLang="zh-TW" sz="1600" dirty="0">
+                <a:solidFill>
+                  <a:schemeClr val="tx1"/>
+                </a:solidFill>
+              </a:rPr>
+              <a:t>int values [] = new int[4];  </a:t>
+            </a:r>
+          </a:p>
+          <a:p>
+            <a:pPr marL="342900" indent="-342900" algn="l">
+              <a:buClr>
+                <a:srgbClr val="0070C0"/>
+              </a:buClr>
+              <a:buSzPct val="80000"/>
+              <a:buFont typeface="Wingdings" pitchFamily="2" charset="2"/>
+              <a:buChar char="u"/>
+            </a:pPr>
+            <a:r>
+              <a:rPr lang="en-US" altLang="zh-TW" sz="1600" dirty="0">
+                <a:solidFill>
+                  <a:schemeClr val="tx1"/>
+                </a:solidFill>
+              </a:rPr>
+              <a:t>The size is fixed to 4. and data type is integer. We want the array is expandable.</a:t>
+            </a:r>
+          </a:p>
+          <a:p>
+            <a:pPr marL="342900" indent="-342900" algn="l">
+              <a:buClr>
+                <a:srgbClr val="0070C0"/>
+              </a:buClr>
+              <a:buSzPct val="80000"/>
+              <a:buFont typeface="Wingdings" pitchFamily="2" charset="2"/>
+              <a:buChar char="u"/>
+            </a:pPr>
+            <a:r>
+              <a:rPr lang="en-US" altLang="zh-TW" sz="1600" dirty="0">
+                <a:solidFill>
+                  <a:schemeClr val="tx1"/>
+                </a:solidFill>
+              </a:rPr>
+              <a:t>Another example:</a:t>
+            </a:r>
+          </a:p>
+          <a:p>
+            <a:pPr marL="800100" lvl="1" indent="-342900" algn="l">
+              <a:buClr>
+                <a:srgbClr val="0070C0"/>
+              </a:buClr>
+              <a:buSzPct val="80000"/>
+              <a:buFont typeface="Wingdings" pitchFamily="2" charset="2"/>
+              <a:buChar char="u"/>
+            </a:pPr>
+            <a:r>
+              <a:rPr lang="en-US" altLang="zh-TW" sz="1600" dirty="0">
+                <a:solidFill>
+                  <a:schemeClr val="tx1"/>
+                </a:solidFill>
+              </a:rPr>
+              <a:t>Object values1 [] = new Object[4];</a:t>
+            </a:r>
+          </a:p>
+          <a:p>
+            <a:pPr marL="800100" lvl="1" indent="-342900" algn="l">
+              <a:buClr>
+                <a:srgbClr val="0070C0"/>
+              </a:buClr>
+              <a:buSzPct val="80000"/>
+              <a:buFont typeface="Wingdings" pitchFamily="2" charset="2"/>
+              <a:buChar char="u"/>
+            </a:pPr>
+            <a:r>
+              <a:rPr lang="en-US" altLang="zh-TW" sz="1600" dirty="0">
+                <a:solidFill>
+                  <a:schemeClr val="tx1"/>
+                </a:solidFill>
+              </a:rPr>
+              <a:t>values1[0] = “Peter”;</a:t>
+            </a:r>
+          </a:p>
+          <a:p>
+            <a:pPr marL="800100" lvl="1" indent="-342900" algn="l">
+              <a:buClr>
+                <a:srgbClr val="0070C0"/>
+              </a:buClr>
+              <a:buSzPct val="80000"/>
+              <a:buFont typeface="Wingdings" pitchFamily="2" charset="2"/>
+              <a:buChar char="u"/>
+            </a:pPr>
+            <a:r>
+              <a:rPr lang="en-US" altLang="zh-TW" sz="1600" dirty="0">
+                <a:solidFill>
+                  <a:schemeClr val="tx1"/>
+                </a:solidFill>
+              </a:rPr>
+              <a:t>values1[1] = 7;</a:t>
+            </a:r>
+          </a:p>
+          <a:p>
+            <a:pPr marL="342900" indent="-342900" algn="l">
+              <a:buClr>
+                <a:srgbClr val="0070C0"/>
+              </a:buClr>
+              <a:buSzPct val="80000"/>
+              <a:buFont typeface="Wingdings" pitchFamily="2" charset="2"/>
+              <a:buChar char="u"/>
+            </a:pPr>
+            <a:r>
+              <a:rPr lang="en-US" altLang="zh-TW" sz="1600" dirty="0">
+                <a:solidFill>
+                  <a:schemeClr val="tx1"/>
+                </a:solidFill>
+              </a:rPr>
+              <a:t>The Object here can be any type.</a:t>
+            </a:r>
+          </a:p>
+          <a:p>
+            <a:pPr marL="342900" indent="-342900" algn="l">
+              <a:buClr>
+                <a:srgbClr val="0070C0"/>
+              </a:buClr>
+              <a:buSzPct val="80000"/>
+              <a:buFont typeface="Wingdings" pitchFamily="2" charset="2"/>
+              <a:buChar char="u"/>
+            </a:pPr>
+            <a:r>
+              <a:rPr lang="en-US" altLang="zh-TW" sz="1600" dirty="0">
+                <a:solidFill>
+                  <a:schemeClr val="tx1"/>
+                </a:solidFill>
+              </a:rPr>
+              <a:t>The Problem of two examples here are their array size is fixed. They can only hold 4 elements.</a:t>
+            </a:r>
+          </a:p>
+          <a:p>
+            <a:pPr marL="342900" indent="-342900" algn="l">
+              <a:buClr>
+                <a:srgbClr val="0070C0"/>
+              </a:buClr>
+              <a:buSzPct val="80000"/>
+              <a:buFont typeface="Wingdings" pitchFamily="2" charset="2"/>
+              <a:buChar char="u"/>
+            </a:pPr>
+            <a:r>
+              <a:rPr lang="en-US" altLang="zh-TW" sz="1600" dirty="0">
+                <a:solidFill>
+                  <a:schemeClr val="tx1"/>
+                </a:solidFill>
+              </a:rPr>
+              <a:t>What if we want to increase size of array. That is not possible. That is why we go something like collection. </a:t>
+            </a:r>
+          </a:p>
+        </p:txBody>
+      </p:sp>
+      <p:sp>
+        <p:nvSpPr>
+          <p:cNvPr id="4" name="標題 1"/>
+          <p:cNvSpPr txBox="1">
+            <a:spLocks/>
+          </p:cNvSpPr>
+          <p:nvPr/>
+        </p:nvSpPr>
+        <p:spPr>
+          <a:xfrm>
+            <a:off x="0" y="764704"/>
+            <a:ext cx="9144000" cy="360040"/>
+          </a:xfrm>
+          <a:prstGeom prst="rect">
+            <a:avLst/>
+          </a:prstGeom>
+          <a:gradFill flip="none" rotWithShape="1">
+            <a:gsLst>
+              <a:gs pos="0">
+                <a:srgbClr val="00B0F0">
+                  <a:shade val="30000"/>
+                  <a:satMod val="115000"/>
+                </a:srgbClr>
+              </a:gs>
+              <a:gs pos="50000">
+                <a:srgbClr val="00B0F0">
+                  <a:shade val="67500"/>
+                  <a:satMod val="115000"/>
+                </a:srgbClr>
+              </a:gs>
+              <a:gs pos="100000">
+                <a:srgbClr val="00B0F0">
+                  <a:shade val="100000"/>
+                  <a:satMod val="115000"/>
+                </a:srgbClr>
+              </a:gs>
+            </a:gsLst>
+            <a:path path="circle">
+              <a:fillToRect t="100000" r="100000"/>
+            </a:path>
+            <a:tileRect l="-100000" b="-100000"/>
+          </a:gradFill>
+        </p:spPr>
+        <p:txBody>
+          <a:bodyPr vert="horz" lIns="91440" tIns="45720" rIns="91440" bIns="45720" rtlCol="0" anchor="ctr">
+            <a:normAutofit fontScale="92500"/>
+          </a:bodyPr>
+          <a:lstStyle/>
+          <a:p>
+            <a:pPr lvl="0">
+              <a:spcBef>
+                <a:spcPct val="0"/>
+              </a:spcBef>
+            </a:pPr>
+            <a:r>
+              <a:rPr lang="en-US" altLang="zh-TW" sz="1600" dirty="0">
+                <a:latin typeface="+mj-lt"/>
+                <a:ea typeface="+mj-ea"/>
+                <a:cs typeface="+mj-cs"/>
+              </a:rPr>
+              <a:t>https://www.youtube.com/watch?v=HhrQqmp3hXI&amp;list=PLsyeobzWxl7oZ-fxDYkOToURHhMuWD1BK&amp;index=133</a:t>
+            </a:r>
+            <a:endParaRPr kumimoji="0" lang="zh-TW" altLang="en-US" sz="1600" b="0" i="0" u="none" strike="noStrike" kern="1200" cap="none" spc="0" normalizeH="0" baseline="0" noProof="0" dirty="0">
+              <a:ln>
+                <a:noFill/>
+              </a:ln>
+              <a:solidFill>
+                <a:schemeClr val="tx1"/>
+              </a:solidFill>
+              <a:effectLst/>
+              <a:uLnTx/>
+              <a:uFillTx/>
+              <a:latin typeface="+mj-lt"/>
+              <a:ea typeface="+mj-ea"/>
+              <a:cs typeface="+mj-cs"/>
+            </a:endParaRPr>
+          </a:p>
+        </p:txBody>
+      </p:sp>
+      <p:sp>
+        <p:nvSpPr>
+          <p:cNvPr id="5" name="日期版面配置區 4"/>
+          <p:cNvSpPr>
+            <a:spLocks noGrp="1"/>
+          </p:cNvSpPr>
+          <p:nvPr>
+            <p:ph type="dt" sz="half" idx="10"/>
+          </p:nvPr>
+        </p:nvSpPr>
+        <p:spPr/>
+        <p:txBody>
+          <a:bodyPr/>
+          <a:lstStyle/>
+          <a:p>
+            <a:fld id="{A4F910E6-8D00-4BAF-8C48-9688E0B449D3}" type="datetime1">
+              <a:rPr lang="zh-TW" altLang="en-US" smtClean="0"/>
+              <a:pPr/>
+              <a:t>2019/4/26</a:t>
+            </a:fld>
+            <a:endParaRPr lang="zh-TW" altLang="en-US"/>
+          </a:p>
+        </p:txBody>
+      </p:sp>
+      <p:sp>
+        <p:nvSpPr>
+          <p:cNvPr id="6" name="投影片編號版面配置區 5"/>
+          <p:cNvSpPr>
+            <a:spLocks noGrp="1"/>
+          </p:cNvSpPr>
+          <p:nvPr>
+            <p:ph type="sldNum" sz="quarter" idx="12"/>
+          </p:nvPr>
+        </p:nvSpPr>
+        <p:spPr/>
+        <p:txBody>
+          <a:bodyPr/>
+          <a:lstStyle/>
+          <a:p>
+            <a:fld id="{E4D7E63D-91F2-4366-A2C4-1B00C9E2590E}" type="slidenum">
+              <a:rPr lang="zh-TW" altLang="en-US" smtClean="0"/>
+              <a:pPr/>
+              <a:t>3</a:t>
+            </a:fld>
+            <a:endParaRPr lang="zh-TW" altLang="en-US"/>
+          </a:p>
+        </p:txBody>
+      </p:sp>
+    </p:spTree>
+    <p:extLst>
+      <p:ext uri="{BB962C8B-B14F-4D97-AF65-F5344CB8AC3E}">
+        <p14:creationId xmlns:p14="http://schemas.microsoft.com/office/powerpoint/2010/main" val="1874788531"/>
+      </p:ext>
+    </p:extLst>
+  </p:cSld>
+  <p:clrMapOvr>
+    <a:masterClrMapping/>
+  </p:clrMapOvr>
+</p:sld>
+</file>
+
+<file path=ppt/slides/slide4.xml><?xml version="1.0" encoding="utf-8"?>
+<p:sld xmlns:a="http://schemas.openxmlformats.org/drawingml/2006/main" xmlns:r="http://schemas.openxmlformats.org/officeDocument/2006/relationships" xmlns:p="http://schemas.openxmlformats.org/presentationml/2006/main">
+  <p:cSld>
+    <p:spTree>
+      <p:nvGrpSpPr>
+        <p:cNvPr id="1" name=""/>
+        <p:cNvGrpSpPr/>
+        <p:nvPr/>
+      </p:nvGrpSpPr>
+      <p:grpSpPr>
+        <a:xfrm>
+          <a:off x="0" y="0"/>
+          <a:ext cx="0" cy="0"/>
+          <a:chOff x="0" y="0"/>
+          <a:chExt cx="0" cy="0"/>
+        </a:xfrm>
+      </p:grpSpPr>
+      <p:sp>
+        <p:nvSpPr>
+          <p:cNvPr id="2" name="標題 1"/>
+          <p:cNvSpPr>
+            <a:spLocks noGrp="1"/>
+          </p:cNvSpPr>
+          <p:nvPr>
+            <p:ph type="ctrTitle"/>
+          </p:nvPr>
+        </p:nvSpPr>
+        <p:spPr>
+          <a:xfrm>
+            <a:off x="0" y="1"/>
+            <a:ext cx="9144000" cy="764704"/>
+          </a:xfrm>
+          <a:gradFill flip="none" rotWithShape="1">
+            <a:gsLst>
+              <a:gs pos="0">
+                <a:srgbClr val="C00000">
+                  <a:shade val="30000"/>
+                  <a:satMod val="115000"/>
+                </a:srgbClr>
+              </a:gs>
+              <a:gs pos="50000">
+                <a:srgbClr val="C00000">
+                  <a:shade val="67500"/>
+                  <a:satMod val="115000"/>
+                </a:srgbClr>
+              </a:gs>
+              <a:gs pos="100000">
+                <a:srgbClr val="C00000">
+                  <a:shade val="100000"/>
+                  <a:satMod val="115000"/>
+                </a:srgbClr>
+              </a:gs>
+            </a:gsLst>
+            <a:path path="circle">
+              <a:fillToRect t="100000" r="100000"/>
+            </a:path>
+            <a:tileRect l="-100000" b="-100000"/>
+          </a:gradFill>
+        </p:spPr>
+        <p:txBody>
+          <a:bodyPr>
+            <a:normAutofit/>
+          </a:bodyPr>
+          <a:lstStyle/>
+          <a:p>
+            <a:pPr algn="l"/>
+            <a:r>
+              <a:rPr lang="en-US" altLang="zh-TW" b="1" dirty="0">
+                <a:solidFill>
+                  <a:srgbClr val="FFFF00"/>
+                </a:solidFill>
+              </a:rPr>
+              <a:t>14.02 Collection and Generic Practical</a:t>
+            </a:r>
+            <a:endParaRPr lang="zh-TW" altLang="en-US" b="1" dirty="0">
+              <a:solidFill>
+                <a:srgbClr val="FFFF00"/>
+              </a:solidFill>
+            </a:endParaRPr>
+          </a:p>
+        </p:txBody>
+      </p:sp>
+      <p:sp>
+        <p:nvSpPr>
+          <p:cNvPr id="3" name="副標題 2"/>
+          <p:cNvSpPr>
+            <a:spLocks noGrp="1"/>
+          </p:cNvSpPr>
+          <p:nvPr>
+            <p:ph type="subTitle" idx="1"/>
+          </p:nvPr>
+        </p:nvSpPr>
+        <p:spPr>
+          <a:xfrm>
+            <a:off x="467544" y="1268759"/>
+            <a:ext cx="8352928" cy="1440161"/>
+          </a:xfrm>
+          <a:ln>
+            <a:solidFill>
+              <a:srgbClr val="C00000"/>
+            </a:solidFill>
+          </a:ln>
+        </p:spPr>
+        <p:txBody>
+          <a:bodyPr>
+            <a:noAutofit/>
+          </a:bodyPr>
+          <a:lstStyle/>
+          <a:p>
+            <a:pPr marL="342900" indent="-342900" algn="l">
+              <a:buClr>
+                <a:srgbClr val="0070C0"/>
+              </a:buClr>
+              <a:buSzPct val="80000"/>
+              <a:buFont typeface="Wingdings" pitchFamily="2" charset="2"/>
+              <a:buChar char="u"/>
+            </a:pPr>
+            <a:r>
+              <a:rPr lang="en-US" altLang="zh-TW" sz="1600" dirty="0">
+                <a:solidFill>
+                  <a:schemeClr val="tx1"/>
+                </a:solidFill>
+              </a:rPr>
+              <a:t>What is collection? Collection is the interface in Java. </a:t>
+            </a:r>
+          </a:p>
+          <a:p>
+            <a:pPr marL="342900" indent="-342900" algn="l">
+              <a:buClr>
+                <a:srgbClr val="0070C0"/>
+              </a:buClr>
+              <a:buSzPct val="80000"/>
+              <a:buFont typeface="Wingdings" pitchFamily="2" charset="2"/>
+              <a:buChar char="u"/>
+            </a:pPr>
+            <a:r>
+              <a:rPr lang="en-US" altLang="zh-TW" sz="1600" dirty="0">
+                <a:solidFill>
+                  <a:schemeClr val="tx1"/>
+                </a:solidFill>
+              </a:rPr>
+              <a:t>For example.</a:t>
+            </a:r>
+          </a:p>
+          <a:p>
+            <a:pPr marL="800100" lvl="1" indent="-342900" algn="l">
+              <a:buClr>
+                <a:srgbClr val="0070C0"/>
+              </a:buClr>
+              <a:buSzPct val="80000"/>
+              <a:buFont typeface="Wingdings" pitchFamily="2" charset="2"/>
+              <a:buChar char="u"/>
+            </a:pPr>
+            <a:r>
+              <a:rPr lang="en-US" altLang="zh-TW" sz="1600" dirty="0">
+                <a:solidFill>
+                  <a:schemeClr val="tx1"/>
+                </a:solidFill>
+              </a:rPr>
+              <a:t>Collection values = </a:t>
+            </a:r>
+          </a:p>
+          <a:p>
+            <a:pPr marL="342900" indent="-342900" algn="l">
+              <a:buClr>
+                <a:srgbClr val="0070C0"/>
+              </a:buClr>
+              <a:buSzPct val="80000"/>
+              <a:buFont typeface="Wingdings" pitchFamily="2" charset="2"/>
+              <a:buChar char="u"/>
+            </a:pPr>
+            <a:r>
+              <a:rPr lang="en-US" altLang="zh-TW" sz="1600" dirty="0">
+                <a:solidFill>
+                  <a:schemeClr val="tx1"/>
+                </a:solidFill>
+              </a:rPr>
+              <a:t>Search for “Lesson: Collection in Java”</a:t>
+            </a:r>
+          </a:p>
+          <a:p>
+            <a:pPr marL="342900" indent="-342900" algn="l">
+              <a:buClr>
+                <a:srgbClr val="0070C0"/>
+              </a:buClr>
+              <a:buSzPct val="80000"/>
+              <a:buFont typeface="Wingdings" pitchFamily="2" charset="2"/>
+              <a:buChar char="u"/>
+            </a:pPr>
+            <a:r>
+              <a:rPr lang="en-US" sz="1600" dirty="0">
+                <a:hlinkClick r:id="rId2"/>
+              </a:rPr>
+              <a:t>https://docs.oracle.com/javase/tutorial/collections/intro/index.html</a:t>
+            </a:r>
+            <a:endParaRPr lang="en-US" altLang="zh-TW" sz="1600" dirty="0">
+              <a:solidFill>
+                <a:schemeClr val="tx1"/>
+              </a:solidFill>
+            </a:endParaRPr>
+          </a:p>
+        </p:txBody>
+      </p:sp>
+      <p:sp>
+        <p:nvSpPr>
+          <p:cNvPr id="4" name="標題 1"/>
+          <p:cNvSpPr txBox="1">
+            <a:spLocks/>
+          </p:cNvSpPr>
+          <p:nvPr/>
+        </p:nvSpPr>
+        <p:spPr>
+          <a:xfrm>
+            <a:off x="0" y="764704"/>
+            <a:ext cx="9144000" cy="360040"/>
+          </a:xfrm>
+          <a:prstGeom prst="rect">
+            <a:avLst/>
+          </a:prstGeom>
+          <a:gradFill flip="none" rotWithShape="1">
+            <a:gsLst>
+              <a:gs pos="0">
+                <a:srgbClr val="00B0F0">
+                  <a:shade val="30000"/>
+                  <a:satMod val="115000"/>
+                </a:srgbClr>
+              </a:gs>
+              <a:gs pos="50000">
+                <a:srgbClr val="00B0F0">
+                  <a:shade val="67500"/>
+                  <a:satMod val="115000"/>
+                </a:srgbClr>
+              </a:gs>
+              <a:gs pos="100000">
+                <a:srgbClr val="00B0F0">
+                  <a:shade val="100000"/>
+                  <a:satMod val="115000"/>
+                </a:srgbClr>
+              </a:gs>
+            </a:gsLst>
+            <a:path path="circle">
+              <a:fillToRect t="100000" r="100000"/>
+            </a:path>
+            <a:tileRect l="-100000" b="-100000"/>
+          </a:gradFill>
+        </p:spPr>
+        <p:txBody>
+          <a:bodyPr vert="horz" lIns="91440" tIns="45720" rIns="91440" bIns="45720" rtlCol="0" anchor="ctr">
+            <a:normAutofit fontScale="92500"/>
+          </a:bodyPr>
+          <a:lstStyle/>
+          <a:p>
+            <a:pPr lvl="0">
+              <a:spcBef>
+                <a:spcPct val="0"/>
+              </a:spcBef>
+            </a:pPr>
+            <a:r>
+              <a:rPr lang="en-US" altLang="zh-TW" sz="1600" dirty="0">
+                <a:latin typeface="+mj-lt"/>
+                <a:ea typeface="+mj-ea"/>
+                <a:cs typeface="+mj-cs"/>
+              </a:rPr>
+              <a:t>https://www.youtube.com/watch?v=HhrQqmp3hXI&amp;list=PLsyeobzWxl7oZ-fxDYkOToURHhMuWD1BK&amp;index=133</a:t>
+            </a:r>
+            <a:endParaRPr kumimoji="0" lang="zh-TW" altLang="en-US" sz="1600" b="0" i="0" u="none" strike="noStrike" kern="1200" cap="none" spc="0" normalizeH="0" baseline="0" noProof="0" dirty="0">
+              <a:ln>
+                <a:noFill/>
+              </a:ln>
+              <a:solidFill>
+                <a:schemeClr val="tx1"/>
+              </a:solidFill>
+              <a:effectLst/>
+              <a:uLnTx/>
+              <a:uFillTx/>
+              <a:latin typeface="+mj-lt"/>
+              <a:ea typeface="+mj-ea"/>
+              <a:cs typeface="+mj-cs"/>
+            </a:endParaRPr>
+          </a:p>
+        </p:txBody>
+      </p:sp>
+      <p:sp>
+        <p:nvSpPr>
+          <p:cNvPr id="5" name="日期版面配置區 4"/>
+          <p:cNvSpPr>
+            <a:spLocks noGrp="1"/>
+          </p:cNvSpPr>
+          <p:nvPr>
+            <p:ph type="dt" sz="half" idx="10"/>
+          </p:nvPr>
+        </p:nvSpPr>
+        <p:spPr/>
+        <p:txBody>
+          <a:bodyPr/>
+          <a:lstStyle/>
+          <a:p>
+            <a:fld id="{A4F910E6-8D00-4BAF-8C48-9688E0B449D3}" type="datetime1">
+              <a:rPr lang="zh-TW" altLang="en-US" smtClean="0"/>
+              <a:pPr/>
+              <a:t>2019/4/26</a:t>
+            </a:fld>
+            <a:endParaRPr lang="zh-TW" altLang="en-US"/>
+          </a:p>
+        </p:txBody>
+      </p:sp>
+      <p:sp>
+        <p:nvSpPr>
+          <p:cNvPr id="6" name="投影片編號版面配置區 5"/>
+          <p:cNvSpPr>
+            <a:spLocks noGrp="1"/>
+          </p:cNvSpPr>
+          <p:nvPr>
+            <p:ph type="sldNum" sz="quarter" idx="12"/>
+          </p:nvPr>
+        </p:nvSpPr>
+        <p:spPr/>
+        <p:txBody>
+          <a:bodyPr/>
+          <a:lstStyle/>
+          <a:p>
+            <a:fld id="{E4D7E63D-91F2-4366-A2C4-1B00C9E2590E}" type="slidenum">
+              <a:rPr lang="zh-TW" altLang="en-US" smtClean="0"/>
+              <a:pPr/>
+              <a:t>4</a:t>
+            </a:fld>
+            <a:endParaRPr lang="zh-TW" altLang="en-US"/>
+          </a:p>
+        </p:txBody>
+      </p:sp>
+      <p:pic>
+        <p:nvPicPr>
+          <p:cNvPr id="7" name="Picture 6">
+            <a:extLst>
+              <a:ext uri="{FF2B5EF4-FFF2-40B4-BE49-F238E27FC236}">
+                <a16:creationId xmlns:a16="http://schemas.microsoft.com/office/drawing/2014/main" id="{997224B2-8F67-4106-89D0-3BD4D8F7387A}"/>
+              </a:ext>
+            </a:extLst>
+          </p:cNvPr>
+          <p:cNvPicPr>
+            <a:picLocks noChangeAspect="1"/>
+          </p:cNvPicPr>
+          <p:nvPr/>
+        </p:nvPicPr>
+        <p:blipFill>
+          <a:blip r:embed="rId3"/>
+          <a:stretch>
+            <a:fillRect/>
+          </a:stretch>
+        </p:blipFill>
+        <p:spPr>
+          <a:xfrm>
+            <a:off x="2051720" y="2910831"/>
+            <a:ext cx="4162425" cy="1238250"/>
+          </a:xfrm>
+          <a:prstGeom prst="rect">
+            <a:avLst/>
+          </a:prstGeom>
+          <a:ln>
+            <a:solidFill>
+              <a:srgbClr val="C00000"/>
+            </a:solidFill>
+          </a:ln>
+        </p:spPr>
+      </p:pic>
+    </p:spTree>
+    <p:extLst>
+      <p:ext uri="{BB962C8B-B14F-4D97-AF65-F5344CB8AC3E}">
+        <p14:creationId xmlns:p14="http://schemas.microsoft.com/office/powerpoint/2010/main" val="1078758920"/>
+      </p:ext>
+    </p:extLst>
+  </p:cSld>
+  <p:clrMapOvr>
+    <a:masterClrMapping/>
+  </p:clrMapOvr>
+</p:sld>
+</file>
+
+<file path=ppt/slides/slide5.xml><?xml version="1.0" encoding="utf-8"?>
+<p:sld xmlns:a="http://schemas.openxmlformats.org/drawingml/2006/main" xmlns:r="http://schemas.openxmlformats.org/officeDocument/2006/relationships" xmlns:p="http://schemas.openxmlformats.org/presentationml/2006/main">
+  <p:cSld>
+    <p:spTree>
+      <p:nvGrpSpPr>
+        <p:cNvPr id="1" name=""/>
+        <p:cNvGrpSpPr/>
+        <p:nvPr/>
+      </p:nvGrpSpPr>
+      <p:grpSpPr>
+        <a:xfrm>
+          <a:off x="0" y="0"/>
+          <a:ext cx="0" cy="0"/>
+          <a:chOff x="0" y="0"/>
+          <a:chExt cx="0" cy="0"/>
+        </a:xfrm>
+      </p:grpSpPr>
+      <p:sp>
+        <p:nvSpPr>
+          <p:cNvPr id="2" name="標題 1"/>
+          <p:cNvSpPr>
+            <a:spLocks noGrp="1"/>
+          </p:cNvSpPr>
+          <p:nvPr>
+            <p:ph type="ctrTitle"/>
+          </p:nvPr>
+        </p:nvSpPr>
+        <p:spPr>
+          <a:xfrm>
+            <a:off x="0" y="1"/>
+            <a:ext cx="9144000" cy="764704"/>
+          </a:xfrm>
+          <a:gradFill flip="none" rotWithShape="1">
+            <a:gsLst>
+              <a:gs pos="0">
+                <a:srgbClr val="C00000">
+                  <a:shade val="30000"/>
+                  <a:satMod val="115000"/>
+                </a:srgbClr>
+              </a:gs>
+              <a:gs pos="50000">
+                <a:srgbClr val="C00000">
+                  <a:shade val="67500"/>
+                  <a:satMod val="115000"/>
+                </a:srgbClr>
+              </a:gs>
+              <a:gs pos="100000">
+                <a:srgbClr val="C00000">
+                  <a:shade val="100000"/>
+                  <a:satMod val="115000"/>
+                </a:srgbClr>
+              </a:gs>
+            </a:gsLst>
+            <a:path path="circle">
+              <a:fillToRect t="100000" r="100000"/>
+            </a:path>
+            <a:tileRect l="-100000" b="-100000"/>
+          </a:gradFill>
+        </p:spPr>
+        <p:txBody>
+          <a:bodyPr>
+            <a:normAutofit/>
+          </a:bodyPr>
+          <a:lstStyle/>
+          <a:p>
+            <a:pPr algn="l"/>
+            <a:r>
+              <a:rPr lang="en-US" altLang="zh-TW" b="1" dirty="0">
+                <a:solidFill>
+                  <a:srgbClr val="FFFF00"/>
+                </a:solidFill>
+              </a:rPr>
+              <a:t>14.02 Collection and Generic Practical</a:t>
+            </a:r>
+            <a:endParaRPr lang="zh-TW" altLang="en-US" b="1" dirty="0">
+              <a:solidFill>
+                <a:srgbClr val="FFFF00"/>
+              </a:solidFill>
+            </a:endParaRPr>
+          </a:p>
+        </p:txBody>
+      </p:sp>
+      <p:sp>
+        <p:nvSpPr>
+          <p:cNvPr id="3" name="副標題 2"/>
+          <p:cNvSpPr>
+            <a:spLocks noGrp="1"/>
+          </p:cNvSpPr>
+          <p:nvPr>
+            <p:ph type="subTitle" idx="1"/>
+          </p:nvPr>
+        </p:nvSpPr>
+        <p:spPr>
+          <a:xfrm>
+            <a:off x="467544" y="1268760"/>
+            <a:ext cx="8352928" cy="416498"/>
+          </a:xfrm>
+          <a:ln>
+            <a:solidFill>
+              <a:srgbClr val="C00000"/>
+            </a:solidFill>
+          </a:ln>
+        </p:spPr>
+        <p:txBody>
+          <a:bodyPr>
+            <a:noAutofit/>
+          </a:bodyPr>
+          <a:lstStyle/>
+          <a:p>
+            <a:pPr marL="342900" indent="-342900" algn="l">
+              <a:buClr>
+                <a:srgbClr val="0070C0"/>
+              </a:buClr>
+              <a:buSzPct val="80000"/>
+              <a:buFont typeface="Wingdings" pitchFamily="2" charset="2"/>
+              <a:buChar char="u"/>
+            </a:pPr>
+            <a:r>
+              <a:rPr lang="en-US" altLang="zh-TW" sz="1600" dirty="0">
+                <a:solidFill>
+                  <a:schemeClr val="tx1"/>
+                </a:solidFill>
+              </a:rPr>
+              <a:t>Search for “Collection API in Java” images.</a:t>
+            </a:r>
+          </a:p>
+        </p:txBody>
+      </p:sp>
+      <p:sp>
+        <p:nvSpPr>
+          <p:cNvPr id="4" name="標題 1"/>
+          <p:cNvSpPr txBox="1">
+            <a:spLocks/>
+          </p:cNvSpPr>
+          <p:nvPr/>
+        </p:nvSpPr>
+        <p:spPr>
+          <a:xfrm>
+            <a:off x="0" y="764704"/>
+            <a:ext cx="9144000" cy="360040"/>
+          </a:xfrm>
+          <a:prstGeom prst="rect">
+            <a:avLst/>
+          </a:prstGeom>
+          <a:gradFill flip="none" rotWithShape="1">
+            <a:gsLst>
+              <a:gs pos="0">
+                <a:srgbClr val="00B0F0">
+                  <a:shade val="30000"/>
+                  <a:satMod val="115000"/>
+                </a:srgbClr>
+              </a:gs>
+              <a:gs pos="50000">
+                <a:srgbClr val="00B0F0">
+                  <a:shade val="67500"/>
+                  <a:satMod val="115000"/>
+                </a:srgbClr>
+              </a:gs>
+              <a:gs pos="100000">
+                <a:srgbClr val="00B0F0">
+                  <a:shade val="100000"/>
+                  <a:satMod val="115000"/>
+                </a:srgbClr>
+              </a:gs>
+            </a:gsLst>
+            <a:path path="circle">
+              <a:fillToRect t="100000" r="100000"/>
+            </a:path>
+            <a:tileRect l="-100000" b="-100000"/>
+          </a:gradFill>
+        </p:spPr>
+        <p:txBody>
+          <a:bodyPr vert="horz" lIns="91440" tIns="45720" rIns="91440" bIns="45720" rtlCol="0" anchor="ctr">
+            <a:normAutofit fontScale="92500"/>
+          </a:bodyPr>
+          <a:lstStyle/>
+          <a:p>
+            <a:pPr lvl="0">
+              <a:spcBef>
+                <a:spcPct val="0"/>
+              </a:spcBef>
+            </a:pPr>
+            <a:r>
+              <a:rPr lang="en-US" altLang="zh-TW" sz="1600" dirty="0">
+                <a:latin typeface="+mj-lt"/>
+                <a:ea typeface="+mj-ea"/>
+                <a:cs typeface="+mj-cs"/>
+              </a:rPr>
+              <a:t>https://www.youtube.com/watch?v=HhrQqmp3hXI&amp;list=PLsyeobzWxl7oZ-fxDYkOToURHhMuWD1BK&amp;index=133</a:t>
+            </a:r>
+            <a:endParaRPr kumimoji="0" lang="zh-TW" altLang="en-US" sz="1600" b="0" i="0" u="none" strike="noStrike" kern="1200" cap="none" spc="0" normalizeH="0" baseline="0" noProof="0" dirty="0">
+              <a:ln>
+                <a:noFill/>
+              </a:ln>
+              <a:solidFill>
+                <a:schemeClr val="tx1"/>
+              </a:solidFill>
+              <a:effectLst/>
+              <a:uLnTx/>
+              <a:uFillTx/>
+              <a:latin typeface="+mj-lt"/>
+              <a:ea typeface="+mj-ea"/>
+              <a:cs typeface="+mj-cs"/>
+            </a:endParaRPr>
+          </a:p>
+        </p:txBody>
+      </p:sp>
+      <p:sp>
+        <p:nvSpPr>
+          <p:cNvPr id="5" name="日期版面配置區 4"/>
+          <p:cNvSpPr>
+            <a:spLocks noGrp="1"/>
+          </p:cNvSpPr>
+          <p:nvPr>
+            <p:ph type="dt" sz="half" idx="10"/>
+          </p:nvPr>
+        </p:nvSpPr>
+        <p:spPr/>
+        <p:txBody>
+          <a:bodyPr/>
+          <a:lstStyle/>
+          <a:p>
+            <a:fld id="{A4F910E6-8D00-4BAF-8C48-9688E0B449D3}" type="datetime1">
+              <a:rPr lang="zh-TW" altLang="en-US" smtClean="0"/>
+              <a:pPr/>
+              <a:t>2019/4/26</a:t>
+            </a:fld>
+            <a:endParaRPr lang="zh-TW" altLang="en-US"/>
+          </a:p>
+        </p:txBody>
+      </p:sp>
+      <p:sp>
+        <p:nvSpPr>
+          <p:cNvPr id="6" name="投影片編號版面配置區 5"/>
+          <p:cNvSpPr>
+            <a:spLocks noGrp="1"/>
+          </p:cNvSpPr>
+          <p:nvPr>
+            <p:ph type="sldNum" sz="quarter" idx="12"/>
+          </p:nvPr>
+        </p:nvSpPr>
+        <p:spPr/>
+        <p:txBody>
+          <a:bodyPr/>
+          <a:lstStyle/>
+          <a:p>
+            <a:fld id="{E4D7E63D-91F2-4366-A2C4-1B00C9E2590E}" type="slidenum">
+              <a:rPr lang="zh-TW" altLang="en-US" smtClean="0"/>
+              <a:pPr/>
+              <a:t>5</a:t>
+            </a:fld>
+            <a:endParaRPr lang="zh-TW" altLang="en-US"/>
+          </a:p>
+        </p:txBody>
+      </p:sp>
+      <p:pic>
+        <p:nvPicPr>
+          <p:cNvPr id="8" name="Picture 7">
+            <a:extLst>
+              <a:ext uri="{FF2B5EF4-FFF2-40B4-BE49-F238E27FC236}">
+                <a16:creationId xmlns:a16="http://schemas.microsoft.com/office/drawing/2014/main" id="{6DCCE49F-B639-4E7D-8361-226B2B51E351}"/>
+              </a:ext>
+            </a:extLst>
+          </p:cNvPr>
+          <p:cNvPicPr>
+            <a:picLocks noChangeAspect="1"/>
+          </p:cNvPicPr>
+          <p:nvPr/>
+        </p:nvPicPr>
+        <p:blipFill>
+          <a:blip r:embed="rId2"/>
+          <a:stretch>
+            <a:fillRect/>
+          </a:stretch>
+        </p:blipFill>
+        <p:spPr>
+          <a:xfrm>
+            <a:off x="899592" y="1829274"/>
+            <a:ext cx="7199686" cy="3390502"/>
+          </a:xfrm>
+          <a:prstGeom prst="rect">
+            <a:avLst/>
+          </a:prstGeom>
+          <a:ln>
+            <a:solidFill>
+              <a:srgbClr val="C00000"/>
+            </a:solidFill>
+          </a:ln>
+        </p:spPr>
+      </p:pic>
+    </p:spTree>
+    <p:extLst>
+      <p:ext uri="{BB962C8B-B14F-4D97-AF65-F5344CB8AC3E}">
+        <p14:creationId xmlns:p14="http://schemas.microsoft.com/office/powerpoint/2010/main" val="3192221930"/>
+      </p:ext>
+    </p:extLst>
+  </p:cSld>
+  <p:clrMapOvr>
+    <a:masterClrMapping/>
+  </p:clrMapOvr>
+</p:sld>
+</file>
+
+<file path=ppt/slides/slide6.xml><?xml version="1.0" encoding="utf-8"?>
+<p:sld xmlns:a="http://schemas.openxmlformats.org/drawingml/2006/main" xmlns:r="http://schemas.openxmlformats.org/officeDocument/2006/relationships" xmlns:p="http://schemas.openxmlformats.org/presentationml/2006/main">
+  <p:cSld>
+    <p:spTree>
+      <p:nvGrpSpPr>
+        <p:cNvPr id="1" name=""/>
+        <p:cNvGrpSpPr/>
+        <p:nvPr/>
+      </p:nvGrpSpPr>
+      <p:grpSpPr>
+        <a:xfrm>
+          <a:off x="0" y="0"/>
+          <a:ext cx="0" cy="0"/>
+          <a:chOff x="0" y="0"/>
+          <a:chExt cx="0" cy="0"/>
+        </a:xfrm>
+      </p:grpSpPr>
+      <p:sp>
+        <p:nvSpPr>
+          <p:cNvPr id="2" name="標題 1"/>
+          <p:cNvSpPr>
+            <a:spLocks noGrp="1"/>
+          </p:cNvSpPr>
+          <p:nvPr>
+            <p:ph type="ctrTitle"/>
+          </p:nvPr>
+        </p:nvSpPr>
+        <p:spPr>
+          <a:xfrm>
+            <a:off x="0" y="1"/>
+            <a:ext cx="9144000" cy="764704"/>
+          </a:xfrm>
+          <a:gradFill flip="none" rotWithShape="1">
+            <a:gsLst>
+              <a:gs pos="0">
+                <a:srgbClr val="C00000">
+                  <a:shade val="30000"/>
+                  <a:satMod val="115000"/>
+                </a:srgbClr>
+              </a:gs>
+              <a:gs pos="50000">
+                <a:srgbClr val="C00000">
+                  <a:shade val="67500"/>
+                  <a:satMod val="115000"/>
+                </a:srgbClr>
+              </a:gs>
+              <a:gs pos="100000">
+                <a:srgbClr val="C00000">
+                  <a:shade val="100000"/>
+                  <a:satMod val="115000"/>
+                </a:srgbClr>
+              </a:gs>
+            </a:gsLst>
+            <a:path path="circle">
+              <a:fillToRect t="100000" r="100000"/>
+            </a:path>
+            <a:tileRect l="-100000" b="-100000"/>
+          </a:gradFill>
+        </p:spPr>
+        <p:txBody>
+          <a:bodyPr>
+            <a:normAutofit/>
+          </a:bodyPr>
+          <a:lstStyle/>
+          <a:p>
+            <a:pPr algn="l"/>
+            <a:r>
+              <a:rPr lang="en-US" altLang="zh-TW" b="1" dirty="0">
+                <a:solidFill>
+                  <a:srgbClr val="FFFF00"/>
+                </a:solidFill>
+              </a:rPr>
+              <a:t>14.02 Collection and Generic Practical</a:t>
+            </a:r>
+            <a:endParaRPr lang="zh-TW" altLang="en-US" b="1" dirty="0">
+              <a:solidFill>
+                <a:srgbClr val="FFFF00"/>
+              </a:solidFill>
+            </a:endParaRPr>
+          </a:p>
+        </p:txBody>
+      </p:sp>
+      <p:sp>
+        <p:nvSpPr>
+          <p:cNvPr id="3" name="副標題 2"/>
+          <p:cNvSpPr>
+            <a:spLocks noGrp="1"/>
+          </p:cNvSpPr>
+          <p:nvPr>
+            <p:ph type="subTitle" idx="1"/>
+          </p:nvPr>
+        </p:nvSpPr>
+        <p:spPr>
+          <a:xfrm>
+            <a:off x="467544" y="1268760"/>
+            <a:ext cx="8352928" cy="5256584"/>
+          </a:xfrm>
+          <a:ln>
+            <a:solidFill>
+              <a:srgbClr val="C00000"/>
+            </a:solidFill>
+          </a:ln>
+        </p:spPr>
+        <p:txBody>
+          <a:bodyPr>
+            <a:noAutofit/>
+          </a:bodyPr>
+          <a:lstStyle/>
+          <a:p>
+            <a:pPr marL="342900" indent="-342900" algn="l">
+              <a:buClr>
+                <a:srgbClr val="0070C0"/>
+              </a:buClr>
+              <a:buSzPct val="80000"/>
+              <a:buFont typeface="Wingdings" pitchFamily="2" charset="2"/>
+              <a:buChar char="u"/>
+            </a:pPr>
+            <a:r>
+              <a:rPr lang="en-US" altLang="zh-TW" sz="1600" dirty="0">
+                <a:solidFill>
+                  <a:schemeClr val="tx1"/>
+                </a:solidFill>
+              </a:rPr>
+              <a:t>In this example, we can have</a:t>
+            </a:r>
+          </a:p>
+          <a:p>
+            <a:pPr marL="800100" lvl="1" indent="-342900" algn="l">
+              <a:buClr>
+                <a:srgbClr val="0070C0"/>
+              </a:buClr>
+              <a:buSzPct val="80000"/>
+              <a:buFont typeface="Wingdings" pitchFamily="2" charset="2"/>
+              <a:buChar char="u"/>
+            </a:pPr>
+            <a:r>
+              <a:rPr lang="en-US" altLang="zh-TW" sz="1600" dirty="0">
+                <a:solidFill>
+                  <a:schemeClr val="tx1"/>
+                </a:solidFill>
+              </a:rPr>
+              <a:t>import </a:t>
+            </a:r>
+            <a:r>
+              <a:rPr lang="en-US" altLang="zh-TW" sz="1600" dirty="0" err="1">
+                <a:solidFill>
+                  <a:schemeClr val="tx1"/>
+                </a:solidFill>
+              </a:rPr>
+              <a:t>java.util.ArrayList</a:t>
+            </a:r>
+            <a:r>
+              <a:rPr lang="en-US" altLang="zh-TW" sz="1600" dirty="0">
+                <a:solidFill>
+                  <a:schemeClr val="tx1"/>
+                </a:solidFill>
+              </a:rPr>
+              <a:t>;</a:t>
+            </a:r>
+          </a:p>
+          <a:p>
+            <a:pPr marL="800100" lvl="1" indent="-342900" algn="l">
+              <a:buClr>
+                <a:srgbClr val="0070C0"/>
+              </a:buClr>
+              <a:buSzPct val="80000"/>
+              <a:buFont typeface="Wingdings" pitchFamily="2" charset="2"/>
+              <a:buChar char="u"/>
+            </a:pPr>
+            <a:r>
+              <a:rPr lang="en-US" altLang="zh-TW" sz="1600" dirty="0">
+                <a:solidFill>
+                  <a:schemeClr val="tx1"/>
+                </a:solidFill>
+              </a:rPr>
+              <a:t>import </a:t>
+            </a:r>
+            <a:r>
+              <a:rPr lang="en-US" altLang="zh-TW" sz="1600" dirty="0" err="1">
+                <a:solidFill>
+                  <a:schemeClr val="tx1"/>
+                </a:solidFill>
+              </a:rPr>
+              <a:t>java.util.Collection</a:t>
+            </a:r>
+            <a:r>
+              <a:rPr lang="en-US" altLang="zh-TW" sz="1600" dirty="0">
+                <a:solidFill>
+                  <a:schemeClr val="tx1"/>
+                </a:solidFill>
+              </a:rPr>
+              <a:t>;</a:t>
+            </a:r>
+          </a:p>
+          <a:p>
+            <a:pPr marL="800100" lvl="1" indent="-342900" algn="l">
+              <a:buClr>
+                <a:srgbClr val="0070C0"/>
+              </a:buClr>
+              <a:buSzPct val="80000"/>
+              <a:buFont typeface="Wingdings" pitchFamily="2" charset="2"/>
+              <a:buChar char="u"/>
+            </a:pPr>
+            <a:r>
+              <a:rPr lang="en-US" altLang="zh-TW" sz="1600" dirty="0">
+                <a:solidFill>
+                  <a:schemeClr val="tx1"/>
+                </a:solidFill>
+              </a:rPr>
+              <a:t>…</a:t>
+            </a:r>
+          </a:p>
+          <a:p>
+            <a:pPr marL="800100" lvl="1" indent="-342900" algn="l">
+              <a:buClr>
+                <a:srgbClr val="0070C0"/>
+              </a:buClr>
+              <a:buSzPct val="80000"/>
+              <a:buFont typeface="Wingdings" pitchFamily="2" charset="2"/>
+              <a:buChar char="u"/>
+            </a:pPr>
+            <a:r>
+              <a:rPr lang="en-US" altLang="zh-TW" sz="1600" dirty="0">
+                <a:solidFill>
+                  <a:schemeClr val="tx1"/>
+                </a:solidFill>
+              </a:rPr>
+              <a:t>Collection values = new ArrayList();</a:t>
+            </a:r>
+          </a:p>
+          <a:p>
+            <a:pPr marL="800100" lvl="1" indent="-342900" algn="l">
+              <a:buClr>
+                <a:srgbClr val="0070C0"/>
+              </a:buClr>
+              <a:buSzPct val="80000"/>
+              <a:buFont typeface="Wingdings" pitchFamily="2" charset="2"/>
+              <a:buChar char="u"/>
+            </a:pPr>
+            <a:r>
+              <a:rPr lang="en-US" altLang="zh-TW" sz="1600" dirty="0" err="1">
+                <a:solidFill>
+                  <a:schemeClr val="tx1"/>
+                </a:solidFill>
+              </a:rPr>
+              <a:t>values.add</a:t>
+            </a:r>
+            <a:r>
+              <a:rPr lang="en-US" altLang="zh-TW" sz="1600" dirty="0">
+                <a:solidFill>
+                  <a:schemeClr val="tx1"/>
+                </a:solidFill>
+              </a:rPr>
+              <a:t> (3);</a:t>
+            </a:r>
+          </a:p>
+          <a:p>
+            <a:pPr marL="800100" lvl="1" indent="-342900" algn="l">
+              <a:buClr>
+                <a:srgbClr val="0070C0"/>
+              </a:buClr>
+              <a:buSzPct val="80000"/>
+              <a:buFont typeface="Wingdings" pitchFamily="2" charset="2"/>
+              <a:buChar char="u"/>
+            </a:pPr>
+            <a:r>
+              <a:rPr lang="en-US" altLang="zh-TW" sz="1600" dirty="0" err="1">
+                <a:solidFill>
+                  <a:schemeClr val="tx1"/>
+                </a:solidFill>
+              </a:rPr>
+              <a:t>values.add</a:t>
+            </a:r>
+            <a:r>
+              <a:rPr lang="en-US" altLang="zh-TW" sz="1600" dirty="0">
+                <a:solidFill>
+                  <a:schemeClr val="tx1"/>
+                </a:solidFill>
+              </a:rPr>
+              <a:t>(“Peter”);</a:t>
+            </a:r>
+          </a:p>
+          <a:p>
+            <a:pPr marL="800100" lvl="1" indent="-342900" algn="l">
+              <a:buClr>
+                <a:srgbClr val="0070C0"/>
+              </a:buClr>
+              <a:buSzPct val="80000"/>
+              <a:buFont typeface="Wingdings" pitchFamily="2" charset="2"/>
+              <a:buChar char="u"/>
+            </a:pPr>
+            <a:r>
+              <a:rPr lang="en-US" altLang="zh-TW" sz="1600" dirty="0" err="1">
+                <a:solidFill>
+                  <a:schemeClr val="tx1"/>
+                </a:solidFill>
+              </a:rPr>
+              <a:t>values.add</a:t>
+            </a:r>
+            <a:r>
+              <a:rPr lang="en-US" altLang="zh-TW" sz="1600" dirty="0">
+                <a:solidFill>
+                  <a:schemeClr val="tx1"/>
+                </a:solidFill>
+              </a:rPr>
+              <a:t>(5.8f);</a:t>
+            </a:r>
+          </a:p>
+          <a:p>
+            <a:pPr marL="342900" indent="-342900" algn="l">
+              <a:buClr>
+                <a:srgbClr val="0070C0"/>
+              </a:buClr>
+              <a:buSzPct val="80000"/>
+              <a:buFont typeface="Wingdings" pitchFamily="2" charset="2"/>
+              <a:buChar char="u"/>
+            </a:pPr>
+            <a:r>
+              <a:rPr lang="en-US" altLang="zh-TW" sz="1600" dirty="0">
+                <a:solidFill>
+                  <a:schemeClr val="tx1"/>
+                </a:solidFill>
+              </a:rPr>
+              <a:t>We can add elements of any type.</a:t>
+            </a:r>
+          </a:p>
+          <a:p>
+            <a:pPr marL="342900" indent="-342900" algn="l">
+              <a:buClr>
+                <a:srgbClr val="0070C0"/>
+              </a:buClr>
+              <a:buSzPct val="80000"/>
+              <a:buFont typeface="Wingdings" pitchFamily="2" charset="2"/>
+              <a:buChar char="u"/>
+            </a:pPr>
+            <a:r>
+              <a:rPr lang="en-US" altLang="zh-TW" sz="1600" dirty="0">
+                <a:solidFill>
+                  <a:schemeClr val="tx1"/>
+                </a:solidFill>
+              </a:rPr>
+              <a:t>How to print the values?</a:t>
+            </a:r>
+          </a:p>
+          <a:p>
+            <a:pPr marL="342900" indent="-342900" algn="l">
+              <a:buClr>
+                <a:srgbClr val="0070C0"/>
+              </a:buClr>
+              <a:buSzPct val="80000"/>
+              <a:buFont typeface="Wingdings" pitchFamily="2" charset="2"/>
+              <a:buChar char="u"/>
+            </a:pPr>
+            <a:r>
+              <a:rPr lang="en-US" altLang="zh-TW" sz="1600" dirty="0">
+                <a:solidFill>
+                  <a:schemeClr val="tx1"/>
+                </a:solidFill>
+              </a:rPr>
+              <a:t>There are two ways to fetch the value. The first way is using an iterator. The second way is use enhanced for loop.</a:t>
+            </a:r>
+          </a:p>
+          <a:p>
+            <a:pPr marL="342900" indent="-342900" algn="l">
+              <a:buClr>
+                <a:srgbClr val="0070C0"/>
+              </a:buClr>
+              <a:buSzPct val="80000"/>
+              <a:buFont typeface="Wingdings" pitchFamily="2" charset="2"/>
+              <a:buChar char="u"/>
+            </a:pPr>
+            <a:r>
+              <a:rPr lang="en-US" altLang="zh-TW" sz="1600" dirty="0">
+                <a:solidFill>
+                  <a:schemeClr val="tx1"/>
+                </a:solidFill>
+              </a:rPr>
+              <a:t>Iterator is an interface:</a:t>
+            </a:r>
+          </a:p>
+          <a:p>
+            <a:pPr marL="800100" lvl="1" indent="-342900" algn="l">
+              <a:buClr>
+                <a:srgbClr val="0070C0"/>
+              </a:buClr>
+              <a:buSzPct val="80000"/>
+              <a:buFont typeface="Wingdings" pitchFamily="2" charset="2"/>
+              <a:buChar char="u"/>
+            </a:pPr>
+            <a:r>
+              <a:rPr lang="en-US" altLang="zh-TW" sz="1600" dirty="0">
+                <a:solidFill>
+                  <a:schemeClr val="tx1"/>
+                </a:solidFill>
+              </a:rPr>
+              <a:t>Iterator </a:t>
+            </a:r>
+            <a:r>
+              <a:rPr lang="en-US" altLang="zh-TW" sz="1600" dirty="0" err="1">
+                <a:solidFill>
+                  <a:schemeClr val="tx1"/>
+                </a:solidFill>
+              </a:rPr>
+              <a:t>i</a:t>
+            </a:r>
+            <a:r>
+              <a:rPr lang="en-US" altLang="zh-TW" sz="1600" dirty="0">
+                <a:solidFill>
+                  <a:schemeClr val="tx1"/>
+                </a:solidFill>
+              </a:rPr>
+              <a:t> = </a:t>
+            </a:r>
+            <a:r>
+              <a:rPr lang="en-US" altLang="zh-TW" sz="1600" dirty="0" err="1">
+                <a:solidFill>
+                  <a:schemeClr val="tx1"/>
+                </a:solidFill>
+              </a:rPr>
+              <a:t>values.iterator</a:t>
+            </a:r>
+            <a:r>
+              <a:rPr lang="en-US" altLang="zh-TW" sz="1600" dirty="0">
+                <a:solidFill>
+                  <a:schemeClr val="tx1"/>
+                </a:solidFill>
+              </a:rPr>
+              <a:t>(); // We go the iterator object here.</a:t>
+            </a:r>
+          </a:p>
+          <a:p>
+            <a:pPr marL="800100" lvl="1" indent="-342900" algn="l">
+              <a:buClr>
+                <a:srgbClr val="0070C0"/>
+              </a:buClr>
+              <a:buSzPct val="80000"/>
+              <a:buFont typeface="Wingdings" pitchFamily="2" charset="2"/>
+              <a:buChar char="u"/>
+            </a:pPr>
+            <a:r>
+              <a:rPr lang="en-US" altLang="zh-TW" sz="1600" dirty="0">
+                <a:solidFill>
+                  <a:schemeClr val="tx1"/>
+                </a:solidFill>
+              </a:rPr>
+              <a:t>// Once we got the object, we can use </a:t>
+            </a:r>
+            <a:r>
+              <a:rPr lang="en-US" altLang="zh-TW" sz="1600" dirty="0" err="1">
+                <a:solidFill>
+                  <a:schemeClr val="tx1"/>
+                </a:solidFill>
+              </a:rPr>
+              <a:t>i.next</a:t>
+            </a:r>
+            <a:r>
+              <a:rPr lang="en-US" altLang="zh-TW" sz="1600" dirty="0">
+                <a:solidFill>
+                  <a:schemeClr val="tx1"/>
+                </a:solidFill>
+              </a:rPr>
+              <a:t>() to loop through all the element.</a:t>
+            </a:r>
+          </a:p>
+          <a:p>
+            <a:pPr marL="800100" lvl="1" indent="-342900" algn="l">
+              <a:buClr>
+                <a:srgbClr val="0070C0"/>
+              </a:buClr>
+              <a:buSzPct val="80000"/>
+              <a:buFont typeface="Wingdings" pitchFamily="2" charset="2"/>
+              <a:buChar char="u"/>
+            </a:pPr>
+            <a:r>
+              <a:rPr lang="en-US" altLang="zh-TW" sz="1600" dirty="0" err="1">
+                <a:solidFill>
+                  <a:schemeClr val="tx1"/>
+                </a:solidFill>
+              </a:rPr>
+              <a:t>System.out.println</a:t>
+            </a:r>
+            <a:r>
+              <a:rPr lang="en-US" altLang="zh-TW" sz="1600" dirty="0">
+                <a:solidFill>
+                  <a:schemeClr val="tx1"/>
+                </a:solidFill>
+              </a:rPr>
+              <a:t> (</a:t>
+            </a:r>
+            <a:r>
+              <a:rPr lang="en-US" altLang="zh-TW" sz="1600" dirty="0" err="1">
+                <a:solidFill>
+                  <a:schemeClr val="tx1"/>
+                </a:solidFill>
+              </a:rPr>
+              <a:t>i.next</a:t>
+            </a:r>
+            <a:r>
+              <a:rPr lang="en-US" altLang="zh-TW" sz="1600" dirty="0">
+                <a:solidFill>
+                  <a:schemeClr val="tx1"/>
+                </a:solidFill>
+              </a:rPr>
+              <a:t>()); // print 3</a:t>
+            </a:r>
+          </a:p>
+          <a:p>
+            <a:pPr marL="800100" lvl="1" indent="-342900" algn="l">
+              <a:buClr>
+                <a:srgbClr val="0070C0"/>
+              </a:buClr>
+              <a:buSzPct val="80000"/>
+              <a:buFont typeface="Wingdings" pitchFamily="2" charset="2"/>
+              <a:buChar char="u"/>
+            </a:pPr>
+            <a:r>
+              <a:rPr lang="en-US" altLang="zh-TW" sz="1600" dirty="0" err="1">
+                <a:solidFill>
+                  <a:schemeClr val="tx1"/>
+                </a:solidFill>
+              </a:rPr>
+              <a:t>System.out.println</a:t>
+            </a:r>
+            <a:r>
+              <a:rPr lang="en-US" altLang="zh-TW" sz="1600" dirty="0">
+                <a:solidFill>
+                  <a:schemeClr val="tx1"/>
+                </a:solidFill>
+              </a:rPr>
+              <a:t> (</a:t>
+            </a:r>
+            <a:r>
+              <a:rPr lang="en-US" altLang="zh-TW" sz="1600" dirty="0" err="1">
+                <a:solidFill>
+                  <a:schemeClr val="tx1"/>
+                </a:solidFill>
+              </a:rPr>
+              <a:t>i.next</a:t>
+            </a:r>
+            <a:r>
+              <a:rPr lang="en-US" altLang="zh-TW" sz="1600" dirty="0">
+                <a:solidFill>
+                  <a:schemeClr val="tx1"/>
+                </a:solidFill>
+              </a:rPr>
+              <a:t>()); // print “Peter”</a:t>
+            </a:r>
+          </a:p>
+          <a:p>
+            <a:pPr marL="800100" lvl="1" indent="-342900" algn="l">
+              <a:buClr>
+                <a:srgbClr val="0070C0"/>
+              </a:buClr>
+              <a:buSzPct val="80000"/>
+              <a:buFont typeface="Wingdings" pitchFamily="2" charset="2"/>
+              <a:buChar char="u"/>
+            </a:pPr>
+            <a:r>
+              <a:rPr lang="en-US" altLang="zh-TW" sz="1600" dirty="0" err="1">
+                <a:solidFill>
+                  <a:schemeClr val="tx1"/>
+                </a:solidFill>
+              </a:rPr>
+              <a:t>System.out.println</a:t>
+            </a:r>
+            <a:r>
+              <a:rPr lang="en-US" altLang="zh-TW" sz="1600" dirty="0">
+                <a:solidFill>
+                  <a:schemeClr val="tx1"/>
+                </a:solidFill>
+              </a:rPr>
+              <a:t> (</a:t>
+            </a:r>
+            <a:r>
+              <a:rPr lang="en-US" altLang="zh-TW" sz="1600" dirty="0" err="1">
+                <a:solidFill>
+                  <a:schemeClr val="tx1"/>
+                </a:solidFill>
+              </a:rPr>
+              <a:t>i.next</a:t>
+            </a:r>
+            <a:r>
+              <a:rPr lang="en-US" altLang="zh-TW" sz="1600" dirty="0">
+                <a:solidFill>
+                  <a:schemeClr val="tx1"/>
+                </a:solidFill>
+              </a:rPr>
+              <a:t>()); // print 5.8</a:t>
+            </a:r>
+          </a:p>
+          <a:p>
+            <a:pPr marL="342900" indent="-342900" algn="l">
+              <a:buClr>
+                <a:srgbClr val="0070C0"/>
+              </a:buClr>
+              <a:buSzPct val="80000"/>
+              <a:buFont typeface="Wingdings" pitchFamily="2" charset="2"/>
+              <a:buChar char="u"/>
+            </a:pPr>
+            <a:endParaRPr lang="en-US" altLang="zh-TW" sz="1600" dirty="0">
+              <a:solidFill>
+                <a:schemeClr val="tx1"/>
+              </a:solidFill>
+            </a:endParaRPr>
+          </a:p>
+          <a:p>
+            <a:pPr marL="342900" indent="-342900" algn="l">
+              <a:buClr>
+                <a:srgbClr val="0070C0"/>
+              </a:buClr>
+              <a:buSzPct val="80000"/>
+              <a:buFont typeface="Wingdings" pitchFamily="2" charset="2"/>
+              <a:buChar char="u"/>
+            </a:pPr>
+            <a:endParaRPr lang="en-US" altLang="zh-TW" sz="1600" dirty="0">
+              <a:solidFill>
+                <a:schemeClr val="tx1"/>
+              </a:solidFill>
+            </a:endParaRPr>
+          </a:p>
+        </p:txBody>
+      </p:sp>
+      <p:sp>
+        <p:nvSpPr>
+          <p:cNvPr id="4" name="標題 1"/>
+          <p:cNvSpPr txBox="1">
+            <a:spLocks/>
+          </p:cNvSpPr>
+          <p:nvPr/>
+        </p:nvSpPr>
+        <p:spPr>
+          <a:xfrm>
+            <a:off x="0" y="764704"/>
+            <a:ext cx="9144000" cy="360040"/>
+          </a:xfrm>
+          <a:prstGeom prst="rect">
+            <a:avLst/>
+          </a:prstGeom>
+          <a:gradFill flip="none" rotWithShape="1">
+            <a:gsLst>
+              <a:gs pos="0">
+                <a:srgbClr val="00B0F0">
+                  <a:shade val="30000"/>
+                  <a:satMod val="115000"/>
+                </a:srgbClr>
+              </a:gs>
+              <a:gs pos="50000">
+                <a:srgbClr val="00B0F0">
+                  <a:shade val="67500"/>
+                  <a:satMod val="115000"/>
+                </a:srgbClr>
+              </a:gs>
+              <a:gs pos="100000">
+                <a:srgbClr val="00B0F0">
+                  <a:shade val="100000"/>
+                  <a:satMod val="115000"/>
+                </a:srgbClr>
+              </a:gs>
+            </a:gsLst>
+            <a:path path="circle">
+              <a:fillToRect t="100000" r="100000"/>
+            </a:path>
+            <a:tileRect l="-100000" b="-100000"/>
+          </a:gradFill>
+        </p:spPr>
+        <p:txBody>
+          <a:bodyPr vert="horz" lIns="91440" tIns="45720" rIns="91440" bIns="45720" rtlCol="0" anchor="ctr">
+            <a:normAutofit fontScale="92500"/>
+          </a:bodyPr>
+          <a:lstStyle/>
+          <a:p>
+            <a:pPr lvl="0">
+              <a:spcBef>
+                <a:spcPct val="0"/>
+              </a:spcBef>
+            </a:pPr>
+            <a:r>
+              <a:rPr lang="en-US" altLang="zh-TW" sz="1600" dirty="0">
+                <a:latin typeface="+mj-lt"/>
+                <a:ea typeface="+mj-ea"/>
+                <a:cs typeface="+mj-cs"/>
+              </a:rPr>
+              <a:t>https://www.youtube.com/watch?v=HhrQqmp3hXI&amp;list=PLsyeobzWxl7oZ-fxDYkOToURHhMuWD1BK&amp;index=133</a:t>
+            </a:r>
+            <a:endParaRPr kumimoji="0" lang="zh-TW" altLang="en-US" sz="1600" b="0" i="0" u="none" strike="noStrike" kern="1200" cap="none" spc="0" normalizeH="0" baseline="0" noProof="0" dirty="0">
+              <a:ln>
+                <a:noFill/>
+              </a:ln>
+              <a:solidFill>
+                <a:schemeClr val="tx1"/>
+              </a:solidFill>
+              <a:effectLst/>
+              <a:uLnTx/>
+              <a:uFillTx/>
+              <a:latin typeface="+mj-lt"/>
+              <a:ea typeface="+mj-ea"/>
+              <a:cs typeface="+mj-cs"/>
+            </a:endParaRPr>
+          </a:p>
+        </p:txBody>
+      </p:sp>
+      <p:sp>
+        <p:nvSpPr>
+          <p:cNvPr id="5" name="日期版面配置區 4"/>
+          <p:cNvSpPr>
+            <a:spLocks noGrp="1"/>
+          </p:cNvSpPr>
+          <p:nvPr>
+            <p:ph type="dt" sz="half" idx="10"/>
+          </p:nvPr>
+        </p:nvSpPr>
+        <p:spPr/>
+        <p:txBody>
+          <a:bodyPr/>
+          <a:lstStyle/>
+          <a:p>
+            <a:fld id="{A4F910E6-8D00-4BAF-8C48-9688E0B449D3}" type="datetime1">
+              <a:rPr lang="zh-TW" altLang="en-US" smtClean="0"/>
+              <a:pPr/>
+              <a:t>2019/4/26</a:t>
+            </a:fld>
+            <a:endParaRPr lang="zh-TW" altLang="en-US"/>
+          </a:p>
+        </p:txBody>
+      </p:sp>
+      <p:sp>
+        <p:nvSpPr>
+          <p:cNvPr id="6" name="投影片編號版面配置區 5"/>
+          <p:cNvSpPr>
+            <a:spLocks noGrp="1"/>
+          </p:cNvSpPr>
+          <p:nvPr>
+            <p:ph type="sldNum" sz="quarter" idx="12"/>
+          </p:nvPr>
+        </p:nvSpPr>
+        <p:spPr/>
+        <p:txBody>
+          <a:bodyPr/>
+          <a:lstStyle/>
+          <a:p>
+            <a:fld id="{E4D7E63D-91F2-4366-A2C4-1B00C9E2590E}" type="slidenum">
+              <a:rPr lang="zh-TW" altLang="en-US" smtClean="0"/>
+              <a:pPr/>
+              <a:t>6</a:t>
+            </a:fld>
+            <a:endParaRPr lang="zh-TW" altLang="en-US"/>
+          </a:p>
+        </p:txBody>
+      </p:sp>
+    </p:spTree>
+    <p:extLst>
+      <p:ext uri="{BB962C8B-B14F-4D97-AF65-F5344CB8AC3E}">
+        <p14:creationId xmlns:p14="http://schemas.microsoft.com/office/powerpoint/2010/main" val="145610925"/>
+      </p:ext>
+    </p:extLst>
+  </p:cSld>
+  <p:clrMapOvr>
+    <a:masterClrMapping/>
+  </p:clrMapOvr>
+</p:sld>
+</file>
+
+<file path=ppt/slides/slide7.xml><?xml version="1.0" encoding="utf-8"?>
+<p:sld xmlns:a="http://schemas.openxmlformats.org/drawingml/2006/main" xmlns:r="http://schemas.openxmlformats.org/officeDocument/2006/relationships" xmlns:p="http://schemas.openxmlformats.org/presentationml/2006/main">
+  <p:cSld>
+    <p:spTree>
+      <p:nvGrpSpPr>
+        <p:cNvPr id="1" name=""/>
+        <p:cNvGrpSpPr/>
+        <p:nvPr/>
+      </p:nvGrpSpPr>
+      <p:grpSpPr>
+        <a:xfrm>
+          <a:off x="0" y="0"/>
+          <a:ext cx="0" cy="0"/>
+          <a:chOff x="0" y="0"/>
+          <a:chExt cx="0" cy="0"/>
+        </a:xfrm>
+      </p:grpSpPr>
+      <p:sp>
+        <p:nvSpPr>
+          <p:cNvPr id="2" name="標題 1"/>
+          <p:cNvSpPr>
+            <a:spLocks noGrp="1"/>
+          </p:cNvSpPr>
+          <p:nvPr>
+            <p:ph type="ctrTitle"/>
+          </p:nvPr>
+        </p:nvSpPr>
+        <p:spPr>
+          <a:xfrm>
+            <a:off x="0" y="1"/>
+            <a:ext cx="9144000" cy="764704"/>
+          </a:xfrm>
+          <a:gradFill flip="none" rotWithShape="1">
+            <a:gsLst>
+              <a:gs pos="0">
+                <a:srgbClr val="C00000">
+                  <a:shade val="30000"/>
+                  <a:satMod val="115000"/>
+                </a:srgbClr>
+              </a:gs>
+              <a:gs pos="50000">
+                <a:srgbClr val="C00000">
+                  <a:shade val="67500"/>
+                  <a:satMod val="115000"/>
+                </a:srgbClr>
+              </a:gs>
+              <a:gs pos="100000">
+                <a:srgbClr val="C00000">
+                  <a:shade val="100000"/>
+                  <a:satMod val="115000"/>
+                </a:srgbClr>
+              </a:gs>
+            </a:gsLst>
+            <a:path path="circle">
+              <a:fillToRect t="100000" r="100000"/>
+            </a:path>
+            <a:tileRect l="-100000" b="-100000"/>
+          </a:gradFill>
+        </p:spPr>
+        <p:txBody>
+          <a:bodyPr>
+            <a:normAutofit/>
+          </a:bodyPr>
+          <a:lstStyle/>
+          <a:p>
+            <a:pPr algn="l"/>
+            <a:r>
+              <a:rPr lang="en-US" altLang="zh-TW" b="1" dirty="0">
+                <a:solidFill>
+                  <a:srgbClr val="FFFF00"/>
+                </a:solidFill>
+              </a:rPr>
+              <a:t>14.02 Collection and Generic Practical</a:t>
+            </a:r>
+            <a:endParaRPr lang="zh-TW" altLang="en-US" b="1" dirty="0">
+              <a:solidFill>
+                <a:srgbClr val="FFFF00"/>
+              </a:solidFill>
+            </a:endParaRPr>
+          </a:p>
+        </p:txBody>
+      </p:sp>
+      <p:sp>
+        <p:nvSpPr>
+          <p:cNvPr id="3" name="副標題 2"/>
+          <p:cNvSpPr>
+            <a:spLocks noGrp="1"/>
+          </p:cNvSpPr>
+          <p:nvPr>
+            <p:ph type="subTitle" idx="1"/>
+          </p:nvPr>
+        </p:nvSpPr>
+        <p:spPr>
+          <a:xfrm>
+            <a:off x="467544" y="1268760"/>
+            <a:ext cx="3744416" cy="2592288"/>
+          </a:xfrm>
+          <a:ln>
+            <a:solidFill>
+              <a:srgbClr val="C00000"/>
+            </a:solidFill>
+          </a:ln>
+        </p:spPr>
+        <p:txBody>
+          <a:bodyPr>
+            <a:noAutofit/>
+          </a:bodyPr>
+          <a:lstStyle/>
+          <a:p>
+            <a:pPr marL="342900" indent="-342900" algn="l">
+              <a:buClr>
+                <a:srgbClr val="0070C0"/>
+              </a:buClr>
+              <a:buSzPct val="80000"/>
+              <a:buFont typeface="Wingdings" pitchFamily="2" charset="2"/>
+              <a:buChar char="u"/>
+            </a:pPr>
+            <a:r>
+              <a:rPr lang="en-US" altLang="zh-TW" sz="1600" dirty="0">
+                <a:solidFill>
+                  <a:schemeClr val="tx1"/>
+                </a:solidFill>
+              </a:rPr>
+              <a:t>Can we use while loop.</a:t>
+            </a:r>
+          </a:p>
+          <a:p>
+            <a:pPr marL="342900" indent="-342900" algn="l">
+              <a:buClr>
+                <a:srgbClr val="0070C0"/>
+              </a:buClr>
+              <a:buSzPct val="80000"/>
+              <a:buFont typeface="Wingdings" pitchFamily="2" charset="2"/>
+              <a:buChar char="u"/>
+            </a:pPr>
+            <a:r>
+              <a:rPr lang="en-US" altLang="zh-TW" sz="1600" dirty="0">
+                <a:solidFill>
+                  <a:schemeClr val="tx1"/>
+                </a:solidFill>
+              </a:rPr>
+              <a:t>Collection values = new ArrayList();</a:t>
+            </a:r>
+          </a:p>
+          <a:p>
+            <a:pPr marL="342900" indent="-342900" algn="l">
+              <a:buClr>
+                <a:srgbClr val="0070C0"/>
+              </a:buClr>
+              <a:buSzPct val="80000"/>
+              <a:buFont typeface="Wingdings" pitchFamily="2" charset="2"/>
+              <a:buChar char="u"/>
+            </a:pPr>
+            <a:r>
+              <a:rPr lang="en-US" altLang="zh-TW" sz="1600" dirty="0" err="1">
+                <a:solidFill>
+                  <a:schemeClr val="tx1"/>
+                </a:solidFill>
+              </a:rPr>
+              <a:t>values.add</a:t>
+            </a:r>
+            <a:r>
+              <a:rPr lang="en-US" altLang="zh-TW" sz="1600" dirty="0">
+                <a:solidFill>
+                  <a:schemeClr val="tx1"/>
+                </a:solidFill>
+              </a:rPr>
+              <a:t> (3);</a:t>
+            </a:r>
+          </a:p>
+          <a:p>
+            <a:pPr marL="342900" indent="-342900" algn="l">
+              <a:buClr>
+                <a:srgbClr val="0070C0"/>
+              </a:buClr>
+              <a:buSzPct val="80000"/>
+              <a:buFont typeface="Wingdings" pitchFamily="2" charset="2"/>
+              <a:buChar char="u"/>
+            </a:pPr>
+            <a:r>
+              <a:rPr lang="en-US" altLang="zh-TW" sz="1600" dirty="0" err="1">
+                <a:solidFill>
+                  <a:schemeClr val="tx1"/>
+                </a:solidFill>
+              </a:rPr>
+              <a:t>values.add</a:t>
+            </a:r>
+            <a:r>
+              <a:rPr lang="en-US" altLang="zh-TW" sz="1600" dirty="0">
+                <a:solidFill>
+                  <a:schemeClr val="tx1"/>
+                </a:solidFill>
+              </a:rPr>
+              <a:t>(“Peter”);</a:t>
+            </a:r>
+          </a:p>
+          <a:p>
+            <a:pPr marL="342900" indent="-342900" algn="l">
+              <a:buClr>
+                <a:srgbClr val="0070C0"/>
+              </a:buClr>
+              <a:buSzPct val="80000"/>
+              <a:buFont typeface="Wingdings" pitchFamily="2" charset="2"/>
+              <a:buChar char="u"/>
+            </a:pPr>
+            <a:r>
+              <a:rPr lang="en-US" altLang="zh-TW" sz="1600" dirty="0" err="1">
+                <a:solidFill>
+                  <a:schemeClr val="tx1"/>
+                </a:solidFill>
+              </a:rPr>
+              <a:t>values.add</a:t>
+            </a:r>
+            <a:r>
+              <a:rPr lang="en-US" altLang="zh-TW" sz="1600" dirty="0">
+                <a:solidFill>
+                  <a:schemeClr val="tx1"/>
+                </a:solidFill>
+              </a:rPr>
+              <a:t>(5.8f);</a:t>
+            </a:r>
+          </a:p>
+          <a:p>
+            <a:pPr marL="342900" indent="-342900" algn="l">
+              <a:buClr>
+                <a:srgbClr val="0070C0"/>
+              </a:buClr>
+              <a:buSzPct val="80000"/>
+              <a:buFont typeface="Wingdings" pitchFamily="2" charset="2"/>
+              <a:buChar char="u"/>
+            </a:pPr>
+            <a:r>
+              <a:rPr lang="en-US" altLang="zh-TW" sz="1600" dirty="0">
+                <a:solidFill>
+                  <a:schemeClr val="tx1"/>
+                </a:solidFill>
+              </a:rPr>
+              <a:t>Iterator </a:t>
+            </a:r>
+            <a:r>
+              <a:rPr lang="en-US" altLang="zh-TW" sz="1600" dirty="0" err="1">
+                <a:solidFill>
+                  <a:schemeClr val="tx1"/>
+                </a:solidFill>
+              </a:rPr>
+              <a:t>i</a:t>
+            </a:r>
+            <a:r>
+              <a:rPr lang="en-US" altLang="zh-TW" sz="1600" dirty="0">
+                <a:solidFill>
+                  <a:schemeClr val="tx1"/>
+                </a:solidFill>
+              </a:rPr>
+              <a:t> = </a:t>
+            </a:r>
+            <a:r>
+              <a:rPr lang="en-US" altLang="zh-TW" sz="1600" dirty="0" err="1">
+                <a:solidFill>
+                  <a:schemeClr val="tx1"/>
+                </a:solidFill>
+              </a:rPr>
+              <a:t>values.Iterator</a:t>
+            </a:r>
+            <a:r>
+              <a:rPr lang="en-US" altLang="zh-TW" sz="1600" dirty="0">
+                <a:solidFill>
+                  <a:schemeClr val="tx1"/>
+                </a:solidFill>
+              </a:rPr>
+              <a:t> ()</a:t>
+            </a:r>
+          </a:p>
+          <a:p>
+            <a:pPr marL="342900" indent="-342900" algn="l">
+              <a:buClr>
+                <a:srgbClr val="0070C0"/>
+              </a:buClr>
+              <a:buSzPct val="80000"/>
+              <a:buFont typeface="Wingdings" pitchFamily="2" charset="2"/>
+              <a:buChar char="u"/>
+            </a:pPr>
+            <a:r>
+              <a:rPr lang="en-US" altLang="zh-TW" sz="1600" dirty="0">
+                <a:solidFill>
+                  <a:schemeClr val="tx1"/>
+                </a:solidFill>
+              </a:rPr>
+              <a:t>while (</a:t>
+            </a:r>
+            <a:r>
+              <a:rPr lang="en-US" altLang="zh-TW" sz="1600" dirty="0" err="1">
+                <a:solidFill>
+                  <a:schemeClr val="tx1"/>
+                </a:solidFill>
+              </a:rPr>
+              <a:t>i.hasNext</a:t>
+            </a:r>
+            <a:r>
+              <a:rPr lang="en-US" altLang="zh-TW" sz="1600" dirty="0">
+                <a:solidFill>
+                  <a:schemeClr val="tx1"/>
+                </a:solidFill>
+              </a:rPr>
+              <a:t>()) {</a:t>
+            </a:r>
+          </a:p>
+          <a:p>
+            <a:pPr marL="800100" lvl="1" indent="-342900" algn="l">
+              <a:buClr>
+                <a:srgbClr val="0070C0"/>
+              </a:buClr>
+              <a:buSzPct val="80000"/>
+              <a:buFont typeface="Wingdings" pitchFamily="2" charset="2"/>
+              <a:buChar char="u"/>
+            </a:pPr>
+            <a:r>
+              <a:rPr lang="en-US" altLang="zh-TW" sz="1600" dirty="0" err="1">
+                <a:solidFill>
+                  <a:schemeClr val="tx1"/>
+                </a:solidFill>
+              </a:rPr>
+              <a:t>System.out.println</a:t>
+            </a:r>
+            <a:r>
+              <a:rPr lang="en-US" altLang="zh-TW" sz="1600" dirty="0">
+                <a:solidFill>
+                  <a:schemeClr val="tx1"/>
+                </a:solidFill>
+              </a:rPr>
+              <a:t> (</a:t>
+            </a:r>
+            <a:r>
+              <a:rPr lang="en-US" altLang="zh-TW" sz="1600" dirty="0" err="1">
+                <a:solidFill>
+                  <a:schemeClr val="tx1"/>
+                </a:solidFill>
+              </a:rPr>
+              <a:t>i.next</a:t>
+            </a:r>
+            <a:r>
+              <a:rPr lang="en-US" altLang="zh-TW" sz="1600" dirty="0">
+                <a:solidFill>
+                  <a:schemeClr val="tx1"/>
+                </a:solidFill>
+              </a:rPr>
+              <a:t>());</a:t>
+            </a:r>
+          </a:p>
+          <a:p>
+            <a:pPr marL="342900" indent="-342900" algn="l">
+              <a:buClr>
+                <a:srgbClr val="0070C0"/>
+              </a:buClr>
+              <a:buSzPct val="80000"/>
+              <a:buFont typeface="Wingdings" pitchFamily="2" charset="2"/>
+              <a:buChar char="u"/>
+            </a:pPr>
+            <a:r>
+              <a:rPr lang="en-US" altLang="zh-TW" sz="1600" dirty="0">
+                <a:solidFill>
+                  <a:schemeClr val="tx1"/>
+                </a:solidFill>
+              </a:rPr>
+              <a:t>} </a:t>
+            </a:r>
+          </a:p>
+          <a:p>
+            <a:pPr marL="342900" indent="-342900" algn="l">
+              <a:buClr>
+                <a:srgbClr val="0070C0"/>
+              </a:buClr>
+              <a:buSzPct val="80000"/>
+              <a:buFont typeface="Wingdings" pitchFamily="2" charset="2"/>
+              <a:buChar char="u"/>
+            </a:pPr>
+            <a:endParaRPr lang="en-US" altLang="zh-TW" sz="1600" dirty="0">
+              <a:solidFill>
+                <a:schemeClr val="tx1"/>
+              </a:solidFill>
+            </a:endParaRPr>
+          </a:p>
+        </p:txBody>
+      </p:sp>
+      <p:sp>
+        <p:nvSpPr>
+          <p:cNvPr id="4" name="標題 1"/>
+          <p:cNvSpPr txBox="1">
+            <a:spLocks/>
+          </p:cNvSpPr>
+          <p:nvPr/>
+        </p:nvSpPr>
+        <p:spPr>
+          <a:xfrm>
+            <a:off x="0" y="764704"/>
+            <a:ext cx="9144000" cy="360040"/>
+          </a:xfrm>
+          <a:prstGeom prst="rect">
+            <a:avLst/>
+          </a:prstGeom>
+          <a:gradFill flip="none" rotWithShape="1">
+            <a:gsLst>
+              <a:gs pos="0">
+                <a:srgbClr val="00B0F0">
+                  <a:shade val="30000"/>
+                  <a:satMod val="115000"/>
+                </a:srgbClr>
+              </a:gs>
+              <a:gs pos="50000">
+                <a:srgbClr val="00B0F0">
+                  <a:shade val="67500"/>
+                  <a:satMod val="115000"/>
+                </a:srgbClr>
+              </a:gs>
+              <a:gs pos="100000">
+                <a:srgbClr val="00B0F0">
+                  <a:shade val="100000"/>
+                  <a:satMod val="115000"/>
+                </a:srgbClr>
+              </a:gs>
+            </a:gsLst>
+            <a:path path="circle">
+              <a:fillToRect t="100000" r="100000"/>
+            </a:path>
+            <a:tileRect l="-100000" b="-100000"/>
+          </a:gradFill>
+        </p:spPr>
+        <p:txBody>
+          <a:bodyPr vert="horz" lIns="91440" tIns="45720" rIns="91440" bIns="45720" rtlCol="0" anchor="ctr">
+            <a:normAutofit fontScale="92500"/>
+          </a:bodyPr>
+          <a:lstStyle/>
+          <a:p>
+            <a:pPr lvl="0">
+              <a:spcBef>
+                <a:spcPct val="0"/>
+              </a:spcBef>
+            </a:pPr>
+            <a:r>
+              <a:rPr lang="en-US" altLang="zh-TW" sz="1600" dirty="0">
+                <a:latin typeface="+mj-lt"/>
+                <a:ea typeface="+mj-ea"/>
+                <a:cs typeface="+mj-cs"/>
+              </a:rPr>
+              <a:t>https://www.youtube.com/watch?v=HhrQqmp3hXI&amp;list=PLsyeobzWxl7oZ-fxDYkOToURHhMuWD1BK&amp;index=133</a:t>
+            </a:r>
+            <a:endParaRPr kumimoji="0" lang="zh-TW" altLang="en-US" sz="1600" b="0" i="0" u="none" strike="noStrike" kern="1200" cap="none" spc="0" normalizeH="0" baseline="0" noProof="0" dirty="0">
+              <a:ln>
+                <a:noFill/>
+              </a:ln>
+              <a:solidFill>
+                <a:schemeClr val="tx1"/>
+              </a:solidFill>
+              <a:effectLst/>
+              <a:uLnTx/>
+              <a:uFillTx/>
+              <a:latin typeface="+mj-lt"/>
+              <a:ea typeface="+mj-ea"/>
+              <a:cs typeface="+mj-cs"/>
+            </a:endParaRPr>
+          </a:p>
+        </p:txBody>
+      </p:sp>
+      <p:sp>
+        <p:nvSpPr>
+          <p:cNvPr id="5" name="日期版面配置區 4"/>
+          <p:cNvSpPr>
+            <a:spLocks noGrp="1"/>
+          </p:cNvSpPr>
+          <p:nvPr>
+            <p:ph type="dt" sz="half" idx="10"/>
+          </p:nvPr>
+        </p:nvSpPr>
+        <p:spPr/>
+        <p:txBody>
+          <a:bodyPr/>
+          <a:lstStyle/>
+          <a:p>
+            <a:fld id="{A4F910E6-8D00-4BAF-8C48-9688E0B449D3}" type="datetime1">
+              <a:rPr lang="zh-TW" altLang="en-US" smtClean="0"/>
+              <a:pPr/>
+              <a:t>2019/4/26</a:t>
+            </a:fld>
+            <a:endParaRPr lang="zh-TW" altLang="en-US"/>
+          </a:p>
+        </p:txBody>
+      </p:sp>
+      <p:sp>
+        <p:nvSpPr>
+          <p:cNvPr id="6" name="投影片編號版面配置區 5"/>
+          <p:cNvSpPr>
+            <a:spLocks noGrp="1"/>
+          </p:cNvSpPr>
+          <p:nvPr>
+            <p:ph type="sldNum" sz="quarter" idx="12"/>
+          </p:nvPr>
+        </p:nvSpPr>
+        <p:spPr/>
+        <p:txBody>
+          <a:bodyPr/>
+          <a:lstStyle/>
+          <a:p>
+            <a:fld id="{E4D7E63D-91F2-4366-A2C4-1B00C9E2590E}" type="slidenum">
+              <a:rPr lang="zh-TW" altLang="en-US" smtClean="0"/>
+              <a:pPr/>
+              <a:t>7</a:t>
+            </a:fld>
+            <a:endParaRPr lang="zh-TW" altLang="en-US"/>
+          </a:p>
+        </p:txBody>
+      </p:sp>
+      <p:sp>
+        <p:nvSpPr>
+          <p:cNvPr id="7" name="副標題 2">
+            <a:extLst>
+              <a:ext uri="{FF2B5EF4-FFF2-40B4-BE49-F238E27FC236}">
+                <a16:creationId xmlns:a16="http://schemas.microsoft.com/office/drawing/2014/main" id="{0F5B2737-87E5-4846-B0EA-9858E0E33072}"/>
+              </a:ext>
+            </a:extLst>
+          </p:cNvPr>
+          <p:cNvSpPr txBox="1">
+            <a:spLocks/>
+          </p:cNvSpPr>
+          <p:nvPr/>
+        </p:nvSpPr>
+        <p:spPr>
+          <a:xfrm>
+            <a:off x="4631060" y="1364283"/>
+            <a:ext cx="3649216" cy="2376264"/>
+          </a:xfrm>
+          <a:prstGeom prst="rect">
+            <a:avLst/>
+          </a:prstGeom>
+          <a:ln>
+            <a:solidFill>
+              <a:srgbClr val="C00000"/>
+            </a:solidFill>
+          </a:ln>
+        </p:spPr>
+        <p:txBody>
+          <a:bodyPr vert="horz" lIns="91440" tIns="45720" rIns="91440" bIns="45720" rtlCol="0">
+            <a:noAutofit/>
+          </a:bodyPr>
+          <a:lstStyle>
+            <a:lvl1pPr marL="0" indent="0" algn="ctr" defTabSz="914400" rtl="0" eaLnBrk="1" latinLnBrk="0" hangingPunct="1">
+              <a:spcBef>
+                <a:spcPct val="20000"/>
+              </a:spcBef>
+              <a:buFont typeface="Arial" pitchFamily="34" charset="0"/>
+              <a:buNone/>
+              <a:defRPr sz="3200" kern="1200">
+                <a:solidFill>
+                  <a:schemeClr val="tx1">
+                    <a:tint val="75000"/>
+                  </a:schemeClr>
+                </a:solidFill>
+                <a:latin typeface="+mn-lt"/>
+                <a:ea typeface="+mn-ea"/>
+                <a:cs typeface="+mn-cs"/>
+              </a:defRPr>
+            </a:lvl1pPr>
+            <a:lvl2pPr marL="457200" indent="0" algn="ctr" defTabSz="914400" rtl="0" eaLnBrk="1" latinLnBrk="0" hangingPunct="1">
+              <a:spcBef>
+                <a:spcPct val="20000"/>
+              </a:spcBef>
+              <a:buFont typeface="Arial" pitchFamily="34" charset="0"/>
+              <a:buNone/>
+              <a:defRPr sz="2800" kern="1200">
+                <a:solidFill>
+                  <a:schemeClr val="tx1">
+                    <a:tint val="75000"/>
+                  </a:schemeClr>
+                </a:solidFill>
+                <a:latin typeface="+mn-lt"/>
+                <a:ea typeface="+mn-ea"/>
+                <a:cs typeface="+mn-cs"/>
+              </a:defRPr>
+            </a:lvl2pPr>
+            <a:lvl3pPr marL="914400" indent="0" algn="ctr" defTabSz="914400" rtl="0" eaLnBrk="1" latinLnBrk="0" hangingPunct="1">
+              <a:spcBef>
+                <a:spcPct val="20000"/>
+              </a:spcBef>
+              <a:buFont typeface="Arial" pitchFamily="34" charset="0"/>
+              <a:buNone/>
+              <a:defRPr sz="2400" kern="1200">
+                <a:solidFill>
+                  <a:schemeClr val="tx1">
+                    <a:tint val="75000"/>
+                  </a:schemeClr>
+                </a:solidFill>
+                <a:latin typeface="+mn-lt"/>
+                <a:ea typeface="+mn-ea"/>
+                <a:cs typeface="+mn-cs"/>
+              </a:defRPr>
+            </a:lvl3pPr>
+            <a:lvl4pPr marL="1371600" indent="0" algn="ctr" defTabSz="914400" rtl="0" eaLnBrk="1" latinLnBrk="0" hangingPunct="1">
+              <a:spcBef>
+                <a:spcPct val="20000"/>
+              </a:spcBef>
+              <a:buFont typeface="Arial" pitchFamily="34" charset="0"/>
+              <a:buNone/>
+              <a:defRPr sz="2000" kern="1200">
+                <a:solidFill>
+                  <a:schemeClr val="tx1">
+                    <a:tint val="75000"/>
+                  </a:schemeClr>
+                </a:solidFill>
+                <a:latin typeface="+mn-lt"/>
+                <a:ea typeface="+mn-ea"/>
+                <a:cs typeface="+mn-cs"/>
+              </a:defRPr>
+            </a:lvl4pPr>
+            <a:lvl5pPr marL="1828800" indent="0" algn="ctr" defTabSz="914400" rtl="0" eaLnBrk="1" latinLnBrk="0" hangingPunct="1">
+              <a:spcBef>
+                <a:spcPct val="20000"/>
+              </a:spcBef>
+              <a:buFont typeface="Arial" pitchFamily="34" charset="0"/>
+              <a:buNone/>
+              <a:defRPr sz="2000" kern="1200">
+                <a:solidFill>
+                  <a:schemeClr val="tx1">
+                    <a:tint val="75000"/>
+                  </a:schemeClr>
+                </a:solidFill>
+                <a:latin typeface="+mn-lt"/>
+                <a:ea typeface="+mn-ea"/>
+                <a:cs typeface="+mn-cs"/>
+              </a:defRPr>
+            </a:lvl5pPr>
+            <a:lvl6pPr marL="2286000" indent="0" algn="ctr" defTabSz="914400" rtl="0" eaLnBrk="1" latinLnBrk="0" hangingPunct="1">
+              <a:spcBef>
+                <a:spcPct val="20000"/>
+              </a:spcBef>
+              <a:buFont typeface="Arial" pitchFamily="34" charset="0"/>
+              <a:buNone/>
+              <a:defRPr sz="2000" kern="1200">
+                <a:solidFill>
+                  <a:schemeClr val="tx1">
+                    <a:tint val="75000"/>
+                  </a:schemeClr>
+                </a:solidFill>
+                <a:latin typeface="+mn-lt"/>
+                <a:ea typeface="+mn-ea"/>
+                <a:cs typeface="+mn-cs"/>
+              </a:defRPr>
+            </a:lvl6pPr>
+            <a:lvl7pPr marL="2743200" indent="0" algn="ctr" defTabSz="914400" rtl="0" eaLnBrk="1" latinLnBrk="0" hangingPunct="1">
+              <a:spcBef>
+                <a:spcPct val="20000"/>
+              </a:spcBef>
+              <a:buFont typeface="Arial" pitchFamily="34" charset="0"/>
+              <a:buNone/>
+              <a:defRPr sz="2000" kern="1200">
+                <a:solidFill>
+                  <a:schemeClr val="tx1">
+                    <a:tint val="75000"/>
+                  </a:schemeClr>
+                </a:solidFill>
+                <a:latin typeface="+mn-lt"/>
+                <a:ea typeface="+mn-ea"/>
+                <a:cs typeface="+mn-cs"/>
+              </a:defRPr>
+            </a:lvl7pPr>
+            <a:lvl8pPr marL="3200400" indent="0" algn="ctr" defTabSz="914400" rtl="0" eaLnBrk="1" latinLnBrk="0" hangingPunct="1">
+              <a:spcBef>
+                <a:spcPct val="20000"/>
+              </a:spcBef>
+              <a:buFont typeface="Arial" pitchFamily="34" charset="0"/>
+              <a:buNone/>
+              <a:defRPr sz="2000" kern="1200">
+                <a:solidFill>
+                  <a:schemeClr val="tx1">
+                    <a:tint val="75000"/>
+                  </a:schemeClr>
+                </a:solidFill>
+                <a:latin typeface="+mn-lt"/>
+                <a:ea typeface="+mn-ea"/>
+                <a:cs typeface="+mn-cs"/>
+              </a:defRPr>
+            </a:lvl8pPr>
+            <a:lvl9pPr marL="3657600" indent="0" algn="ctr" defTabSz="914400" rtl="0" eaLnBrk="1" latinLnBrk="0" hangingPunct="1">
+              <a:spcBef>
+                <a:spcPct val="20000"/>
+              </a:spcBef>
+              <a:buFont typeface="Arial" pitchFamily="34" charset="0"/>
+              <a:buNone/>
+              <a:defRPr sz="2000" kern="1200">
+                <a:solidFill>
+                  <a:schemeClr val="tx1">
+                    <a:tint val="75000"/>
+                  </a:schemeClr>
+                </a:solidFill>
+                <a:latin typeface="+mn-lt"/>
+                <a:ea typeface="+mn-ea"/>
+                <a:cs typeface="+mn-cs"/>
+              </a:defRPr>
+            </a:lvl9pPr>
+          </a:lstStyle>
+          <a:p>
+            <a:pPr marL="342900" indent="-342900" algn="l">
+              <a:buClr>
+                <a:srgbClr val="0070C0"/>
+              </a:buClr>
+              <a:buSzPct val="80000"/>
+              <a:buFont typeface="Wingdings" pitchFamily="2" charset="2"/>
+              <a:buChar char="u"/>
+            </a:pPr>
+            <a:r>
+              <a:rPr lang="en-US" altLang="zh-TW" sz="1600" dirty="0">
+                <a:solidFill>
+                  <a:schemeClr val="tx1"/>
+                </a:solidFill>
+              </a:rPr>
+              <a:t>We can use enhanced for loop here.</a:t>
+            </a:r>
+          </a:p>
+          <a:p>
+            <a:pPr marL="342900" indent="-342900" algn="l">
+              <a:buClr>
+                <a:srgbClr val="0070C0"/>
+              </a:buClr>
+              <a:buSzPct val="80000"/>
+              <a:buFont typeface="Wingdings" pitchFamily="2" charset="2"/>
+              <a:buChar char="u"/>
+            </a:pPr>
+            <a:r>
+              <a:rPr lang="en-US" altLang="zh-TW" sz="1600" dirty="0">
+                <a:solidFill>
+                  <a:schemeClr val="tx1"/>
+                </a:solidFill>
+              </a:rPr>
+              <a:t>Collection values = new ArrayList();</a:t>
+            </a:r>
+          </a:p>
+          <a:p>
+            <a:pPr marL="342900" indent="-342900" algn="l">
+              <a:buClr>
+                <a:srgbClr val="0070C0"/>
+              </a:buClr>
+              <a:buSzPct val="80000"/>
+              <a:buFont typeface="Wingdings" pitchFamily="2" charset="2"/>
+              <a:buChar char="u"/>
+            </a:pPr>
+            <a:r>
+              <a:rPr lang="en-US" altLang="zh-TW" sz="1600" dirty="0" err="1">
+                <a:solidFill>
+                  <a:schemeClr val="tx1"/>
+                </a:solidFill>
+              </a:rPr>
+              <a:t>values.add</a:t>
+            </a:r>
+            <a:r>
+              <a:rPr lang="en-US" altLang="zh-TW" sz="1600" dirty="0">
+                <a:solidFill>
+                  <a:schemeClr val="tx1"/>
+                </a:solidFill>
+              </a:rPr>
+              <a:t> (3);</a:t>
+            </a:r>
+          </a:p>
+          <a:p>
+            <a:pPr marL="342900" indent="-342900" algn="l">
+              <a:buClr>
+                <a:srgbClr val="0070C0"/>
+              </a:buClr>
+              <a:buSzPct val="80000"/>
+              <a:buFont typeface="Wingdings" pitchFamily="2" charset="2"/>
+              <a:buChar char="u"/>
+            </a:pPr>
+            <a:r>
+              <a:rPr lang="en-US" altLang="zh-TW" sz="1600" dirty="0" err="1">
+                <a:solidFill>
+                  <a:schemeClr val="tx1"/>
+                </a:solidFill>
+              </a:rPr>
+              <a:t>values.add</a:t>
+            </a:r>
+            <a:r>
+              <a:rPr lang="en-US" altLang="zh-TW" sz="1600" dirty="0">
+                <a:solidFill>
+                  <a:schemeClr val="tx1"/>
+                </a:solidFill>
+              </a:rPr>
+              <a:t>(“Peter”);</a:t>
+            </a:r>
+          </a:p>
+          <a:p>
+            <a:pPr marL="342900" indent="-342900" algn="l">
+              <a:buClr>
+                <a:srgbClr val="0070C0"/>
+              </a:buClr>
+              <a:buSzPct val="80000"/>
+              <a:buFont typeface="Wingdings" pitchFamily="2" charset="2"/>
+              <a:buChar char="u"/>
+            </a:pPr>
+            <a:r>
+              <a:rPr lang="en-US" altLang="zh-TW" sz="1600" dirty="0" err="1">
+                <a:solidFill>
+                  <a:schemeClr val="tx1"/>
+                </a:solidFill>
+              </a:rPr>
+              <a:t>values.add</a:t>
+            </a:r>
+            <a:r>
+              <a:rPr lang="en-US" altLang="zh-TW" sz="1600" dirty="0">
+                <a:solidFill>
+                  <a:schemeClr val="tx1"/>
+                </a:solidFill>
+              </a:rPr>
+              <a:t>(5.8f);</a:t>
+            </a:r>
+          </a:p>
+          <a:p>
+            <a:pPr marL="342900" indent="-342900" algn="l">
+              <a:buClr>
+                <a:srgbClr val="0070C0"/>
+              </a:buClr>
+              <a:buSzPct val="80000"/>
+              <a:buFont typeface="Wingdings" pitchFamily="2" charset="2"/>
+              <a:buChar char="u"/>
+            </a:pPr>
+            <a:r>
+              <a:rPr lang="en-US" altLang="zh-TW" sz="1600" dirty="0">
+                <a:solidFill>
+                  <a:schemeClr val="tx1"/>
+                </a:solidFill>
+              </a:rPr>
+              <a:t>for (Object </a:t>
+            </a:r>
+            <a:r>
+              <a:rPr lang="en-US" altLang="zh-TW" sz="1600" dirty="0" err="1">
+                <a:solidFill>
+                  <a:schemeClr val="tx1"/>
+                </a:solidFill>
+              </a:rPr>
+              <a:t>i</a:t>
+            </a:r>
+            <a:r>
+              <a:rPr lang="en-US" altLang="zh-TW" sz="1600" dirty="0">
+                <a:solidFill>
+                  <a:schemeClr val="tx1"/>
+                </a:solidFill>
+              </a:rPr>
+              <a:t> : values) {</a:t>
+            </a:r>
+          </a:p>
+          <a:p>
+            <a:pPr marL="800100" lvl="1" indent="-342900" algn="l">
+              <a:buClr>
+                <a:srgbClr val="0070C0"/>
+              </a:buClr>
+              <a:buSzPct val="80000"/>
+              <a:buFont typeface="Wingdings" pitchFamily="2" charset="2"/>
+              <a:buChar char="u"/>
+            </a:pPr>
+            <a:r>
+              <a:rPr lang="en-US" altLang="zh-TW" sz="1600" dirty="0" err="1">
+                <a:solidFill>
+                  <a:schemeClr val="tx1"/>
+                </a:solidFill>
+              </a:rPr>
+              <a:t>System.out.println</a:t>
+            </a:r>
+            <a:r>
+              <a:rPr lang="en-US" altLang="zh-TW" sz="1600" dirty="0">
+                <a:solidFill>
+                  <a:schemeClr val="tx1"/>
+                </a:solidFill>
+              </a:rPr>
+              <a:t> (</a:t>
+            </a:r>
+            <a:r>
+              <a:rPr lang="en-US" altLang="zh-TW" sz="1600" dirty="0" err="1">
+                <a:solidFill>
+                  <a:schemeClr val="tx1"/>
+                </a:solidFill>
+              </a:rPr>
+              <a:t>i</a:t>
+            </a:r>
+            <a:r>
+              <a:rPr lang="en-US" altLang="zh-TW" sz="1600" dirty="0">
+                <a:solidFill>
+                  <a:schemeClr val="tx1"/>
+                </a:solidFill>
+              </a:rPr>
+              <a:t>);</a:t>
+            </a:r>
+          </a:p>
+          <a:p>
+            <a:pPr marL="342900" indent="-342900" algn="l">
+              <a:buClr>
+                <a:srgbClr val="0070C0"/>
+              </a:buClr>
+              <a:buSzPct val="80000"/>
+              <a:buFont typeface="Wingdings" pitchFamily="2" charset="2"/>
+              <a:buChar char="u"/>
+            </a:pPr>
+            <a:r>
+              <a:rPr lang="en-US" altLang="zh-TW" sz="1600" dirty="0">
+                <a:solidFill>
+                  <a:schemeClr val="tx1"/>
+                </a:solidFill>
+              </a:rPr>
+              <a:t>}</a:t>
+            </a:r>
+          </a:p>
+          <a:p>
+            <a:pPr marL="342900" indent="-342900" algn="l">
+              <a:buClr>
+                <a:srgbClr val="0070C0"/>
+              </a:buClr>
+              <a:buSzPct val="80000"/>
+              <a:buFont typeface="Wingdings" pitchFamily="2" charset="2"/>
+              <a:buChar char="u"/>
+            </a:pPr>
+            <a:endParaRPr lang="en-US" altLang="zh-TW" sz="1600" dirty="0">
+              <a:solidFill>
+                <a:schemeClr val="tx1"/>
+              </a:solidFill>
+            </a:endParaRPr>
+          </a:p>
+        </p:txBody>
+      </p:sp>
+    </p:spTree>
+    <p:extLst>
+      <p:ext uri="{BB962C8B-B14F-4D97-AF65-F5344CB8AC3E}">
+        <p14:creationId xmlns:p14="http://schemas.microsoft.com/office/powerpoint/2010/main" val="539536613"/>
+      </p:ext>
+    </p:extLst>
+  </p:cSld>
+  <p:clrMapOvr>
+    <a:masterClrMapping/>
+  </p:clrMapOvr>
+</p:sld>
+</file>
+
+<file path=ppt/slides/slide8.xml><?xml version="1.0" encoding="utf-8"?>
+<p:sld xmlns:a="http://schemas.openxmlformats.org/drawingml/2006/main" xmlns:r="http://schemas.openxmlformats.org/officeDocument/2006/relationships" xmlns:p="http://schemas.openxmlformats.org/presentationml/2006/main">
+  <p:cSld>
+    <p:spTree>
+      <p:nvGrpSpPr>
+        <p:cNvPr id="1" name=""/>
+        <p:cNvGrpSpPr/>
+        <p:nvPr/>
+      </p:nvGrpSpPr>
+      <p:grpSpPr>
+        <a:xfrm>
+          <a:off x="0" y="0"/>
+          <a:ext cx="0" cy="0"/>
+          <a:chOff x="0" y="0"/>
+          <a:chExt cx="0" cy="0"/>
+        </a:xfrm>
+      </p:grpSpPr>
+      <p:sp>
+        <p:nvSpPr>
+          <p:cNvPr id="2" name="標題 1"/>
+          <p:cNvSpPr>
+            <a:spLocks noGrp="1"/>
+          </p:cNvSpPr>
+          <p:nvPr>
+            <p:ph type="ctrTitle"/>
+          </p:nvPr>
+        </p:nvSpPr>
+        <p:spPr>
+          <a:xfrm>
+            <a:off x="0" y="1"/>
+            <a:ext cx="9144000" cy="764704"/>
+          </a:xfrm>
+          <a:gradFill flip="none" rotWithShape="1">
+            <a:gsLst>
+              <a:gs pos="0">
+                <a:srgbClr val="C00000">
+                  <a:shade val="30000"/>
+                  <a:satMod val="115000"/>
+                </a:srgbClr>
+              </a:gs>
+              <a:gs pos="50000">
+                <a:srgbClr val="C00000">
+                  <a:shade val="67500"/>
+                  <a:satMod val="115000"/>
+                </a:srgbClr>
+              </a:gs>
+              <a:gs pos="100000">
+                <a:srgbClr val="C00000">
+                  <a:shade val="100000"/>
+                  <a:satMod val="115000"/>
+                </a:srgbClr>
+              </a:gs>
+            </a:gsLst>
+            <a:path path="circle">
+              <a:fillToRect t="100000" r="100000"/>
+            </a:path>
+            <a:tileRect l="-100000" b="-100000"/>
+          </a:gradFill>
+        </p:spPr>
+        <p:txBody>
+          <a:bodyPr>
+            <a:normAutofit/>
+          </a:bodyPr>
+          <a:lstStyle/>
+          <a:p>
+            <a:pPr algn="l"/>
+            <a:r>
+              <a:rPr lang="en-US" altLang="zh-TW" b="1" dirty="0">
+                <a:solidFill>
+                  <a:srgbClr val="FFFF00"/>
+                </a:solidFill>
+              </a:rPr>
+              <a:t>14.02 Collection and Generic Practical</a:t>
+            </a:r>
+            <a:endParaRPr lang="zh-TW" altLang="en-US" b="1" dirty="0">
+              <a:solidFill>
+                <a:srgbClr val="FFFF00"/>
+              </a:solidFill>
+            </a:endParaRPr>
+          </a:p>
+        </p:txBody>
+      </p:sp>
+      <p:sp>
+        <p:nvSpPr>
+          <p:cNvPr id="3" name="副標題 2"/>
+          <p:cNvSpPr>
+            <a:spLocks noGrp="1"/>
+          </p:cNvSpPr>
+          <p:nvPr>
+            <p:ph type="subTitle" idx="1"/>
+          </p:nvPr>
+        </p:nvSpPr>
+        <p:spPr>
+          <a:xfrm>
+            <a:off x="467544" y="1268760"/>
+            <a:ext cx="7992888" cy="4824536"/>
+          </a:xfrm>
+          <a:ln>
+            <a:solidFill>
+              <a:srgbClr val="C00000"/>
+            </a:solidFill>
+          </a:ln>
+        </p:spPr>
+        <p:txBody>
+          <a:bodyPr>
+            <a:noAutofit/>
+          </a:bodyPr>
+          <a:lstStyle/>
+          <a:p>
+            <a:pPr marL="342900" indent="-342900" algn="l">
+              <a:buClr>
+                <a:srgbClr val="0070C0"/>
+              </a:buClr>
+              <a:buSzPct val="80000"/>
+              <a:buFont typeface="Wingdings" pitchFamily="2" charset="2"/>
+              <a:buChar char="u"/>
+            </a:pPr>
+            <a:r>
+              <a:rPr lang="en-US" altLang="zh-TW" sz="1600" dirty="0">
+                <a:solidFill>
+                  <a:schemeClr val="tx1"/>
+                </a:solidFill>
+              </a:rPr>
+              <a:t>Why we require the Generics? We add similar type elements inside the array. Why similar type? We can have array of objects.</a:t>
+            </a:r>
+          </a:p>
+          <a:p>
+            <a:pPr marL="342900" indent="-342900" algn="l">
+              <a:buClr>
+                <a:srgbClr val="0070C0"/>
+              </a:buClr>
+              <a:buSzPct val="80000"/>
+              <a:buFont typeface="Wingdings" pitchFamily="2" charset="2"/>
+              <a:buChar char="u"/>
+            </a:pPr>
+            <a:r>
+              <a:rPr lang="en-US" altLang="zh-TW" sz="1600" dirty="0">
+                <a:solidFill>
+                  <a:schemeClr val="tx1"/>
+                </a:solidFill>
+              </a:rPr>
+              <a:t>If we want to have specific type of data.</a:t>
+            </a:r>
+          </a:p>
+          <a:p>
+            <a:pPr marL="342900" indent="-342900" algn="l">
+              <a:buClr>
+                <a:srgbClr val="0070C0"/>
+              </a:buClr>
+              <a:buSzPct val="80000"/>
+              <a:buFont typeface="Wingdings" pitchFamily="2" charset="2"/>
+              <a:buChar char="u"/>
+            </a:pPr>
+            <a:r>
+              <a:rPr lang="en-US" altLang="zh-TW" sz="1600" dirty="0">
+                <a:solidFill>
+                  <a:schemeClr val="tx1"/>
+                </a:solidFill>
+              </a:rPr>
+              <a:t>The specific data type we specify by &lt;&gt; is called Generic. We can have any data type </a:t>
+            </a:r>
+            <a:r>
+              <a:rPr lang="en-US" altLang="zh-TW" sz="1600" dirty="0" err="1">
+                <a:solidFill>
+                  <a:schemeClr val="tx1"/>
+                </a:solidFill>
+              </a:rPr>
+              <a:t>Integeer</a:t>
+            </a:r>
+            <a:r>
+              <a:rPr lang="en-US" altLang="zh-TW" sz="1600" dirty="0">
+                <a:solidFill>
+                  <a:schemeClr val="tx1"/>
+                </a:solidFill>
+              </a:rPr>
+              <a:t> inside the &lt;Integer&gt;. This Generic is after Java 1.2.</a:t>
+            </a:r>
+          </a:p>
+          <a:p>
+            <a:pPr marL="342900" indent="-342900" algn="l">
+              <a:buClr>
+                <a:srgbClr val="0070C0"/>
+              </a:buClr>
+              <a:buSzPct val="80000"/>
+              <a:buFont typeface="Wingdings" pitchFamily="2" charset="2"/>
+              <a:buChar char="u"/>
+            </a:pPr>
+            <a:r>
+              <a:rPr lang="en-US" altLang="zh-TW" sz="1600" dirty="0">
+                <a:solidFill>
+                  <a:schemeClr val="tx1"/>
+                </a:solidFill>
+              </a:rPr>
+              <a:t>Collection values&lt;Integer&gt; = new ArrayList&lt;&gt;();</a:t>
+            </a:r>
+          </a:p>
+          <a:p>
+            <a:pPr marL="342900" indent="-342900" algn="l">
+              <a:buClr>
+                <a:srgbClr val="0070C0"/>
+              </a:buClr>
+              <a:buSzPct val="80000"/>
+              <a:buFont typeface="Wingdings" pitchFamily="2" charset="2"/>
+              <a:buChar char="u"/>
+            </a:pPr>
+            <a:r>
+              <a:rPr lang="en-US" altLang="zh-TW" sz="1600" dirty="0">
+                <a:solidFill>
+                  <a:schemeClr val="tx1"/>
+                </a:solidFill>
+              </a:rPr>
+              <a:t>We can put &lt;Float&gt; or any custom class, such as, class Student { …}  and put student inside &lt;&gt; as follow: </a:t>
+            </a:r>
+          </a:p>
+          <a:p>
+            <a:pPr marL="800100" lvl="1" indent="-342900" algn="l">
+              <a:buClr>
+                <a:srgbClr val="0070C0"/>
+              </a:buClr>
+              <a:buSzPct val="80000"/>
+              <a:buFont typeface="Wingdings" pitchFamily="2" charset="2"/>
+              <a:buChar char="u"/>
+            </a:pPr>
+            <a:r>
+              <a:rPr lang="en-US" altLang="zh-TW" sz="1600" dirty="0">
+                <a:solidFill>
+                  <a:schemeClr val="tx1"/>
+                </a:solidFill>
+              </a:rPr>
+              <a:t>Collection values &lt;student&gt; = new ArrayList&lt;&gt; ();</a:t>
+            </a:r>
+          </a:p>
+          <a:p>
+            <a:pPr marL="800100" lvl="1" indent="-342900" algn="l">
+              <a:buClr>
+                <a:srgbClr val="0070C0"/>
+              </a:buClr>
+              <a:buSzPct val="80000"/>
+              <a:buFont typeface="Wingdings" pitchFamily="2" charset="2"/>
+              <a:buChar char="u"/>
+            </a:pPr>
+            <a:endParaRPr lang="en-US" altLang="zh-TW" sz="1600" dirty="0">
+              <a:solidFill>
+                <a:schemeClr val="tx1"/>
+              </a:solidFill>
+            </a:endParaRPr>
+          </a:p>
+          <a:p>
+            <a:pPr marL="342900" indent="-342900" algn="l">
+              <a:buClr>
+                <a:srgbClr val="0070C0"/>
+              </a:buClr>
+              <a:buSzPct val="80000"/>
+              <a:buFont typeface="Wingdings" pitchFamily="2" charset="2"/>
+              <a:buChar char="u"/>
+            </a:pPr>
+            <a:r>
+              <a:rPr lang="en-US" altLang="zh-TW" sz="1600" dirty="0">
+                <a:solidFill>
+                  <a:schemeClr val="tx1"/>
+                </a:solidFill>
+              </a:rPr>
+              <a:t>Collection values&lt;Integer&gt; = new ArrayList&lt;&gt;();</a:t>
+            </a:r>
+          </a:p>
+          <a:p>
+            <a:pPr marL="342900" indent="-342900" algn="l">
+              <a:buClr>
+                <a:srgbClr val="0070C0"/>
+              </a:buClr>
+              <a:buSzPct val="80000"/>
+              <a:buFont typeface="Wingdings" pitchFamily="2" charset="2"/>
+              <a:buChar char="u"/>
+            </a:pPr>
+            <a:r>
+              <a:rPr lang="en-US" altLang="zh-TW" sz="1600" dirty="0" err="1">
+                <a:solidFill>
+                  <a:schemeClr val="tx1"/>
+                </a:solidFill>
+              </a:rPr>
+              <a:t>values.add</a:t>
+            </a:r>
+            <a:r>
+              <a:rPr lang="en-US" altLang="zh-TW" sz="1600" dirty="0">
+                <a:solidFill>
+                  <a:schemeClr val="tx1"/>
+                </a:solidFill>
+              </a:rPr>
+              <a:t> (3);</a:t>
+            </a:r>
+          </a:p>
+          <a:p>
+            <a:pPr marL="342900" indent="-342900" algn="l">
+              <a:buClr>
+                <a:srgbClr val="0070C0"/>
+              </a:buClr>
+              <a:buSzPct val="80000"/>
+              <a:buFont typeface="Wingdings" pitchFamily="2" charset="2"/>
+              <a:buChar char="u"/>
+            </a:pPr>
+            <a:r>
+              <a:rPr lang="en-US" altLang="zh-TW" sz="1600" dirty="0" err="1">
+                <a:solidFill>
+                  <a:schemeClr val="tx1"/>
+                </a:solidFill>
+              </a:rPr>
+              <a:t>values.add</a:t>
+            </a:r>
+            <a:r>
+              <a:rPr lang="en-US" altLang="zh-TW" sz="1600" dirty="0">
+                <a:solidFill>
+                  <a:schemeClr val="tx1"/>
+                </a:solidFill>
+              </a:rPr>
+              <a:t>(77);</a:t>
+            </a:r>
+          </a:p>
+          <a:p>
+            <a:pPr marL="342900" indent="-342900" algn="l">
+              <a:buClr>
+                <a:srgbClr val="0070C0"/>
+              </a:buClr>
+              <a:buSzPct val="80000"/>
+              <a:buFont typeface="Wingdings" pitchFamily="2" charset="2"/>
+              <a:buChar char="u"/>
+            </a:pPr>
+            <a:r>
+              <a:rPr lang="en-US" altLang="zh-TW" sz="1600" dirty="0" err="1">
+                <a:solidFill>
+                  <a:schemeClr val="tx1"/>
+                </a:solidFill>
+              </a:rPr>
+              <a:t>values.add</a:t>
+            </a:r>
+            <a:r>
+              <a:rPr lang="en-US" altLang="zh-TW" sz="1600" dirty="0">
+                <a:solidFill>
+                  <a:schemeClr val="tx1"/>
+                </a:solidFill>
+              </a:rPr>
+              <a:t>(88);</a:t>
+            </a:r>
+            <a:endParaRPr lang="en-US" altLang="zh-TW" sz="1600" b="1" dirty="0">
+              <a:solidFill>
+                <a:schemeClr val="tx1"/>
+              </a:solidFill>
+            </a:endParaRPr>
+          </a:p>
+          <a:p>
+            <a:pPr marL="342900" indent="-342900" algn="l">
+              <a:buClr>
+                <a:srgbClr val="0070C0"/>
+              </a:buClr>
+              <a:buSzPct val="80000"/>
+              <a:buFont typeface="Wingdings" pitchFamily="2" charset="2"/>
+              <a:buChar char="u"/>
+            </a:pPr>
+            <a:r>
+              <a:rPr lang="en-US" altLang="zh-TW" sz="1600" dirty="0">
+                <a:solidFill>
+                  <a:schemeClr val="tx1"/>
+                </a:solidFill>
+              </a:rPr>
+              <a:t>for (Object </a:t>
+            </a:r>
+            <a:r>
+              <a:rPr lang="en-US" altLang="zh-TW" sz="1600" dirty="0" err="1">
+                <a:solidFill>
+                  <a:schemeClr val="tx1"/>
+                </a:solidFill>
+              </a:rPr>
+              <a:t>i</a:t>
+            </a:r>
+            <a:r>
+              <a:rPr lang="en-US" altLang="zh-TW" sz="1600" dirty="0">
+                <a:solidFill>
+                  <a:schemeClr val="tx1"/>
+                </a:solidFill>
+              </a:rPr>
+              <a:t> : values) {</a:t>
+            </a:r>
+          </a:p>
+          <a:p>
+            <a:pPr marL="800100" lvl="1" indent="-342900" algn="l">
+              <a:buClr>
+                <a:srgbClr val="0070C0"/>
+              </a:buClr>
+              <a:buSzPct val="80000"/>
+              <a:buFont typeface="Wingdings" pitchFamily="2" charset="2"/>
+              <a:buChar char="u"/>
+            </a:pPr>
+            <a:r>
+              <a:rPr lang="en-US" altLang="zh-TW" sz="1600" dirty="0" err="1">
+                <a:solidFill>
+                  <a:schemeClr val="tx1"/>
+                </a:solidFill>
+              </a:rPr>
+              <a:t>System.out.println</a:t>
+            </a:r>
+            <a:r>
+              <a:rPr lang="en-US" altLang="zh-TW" sz="1600" dirty="0">
+                <a:solidFill>
+                  <a:schemeClr val="tx1"/>
+                </a:solidFill>
+              </a:rPr>
+              <a:t> (</a:t>
+            </a:r>
+            <a:r>
+              <a:rPr lang="en-US" altLang="zh-TW" sz="1600" dirty="0" err="1">
+                <a:solidFill>
+                  <a:schemeClr val="tx1"/>
+                </a:solidFill>
+              </a:rPr>
+              <a:t>i</a:t>
+            </a:r>
+            <a:r>
+              <a:rPr lang="en-US" altLang="zh-TW" sz="1600" dirty="0">
+                <a:solidFill>
+                  <a:schemeClr val="tx1"/>
+                </a:solidFill>
+              </a:rPr>
+              <a:t>);</a:t>
+            </a:r>
+          </a:p>
+          <a:p>
+            <a:pPr marL="342900" indent="-342900" algn="l">
+              <a:buClr>
+                <a:srgbClr val="0070C0"/>
+              </a:buClr>
+              <a:buSzPct val="80000"/>
+              <a:buFont typeface="Wingdings" pitchFamily="2" charset="2"/>
+              <a:buChar char="u"/>
+            </a:pPr>
+            <a:r>
+              <a:rPr lang="en-US" altLang="zh-TW" sz="1600" dirty="0">
+                <a:solidFill>
+                  <a:schemeClr val="tx1"/>
+                </a:solidFill>
+              </a:rPr>
+              <a:t>}</a:t>
+            </a:r>
+          </a:p>
+          <a:p>
+            <a:pPr marL="342900" indent="-342900" algn="l">
+              <a:buClr>
+                <a:srgbClr val="0070C0"/>
+              </a:buClr>
+              <a:buSzPct val="80000"/>
+              <a:buFont typeface="Wingdings" pitchFamily="2" charset="2"/>
+              <a:buChar char="u"/>
+            </a:pPr>
+            <a:endParaRPr lang="en-US" altLang="zh-TW" sz="1600" dirty="0">
+              <a:solidFill>
+                <a:schemeClr val="tx1"/>
+              </a:solidFill>
+            </a:endParaRPr>
+          </a:p>
+          <a:p>
+            <a:pPr marL="342900" indent="-342900" algn="l">
+              <a:buClr>
+                <a:srgbClr val="0070C0"/>
+              </a:buClr>
+              <a:buSzPct val="80000"/>
+              <a:buFont typeface="Wingdings" pitchFamily="2" charset="2"/>
+              <a:buChar char="u"/>
+            </a:pPr>
+            <a:endParaRPr lang="en-US" altLang="zh-TW" sz="1600" dirty="0">
+              <a:solidFill>
+                <a:schemeClr val="tx1"/>
+              </a:solidFill>
+            </a:endParaRPr>
+          </a:p>
+        </p:txBody>
+      </p:sp>
+      <p:sp>
+        <p:nvSpPr>
+          <p:cNvPr id="4" name="標題 1"/>
+          <p:cNvSpPr txBox="1">
+            <a:spLocks/>
+          </p:cNvSpPr>
+          <p:nvPr/>
+        </p:nvSpPr>
+        <p:spPr>
+          <a:xfrm>
+            <a:off x="0" y="764704"/>
+            <a:ext cx="9144000" cy="360040"/>
+          </a:xfrm>
+          <a:prstGeom prst="rect">
+            <a:avLst/>
+          </a:prstGeom>
+          <a:gradFill flip="none" rotWithShape="1">
+            <a:gsLst>
+              <a:gs pos="0">
+                <a:srgbClr val="00B0F0">
+                  <a:shade val="30000"/>
+                  <a:satMod val="115000"/>
+                </a:srgbClr>
+              </a:gs>
+              <a:gs pos="50000">
+                <a:srgbClr val="00B0F0">
+                  <a:shade val="67500"/>
+                  <a:satMod val="115000"/>
+                </a:srgbClr>
+              </a:gs>
+              <a:gs pos="100000">
+                <a:srgbClr val="00B0F0">
+                  <a:shade val="100000"/>
+                  <a:satMod val="115000"/>
+                </a:srgbClr>
+              </a:gs>
+            </a:gsLst>
+            <a:path path="circle">
+              <a:fillToRect t="100000" r="100000"/>
+            </a:path>
+            <a:tileRect l="-100000" b="-100000"/>
+          </a:gradFill>
+        </p:spPr>
+        <p:txBody>
+          <a:bodyPr vert="horz" lIns="91440" tIns="45720" rIns="91440" bIns="45720" rtlCol="0" anchor="ctr">
+            <a:normAutofit fontScale="92500"/>
+          </a:bodyPr>
+          <a:lstStyle/>
+          <a:p>
+            <a:pPr lvl="0">
+              <a:spcBef>
+                <a:spcPct val="0"/>
+              </a:spcBef>
+            </a:pPr>
+            <a:r>
+              <a:rPr lang="en-US" altLang="zh-TW" sz="1600" dirty="0">
+                <a:latin typeface="+mj-lt"/>
+                <a:ea typeface="+mj-ea"/>
+                <a:cs typeface="+mj-cs"/>
+              </a:rPr>
+              <a:t>https://www.youtube.com/watch?v=HhrQqmp3hXI&amp;list=PLsyeobzWxl7oZ-fxDYkOToURHhMuWD1BK&amp;index=133</a:t>
+            </a:r>
+            <a:endParaRPr kumimoji="0" lang="zh-TW" altLang="en-US" sz="1600" b="0" i="0" u="none" strike="noStrike" kern="1200" cap="none" spc="0" normalizeH="0" baseline="0" noProof="0" dirty="0">
+              <a:ln>
+                <a:noFill/>
+              </a:ln>
+              <a:solidFill>
+                <a:schemeClr val="tx1"/>
+              </a:solidFill>
+              <a:effectLst/>
+              <a:uLnTx/>
+              <a:uFillTx/>
+              <a:latin typeface="+mj-lt"/>
+              <a:ea typeface="+mj-ea"/>
+              <a:cs typeface="+mj-cs"/>
+            </a:endParaRPr>
+          </a:p>
+        </p:txBody>
+      </p:sp>
+      <p:sp>
+        <p:nvSpPr>
+          <p:cNvPr id="5" name="日期版面配置區 4"/>
+          <p:cNvSpPr>
+            <a:spLocks noGrp="1"/>
+          </p:cNvSpPr>
+          <p:nvPr>
+            <p:ph type="dt" sz="half" idx="10"/>
+          </p:nvPr>
+        </p:nvSpPr>
+        <p:spPr/>
+        <p:txBody>
+          <a:bodyPr/>
+          <a:lstStyle/>
+          <a:p>
+            <a:fld id="{A4F910E6-8D00-4BAF-8C48-9688E0B449D3}" type="datetime1">
+              <a:rPr lang="zh-TW" altLang="en-US" smtClean="0"/>
+              <a:pPr/>
+              <a:t>2019/4/26</a:t>
+            </a:fld>
+            <a:endParaRPr lang="zh-TW" altLang="en-US"/>
+          </a:p>
+        </p:txBody>
+      </p:sp>
+      <p:sp>
+        <p:nvSpPr>
+          <p:cNvPr id="6" name="投影片編號版面配置區 5"/>
+          <p:cNvSpPr>
+            <a:spLocks noGrp="1"/>
+          </p:cNvSpPr>
+          <p:nvPr>
+            <p:ph type="sldNum" sz="quarter" idx="12"/>
+          </p:nvPr>
+        </p:nvSpPr>
+        <p:spPr/>
+        <p:txBody>
+          <a:bodyPr/>
+          <a:lstStyle/>
+          <a:p>
+            <a:fld id="{E4D7E63D-91F2-4366-A2C4-1B00C9E2590E}" type="slidenum">
+              <a:rPr lang="zh-TW" altLang="en-US" smtClean="0"/>
+              <a:pPr/>
+              <a:t>8</a:t>
+            </a:fld>
+            <a:endParaRPr lang="zh-TW" altLang="en-US"/>
+          </a:p>
+        </p:txBody>
+      </p:sp>
+    </p:spTree>
+    <p:extLst>
+      <p:ext uri="{BB962C8B-B14F-4D97-AF65-F5344CB8AC3E}">
+        <p14:creationId xmlns:p14="http://schemas.microsoft.com/office/powerpoint/2010/main" val="1811150866"/>
+      </p:ext>
+    </p:extLst>
+  </p:cSld>
+  <p:clrMapOvr>
+    <a:masterClrMapping/>
+  </p:clrMapOvr>
+</p:sld>
+</file>
+
+<file path=ppt/slides/slide9.xml><?xml version="1.0" encoding="utf-8"?>
+<p:sld xmlns:a="http://schemas.openxmlformats.org/drawingml/2006/main" xmlns:r="http://schemas.openxmlformats.org/officeDocument/2006/relationships" xmlns:p="http://schemas.openxmlformats.org/presentationml/2006/main">
+  <p:cSld>
+    <p:spTree>
+      <p:nvGrpSpPr>
+        <p:cNvPr id="1" name=""/>
+        <p:cNvGrpSpPr/>
+        <p:nvPr/>
+      </p:nvGrpSpPr>
+      <p:grpSpPr>
+        <a:xfrm>
+          <a:off x="0" y="0"/>
+          <a:ext cx="0" cy="0"/>
+          <a:chOff x="0" y="0"/>
+          <a:chExt cx="0" cy="0"/>
+        </a:xfrm>
+      </p:grpSpPr>
+      <p:sp>
+        <p:nvSpPr>
+          <p:cNvPr id="2" name="標題 1"/>
+          <p:cNvSpPr>
+            <a:spLocks noGrp="1"/>
+          </p:cNvSpPr>
+          <p:nvPr>
+            <p:ph type="ctrTitle"/>
+          </p:nvPr>
+        </p:nvSpPr>
+        <p:spPr>
+          <a:xfrm>
+            <a:off x="0" y="1"/>
+            <a:ext cx="9144000" cy="764704"/>
+          </a:xfrm>
+          <a:gradFill flip="none" rotWithShape="1">
+            <a:gsLst>
+              <a:gs pos="0">
+                <a:srgbClr val="C00000">
+                  <a:shade val="30000"/>
+                  <a:satMod val="115000"/>
+                </a:srgbClr>
+              </a:gs>
+              <a:gs pos="50000">
+                <a:srgbClr val="C00000">
+                  <a:shade val="67500"/>
+                  <a:satMod val="115000"/>
+                </a:srgbClr>
+              </a:gs>
+              <a:gs pos="100000">
+                <a:srgbClr val="C00000">
+                  <a:shade val="100000"/>
+                  <a:satMod val="115000"/>
+                </a:srgbClr>
+              </a:gs>
+            </a:gsLst>
+            <a:path path="circle">
+              <a:fillToRect t="100000" r="100000"/>
+            </a:path>
+            <a:tileRect l="-100000" b="-100000"/>
+          </a:gradFill>
+        </p:spPr>
+        <p:txBody>
+          <a:bodyPr>
+            <a:normAutofit/>
+          </a:bodyPr>
+          <a:lstStyle/>
+          <a:p>
+            <a:pPr algn="l"/>
+            <a:r>
+              <a:rPr lang="en-US" altLang="zh-TW" b="1" dirty="0">
+                <a:solidFill>
+                  <a:srgbClr val="FFFF00"/>
+                </a:solidFill>
+              </a:rPr>
+              <a:t>14.02 Collection and Generic Practical</a:t>
+            </a:r>
+            <a:endParaRPr lang="zh-TW" altLang="en-US" b="1" dirty="0">
+              <a:solidFill>
+                <a:srgbClr val="FFFF00"/>
+              </a:solidFill>
+            </a:endParaRPr>
+          </a:p>
+        </p:txBody>
+      </p:sp>
+      <p:sp>
+        <p:nvSpPr>
+          <p:cNvPr id="3" name="副標題 2"/>
+          <p:cNvSpPr>
+            <a:spLocks noGrp="1"/>
+          </p:cNvSpPr>
+          <p:nvPr>
+            <p:ph type="subTitle" idx="1"/>
+          </p:nvPr>
+        </p:nvSpPr>
+        <p:spPr>
+          <a:xfrm>
+            <a:off x="467544" y="1268760"/>
+            <a:ext cx="7992888" cy="2736304"/>
+          </a:xfrm>
+          <a:ln>
+            <a:solidFill>
+              <a:srgbClr val="C00000"/>
+            </a:solidFill>
+          </a:ln>
+        </p:spPr>
+        <p:txBody>
+          <a:bodyPr>
+            <a:noAutofit/>
+          </a:bodyPr>
+          <a:lstStyle/>
+          <a:p>
+            <a:pPr marL="342900" indent="-342900" algn="l">
+              <a:buClr>
+                <a:srgbClr val="0070C0"/>
+              </a:buClr>
+              <a:buSzPct val="80000"/>
+              <a:buFont typeface="Wingdings" pitchFamily="2" charset="2"/>
+              <a:buChar char="u"/>
+            </a:pPr>
+            <a:r>
+              <a:rPr lang="en-US" altLang="zh-TW" sz="1600" dirty="0">
+                <a:solidFill>
+                  <a:schemeClr val="tx1"/>
+                </a:solidFill>
+              </a:rPr>
+              <a:t>We can remove element by</a:t>
+            </a:r>
+          </a:p>
+          <a:p>
+            <a:pPr marL="342900" indent="-342900" algn="l">
+              <a:buClr>
+                <a:srgbClr val="0070C0"/>
+              </a:buClr>
+              <a:buSzPct val="80000"/>
+              <a:buFont typeface="Wingdings" pitchFamily="2" charset="2"/>
+              <a:buChar char="u"/>
+            </a:pPr>
+            <a:r>
+              <a:rPr lang="en-US" altLang="zh-TW" sz="1600" dirty="0">
+                <a:solidFill>
+                  <a:schemeClr val="tx1"/>
+                </a:solidFill>
+              </a:rPr>
+              <a:t>Collection values&lt;Integer&gt; = new ArrayList&lt;&gt;();</a:t>
+            </a:r>
+          </a:p>
+          <a:p>
+            <a:pPr marL="342900" indent="-342900" algn="l">
+              <a:buClr>
+                <a:srgbClr val="0070C0"/>
+              </a:buClr>
+              <a:buSzPct val="80000"/>
+              <a:buFont typeface="Wingdings" pitchFamily="2" charset="2"/>
+              <a:buChar char="u"/>
+            </a:pPr>
+            <a:r>
+              <a:rPr lang="en-US" altLang="zh-TW" sz="1600" dirty="0" err="1">
+                <a:solidFill>
+                  <a:schemeClr val="tx1"/>
+                </a:solidFill>
+              </a:rPr>
+              <a:t>values.add</a:t>
+            </a:r>
+            <a:r>
+              <a:rPr lang="en-US" altLang="zh-TW" sz="1600" dirty="0">
+                <a:solidFill>
+                  <a:schemeClr val="tx1"/>
+                </a:solidFill>
+              </a:rPr>
+              <a:t> (3);</a:t>
+            </a:r>
+          </a:p>
+          <a:p>
+            <a:pPr marL="342900" indent="-342900" algn="l">
+              <a:buClr>
+                <a:srgbClr val="0070C0"/>
+              </a:buClr>
+              <a:buSzPct val="80000"/>
+              <a:buFont typeface="Wingdings" pitchFamily="2" charset="2"/>
+              <a:buChar char="u"/>
+            </a:pPr>
+            <a:r>
+              <a:rPr lang="en-US" altLang="zh-TW" sz="1600" dirty="0" err="1">
+                <a:solidFill>
+                  <a:schemeClr val="tx1"/>
+                </a:solidFill>
+              </a:rPr>
+              <a:t>values.add</a:t>
+            </a:r>
+            <a:r>
+              <a:rPr lang="en-US" altLang="zh-TW" sz="1600" dirty="0">
+                <a:solidFill>
+                  <a:schemeClr val="tx1"/>
+                </a:solidFill>
+              </a:rPr>
+              <a:t>(77);</a:t>
+            </a:r>
+          </a:p>
+          <a:p>
+            <a:pPr marL="342900" indent="-342900" algn="l">
+              <a:buClr>
+                <a:srgbClr val="0070C0"/>
+              </a:buClr>
+              <a:buSzPct val="80000"/>
+              <a:buFont typeface="Wingdings" pitchFamily="2" charset="2"/>
+              <a:buChar char="u"/>
+            </a:pPr>
+            <a:r>
+              <a:rPr lang="en-US" altLang="zh-TW" sz="1600" dirty="0" err="1">
+                <a:solidFill>
+                  <a:schemeClr val="tx1"/>
+                </a:solidFill>
+              </a:rPr>
+              <a:t>values.add</a:t>
+            </a:r>
+            <a:r>
+              <a:rPr lang="en-US" altLang="zh-TW" sz="1600" dirty="0">
+                <a:solidFill>
+                  <a:schemeClr val="tx1"/>
+                </a:solidFill>
+              </a:rPr>
+              <a:t>(88);</a:t>
+            </a:r>
+          </a:p>
+          <a:p>
+            <a:pPr marL="342900" indent="-342900" algn="l">
+              <a:buClr>
+                <a:srgbClr val="0070C0"/>
+              </a:buClr>
+              <a:buSzPct val="80000"/>
+              <a:buFont typeface="Wingdings" pitchFamily="2" charset="2"/>
+              <a:buChar char="u"/>
+            </a:pPr>
+            <a:r>
+              <a:rPr lang="en-US" altLang="zh-TW" sz="1600" dirty="0" err="1">
+                <a:solidFill>
+                  <a:schemeClr val="tx1"/>
+                </a:solidFill>
+              </a:rPr>
+              <a:t>values.remove</a:t>
+            </a:r>
+            <a:r>
+              <a:rPr lang="en-US" altLang="zh-TW" sz="1600" dirty="0">
+                <a:solidFill>
+                  <a:schemeClr val="tx1"/>
+                </a:solidFill>
+              </a:rPr>
+              <a:t>(77);</a:t>
+            </a:r>
+          </a:p>
+          <a:p>
+            <a:pPr marL="342900" indent="-342900" algn="l">
+              <a:buClr>
+                <a:srgbClr val="0070C0"/>
+              </a:buClr>
+              <a:buSzPct val="80000"/>
+              <a:buFont typeface="Wingdings" pitchFamily="2" charset="2"/>
+              <a:buChar char="u"/>
+            </a:pPr>
+            <a:r>
+              <a:rPr lang="en-US" altLang="zh-TW" sz="1600" dirty="0">
+                <a:solidFill>
+                  <a:schemeClr val="tx1"/>
+                </a:solidFill>
+              </a:rPr>
+              <a:t>for (Object </a:t>
+            </a:r>
+            <a:r>
+              <a:rPr lang="en-US" altLang="zh-TW" sz="1600" dirty="0" err="1">
+                <a:solidFill>
+                  <a:schemeClr val="tx1"/>
+                </a:solidFill>
+              </a:rPr>
+              <a:t>i</a:t>
+            </a:r>
+            <a:r>
+              <a:rPr lang="en-US" altLang="zh-TW" sz="1600" dirty="0">
+                <a:solidFill>
+                  <a:schemeClr val="tx1"/>
+                </a:solidFill>
+              </a:rPr>
+              <a:t> : values) {</a:t>
+            </a:r>
+          </a:p>
+          <a:p>
+            <a:pPr marL="800100" lvl="1" indent="-342900" algn="l">
+              <a:buClr>
+                <a:srgbClr val="0070C0"/>
+              </a:buClr>
+              <a:buSzPct val="80000"/>
+              <a:buFont typeface="Wingdings" pitchFamily="2" charset="2"/>
+              <a:buChar char="u"/>
+            </a:pPr>
+            <a:r>
+              <a:rPr lang="en-US" altLang="zh-TW" sz="1600" dirty="0" err="1">
+                <a:solidFill>
+                  <a:schemeClr val="tx1"/>
+                </a:solidFill>
+              </a:rPr>
+              <a:t>System.out.println</a:t>
+            </a:r>
+            <a:r>
+              <a:rPr lang="en-US" altLang="zh-TW" sz="1600" dirty="0">
+                <a:solidFill>
+                  <a:schemeClr val="tx1"/>
+                </a:solidFill>
+              </a:rPr>
+              <a:t> (</a:t>
+            </a:r>
+            <a:r>
+              <a:rPr lang="en-US" altLang="zh-TW" sz="1600" dirty="0" err="1">
+                <a:solidFill>
+                  <a:schemeClr val="tx1"/>
+                </a:solidFill>
+              </a:rPr>
+              <a:t>i</a:t>
+            </a:r>
+            <a:r>
+              <a:rPr lang="en-US" altLang="zh-TW" sz="1600" dirty="0">
+                <a:solidFill>
+                  <a:schemeClr val="tx1"/>
+                </a:solidFill>
+              </a:rPr>
+              <a:t>);</a:t>
+            </a:r>
+          </a:p>
+          <a:p>
+            <a:pPr marL="342900" indent="-342900" algn="l">
+              <a:buClr>
+                <a:srgbClr val="0070C0"/>
+              </a:buClr>
+              <a:buSzPct val="80000"/>
+              <a:buFont typeface="Wingdings" pitchFamily="2" charset="2"/>
+              <a:buChar char="u"/>
+            </a:pPr>
+            <a:r>
+              <a:rPr lang="en-US" altLang="zh-TW" sz="1600" dirty="0">
+                <a:solidFill>
+                  <a:schemeClr val="tx1"/>
+                </a:solidFill>
+              </a:rPr>
+              <a:t>}</a:t>
+            </a:r>
+          </a:p>
+          <a:p>
+            <a:pPr marL="342900" indent="-342900" algn="l">
+              <a:buClr>
+                <a:srgbClr val="0070C0"/>
+              </a:buClr>
+              <a:buSzPct val="80000"/>
+              <a:buFont typeface="Wingdings" pitchFamily="2" charset="2"/>
+              <a:buChar char="u"/>
+            </a:pPr>
+            <a:endParaRPr lang="en-US" altLang="zh-TW" sz="1600" dirty="0">
+              <a:solidFill>
+                <a:schemeClr val="tx1"/>
+              </a:solidFill>
+            </a:endParaRPr>
+          </a:p>
+          <a:p>
+            <a:pPr marL="342900" indent="-342900" algn="l">
+              <a:buClr>
+                <a:srgbClr val="0070C0"/>
+              </a:buClr>
+              <a:buSzPct val="80000"/>
+              <a:buFont typeface="Wingdings" pitchFamily="2" charset="2"/>
+              <a:buChar char="u"/>
+            </a:pPr>
+            <a:endParaRPr lang="en-US" altLang="zh-TW" sz="1600" dirty="0">
+              <a:solidFill>
+                <a:schemeClr val="tx1"/>
+              </a:solidFill>
+            </a:endParaRPr>
+          </a:p>
+          <a:p>
+            <a:pPr marL="342900" indent="-342900" algn="l">
+              <a:buClr>
+                <a:srgbClr val="0070C0"/>
+              </a:buClr>
+              <a:buSzPct val="80000"/>
+              <a:buFont typeface="Wingdings" pitchFamily="2" charset="2"/>
+              <a:buChar char="u"/>
+            </a:pPr>
+            <a:endParaRPr lang="en-US" altLang="zh-TW" sz="1600" dirty="0">
+              <a:solidFill>
+                <a:schemeClr val="tx1"/>
+              </a:solidFill>
+            </a:endParaRPr>
+          </a:p>
+        </p:txBody>
+      </p:sp>
+      <p:sp>
+        <p:nvSpPr>
+          <p:cNvPr id="4" name="標題 1"/>
+          <p:cNvSpPr txBox="1">
+            <a:spLocks/>
+          </p:cNvSpPr>
+          <p:nvPr/>
+        </p:nvSpPr>
+        <p:spPr>
+          <a:xfrm>
+            <a:off x="0" y="764704"/>
+            <a:ext cx="9144000" cy="360040"/>
+          </a:xfrm>
+          <a:prstGeom prst="rect">
+            <a:avLst/>
+          </a:prstGeom>
+          <a:gradFill flip="none" rotWithShape="1">
+            <a:gsLst>
+              <a:gs pos="0">
+                <a:srgbClr val="00B0F0">
+                  <a:shade val="30000"/>
+                  <a:satMod val="115000"/>
+                </a:srgbClr>
+              </a:gs>
+              <a:gs pos="50000">
+                <a:srgbClr val="00B0F0">
+                  <a:shade val="67500"/>
+                  <a:satMod val="115000"/>
+                </a:srgbClr>
+              </a:gs>
+              <a:gs pos="100000">
+                <a:srgbClr val="00B0F0">
+                  <a:shade val="100000"/>
+                  <a:satMod val="115000"/>
+                </a:srgbClr>
+              </a:gs>
+            </a:gsLst>
+            <a:path path="circle">
+              <a:fillToRect t="100000" r="100000"/>
+            </a:path>
+            <a:tileRect l="-100000" b="-100000"/>
+          </a:gradFill>
+        </p:spPr>
+        <p:txBody>
+          <a:bodyPr vert="horz" lIns="91440" tIns="45720" rIns="91440" bIns="45720" rtlCol="0" anchor="ctr">
+            <a:normAutofit fontScale="92500"/>
+          </a:bodyPr>
+          <a:lstStyle/>
+          <a:p>
+            <a:pPr lvl="0">
+              <a:spcBef>
+                <a:spcPct val="0"/>
+              </a:spcBef>
+            </a:pPr>
+            <a:r>
+              <a:rPr lang="en-US" altLang="zh-TW" sz="1600" dirty="0">
+                <a:latin typeface="+mj-lt"/>
+                <a:ea typeface="+mj-ea"/>
+                <a:cs typeface="+mj-cs"/>
+              </a:rPr>
+              <a:t>https://www.youtube.com/watch?v=HhrQqmp3hXI&amp;list=PLsyeobzWxl7oZ-fxDYkOToURHhMuWD1BK&amp;index=133</a:t>
+            </a:r>
+            <a:endParaRPr kumimoji="0" lang="zh-TW" altLang="en-US" sz="1600" b="0" i="0" u="none" strike="noStrike" kern="1200" cap="none" spc="0" normalizeH="0" baseline="0" noProof="0" dirty="0">
+              <a:ln>
+                <a:noFill/>
+              </a:ln>
+              <a:solidFill>
+                <a:schemeClr val="tx1"/>
+              </a:solidFill>
+              <a:effectLst/>
+              <a:uLnTx/>
+              <a:uFillTx/>
+              <a:latin typeface="+mj-lt"/>
+              <a:ea typeface="+mj-ea"/>
+              <a:cs typeface="+mj-cs"/>
+            </a:endParaRPr>
+          </a:p>
+        </p:txBody>
+      </p:sp>
+      <p:sp>
+        <p:nvSpPr>
+          <p:cNvPr id="5" name="日期版面配置區 4"/>
+          <p:cNvSpPr>
+            <a:spLocks noGrp="1"/>
+          </p:cNvSpPr>
+          <p:nvPr>
+            <p:ph type="dt" sz="half" idx="10"/>
+          </p:nvPr>
+        </p:nvSpPr>
+        <p:spPr/>
+        <p:txBody>
+          <a:bodyPr/>
+          <a:lstStyle/>
+          <a:p>
+            <a:fld id="{A4F910E6-8D00-4BAF-8C48-9688E0B449D3}" type="datetime1">
+              <a:rPr lang="zh-TW" altLang="en-US" smtClean="0"/>
+              <a:pPr/>
+              <a:t>2019/4/26</a:t>
+            </a:fld>
+            <a:endParaRPr lang="zh-TW" altLang="en-US"/>
+          </a:p>
+        </p:txBody>
+      </p:sp>
+      <p:sp>
+        <p:nvSpPr>
+          <p:cNvPr id="6" name="投影片編號版面配置區 5"/>
+          <p:cNvSpPr>
+            <a:spLocks noGrp="1"/>
+          </p:cNvSpPr>
+          <p:nvPr>
+            <p:ph type="sldNum" sz="quarter" idx="12"/>
+          </p:nvPr>
+        </p:nvSpPr>
+        <p:spPr/>
+        <p:txBody>
+          <a:bodyPr/>
+          <a:lstStyle/>
+          <a:p>
+            <a:fld id="{E4D7E63D-91F2-4366-A2C4-1B00C9E2590E}" type="slidenum">
+              <a:rPr lang="zh-TW" altLang="en-US" smtClean="0"/>
+              <a:pPr/>
+              <a:t>9</a:t>
+            </a:fld>
+            <a:endParaRPr lang="zh-TW" altLang="en-US"/>
+          </a:p>
+        </p:txBody>
+      </p:sp>
+    </p:spTree>
+    <p:extLst>
+      <p:ext uri="{BB962C8B-B14F-4D97-AF65-F5344CB8AC3E}">
+        <p14:creationId xmlns:p14="http://schemas.microsoft.com/office/powerpoint/2010/main" val="1172226605"/>
       </p:ext>
     </p:extLst>
   </p:cSld>

--- a/14_01_13_CollectionGeneric/ch1402_CollectionGenericPractical/1402_CollectionGenericPractical.pptx
+++ b/14_01_13_CollectionGeneric/ch1402_CollectionGenericPractical/1402_CollectionGenericPractical.pptx
@@ -5,7 +5,7 @@
     <p:sldMasterId id="2147483648" r:id="rId1"/>
   </p:sldMasterIdLst>
   <p:notesMasterIdLst>
-    <p:notesMasterId r:id="rId22"/>
+    <p:notesMasterId r:id="rId24"/>
   </p:notesMasterIdLst>
   <p:sldIdLst>
     <p:sldId id="256" r:id="rId2"/>
@@ -26,8 +26,10 @@
     <p:sldId id="267" r:id="rId17"/>
     <p:sldId id="269" r:id="rId18"/>
     <p:sldId id="270" r:id="rId19"/>
-    <p:sldId id="271" r:id="rId20"/>
-    <p:sldId id="259" r:id="rId21"/>
+    <p:sldId id="280" r:id="rId20"/>
+    <p:sldId id="281" r:id="rId21"/>
+    <p:sldId id="282" r:id="rId22"/>
+    <p:sldId id="259" r:id="rId23"/>
   </p:sldIdLst>
   <p:sldSz cx="9144000" cy="6858000" type="screen4x3"/>
   <p:notesSz cx="6858000" cy="9144000"/>
@@ -6998,6 +7000,187 @@
         </p:nvSpPr>
         <p:spPr>
           <a:xfrm>
+            <a:off x="0" y="2130425"/>
+            <a:ext cx="9144000" cy="1470025"/>
+          </a:xfrm>
+          <a:solidFill>
+            <a:srgbClr val="00B0F0"/>
+          </a:solidFill>
+        </p:spPr>
+        <p:txBody>
+          <a:bodyPr>
+            <a:normAutofit/>
+          </a:bodyPr>
+          <a:lstStyle/>
+          <a:p>
+            <a:r>
+              <a:rPr lang="en-US" altLang="zh-TW" sz="4800" b="1" dirty="0">
+                <a:solidFill>
+                  <a:srgbClr val="FFFF00"/>
+                </a:solidFill>
+              </a:rPr>
+              <a:t>14.02.03 Generic in Java</a:t>
+            </a:r>
+            <a:endParaRPr lang="zh-TW" altLang="en-US" sz="4800" b="1" dirty="0">
+              <a:solidFill>
+                <a:srgbClr val="FFFF00"/>
+              </a:solidFill>
+            </a:endParaRPr>
+          </a:p>
+        </p:txBody>
+      </p:sp>
+      <p:sp>
+        <p:nvSpPr>
+          <p:cNvPr id="3" name="副標題 2"/>
+          <p:cNvSpPr>
+            <a:spLocks noGrp="1"/>
+          </p:cNvSpPr>
+          <p:nvPr>
+            <p:ph type="subTitle" idx="1"/>
+          </p:nvPr>
+        </p:nvSpPr>
+        <p:spPr>
+          <a:xfrm>
+            <a:off x="1259632" y="4581128"/>
+            <a:ext cx="6400800" cy="694928"/>
+          </a:xfrm>
+        </p:spPr>
+        <p:txBody>
+          <a:bodyPr>
+            <a:normAutofit/>
+          </a:bodyPr>
+          <a:lstStyle/>
+          <a:p>
+            <a:r>
+              <a:rPr lang="en-US" altLang="zh-TW" dirty="0"/>
+              <a:t>Peter H. Chen</a:t>
+            </a:r>
+            <a:endParaRPr lang="zh-TW" altLang="en-US" dirty="0"/>
+          </a:p>
+        </p:txBody>
+      </p:sp>
+      <p:sp>
+        <p:nvSpPr>
+          <p:cNvPr id="5" name="日期版面配置區 4"/>
+          <p:cNvSpPr>
+            <a:spLocks noGrp="1"/>
+          </p:cNvSpPr>
+          <p:nvPr>
+            <p:ph type="dt" sz="half" idx="10"/>
+          </p:nvPr>
+        </p:nvSpPr>
+        <p:spPr/>
+        <p:txBody>
+          <a:bodyPr/>
+          <a:lstStyle/>
+          <a:p>
+            <a:fld id="{C389EDC9-19E3-47AC-9C57-C6A24DEA81AD}" type="datetime1">
+              <a:rPr lang="zh-TW" altLang="en-US" smtClean="0"/>
+              <a:pPr/>
+              <a:t>2019/4/26</a:t>
+            </a:fld>
+            <a:endParaRPr lang="zh-TW" altLang="en-US"/>
+          </a:p>
+        </p:txBody>
+      </p:sp>
+      <p:sp>
+        <p:nvSpPr>
+          <p:cNvPr id="6" name="投影片編號版面配置區 5"/>
+          <p:cNvSpPr>
+            <a:spLocks noGrp="1"/>
+          </p:cNvSpPr>
+          <p:nvPr>
+            <p:ph type="sldNum" sz="quarter" idx="12"/>
+          </p:nvPr>
+        </p:nvSpPr>
+        <p:spPr/>
+        <p:txBody>
+          <a:bodyPr/>
+          <a:lstStyle/>
+          <a:p>
+            <a:fld id="{E4D7E63D-91F2-4366-A2C4-1B00C9E2590E}" type="slidenum">
+              <a:rPr lang="zh-TW" altLang="en-US" smtClean="0"/>
+              <a:pPr/>
+              <a:t>19</a:t>
+            </a:fld>
+            <a:endParaRPr lang="zh-TW" altLang="en-US"/>
+          </a:p>
+        </p:txBody>
+      </p:sp>
+      <p:pic>
+        <p:nvPicPr>
+          <p:cNvPr id="1026" name="Picture 2"/>
+          <p:cNvPicPr>
+            <a:picLocks noChangeAspect="1" noChangeArrowheads="1"/>
+          </p:cNvPicPr>
+          <p:nvPr/>
+        </p:nvPicPr>
+        <p:blipFill>
+          <a:blip r:embed="rId2" cstate="print"/>
+          <a:srcRect/>
+          <a:stretch>
+            <a:fillRect/>
+          </a:stretch>
+        </p:blipFill>
+        <p:spPr bwMode="auto">
+          <a:xfrm>
+            <a:off x="3995936" y="3645024"/>
+            <a:ext cx="1018399" cy="864096"/>
+          </a:xfrm>
+          <a:prstGeom prst="rect">
+            <a:avLst/>
+          </a:prstGeom>
+          <a:noFill/>
+          <a:ln w="9525">
+            <a:noFill/>
+            <a:miter lim="800000"/>
+            <a:headEnd/>
+            <a:tailEnd/>
+          </a:ln>
+        </p:spPr>
+      </p:pic>
+    </p:spTree>
+    <p:extLst>
+      <p:ext uri="{BB962C8B-B14F-4D97-AF65-F5344CB8AC3E}">
+        <p14:creationId xmlns:p14="http://schemas.microsoft.com/office/powerpoint/2010/main" val="3602519203"/>
+      </p:ext>
+    </p:extLst>
+  </p:cSld>
+  <p:clrMapOvr>
+    <a:masterClrMapping/>
+  </p:clrMapOvr>
+</p:sld>
+</file>
+
+<file path=ppt/slides/slide2.xml><?xml version="1.0" encoding="utf-8"?>
+<p:sld xmlns:a="http://schemas.openxmlformats.org/drawingml/2006/main" xmlns:r="http://schemas.openxmlformats.org/officeDocument/2006/relationships" xmlns:p="http://schemas.openxmlformats.org/presentationml/2006/main">
+  <p:cSld>
+    <p:spTree>
+      <p:nvGrpSpPr>
+        <p:cNvPr id="1" name=""/>
+        <p:cNvGrpSpPr/>
+        <p:nvPr/>
+      </p:nvGrpSpPr>
+      <p:grpSpPr>
+        <a:xfrm>
+          <a:off x="0" y="0"/>
+          <a:ext cx="0" cy="0"/>
+          <a:chOff x="0" y="0"/>
+          <a:chExt cx="0" cy="0"/>
+        </a:xfrm>
+      </p:grpSpPr>
+      <p:sp>
+        <p:nvSpPr>
+          <p:cNvPr id="2" name="標題 1"/>
+          <p:cNvSpPr>
+            <a:spLocks noGrp="1"/>
+          </p:cNvSpPr>
+          <p:nvPr>
+            <p:ph type="ctrTitle"/>
+          </p:nvPr>
+        </p:nvSpPr>
+        <p:spPr>
+          <a:xfrm>
             <a:off x="0" y="1"/>
             <a:ext cx="9144000" cy="764704"/>
           </a:xfrm>
@@ -7041,7 +7224,7 @@
                   <a:srgbClr val="FFFF00"/>
                 </a:solidFill>
               </a:rPr>
-              <a:t>14.02.02 Enhanced for Loop</a:t>
+              <a:t>14.02 Collection and Generic Practical</a:t>
             </a:r>
             <a:endParaRPr lang="zh-TW" altLang="en-US" b="1" dirty="0">
               <a:solidFill>
@@ -7063,8 +7246,8 @@
         </p:nvSpPr>
         <p:spPr>
           <a:xfrm>
-            <a:off x="467544" y="1268760"/>
-            <a:ext cx="8352928" cy="469600"/>
+            <a:off x="467544" y="1268759"/>
+            <a:ext cx="8352928" cy="2232249"/>
           </a:xfrm>
           <a:ln>
             <a:solidFill>
@@ -7092,39 +7275,97 @@
                   <a:schemeClr val="tx1"/>
                 </a:solidFill>
               </a:rPr>
-              <a:t>Use while (</a:t>
-            </a:r>
-            <a:r>
-              <a:rPr lang="en-US" altLang="zh-TW" sz="1600" dirty="0" err="1">
-                <a:solidFill>
-                  <a:schemeClr val="tx1"/>
-                </a:solidFill>
-              </a:rPr>
-              <a:t>i.hasNext</a:t>
-            </a:r>
-            <a:r>
-              <a:rPr lang="en-US" altLang="zh-TW" sz="1600" dirty="0">
-                <a:solidFill>
-                  <a:schemeClr val="tx1"/>
-                </a:solidFill>
-              </a:rPr>
-              <a:t>()) to loop all the elements and print with </a:t>
-            </a:r>
-            <a:r>
-              <a:rPr lang="en-US" altLang="zh-TW" sz="1600" dirty="0" err="1">
-                <a:solidFill>
-                  <a:schemeClr val="tx1"/>
-                </a:solidFill>
-              </a:rPr>
-              <a:t>i.next</a:t>
-            </a:r>
-            <a:r>
-              <a:rPr lang="en-US" altLang="zh-TW" sz="1600" dirty="0">
-                <a:solidFill>
-                  <a:schemeClr val="tx1"/>
-                </a:solidFill>
-              </a:rPr>
-              <a:t>().</a:t>
+              <a:t>We discuss the Collection and Generic Practical in Java.</a:t>
+            </a:r>
+          </a:p>
+          <a:p>
+            <a:pPr marL="342900" indent="-342900" algn="l">
+              <a:buClr>
+                <a:srgbClr val="0070C0"/>
+              </a:buClr>
+              <a:buSzPct val="80000"/>
+              <a:buFont typeface="Wingdings" pitchFamily="2" charset="2"/>
+              <a:buChar char="u"/>
+            </a:pPr>
+            <a:r>
+              <a:rPr lang="en-US" altLang="zh-TW" sz="1600" dirty="0">
+                <a:solidFill>
+                  <a:schemeClr val="tx1"/>
+                </a:solidFill>
+              </a:rPr>
+              <a:t>Java 1.0, Collection is not there.</a:t>
+            </a:r>
+          </a:p>
+          <a:p>
+            <a:pPr marL="342900" indent="-342900" algn="l">
+              <a:buClr>
+                <a:srgbClr val="0070C0"/>
+              </a:buClr>
+              <a:buSzPct val="80000"/>
+              <a:buFont typeface="Wingdings" pitchFamily="2" charset="2"/>
+              <a:buChar char="u"/>
+            </a:pPr>
+            <a:r>
+              <a:rPr lang="en-US" altLang="zh-TW" sz="1600" dirty="0">
+                <a:solidFill>
+                  <a:schemeClr val="tx1"/>
+                </a:solidFill>
+              </a:rPr>
+              <a:t>Java 1.2 have the Collections and Java 1.5 have the Generics</a:t>
+            </a:r>
+          </a:p>
+          <a:p>
+            <a:pPr marL="342900" indent="-342900" algn="l">
+              <a:buClr>
+                <a:srgbClr val="0070C0"/>
+              </a:buClr>
+              <a:buSzPct val="80000"/>
+              <a:buFont typeface="Wingdings" pitchFamily="2" charset="2"/>
+              <a:buChar char="u"/>
+            </a:pPr>
+            <a:r>
+              <a:rPr lang="en-US" altLang="zh-TW" sz="1600" dirty="0">
+                <a:solidFill>
+                  <a:schemeClr val="tx1"/>
+                </a:solidFill>
+              </a:rPr>
+              <a:t>Since we are in Java 1.8, we have all the features of Collections and Generics.</a:t>
+            </a:r>
+          </a:p>
+          <a:p>
+            <a:pPr marL="342900" indent="-342900" algn="l">
+              <a:buClr>
+                <a:srgbClr val="0070C0"/>
+              </a:buClr>
+              <a:buSzPct val="80000"/>
+              <a:buFont typeface="Wingdings" pitchFamily="2" charset="2"/>
+              <a:buChar char="u"/>
+            </a:pPr>
+            <a:r>
+              <a:rPr lang="en-US" altLang="zh-TW" sz="1600" dirty="0">
+                <a:solidFill>
+                  <a:schemeClr val="tx1"/>
+                </a:solidFill>
+              </a:rPr>
+              <a:t>Why we need the collections?</a:t>
+            </a:r>
+          </a:p>
+          <a:p>
+            <a:pPr marL="342900" indent="-342900" algn="l">
+              <a:buClr>
+                <a:srgbClr val="0070C0"/>
+              </a:buClr>
+              <a:buSzPct val="80000"/>
+              <a:buFont typeface="Wingdings" pitchFamily="2" charset="2"/>
+              <a:buChar char="u"/>
+            </a:pPr>
+            <a:r>
+              <a:rPr lang="en-US" altLang="zh-TW" sz="1600" dirty="0">
+                <a:solidFill>
+                  <a:schemeClr val="tx1"/>
+                </a:solidFill>
+              </a:rPr>
+              <a:t>Collections provide you the dynamic type of arrays where you can add your elements, you can expand the size of array, and you can reduce the size of array. Those are the advantage of using collection.</a:t>
             </a:r>
           </a:p>
         </p:txBody>
@@ -7250,114 +7491,16 @@
             <a:fld id="{E4D7E63D-91F2-4366-A2C4-1B00C9E2590E}" type="slidenum">
               <a:rPr lang="zh-TW" altLang="en-US" smtClean="0"/>
               <a:pPr/>
-              <a:t>19</a:t>
+              <a:t>2</a:t>
             </a:fld>
             <a:endParaRPr lang="zh-TW" altLang="en-US"/>
           </a:p>
         </p:txBody>
       </p:sp>
-      <p:sp>
-        <p:nvSpPr>
-          <p:cNvPr id="129" name="Rectangle 128">
-            <a:extLst>
-              <a:ext uri="{FF2B5EF4-FFF2-40B4-BE49-F238E27FC236}">
-                <a16:creationId xmlns:a16="http://schemas.microsoft.com/office/drawing/2014/main" id="{9F68A035-546B-4E11-ADFC-7FBDDAC42022}"/>
-              </a:ext>
-            </a:extLst>
-          </p:cNvPr>
-          <p:cNvSpPr/>
-          <p:nvPr/>
-        </p:nvSpPr>
-        <p:spPr>
-          <a:xfrm>
-            <a:off x="2771800" y="4581128"/>
-            <a:ext cx="2304256" cy="576064"/>
-          </a:xfrm>
-          <a:prstGeom prst="rect">
-            <a:avLst/>
-          </a:prstGeom>
-          <a:noFill/>
-          <a:ln>
-            <a:solidFill>
-              <a:srgbClr val="C00000"/>
-            </a:solidFill>
-          </a:ln>
-        </p:spPr>
-        <p:style>
-          <a:lnRef idx="2">
-            <a:schemeClr val="accent1">
-              <a:shade val="50000"/>
-            </a:schemeClr>
-          </a:lnRef>
-          <a:fillRef idx="1">
-            <a:schemeClr val="accent1"/>
-          </a:fillRef>
-          <a:effectRef idx="0">
-            <a:schemeClr val="accent1"/>
-          </a:effectRef>
-          <a:fontRef idx="minor">
-            <a:schemeClr val="lt1"/>
-          </a:fontRef>
-        </p:style>
-        <p:txBody>
-          <a:bodyPr rtlCol="0" anchor="ctr"/>
-          <a:lstStyle/>
-          <a:p>
-            <a:pPr algn="ctr"/>
-            <a:endParaRPr lang="en-US"/>
-          </a:p>
-        </p:txBody>
-      </p:sp>
-      <p:cxnSp>
-        <p:nvCxnSpPr>
-          <p:cNvPr id="131" name="Straight Arrow Connector 130">
-            <a:extLst>
-              <a:ext uri="{FF2B5EF4-FFF2-40B4-BE49-F238E27FC236}">
-                <a16:creationId xmlns:a16="http://schemas.microsoft.com/office/drawing/2014/main" id="{70BAF35F-69E8-4346-86B2-726DF28197E9}"/>
-              </a:ext>
-            </a:extLst>
-          </p:cNvPr>
-          <p:cNvCxnSpPr>
-            <a:cxnSpLocks/>
-            <a:stCxn id="3" idx="2"/>
-            <a:endCxn id="129" idx="0"/>
-          </p:cNvCxnSpPr>
-          <p:nvPr/>
-        </p:nvCxnSpPr>
-        <p:spPr>
-          <a:xfrm flipH="1">
-            <a:off x="3923928" y="1738360"/>
-            <a:ext cx="720080" cy="2842768"/>
-          </a:xfrm>
-          <a:prstGeom prst="straightConnector1">
-            <a:avLst/>
-          </a:prstGeom>
-          <a:ln>
-            <a:solidFill>
-              <a:srgbClr val="C00000"/>
-            </a:solidFill>
-            <a:tailEnd type="triangle"/>
-          </a:ln>
-        </p:spPr>
-        <p:style>
-          <a:lnRef idx="1">
-            <a:schemeClr val="accent1"/>
-          </a:lnRef>
-          <a:fillRef idx="0">
-            <a:schemeClr val="accent1"/>
-          </a:fillRef>
-          <a:effectRef idx="0">
-            <a:schemeClr val="accent1"/>
-          </a:effectRef>
-          <a:fontRef idx="minor">
-            <a:schemeClr val="tx1"/>
-          </a:fontRef>
-        </p:style>
-      </p:cxnSp>
     </p:spTree>
     <p:extLst>
       <p:ext uri="{BB962C8B-B14F-4D97-AF65-F5344CB8AC3E}">
-        <p14:creationId xmlns:p14="http://schemas.microsoft.com/office/powerpoint/2010/main" val="1502209545"/>
+        <p14:creationId xmlns:p14="http://schemas.microsoft.com/office/powerpoint/2010/main" val="1188746068"/>
       </p:ext>
     </p:extLst>
   </p:cSld>
@@ -7367,7 +7510,7 @@
 </p:sld>
 </file>
 
-<file path=ppt/slides/slide2.xml><?xml version="1.0" encoding="utf-8"?>
+<file path=ppt/slides/slide20.xml><?xml version="1.0" encoding="utf-8"?>
 <p:sld xmlns:a="http://schemas.openxmlformats.org/drawingml/2006/main" xmlns:r="http://schemas.openxmlformats.org/officeDocument/2006/relationships" xmlns:p="http://schemas.openxmlformats.org/presentationml/2006/main">
   <p:cSld>
     <p:spTree>
@@ -7439,7 +7582,7 @@
                   <a:srgbClr val="FFFF00"/>
                 </a:solidFill>
               </a:rPr>
-              <a:t>14.02 Collection and Generic Practical</a:t>
+              <a:t>14.02.03 Generic in Java</a:t>
             </a:r>
             <a:endParaRPr lang="zh-TW" altLang="en-US" b="1" dirty="0">
               <a:solidFill>
@@ -7461,8 +7604,8 @@
         </p:nvSpPr>
         <p:spPr>
           <a:xfrm>
-            <a:off x="467544" y="1268759"/>
-            <a:ext cx="8352928" cy="2232249"/>
+            <a:off x="467544" y="1268760"/>
+            <a:ext cx="7992888" cy="4248472"/>
           </a:xfrm>
           <a:ln>
             <a:solidFill>
@@ -7490,7 +7633,7 @@
                   <a:schemeClr val="tx1"/>
                 </a:solidFill>
               </a:rPr>
-              <a:t>We discuss the Collection and Generic Practical in Java.</a:t>
+              <a:t>This section talks about Generic:</a:t>
             </a:r>
           </a:p>
           <a:p>
@@ -7508,7 +7651,75 @@
                   <a:schemeClr val="tx1"/>
                 </a:solidFill>
               </a:rPr>
-              <a:t>Java 1.0, Collection is not there.</a:t>
+              <a:t>public class </a:t>
+            </a:r>
+            <a:r>
+              <a:rPr lang="en-US" altLang="zh-TW" sz="1600" dirty="0" err="1">
+                <a:solidFill>
+                  <a:schemeClr val="tx1"/>
+                </a:solidFill>
+              </a:rPr>
+              <a:t>GenericDemo</a:t>
+            </a:r>
+            <a:r>
+              <a:rPr lang="en-US" altLang="zh-TW" sz="1600" dirty="0">
+                <a:solidFill>
+                  <a:schemeClr val="tx1"/>
+                </a:solidFill>
+              </a:rPr>
+              <a:t> {</a:t>
+            </a:r>
+          </a:p>
+          <a:p>
+            <a:pPr marL="800100" lvl="1" indent="-342900" algn="l">
+              <a:buClr>
+                <a:srgbClr val="0070C0"/>
+              </a:buClr>
+              <a:buSzPct val="80000"/>
+              <a:buFont typeface="Wingdings" pitchFamily="2" charset="2"/>
+              <a:buChar char="u"/>
+            </a:pPr>
+            <a:r>
+              <a:rPr lang="en-US" altLang="zh-TW" sz="1600" dirty="0">
+                <a:solidFill>
+                  <a:schemeClr val="tx1"/>
+                </a:solidFill>
+              </a:rPr>
+              <a:t>public static void main (String [] </a:t>
+            </a:r>
+            <a:r>
+              <a:rPr lang="en-US" altLang="zh-TW" sz="1600" dirty="0" err="1">
+                <a:solidFill>
+                  <a:schemeClr val="tx1"/>
+                </a:solidFill>
+              </a:rPr>
+              <a:t>args</a:t>
+            </a:r>
+            <a:r>
+              <a:rPr lang="en-US" altLang="zh-TW" sz="1600" dirty="0">
+                <a:solidFill>
+                  <a:schemeClr val="tx1"/>
+                </a:solidFill>
+              </a:rPr>
+              <a:t>) {</a:t>
+            </a:r>
+          </a:p>
+          <a:p>
+            <a:pPr marL="800100" lvl="1" indent="-342900" algn="l">
+              <a:buClr>
+                <a:srgbClr val="0070C0"/>
+              </a:buClr>
+              <a:buSzPct val="80000"/>
+              <a:buFont typeface="Wingdings" pitchFamily="2" charset="2"/>
+              <a:buChar char="u"/>
+            </a:pPr>
+            <a:r>
+              <a:rPr lang="en-US" altLang="zh-TW" sz="1600" dirty="0">
+                <a:solidFill>
+                  <a:schemeClr val="tx1"/>
+                </a:solidFill>
+              </a:rPr>
+              <a:t>}</a:t>
             </a:r>
           </a:p>
           <a:p>
@@ -7526,7 +7737,7 @@
                   <a:schemeClr val="tx1"/>
                 </a:solidFill>
               </a:rPr>
-              <a:t>Java 1.2 have the Collections and Java 1.5 have the Generics</a:t>
+              <a:t>}</a:t>
             </a:r>
           </a:p>
           <a:p>
@@ -7544,7 +7755,7 @@
                   <a:schemeClr val="tx1"/>
                 </a:solidFill>
               </a:rPr>
-              <a:t>Since we are in Java 1.8, we have all the features of Collections and Generics.</a:t>
+              <a:t>In Java, if we want to work any variables, we have to declare first.</a:t>
             </a:r>
           </a:p>
           <a:p>
@@ -7562,7 +7773,163 @@
                   <a:schemeClr val="tx1"/>
                 </a:solidFill>
               </a:rPr>
-              <a:t>Why we need the collections?</a:t>
+              <a:t>public class </a:t>
+            </a:r>
+            <a:r>
+              <a:rPr lang="en-US" altLang="zh-TW" sz="1600" dirty="0" err="1">
+                <a:solidFill>
+                  <a:schemeClr val="tx1"/>
+                </a:solidFill>
+              </a:rPr>
+              <a:t>GenericDemo</a:t>
+            </a:r>
+            <a:r>
+              <a:rPr lang="en-US" altLang="zh-TW" sz="1600" dirty="0">
+                <a:solidFill>
+                  <a:schemeClr val="tx1"/>
+                </a:solidFill>
+              </a:rPr>
+              <a:t> {</a:t>
+            </a:r>
+          </a:p>
+          <a:p>
+            <a:pPr marL="800100" lvl="1" indent="-342900" algn="l">
+              <a:buClr>
+                <a:srgbClr val="0070C0"/>
+              </a:buClr>
+              <a:buSzPct val="80000"/>
+              <a:buFont typeface="Wingdings" pitchFamily="2" charset="2"/>
+              <a:buChar char="u"/>
+            </a:pPr>
+            <a:r>
+              <a:rPr lang="en-US" altLang="zh-TW" sz="1600" dirty="0">
+                <a:solidFill>
+                  <a:schemeClr val="tx1"/>
+                </a:solidFill>
+              </a:rPr>
+              <a:t>public static void main (String [] </a:t>
+            </a:r>
+            <a:r>
+              <a:rPr lang="en-US" altLang="zh-TW" sz="1600" dirty="0" err="1">
+                <a:solidFill>
+                  <a:schemeClr val="tx1"/>
+                </a:solidFill>
+              </a:rPr>
+              <a:t>args</a:t>
+            </a:r>
+            <a:r>
+              <a:rPr lang="en-US" altLang="zh-TW" sz="1600" dirty="0">
+                <a:solidFill>
+                  <a:schemeClr val="tx1"/>
+                </a:solidFill>
+              </a:rPr>
+              <a:t>) {</a:t>
+            </a:r>
+          </a:p>
+          <a:p>
+            <a:pPr marL="1257300" lvl="2" indent="-342900" algn="l">
+              <a:buClr>
+                <a:srgbClr val="0070C0"/>
+              </a:buClr>
+              <a:buSzPct val="80000"/>
+              <a:buFont typeface="Wingdings" pitchFamily="2" charset="2"/>
+              <a:buChar char="u"/>
+            </a:pPr>
+            <a:r>
+              <a:rPr lang="en-US" altLang="zh-TW" sz="1600" dirty="0">
+                <a:solidFill>
+                  <a:schemeClr val="tx1"/>
+                </a:solidFill>
+              </a:rPr>
+              <a:t>int value = 5;  // We need to specify the type before the run time.</a:t>
+            </a:r>
+          </a:p>
+          <a:p>
+            <a:pPr marL="1257300" lvl="2" indent="-342900" algn="l">
+              <a:buClr>
+                <a:srgbClr val="0070C0"/>
+              </a:buClr>
+              <a:buSzPct val="80000"/>
+              <a:buFont typeface="Wingdings" pitchFamily="2" charset="2"/>
+              <a:buChar char="u"/>
+            </a:pPr>
+            <a:r>
+              <a:rPr lang="en-US" altLang="zh-TW" sz="1600" dirty="0">
+                <a:solidFill>
+                  <a:schemeClr val="tx1"/>
+                </a:solidFill>
+              </a:rPr>
+              <a:t>List values = new ArrayList(); // This values can have any type of value.</a:t>
+            </a:r>
+          </a:p>
+          <a:p>
+            <a:pPr marL="1257300" lvl="2" indent="-342900" algn="l">
+              <a:buClr>
+                <a:srgbClr val="0070C0"/>
+              </a:buClr>
+              <a:buSzPct val="80000"/>
+              <a:buFont typeface="Wingdings" pitchFamily="2" charset="2"/>
+              <a:buChar char="u"/>
+            </a:pPr>
+            <a:r>
+              <a:rPr lang="en-US" altLang="zh-TW" sz="1600" dirty="0" err="1">
+                <a:solidFill>
+                  <a:schemeClr val="tx1"/>
+                </a:solidFill>
+              </a:rPr>
+              <a:t>values.add</a:t>
+            </a:r>
+            <a:r>
+              <a:rPr lang="en-US" altLang="zh-TW" sz="1600" dirty="0">
+                <a:solidFill>
+                  <a:schemeClr val="tx1"/>
+                </a:solidFill>
+              </a:rPr>
+              <a:t>(7);</a:t>
+            </a:r>
+          </a:p>
+          <a:p>
+            <a:pPr marL="1257300" lvl="2" indent="-342900" algn="l">
+              <a:buClr>
+                <a:srgbClr val="0070C0"/>
+              </a:buClr>
+              <a:buSzPct val="80000"/>
+              <a:buFont typeface="Wingdings" pitchFamily="2" charset="2"/>
+              <a:buChar char="u"/>
+            </a:pPr>
+            <a:r>
+              <a:rPr lang="en-US" altLang="zh-TW" sz="1600" dirty="0" err="1">
+                <a:solidFill>
+                  <a:schemeClr val="tx1"/>
+                </a:solidFill>
+              </a:rPr>
+              <a:t>values.add</a:t>
+            </a:r>
+            <a:r>
+              <a:rPr lang="en-US" altLang="zh-TW" sz="1600" dirty="0">
+                <a:solidFill>
+                  <a:schemeClr val="tx1"/>
+                </a:solidFill>
+              </a:rPr>
+              <a:t> (“Peter”);</a:t>
+            </a:r>
+          </a:p>
+          <a:p>
+            <a:pPr marL="800100" lvl="1" indent="-342900" algn="l">
+              <a:buClr>
+                <a:srgbClr val="0070C0"/>
+              </a:buClr>
+              <a:buSzPct val="80000"/>
+              <a:buFont typeface="Wingdings" pitchFamily="2" charset="2"/>
+              <a:buChar char="u"/>
+            </a:pPr>
+            <a:r>
+              <a:rPr lang="en-US" altLang="zh-TW" sz="1600" dirty="0">
+                <a:solidFill>
+                  <a:schemeClr val="tx1"/>
+                </a:solidFill>
+              </a:rPr>
+              <a:t>}</a:t>
             </a:r>
           </a:p>
           <a:p>
@@ -7580,8 +7947,53 @@
                   <a:schemeClr val="tx1"/>
                 </a:solidFill>
               </a:rPr>
-              <a:t>Collections provide you the dynamic type of arrays where you can add your elements, you can expand the size of array, and you can reduce the size of array. Those are the advantage of using collection.</a:t>
-            </a:r>
+              <a:t>}</a:t>
+            </a:r>
+          </a:p>
+          <a:p>
+            <a:pPr marL="342900" indent="-342900" algn="l">
+              <a:buClr>
+                <a:srgbClr val="0070C0"/>
+              </a:buClr>
+              <a:buSzPct val="80000"/>
+              <a:buFont typeface="Wingdings" pitchFamily="2" charset="2"/>
+              <a:buChar char="u"/>
+            </a:pPr>
+            <a:endParaRPr lang="en-US" altLang="zh-TW" sz="1600" dirty="0">
+              <a:solidFill>
+                <a:schemeClr val="tx1"/>
+              </a:solidFill>
+            </a:endParaRPr>
+          </a:p>
+          <a:p>
+            <a:pPr marL="342900" indent="-342900" algn="l">
+              <a:buClr>
+                <a:srgbClr val="0070C0"/>
+              </a:buClr>
+              <a:buSzPct val="80000"/>
+              <a:buFont typeface="Wingdings" pitchFamily="2" charset="2"/>
+              <a:buChar char="u"/>
+            </a:pPr>
+            <a:endParaRPr lang="en-US" altLang="zh-TW" sz="1600" dirty="0">
+              <a:solidFill>
+                <a:schemeClr val="tx1"/>
+              </a:solidFill>
+            </a:endParaRPr>
+          </a:p>
+          <a:p>
+            <a:pPr marL="342900" indent="-342900" algn="l">
+              <a:buClr>
+                <a:srgbClr val="0070C0"/>
+              </a:buClr>
+              <a:buSzPct val="80000"/>
+              <a:buFont typeface="Wingdings" pitchFamily="2" charset="2"/>
+              <a:buChar char="u"/>
+            </a:pPr>
+            <a:endParaRPr lang="en-US" altLang="zh-TW" sz="1600" dirty="0">
+              <a:solidFill>
+                <a:schemeClr val="tx1"/>
+              </a:solidFill>
+            </a:endParaRPr>
           </a:p>
         </p:txBody>
       </p:sp>
@@ -7640,12 +8052,10 @@
               </a:spcBef>
             </a:pPr>
             <a:r>
-              <a:rPr lang="en-US" altLang="zh-TW" sz="1600" dirty="0">
-                <a:latin typeface="+mj-lt"/>
-                <a:ea typeface="+mj-ea"/>
-                <a:cs typeface="+mj-cs"/>
-              </a:rPr>
-              <a:t>https://www.youtube.com/watch?v=HhrQqmp3hXI&amp;list=PLsyeobzWxl7oZ-fxDYkOToURHhMuWD1BK&amp;index=133</a:t>
+              <a:rPr lang="en-US" sz="1600" dirty="0">
+                <a:hlinkClick r:id="rId2"/>
+              </a:rPr>
+              <a:t>https://www.youtube.com/watch?v=XMvznsY02Mk&amp;list=PLsyeobzWxl7oZ-fxDYkOToURHhMuWD1BK&amp;index=134</a:t>
             </a:r>
             <a:endParaRPr kumimoji="0" lang="zh-TW" altLang="en-US" sz="1600" b="0" i="0" u="none" strike="noStrike" kern="1200" cap="none" spc="0" normalizeH="0" baseline="0" noProof="0" dirty="0">
               <a:ln>
@@ -7706,7 +8116,7 @@
             <a:fld id="{E4D7E63D-91F2-4366-A2C4-1B00C9E2590E}" type="slidenum">
               <a:rPr lang="zh-TW" altLang="en-US" smtClean="0"/>
               <a:pPr/>
-              <a:t>2</a:t>
+              <a:t>20</a:t>
             </a:fld>
             <a:endParaRPr lang="zh-TW" altLang="en-US"/>
           </a:p>
@@ -7715,7 +8125,7 @@
     </p:spTree>
     <p:extLst>
       <p:ext uri="{BB962C8B-B14F-4D97-AF65-F5344CB8AC3E}">
-        <p14:creationId xmlns:p14="http://schemas.microsoft.com/office/powerpoint/2010/main" val="1188746068"/>
+        <p14:creationId xmlns:p14="http://schemas.microsoft.com/office/powerpoint/2010/main" val="3348478697"/>
       </p:ext>
     </p:extLst>
   </p:cSld>
@@ -7725,7 +8135,492 @@
 </p:sld>
 </file>
 
-<file path=ppt/slides/slide20.xml><?xml version="1.0" encoding="utf-8"?>
+<file path=ppt/slides/slide21.xml><?xml version="1.0" encoding="utf-8"?>
+<p:sld xmlns:a="http://schemas.openxmlformats.org/drawingml/2006/main" xmlns:r="http://schemas.openxmlformats.org/officeDocument/2006/relationships" xmlns:p="http://schemas.openxmlformats.org/presentationml/2006/main">
+  <p:cSld>
+    <p:spTree>
+      <p:nvGrpSpPr>
+        <p:cNvPr id="1" name=""/>
+        <p:cNvGrpSpPr/>
+        <p:nvPr/>
+      </p:nvGrpSpPr>
+      <p:grpSpPr>
+        <a:xfrm>
+          <a:off x="0" y="0"/>
+          <a:ext cx="0" cy="0"/>
+          <a:chOff x="0" y="0"/>
+          <a:chExt cx="0" cy="0"/>
+        </a:xfrm>
+      </p:grpSpPr>
+      <p:sp>
+        <p:nvSpPr>
+          <p:cNvPr id="2" name="標題 1"/>
+          <p:cNvSpPr>
+            <a:spLocks noGrp="1"/>
+          </p:cNvSpPr>
+          <p:nvPr>
+            <p:ph type="ctrTitle"/>
+          </p:nvPr>
+        </p:nvSpPr>
+        <p:spPr>
+          <a:xfrm>
+            <a:off x="0" y="1"/>
+            <a:ext cx="9144000" cy="764704"/>
+          </a:xfrm>
+          <a:gradFill flip="none" rotWithShape="1">
+            <a:gsLst>
+              <a:gs pos="0">
+                <a:srgbClr val="C00000">
+                  <a:shade val="30000"/>
+                  <a:satMod val="115000"/>
+                </a:srgbClr>
+              </a:gs>
+              <a:gs pos="50000">
+                <a:srgbClr val="C00000">
+                  <a:shade val="67500"/>
+                  <a:satMod val="115000"/>
+                </a:srgbClr>
+              </a:gs>
+              <a:gs pos="100000">
+                <a:srgbClr val="C00000">
+                  <a:shade val="100000"/>
+                  <a:satMod val="115000"/>
+                </a:srgbClr>
+              </a:gs>
+            </a:gsLst>
+            <a:path path="circle">
+              <a:fillToRect t="100000" r="100000"/>
+            </a:path>
+            <a:tileRect l="-100000" b="-100000"/>
+          </a:gradFill>
+        </p:spPr>
+        <p:txBody>
+          <a:bodyPr>
+            <a:normAutofit/>
+          </a:bodyPr>
+          <a:lstStyle/>
+          <a:p>
+            <a:pPr algn="l"/>
+            <a:r>
+              <a:rPr lang="en-US" altLang="zh-TW" b="1" dirty="0">
+                <a:solidFill>
+                  <a:srgbClr val="FFFF00"/>
+                </a:solidFill>
+              </a:rPr>
+              <a:t>14.02.03 Generic in Java</a:t>
+            </a:r>
+            <a:endParaRPr lang="zh-TW" altLang="en-US" b="1" dirty="0">
+              <a:solidFill>
+                <a:srgbClr val="FFFF00"/>
+              </a:solidFill>
+            </a:endParaRPr>
+          </a:p>
+        </p:txBody>
+      </p:sp>
+      <p:sp>
+        <p:nvSpPr>
+          <p:cNvPr id="3" name="副標題 2"/>
+          <p:cNvSpPr>
+            <a:spLocks noGrp="1"/>
+          </p:cNvSpPr>
+          <p:nvPr>
+            <p:ph type="subTitle" idx="1"/>
+          </p:nvPr>
+        </p:nvSpPr>
+        <p:spPr>
+          <a:xfrm>
+            <a:off x="467544" y="1268760"/>
+            <a:ext cx="7992888" cy="4248472"/>
+          </a:xfrm>
+          <a:ln>
+            <a:solidFill>
+              <a:srgbClr val="C00000"/>
+            </a:solidFill>
+          </a:ln>
+        </p:spPr>
+        <p:txBody>
+          <a:bodyPr>
+            <a:noAutofit/>
+          </a:bodyPr>
+          <a:lstStyle/>
+          <a:p>
+            <a:pPr marL="342900" indent="-342900" algn="l">
+              <a:buClr>
+                <a:srgbClr val="0070C0"/>
+              </a:buClr>
+              <a:buSzPct val="80000"/>
+              <a:buFont typeface="Wingdings" pitchFamily="2" charset="2"/>
+              <a:buChar char="u"/>
+            </a:pPr>
+            <a:r>
+              <a:rPr lang="en-US" altLang="zh-TW" sz="1600" dirty="0">
+                <a:solidFill>
+                  <a:schemeClr val="tx1"/>
+                </a:solidFill>
+              </a:rPr>
+              <a:t>If you specify one type of data, such as, Integer</a:t>
+            </a:r>
+          </a:p>
+          <a:p>
+            <a:pPr marL="342900" indent="-342900" algn="l">
+              <a:buClr>
+                <a:srgbClr val="0070C0"/>
+              </a:buClr>
+              <a:buSzPct val="80000"/>
+              <a:buFont typeface="Wingdings" pitchFamily="2" charset="2"/>
+              <a:buChar char="u"/>
+            </a:pPr>
+            <a:r>
+              <a:rPr lang="en-US" altLang="zh-TW" sz="1600" dirty="0">
+                <a:solidFill>
+                  <a:schemeClr val="tx1"/>
+                </a:solidFill>
+              </a:rPr>
+              <a:t>public class </a:t>
+            </a:r>
+            <a:r>
+              <a:rPr lang="en-US" altLang="zh-TW" sz="1600" dirty="0" err="1">
+                <a:solidFill>
+                  <a:schemeClr val="tx1"/>
+                </a:solidFill>
+              </a:rPr>
+              <a:t>GenericDemo</a:t>
+            </a:r>
+            <a:r>
+              <a:rPr lang="en-US" altLang="zh-TW" sz="1600" dirty="0">
+                <a:solidFill>
+                  <a:schemeClr val="tx1"/>
+                </a:solidFill>
+              </a:rPr>
+              <a:t> {</a:t>
+            </a:r>
+          </a:p>
+          <a:p>
+            <a:pPr marL="800100" lvl="1" indent="-342900" algn="l">
+              <a:buClr>
+                <a:srgbClr val="0070C0"/>
+              </a:buClr>
+              <a:buSzPct val="80000"/>
+              <a:buFont typeface="Wingdings" pitchFamily="2" charset="2"/>
+              <a:buChar char="u"/>
+            </a:pPr>
+            <a:r>
+              <a:rPr lang="en-US" altLang="zh-TW" sz="1600" dirty="0">
+                <a:solidFill>
+                  <a:schemeClr val="tx1"/>
+                </a:solidFill>
+              </a:rPr>
+              <a:t>public static void main (String [] </a:t>
+            </a:r>
+            <a:r>
+              <a:rPr lang="en-US" altLang="zh-TW" sz="1600" dirty="0" err="1">
+                <a:solidFill>
+                  <a:schemeClr val="tx1"/>
+                </a:solidFill>
+              </a:rPr>
+              <a:t>args</a:t>
+            </a:r>
+            <a:r>
+              <a:rPr lang="en-US" altLang="zh-TW" sz="1600" dirty="0">
+                <a:solidFill>
+                  <a:schemeClr val="tx1"/>
+                </a:solidFill>
+              </a:rPr>
+              <a:t>) {</a:t>
+            </a:r>
+          </a:p>
+          <a:p>
+            <a:pPr marL="1257300" lvl="2" indent="-342900" algn="l">
+              <a:buClr>
+                <a:srgbClr val="0070C0"/>
+              </a:buClr>
+              <a:buSzPct val="80000"/>
+              <a:buFont typeface="Wingdings" pitchFamily="2" charset="2"/>
+              <a:buChar char="u"/>
+            </a:pPr>
+            <a:r>
+              <a:rPr lang="en-US" altLang="zh-TW" sz="1600" dirty="0">
+                <a:solidFill>
+                  <a:schemeClr val="tx1"/>
+                </a:solidFill>
+              </a:rPr>
+              <a:t>List &lt;Integer&gt; values = new ArrayList&lt;&gt;(); // Specify the Integer type.</a:t>
+            </a:r>
+          </a:p>
+          <a:p>
+            <a:pPr marL="1257300" lvl="2" indent="-342900" algn="l">
+              <a:buClr>
+                <a:srgbClr val="0070C0"/>
+              </a:buClr>
+              <a:buSzPct val="80000"/>
+              <a:buFont typeface="Wingdings" pitchFamily="2" charset="2"/>
+              <a:buChar char="u"/>
+            </a:pPr>
+            <a:r>
+              <a:rPr lang="en-US" altLang="zh-TW" sz="1600" dirty="0" err="1">
+                <a:solidFill>
+                  <a:schemeClr val="tx1"/>
+                </a:solidFill>
+              </a:rPr>
+              <a:t>values.add</a:t>
+            </a:r>
+            <a:r>
+              <a:rPr lang="en-US" altLang="zh-TW" sz="1600" dirty="0">
+                <a:solidFill>
+                  <a:schemeClr val="tx1"/>
+                </a:solidFill>
+              </a:rPr>
+              <a:t>(7);</a:t>
+            </a:r>
+          </a:p>
+          <a:p>
+            <a:pPr marL="1257300" lvl="2" indent="-342900" algn="l">
+              <a:buClr>
+                <a:srgbClr val="0070C0"/>
+              </a:buClr>
+              <a:buSzPct val="80000"/>
+              <a:buFont typeface="Wingdings" pitchFamily="2" charset="2"/>
+              <a:buChar char="u"/>
+            </a:pPr>
+            <a:r>
+              <a:rPr lang="en-US" altLang="zh-TW" sz="1600" dirty="0" err="1">
+                <a:solidFill>
+                  <a:schemeClr val="tx1"/>
+                </a:solidFill>
+              </a:rPr>
+              <a:t>values.add</a:t>
+            </a:r>
+            <a:r>
+              <a:rPr lang="en-US" altLang="zh-TW" sz="1600" dirty="0">
+                <a:solidFill>
+                  <a:schemeClr val="tx1"/>
+                </a:solidFill>
+              </a:rPr>
+              <a:t> (“Peter”); // You will get error in the compilation time.</a:t>
+            </a:r>
+          </a:p>
+          <a:p>
+            <a:pPr marL="800100" lvl="1" indent="-342900" algn="l">
+              <a:buClr>
+                <a:srgbClr val="0070C0"/>
+              </a:buClr>
+              <a:buSzPct val="80000"/>
+              <a:buFont typeface="Wingdings" pitchFamily="2" charset="2"/>
+              <a:buChar char="u"/>
+            </a:pPr>
+            <a:r>
+              <a:rPr lang="en-US" altLang="zh-TW" sz="1600" dirty="0">
+                <a:solidFill>
+                  <a:schemeClr val="tx1"/>
+                </a:solidFill>
+              </a:rPr>
+              <a:t>}</a:t>
+            </a:r>
+          </a:p>
+          <a:p>
+            <a:pPr marL="342900" indent="-342900" algn="l">
+              <a:buClr>
+                <a:srgbClr val="0070C0"/>
+              </a:buClr>
+              <a:buSzPct val="80000"/>
+              <a:buFont typeface="Wingdings" pitchFamily="2" charset="2"/>
+              <a:buChar char="u"/>
+            </a:pPr>
+            <a:r>
+              <a:rPr lang="en-US" altLang="zh-TW" sz="1600" dirty="0">
+                <a:solidFill>
+                  <a:schemeClr val="tx1"/>
+                </a:solidFill>
+              </a:rPr>
+              <a:t>}</a:t>
+            </a:r>
+          </a:p>
+          <a:p>
+            <a:pPr marL="342900" indent="-342900" algn="l">
+              <a:buClr>
+                <a:srgbClr val="0070C0"/>
+              </a:buClr>
+              <a:buSzPct val="80000"/>
+              <a:buFont typeface="Wingdings" pitchFamily="2" charset="2"/>
+              <a:buChar char="u"/>
+            </a:pPr>
+            <a:endParaRPr lang="en-US" altLang="zh-TW" sz="1600" dirty="0">
+              <a:solidFill>
+                <a:schemeClr val="tx1"/>
+              </a:solidFill>
+            </a:endParaRPr>
+          </a:p>
+          <a:p>
+            <a:pPr marL="342900" indent="-342900" algn="l">
+              <a:buClr>
+                <a:srgbClr val="0070C0"/>
+              </a:buClr>
+              <a:buSzPct val="80000"/>
+              <a:buFont typeface="Wingdings" pitchFamily="2" charset="2"/>
+              <a:buChar char="u"/>
+            </a:pPr>
+            <a:endParaRPr lang="en-US" altLang="zh-TW" sz="1600" dirty="0">
+              <a:solidFill>
+                <a:schemeClr val="tx1"/>
+              </a:solidFill>
+            </a:endParaRPr>
+          </a:p>
+          <a:p>
+            <a:pPr marL="342900" indent="-342900" algn="l">
+              <a:buClr>
+                <a:srgbClr val="0070C0"/>
+              </a:buClr>
+              <a:buSzPct val="80000"/>
+              <a:buFont typeface="Wingdings" pitchFamily="2" charset="2"/>
+              <a:buChar char="u"/>
+            </a:pPr>
+            <a:endParaRPr lang="en-US" altLang="zh-TW" sz="1600" dirty="0">
+              <a:solidFill>
+                <a:schemeClr val="tx1"/>
+              </a:solidFill>
+            </a:endParaRPr>
+          </a:p>
+        </p:txBody>
+      </p:sp>
+      <p:sp>
+        <p:nvSpPr>
+          <p:cNvPr id="4" name="標題 1"/>
+          <p:cNvSpPr txBox="1">
+            <a:spLocks/>
+          </p:cNvSpPr>
+          <p:nvPr/>
+        </p:nvSpPr>
+        <p:spPr>
+          <a:xfrm>
+            <a:off x="0" y="764704"/>
+            <a:ext cx="9144000" cy="360040"/>
+          </a:xfrm>
+          <a:prstGeom prst="rect">
+            <a:avLst/>
+          </a:prstGeom>
+          <a:gradFill flip="none" rotWithShape="1">
+            <a:gsLst>
+              <a:gs pos="0">
+                <a:srgbClr val="00B0F0">
+                  <a:shade val="30000"/>
+                  <a:satMod val="115000"/>
+                </a:srgbClr>
+              </a:gs>
+              <a:gs pos="50000">
+                <a:srgbClr val="00B0F0">
+                  <a:shade val="67500"/>
+                  <a:satMod val="115000"/>
+                </a:srgbClr>
+              </a:gs>
+              <a:gs pos="100000">
+                <a:srgbClr val="00B0F0">
+                  <a:shade val="100000"/>
+                  <a:satMod val="115000"/>
+                </a:srgbClr>
+              </a:gs>
+            </a:gsLst>
+            <a:path path="circle">
+              <a:fillToRect t="100000" r="100000"/>
+            </a:path>
+            <a:tileRect l="-100000" b="-100000"/>
+          </a:gradFill>
+        </p:spPr>
+        <p:txBody>
+          <a:bodyPr vert="horz" lIns="91440" tIns="45720" rIns="91440" bIns="45720" rtlCol="0" anchor="ctr">
+            <a:normAutofit fontScale="92500"/>
+          </a:bodyPr>
+          <a:lstStyle/>
+          <a:p>
+            <a:pPr lvl="0">
+              <a:spcBef>
+                <a:spcPct val="0"/>
+              </a:spcBef>
+            </a:pPr>
+            <a:r>
+              <a:rPr lang="en-US" sz="1600" dirty="0">
+                <a:hlinkClick r:id="rId2"/>
+              </a:rPr>
+              <a:t>https://www.youtube.com/watch?v=XMvznsY02Mk&amp;list=PLsyeobzWxl7oZ-fxDYkOToURHhMuWD1BK&amp;index=134</a:t>
+            </a:r>
+            <a:endParaRPr kumimoji="0" lang="zh-TW" altLang="en-US" sz="1600" b="0" i="0" u="none" strike="noStrike" kern="1200" cap="none" spc="0" normalizeH="0" baseline="0" noProof="0" dirty="0">
+              <a:ln>
+                <a:noFill/>
+              </a:ln>
+              <a:solidFill>
+                <a:schemeClr val="tx1"/>
+              </a:solidFill>
+              <a:effectLst/>
+              <a:uLnTx/>
+              <a:uFillTx/>
+              <a:latin typeface="+mj-lt"/>
+              <a:ea typeface="+mj-ea"/>
+              <a:cs typeface="+mj-cs"/>
+            </a:endParaRPr>
+          </a:p>
+        </p:txBody>
+      </p:sp>
+      <p:sp>
+        <p:nvSpPr>
+          <p:cNvPr id="5" name="日期版面配置區 4"/>
+          <p:cNvSpPr>
+            <a:spLocks noGrp="1"/>
+          </p:cNvSpPr>
+          <p:nvPr>
+            <p:ph type="dt" sz="half" idx="10"/>
+          </p:nvPr>
+        </p:nvSpPr>
+        <p:spPr/>
+        <p:txBody>
+          <a:bodyPr/>
+          <a:lstStyle/>
+          <a:p>
+            <a:fld id="{A4F910E6-8D00-4BAF-8C48-9688E0B449D3}" type="datetime1">
+              <a:rPr lang="zh-TW" altLang="en-US" smtClean="0"/>
+              <a:pPr/>
+              <a:t>2019/4/26</a:t>
+            </a:fld>
+            <a:endParaRPr lang="zh-TW" altLang="en-US"/>
+          </a:p>
+        </p:txBody>
+      </p:sp>
+      <p:sp>
+        <p:nvSpPr>
+          <p:cNvPr id="6" name="投影片編號版面配置區 5"/>
+          <p:cNvSpPr>
+            <a:spLocks noGrp="1"/>
+          </p:cNvSpPr>
+          <p:nvPr>
+            <p:ph type="sldNum" sz="quarter" idx="12"/>
+          </p:nvPr>
+        </p:nvSpPr>
+        <p:spPr/>
+        <p:txBody>
+          <a:bodyPr/>
+          <a:lstStyle/>
+          <a:p>
+            <a:fld id="{E4D7E63D-91F2-4366-A2C4-1B00C9E2590E}" type="slidenum">
+              <a:rPr lang="zh-TW" altLang="en-US" smtClean="0"/>
+              <a:pPr/>
+              <a:t>21</a:t>
+            </a:fld>
+            <a:endParaRPr lang="zh-TW" altLang="en-US"/>
+          </a:p>
+        </p:txBody>
+      </p:sp>
+    </p:spTree>
+    <p:extLst>
+      <p:ext uri="{BB962C8B-B14F-4D97-AF65-F5344CB8AC3E}">
+        <p14:creationId xmlns:p14="http://schemas.microsoft.com/office/powerpoint/2010/main" val="1055635046"/>
+      </p:ext>
+    </p:extLst>
+  </p:cSld>
+  <p:clrMapOvr>
+    <a:masterClrMapping/>
+  </p:clrMapOvr>
+</p:sld>
+</file>
+
+<file path=ppt/slides/slide22.xml><?xml version="1.0" encoding="utf-8"?>
 <p:sld xmlns:a="http://schemas.openxmlformats.org/drawingml/2006/main" xmlns:r="http://schemas.openxmlformats.org/officeDocument/2006/relationships" xmlns:p="http://schemas.openxmlformats.org/presentationml/2006/main">
   <p:cSld>
     <p:spTree>
@@ -7848,7 +8743,7 @@
             <a:fld id="{E4D7E63D-91F2-4366-A2C4-1B00C9E2590E}" type="slidenum">
               <a:rPr lang="zh-TW" altLang="en-US" smtClean="0"/>
               <a:pPr/>
-              <a:t>20</a:t>
+              <a:t>22</a:t>
             </a:fld>
             <a:endParaRPr lang="zh-TW" altLang="en-US"/>
           </a:p>
